--- a/doc/CS1/Präsentation_CS1_Task_3_Blau.pptx
+++ b/doc/CS1/Präsentation_CS1_Task_3_Blau.pptx
@@ -15521,33 +15521,6 @@
               <a:t>Hier steht ein Aufzählungspunkt, der etwas länger ist und über zwei Zeilen läuft</a:t>
             </a:r>
           </a:p>
-          <a:p>
-            <a:r>
-              <a:rPr lang="de-DE" dirty="0"/>
-              <a:t>Hier steht ein Aufzählungspunkt, der etwas länger ist und über zwei Zeilen läuft</a:t>
-            </a:r>
-          </a:p>
-          <a:p>
-            <a:r>
-              <a:rPr lang="de-DE" dirty="0"/>
-              <a:t>Hier steht ein kürzerer Text</a:t>
-            </a:r>
-          </a:p>
-          <a:p>
-            <a:r>
-              <a:rPr lang="de-DE" dirty="0"/>
-              <a:t>Hier steht ein Aufzählungspunkt, der etwas länger ist und über zwei Zeilen läuft</a:t>
-            </a:r>
-          </a:p>
-          <a:p>
-            <a:r>
-              <a:rPr lang="de-DE" dirty="0"/>
-              <a:t>Hier steht ein Aufzählungspunkt, der etwas länger ist und über zwei Zeilen läuft</a:t>
-            </a:r>
-          </a:p>
-          <a:p>
-            <a:endParaRPr lang="de-DE" dirty="0"/>
-          </a:p>
         </p:txBody>
       </p:sp>
       <p:sp>
@@ -18914,33 +18887,6 @@
               <a:t>Hier steht ein Aufzählungspunkt, der etwas länger ist und über zwei Zeilen läuft</a:t>
             </a:r>
           </a:p>
-          <a:p>
-            <a:r>
-              <a:rPr lang="de-DE" dirty="0"/>
-              <a:t>Hier steht ein Aufzählungspunkt, der etwas länger ist und über zwei Zeilen läuft</a:t>
-            </a:r>
-          </a:p>
-          <a:p>
-            <a:r>
-              <a:rPr lang="de-DE" dirty="0"/>
-              <a:t>Hier steht ein kürzerer Text</a:t>
-            </a:r>
-          </a:p>
-          <a:p>
-            <a:r>
-              <a:rPr lang="de-DE" dirty="0"/>
-              <a:t>Hier steht ein Aufzählungspunkt, der etwas länger ist und über zwei Zeilen läuft</a:t>
-            </a:r>
-          </a:p>
-          <a:p>
-            <a:r>
-              <a:rPr lang="de-DE" dirty="0"/>
-              <a:t>Hier steht ein Aufzählungspunkt, der etwas länger ist und über zwei Zeilen läuft</a:t>
-            </a:r>
-          </a:p>
-          <a:p>
-            <a:endParaRPr lang="de-DE" dirty="0"/>
-          </a:p>
         </p:txBody>
       </p:sp>
       <p:sp>
@@ -19053,33 +18999,6 @@
               <a:rPr lang="de-DE" dirty="0"/>
               <a:t>Hier steht ein Aufzählungspunkt, der etwas länger ist und über zwei Zeilen läuft</a:t>
             </a:r>
-          </a:p>
-          <a:p>
-            <a:r>
-              <a:rPr lang="de-DE" dirty="0"/>
-              <a:t>Hier steht ein Aufzählungspunkt, der etwas länger ist und über zwei Zeilen läuft</a:t>
-            </a:r>
-          </a:p>
-          <a:p>
-            <a:r>
-              <a:rPr lang="de-DE" dirty="0"/>
-              <a:t>Hier steht ein kürzerer Text</a:t>
-            </a:r>
-          </a:p>
-          <a:p>
-            <a:r>
-              <a:rPr lang="de-DE" dirty="0"/>
-              <a:t>Hier steht ein Aufzählungspunkt, der etwas länger ist und über zwei Zeilen läuft</a:t>
-            </a:r>
-          </a:p>
-          <a:p>
-            <a:r>
-              <a:rPr lang="de-DE" dirty="0"/>
-              <a:t>Hier steht ein Aufzählungspunkt, der etwas länger ist und über zwei Zeilen läuft</a:t>
-            </a:r>
-          </a:p>
-          <a:p>
-            <a:endParaRPr lang="de-DE" dirty="0"/>
           </a:p>
         </p:txBody>
       </p:sp>
@@ -20954,6 +20873,15 @@
 </file>
 
 <file path=customXml/item1.xml><?xml version="1.0" encoding="utf-8"?>
+<?mso-contentType ?>
+<FormTemplates xmlns="http://schemas.microsoft.com/sharepoint/v3/contenttype/forms">
+  <Display>DocumentLibraryForm</Display>
+  <Edit>DocumentLibraryForm</Edit>
+  <New>DocumentLibraryForm</New>
+</FormTemplates>
+</file>
+
+<file path=customXml/item2.xml><?xml version="1.0" encoding="utf-8"?>
 <p:properties xmlns:p="http://schemas.microsoft.com/office/2006/metadata/properties" xmlns:xsi="http://www.w3.org/2001/XMLSchema-instance">
   <documentManagement>
     <Betriebsystem xmlns="238ac175-5152-443e-bf42-417a27926292">Windows/Mac</Betriebsystem>
@@ -20961,15 +20889,6 @@
     <Kategorie xmlns="238ac175-5152-443e-bf42-417a27926292">Powerpoint</Kategorie>
   </documentManagement>
 </p:properties>
-</file>
-
-<file path=customXml/item2.xml><?xml version="1.0" encoding="utf-8"?>
-<?mso-contentType ?>
-<FormTemplates xmlns="http://schemas.microsoft.com/sharepoint/v3/contenttype/forms">
-  <Display>DocumentLibraryForm</Display>
-  <Edit>DocumentLibraryForm</Edit>
-  <New>DocumentLibraryForm</New>
-</FormTemplates>
 </file>
 
 <file path=customXml/item3.xml><?xml version="1.0" encoding="utf-8"?>
@@ -21057,18 +20976,18 @@
 </file>
 
 <file path=customXml/itemProps1.xml><?xml version="1.0" encoding="utf-8"?>
-<ds:datastoreItem xmlns:ds="http://schemas.openxmlformats.org/officeDocument/2006/customXml" ds:itemID="{F1B07C9B-62EC-4346-AB37-FD9874CBA0EB}">
+<ds:datastoreItem xmlns:ds="http://schemas.openxmlformats.org/officeDocument/2006/customXml" ds:itemID="{FCD14AB6-6E58-442F-B70D-2B317664A115}">
   <ds:schemaRefs>
-    <ds:schemaRef ds:uri="http://schemas.microsoft.com/office/2006/metadata/properties"/>
-    <ds:schemaRef ds:uri="238ac175-5152-443e-bf42-417a27926292"/>
+    <ds:schemaRef ds:uri="http://schemas.microsoft.com/sharepoint/v3/contenttype/forms"/>
   </ds:schemaRefs>
 </ds:datastoreItem>
 </file>
 
 <file path=customXml/itemProps2.xml><?xml version="1.0" encoding="utf-8"?>
-<ds:datastoreItem xmlns:ds="http://schemas.openxmlformats.org/officeDocument/2006/customXml" ds:itemID="{FCD14AB6-6E58-442F-B70D-2B317664A115}">
+<ds:datastoreItem xmlns:ds="http://schemas.openxmlformats.org/officeDocument/2006/customXml" ds:itemID="{F1B07C9B-62EC-4346-AB37-FD9874CBA0EB}">
   <ds:schemaRefs>
-    <ds:schemaRef ds:uri="http://schemas.microsoft.com/sharepoint/v3/contenttype/forms"/>
+    <ds:schemaRef ds:uri="http://schemas.microsoft.com/office/2006/metadata/properties"/>
+    <ds:schemaRef ds:uri="238ac175-5152-443e-bf42-417a27926292"/>
   </ds:schemaRefs>
 </ds:datastoreItem>
 </file>

--- a/doc/CS1/Präsentation_CS1_Task_3_Blau.pptx
+++ b/doc/CS1/Präsentation_CS1_Task_3_Blau.pptx
@@ -5,10 +5,10 @@
     <p:sldMasterId id="2147483669" r:id="rId4"/>
   </p:sldMasterIdLst>
   <p:notesMasterIdLst>
-    <p:notesMasterId r:id="rId34"/>
+    <p:notesMasterId r:id="rId39"/>
   </p:notesMasterIdLst>
   <p:handoutMasterIdLst>
-    <p:handoutMasterId r:id="rId35"/>
+    <p:handoutMasterId r:id="rId40"/>
   </p:handoutMasterIdLst>
   <p:sldIdLst>
     <p:sldId id="256" r:id="rId5"/>
@@ -18,28 +18,33 @@
     <p:sldId id="285" r:id="rId9"/>
     <p:sldId id="261" r:id="rId10"/>
     <p:sldId id="281" r:id="rId11"/>
-    <p:sldId id="280" r:id="rId12"/>
-    <p:sldId id="260" r:id="rId13"/>
-    <p:sldId id="257" r:id="rId14"/>
-    <p:sldId id="258" r:id="rId15"/>
-    <p:sldId id="259" r:id="rId16"/>
-    <p:sldId id="262" r:id="rId17"/>
-    <p:sldId id="263" r:id="rId18"/>
-    <p:sldId id="264" r:id="rId19"/>
-    <p:sldId id="265" r:id="rId20"/>
-    <p:sldId id="266" r:id="rId21"/>
-    <p:sldId id="267" r:id="rId22"/>
-    <p:sldId id="268" r:id="rId23"/>
-    <p:sldId id="269" r:id="rId24"/>
-    <p:sldId id="270" r:id="rId25"/>
-    <p:sldId id="271" r:id="rId26"/>
-    <p:sldId id="272" r:id="rId27"/>
-    <p:sldId id="273" r:id="rId28"/>
-    <p:sldId id="274" r:id="rId29"/>
-    <p:sldId id="275" r:id="rId30"/>
-    <p:sldId id="276" r:id="rId31"/>
-    <p:sldId id="277" r:id="rId32"/>
-    <p:sldId id="279" r:id="rId33"/>
+    <p:sldId id="286" r:id="rId12"/>
+    <p:sldId id="287" r:id="rId13"/>
+    <p:sldId id="289" r:id="rId14"/>
+    <p:sldId id="290" r:id="rId15"/>
+    <p:sldId id="291" r:id="rId16"/>
+    <p:sldId id="280" r:id="rId17"/>
+    <p:sldId id="260" r:id="rId18"/>
+    <p:sldId id="257" r:id="rId19"/>
+    <p:sldId id="258" r:id="rId20"/>
+    <p:sldId id="259" r:id="rId21"/>
+    <p:sldId id="262" r:id="rId22"/>
+    <p:sldId id="263" r:id="rId23"/>
+    <p:sldId id="264" r:id="rId24"/>
+    <p:sldId id="265" r:id="rId25"/>
+    <p:sldId id="266" r:id="rId26"/>
+    <p:sldId id="267" r:id="rId27"/>
+    <p:sldId id="268" r:id="rId28"/>
+    <p:sldId id="269" r:id="rId29"/>
+    <p:sldId id="270" r:id="rId30"/>
+    <p:sldId id="271" r:id="rId31"/>
+    <p:sldId id="272" r:id="rId32"/>
+    <p:sldId id="273" r:id="rId33"/>
+    <p:sldId id="274" r:id="rId34"/>
+    <p:sldId id="275" r:id="rId35"/>
+    <p:sldId id="276" r:id="rId36"/>
+    <p:sldId id="277" r:id="rId37"/>
+    <p:sldId id="279" r:id="rId38"/>
   </p:sldIdLst>
   <p:sldSz cx="9144000" cy="6858000" type="screen4x3"/>
   <p:notesSz cx="6797675" cy="9872663"/>
@@ -204,7 +209,7 @@
 <file path=ppt/charts/chart1.xml><?xml version="1.0" encoding="utf-8"?>
 <c:chartSpace xmlns:c="http://schemas.openxmlformats.org/drawingml/2006/chart" xmlns:a="http://schemas.openxmlformats.org/drawingml/2006/main" xmlns:r="http://schemas.openxmlformats.org/officeDocument/2006/relationships" xmlns:c16r2="http://schemas.microsoft.com/office/drawing/2015/06/chart">
   <c:date1904 val="0"/>
-  <c:lang val="de-DE"/>
+  <c:lang val="en-US"/>
   <c:roundedCorners val="0"/>
   <mc:AlternateContent xmlns:mc="http://schemas.openxmlformats.org/markup-compatibility/2006">
     <mc:Choice xmlns:c14="http://schemas.microsoft.com/office/drawing/2007/8/2/chart" Requires="c14">
@@ -256,7 +261,7 @@
                     </a:solidFill>
                   </a:defRPr>
                 </a:pPr>
-                <a:endParaRPr lang="de-DE"/>
+                <a:endParaRPr lang="en-US"/>
               </a:p>
             </c:txPr>
             <c:dLblPos val="inBase"/>
@@ -438,7 +443,7 @@
                     </a:solidFill>
                   </a:defRPr>
                 </a:pPr>
-                <a:endParaRPr lang="de-DE"/>
+                <a:endParaRPr lang="en-US"/>
               </a:p>
             </c:txPr>
             <c:dLblPos val="inBase"/>
@@ -567,7 +572,7 @@
           <a:latin typeface="Lucida Sans"/>
         </a:defRPr>
       </a:pPr>
-      <a:endParaRPr lang="de-DE"/>
+      <a:endParaRPr lang="en-US"/>
     </a:p>
   </c:txPr>
   <c:externalData r:id="rId1">
@@ -579,7 +584,7 @@
 <file path=ppt/charts/chart2.xml><?xml version="1.0" encoding="utf-8"?>
 <c:chartSpace xmlns:c="http://schemas.openxmlformats.org/drawingml/2006/chart" xmlns:a="http://schemas.openxmlformats.org/drawingml/2006/main" xmlns:r="http://schemas.openxmlformats.org/officeDocument/2006/relationships" xmlns:c16r2="http://schemas.microsoft.com/office/drawing/2015/06/chart">
   <c:date1904 val="0"/>
-  <c:lang val="de-DE"/>
+  <c:lang val="en-US"/>
   <c:roundedCorners val="0"/>
   <mc:AlternateContent xmlns:mc="http://schemas.openxmlformats.org/markup-compatibility/2006">
     <mc:Choice xmlns:c14="http://schemas.microsoft.com/office/drawing/2007/8/2/chart" Requires="c14">
@@ -631,7 +636,7 @@
                     </a:solidFill>
                   </a:defRPr>
                 </a:pPr>
-                <a:endParaRPr lang="de-DE"/>
+                <a:endParaRPr lang="en-US"/>
               </a:p>
             </c:txPr>
             <c:dLblPos val="inBase"/>
@@ -813,7 +818,7 @@
                     </a:solidFill>
                   </a:defRPr>
                 </a:pPr>
-                <a:endParaRPr lang="de-DE"/>
+                <a:endParaRPr lang="en-US"/>
               </a:p>
             </c:txPr>
             <c:dLblPos val="inBase"/>
@@ -942,7 +947,7 @@
           <a:latin typeface="Lucida Sans"/>
         </a:defRPr>
       </a:pPr>
-      <a:endParaRPr lang="de-DE"/>
+      <a:endParaRPr lang="en-US"/>
     </a:p>
   </c:txPr>
   <c:externalData r:id="rId1">
@@ -954,7 +959,7 @@
 <file path=ppt/charts/chart3.xml><?xml version="1.0" encoding="utf-8"?>
 <c:chartSpace xmlns:c="http://schemas.openxmlformats.org/drawingml/2006/chart" xmlns:a="http://schemas.openxmlformats.org/drawingml/2006/main" xmlns:r="http://schemas.openxmlformats.org/officeDocument/2006/relationships" xmlns:c16r2="http://schemas.microsoft.com/office/drawing/2015/06/chart">
   <c:date1904 val="0"/>
-  <c:lang val="de-DE"/>
+  <c:lang val="en-US"/>
   <c:roundedCorners val="0"/>
   <mc:AlternateContent xmlns:mc="http://schemas.openxmlformats.org/markup-compatibility/2006">
     <mc:Choice xmlns:c14="http://schemas.microsoft.com/office/drawing/2007/8/2/chart" Requires="c14">
@@ -1217,7 +1222,7 @@
           <a:cs typeface="Lucida Sans"/>
         </a:defRPr>
       </a:pPr>
-      <a:endParaRPr lang="de-DE"/>
+      <a:endParaRPr lang="en-US"/>
     </a:p>
   </c:txPr>
   <c:externalData r:id="rId1">
@@ -1229,7 +1234,7 @@
 <file path=ppt/charts/chart4.xml><?xml version="1.0" encoding="utf-8"?>
 <c:chartSpace xmlns:c="http://schemas.openxmlformats.org/drawingml/2006/chart" xmlns:a="http://schemas.openxmlformats.org/drawingml/2006/main" xmlns:r="http://schemas.openxmlformats.org/officeDocument/2006/relationships" xmlns:c16r2="http://schemas.microsoft.com/office/drawing/2015/06/chart">
   <c:date1904 val="0"/>
-  <c:lang val="de-DE"/>
+  <c:lang val="en-US"/>
   <c:roundedCorners val="0"/>
   <mc:AlternateContent xmlns:mc="http://schemas.openxmlformats.org/markup-compatibility/2006">
     <mc:Choice xmlns:c14="http://schemas.microsoft.com/office/drawing/2007/8/2/chart" Requires="c14">
@@ -1540,7 +1545,7 @@
           <a:cs typeface="Lucida Sans"/>
         </a:defRPr>
       </a:pPr>
-      <a:endParaRPr lang="de-DE"/>
+      <a:endParaRPr lang="en-US"/>
     </a:p>
   </c:txPr>
   <c:externalData r:id="rId2">
@@ -1552,7 +1557,7 @@
 <file path=ppt/charts/chart5.xml><?xml version="1.0" encoding="utf-8"?>
 <c:chartSpace xmlns:c="http://schemas.openxmlformats.org/drawingml/2006/chart" xmlns:a="http://schemas.openxmlformats.org/drawingml/2006/main" xmlns:r="http://schemas.openxmlformats.org/officeDocument/2006/relationships" xmlns:c16r2="http://schemas.microsoft.com/office/drawing/2015/06/chart">
   <c:date1904 val="0"/>
-  <c:lang val="de-DE"/>
+  <c:lang val="en-US"/>
   <c:roundedCorners val="0"/>
   <mc:AlternateContent xmlns:mc="http://schemas.openxmlformats.org/markup-compatibility/2006">
     <mc:Choice xmlns:c14="http://schemas.microsoft.com/office/drawing/2007/8/2/chart" Requires="c14">
@@ -1829,7 +1834,7 @@
           <a:cs typeface="Lucida Sans"/>
         </a:defRPr>
       </a:pPr>
-      <a:endParaRPr lang="de-DE"/>
+      <a:endParaRPr lang="en-US"/>
     </a:p>
   </c:txPr>
   <c:externalData r:id="rId1">
@@ -4742,7 +4747,7 @@
           <a:p>
             <a:fld id="{EFA0D184-D464-48E9-9CA0-A94E873F6C2C}" type="datetimeFigureOut">
               <a:rPr lang="de-CH" smtClean="0"/>
-              <a:t>24.10.2016</a:t>
+              <a:t>26.10.2016</a:t>
             </a:fld>
             <a:endParaRPr lang="de-CH"/>
           </a:p>
@@ -4808,7 +4813,7 @@
           <a:p>
             <a:fld id="{5F377753-DB7C-4FA7-98FC-17681D88797A}" type="slidenum">
               <a:rPr lang="de-CH" smtClean="0"/>
-              <a:t>‹Nr.›</a:t>
+              <a:t>‹#›</a:t>
             </a:fld>
             <a:endParaRPr lang="de-CH"/>
           </a:p>
@@ -4907,7 +4912,7 @@
           <a:p>
             <a:fld id="{5AF2B663-2BA9-4D7E-8201-5DE4109E1EDD}" type="datetimeFigureOut">
               <a:rPr lang="de-CH" smtClean="0"/>
-              <a:t>24.10.2016</a:t>
+              <a:t>26.10.2016</a:t>
             </a:fld>
             <a:endParaRPr lang="de-CH"/>
           </a:p>
@@ -5066,7 +5071,7 @@
           <a:p>
             <a:fld id="{37E44704-8E6D-4CF2-8CFA-A0F7BC751896}" type="slidenum">
               <a:rPr lang="de-CH" smtClean="0"/>
-              <a:t>‹Nr.›</a:t>
+              <a:t>‹#›</a:t>
             </a:fld>
             <a:endParaRPr lang="de-CH"/>
           </a:p>
@@ -5240,7 +5245,7 @@
           <a:p>
             <a:fld id="{7E4475E9-5ACF-3F47-9544-98EDFEBAF08E}" type="slidenum">
               <a:rPr lang="de-DE" smtClean="0"/>
-              <a:t>29</a:t>
+              <a:t>34</a:t>
             </a:fld>
             <a:endParaRPr lang="de-DE"/>
           </a:p>
@@ -6591,7 +6596,7 @@
           <a:p>
             <a:fld id="{F19AE9A8-34D4-4E8C-BE9C-13C550F1BED0}" type="slidenum">
               <a:rPr lang="de-CH" smtClean="0"/>
-              <a:t>‹Nr.›</a:t>
+              <a:t>‹#›</a:t>
             </a:fld>
             <a:endParaRPr lang="de-CH" dirty="0"/>
           </a:p>
@@ -6644,7 +6649,7 @@
           <a:p>
             <a:fld id="{F19AE9A8-34D4-4E8C-BE9C-13C550F1BED0}" type="slidenum">
               <a:rPr lang="de-CH" smtClean="0"/>
-              <a:t>‹Nr.›</a:t>
+              <a:t>‹#›</a:t>
             </a:fld>
             <a:endParaRPr lang="de-CH" dirty="0"/>
           </a:p>
@@ -9389,7 +9394,7 @@
           <a:p>
             <a:fld id="{F19AE9A8-34D4-4E8C-BE9C-13C550F1BED0}" type="slidenum">
               <a:rPr lang="de-CH" smtClean="0"/>
-              <a:t>‹Nr.›</a:t>
+              <a:t>‹#›</a:t>
             </a:fld>
             <a:endParaRPr lang="de-CH" dirty="0"/>
           </a:p>
@@ -9777,7 +9782,7 @@
           <a:p>
             <a:fld id="{F19AE9A8-34D4-4E8C-BE9C-13C550F1BED0}" type="slidenum">
               <a:rPr lang="de-CH" smtClean="0"/>
-              <a:t>‹Nr.›</a:t>
+              <a:t>‹#›</a:t>
             </a:fld>
             <a:endParaRPr lang="de-CH" dirty="0"/>
           </a:p>
@@ -10003,7 +10008,7 @@
           <a:p>
             <a:fld id="{F19AE9A8-34D4-4E8C-BE9C-13C550F1BED0}" type="slidenum">
               <a:rPr lang="de-CH" smtClean="0"/>
-              <a:t>‹Nr.›</a:t>
+              <a:t>‹#›</a:t>
             </a:fld>
             <a:endParaRPr lang="de-CH" dirty="0"/>
           </a:p>
@@ -10303,7 +10308,7 @@
           <a:p>
             <a:fld id="{F19AE9A8-34D4-4E8C-BE9C-13C550F1BED0}" type="slidenum">
               <a:rPr lang="de-CH" smtClean="0"/>
-              <a:t>‹Nr.›</a:t>
+              <a:t>‹#›</a:t>
             </a:fld>
             <a:endParaRPr lang="de-CH" dirty="0"/>
           </a:p>
@@ -10825,7 +10830,7 @@
           <a:p>
             <a:fld id="{F19AE9A8-34D4-4E8C-BE9C-13C550F1BED0}" type="slidenum">
               <a:rPr lang="de-CH" smtClean="0"/>
-              <a:t>‹Nr.›</a:t>
+              <a:t>‹#›</a:t>
             </a:fld>
             <a:endParaRPr lang="de-CH" dirty="0"/>
           </a:p>
@@ -11347,7 +11352,7 @@
           <a:p>
             <a:fld id="{F19AE9A8-34D4-4E8C-BE9C-13C550F1BED0}" type="slidenum">
               <a:rPr lang="de-CH" smtClean="0"/>
-              <a:t>‹Nr.›</a:t>
+              <a:t>‹#›</a:t>
             </a:fld>
             <a:endParaRPr lang="de-CH" dirty="0"/>
           </a:p>
@@ -12073,7 +12078,7 @@
             <a:fld id="{F19AE9A8-34D4-4E8C-BE9C-13C550F1BED0}" type="slidenum">
               <a:rPr lang="de-CH" smtClean="0"/>
               <a:pPr/>
-              <a:t>‹Nr.›</a:t>
+              <a:t>‹#›</a:t>
             </a:fld>
             <a:endParaRPr lang="de-CH" dirty="0"/>
           </a:p>
@@ -12459,7 +12464,7 @@
             <a:fld id="{F19AE9A8-34D4-4E8C-BE9C-13C550F1BED0}" type="slidenum">
               <a:rPr lang="de-CH" smtClean="0"/>
               <a:pPr/>
-              <a:t>‹Nr.›</a:t>
+              <a:t>‹#›</a:t>
             </a:fld>
             <a:endParaRPr lang="de-CH" dirty="0"/>
           </a:p>
@@ -13044,6 +13049,485 @@
           <a:chExt cx="0" cy="0"/>
         </a:xfrm>
       </p:grpSpPr>
+      <p:pic>
+        <p:nvPicPr>
+          <p:cNvPr id="4" name="Content Placeholder 3"/>
+          <p:cNvPicPr>
+            <a:picLocks noGrp="1" noChangeAspect="1"/>
+          </p:cNvPicPr>
+          <p:nvPr>
+            <p:ph sz="half" idx="1"/>
+          </p:nvPr>
+        </p:nvPicPr>
+        <p:blipFill>
+          <a:blip r:embed="rId2"/>
+          <a:stretch>
+            <a:fillRect/>
+          </a:stretch>
+        </p:blipFill>
+        <p:spPr>
+          <a:xfrm>
+            <a:off x="759542" y="1253754"/>
+            <a:ext cx="7516916" cy="4866059"/>
+          </a:xfrm>
+        </p:spPr>
+      </p:pic>
+      <p:sp>
+        <p:nvSpPr>
+          <p:cNvPr id="3" name="Title 2"/>
+          <p:cNvSpPr>
+            <a:spLocks noGrp="1"/>
+          </p:cNvSpPr>
+          <p:nvPr>
+            <p:ph type="ctrTitle"/>
+          </p:nvPr>
+        </p:nvSpPr>
+        <p:spPr/>
+        <p:txBody>
+          <a:bodyPr/>
+          <a:lstStyle/>
+          <a:p>
+            <a:r>
+              <a:rPr lang="en-GB" dirty="0" err="1"/>
+              <a:t>Prototyp</a:t>
+            </a:r>
+            <a:endParaRPr lang="en-GB" dirty="0"/>
+          </a:p>
+        </p:txBody>
+      </p:sp>
+      <p:sp>
+        <p:nvSpPr>
+          <p:cNvPr id="5" name="TextBox 4">
+            <a:hlinkClick r:id="rId3" action="ppaction://hlinksldjump"/>
+          </p:cNvPr>
+          <p:cNvSpPr txBox="1"/>
+          <p:nvPr/>
+        </p:nvSpPr>
+        <p:spPr>
+          <a:xfrm>
+            <a:off x="6774025" y="5495731"/>
+            <a:ext cx="690466" cy="261610"/>
+          </a:xfrm>
+          <a:prstGeom prst="rect">
+            <a:avLst/>
+          </a:prstGeom>
+          <a:noFill/>
+        </p:spPr>
+        <p:txBody>
+          <a:bodyPr wrap="square" rtlCol="0">
+            <a:spAutoFit/>
+          </a:bodyPr>
+          <a:lstStyle/>
+          <a:p>
+            <a:r>
+              <a:rPr lang="en-GB" sz="1100" dirty="0" err="1"/>
+              <a:t>zurück</a:t>
+            </a:r>
+            <a:endParaRPr lang="en-GB" sz="1100" dirty="0"/>
+          </a:p>
+        </p:txBody>
+      </p:sp>
+    </p:spTree>
+    <p:extLst>
+      <p:ext uri="{BB962C8B-B14F-4D97-AF65-F5344CB8AC3E}">
+        <p14:creationId xmlns:p14="http://schemas.microsoft.com/office/powerpoint/2010/main" val="3580743238"/>
+      </p:ext>
+    </p:extLst>
+  </p:cSld>
+  <p:clrMapOvr>
+    <a:masterClrMapping/>
+  </p:clrMapOvr>
+</p:sld>
+</file>
+
+<file path=ppt/slides/slide11.xml><?xml version="1.0" encoding="utf-8"?>
+<p:sld xmlns:a="http://schemas.openxmlformats.org/drawingml/2006/main" xmlns:r="http://schemas.openxmlformats.org/officeDocument/2006/relationships" xmlns:p="http://schemas.openxmlformats.org/presentationml/2006/main">
+  <p:cSld>
+    <p:spTree>
+      <p:nvGrpSpPr>
+        <p:cNvPr id="1" name=""/>
+        <p:cNvGrpSpPr/>
+        <p:nvPr/>
+      </p:nvGrpSpPr>
+      <p:grpSpPr>
+        <a:xfrm>
+          <a:off x="0" y="0"/>
+          <a:ext cx="0" cy="0"/>
+          <a:chOff x="0" y="0"/>
+          <a:chExt cx="0" cy="0"/>
+        </a:xfrm>
+      </p:grpSpPr>
+      <p:pic>
+        <p:nvPicPr>
+          <p:cNvPr id="4" name="Content Placeholder 3"/>
+          <p:cNvPicPr>
+            <a:picLocks noGrp="1" noChangeAspect="1"/>
+          </p:cNvPicPr>
+          <p:nvPr>
+            <p:ph sz="half" idx="1"/>
+          </p:nvPr>
+        </p:nvPicPr>
+        <p:blipFill>
+          <a:blip r:embed="rId2"/>
+          <a:stretch>
+            <a:fillRect/>
+          </a:stretch>
+        </p:blipFill>
+        <p:spPr>
+          <a:xfrm>
+            <a:off x="625931" y="1176647"/>
+            <a:ext cx="7784138" cy="5017811"/>
+          </a:xfrm>
+        </p:spPr>
+      </p:pic>
+      <p:sp>
+        <p:nvSpPr>
+          <p:cNvPr id="3" name="Title 2"/>
+          <p:cNvSpPr>
+            <a:spLocks noGrp="1"/>
+          </p:cNvSpPr>
+          <p:nvPr>
+            <p:ph type="ctrTitle"/>
+          </p:nvPr>
+        </p:nvSpPr>
+        <p:spPr/>
+        <p:txBody>
+          <a:bodyPr/>
+          <a:lstStyle/>
+          <a:p>
+            <a:r>
+              <a:rPr lang="en-GB" dirty="0" err="1"/>
+              <a:t>Prototyp</a:t>
+            </a:r>
+            <a:endParaRPr lang="en-GB" dirty="0"/>
+          </a:p>
+        </p:txBody>
+      </p:sp>
+      <p:sp>
+        <p:nvSpPr>
+          <p:cNvPr id="5" name="TextBox 4">
+            <a:hlinkClick r:id="rId3" action="ppaction://hlinksldjump"/>
+          </p:cNvPr>
+          <p:cNvSpPr txBox="1"/>
+          <p:nvPr/>
+        </p:nvSpPr>
+        <p:spPr>
+          <a:xfrm>
+            <a:off x="6774025" y="5495731"/>
+            <a:ext cx="690466" cy="261610"/>
+          </a:xfrm>
+          <a:prstGeom prst="rect">
+            <a:avLst/>
+          </a:prstGeom>
+          <a:noFill/>
+        </p:spPr>
+        <p:txBody>
+          <a:bodyPr wrap="square" rtlCol="0">
+            <a:spAutoFit/>
+          </a:bodyPr>
+          <a:lstStyle/>
+          <a:p>
+            <a:r>
+              <a:rPr lang="en-GB" sz="1100" dirty="0" err="1"/>
+              <a:t>zurück</a:t>
+            </a:r>
+            <a:endParaRPr lang="en-GB" sz="1100" dirty="0"/>
+          </a:p>
+        </p:txBody>
+      </p:sp>
+    </p:spTree>
+    <p:extLst>
+      <p:ext uri="{BB962C8B-B14F-4D97-AF65-F5344CB8AC3E}">
+        <p14:creationId xmlns:p14="http://schemas.microsoft.com/office/powerpoint/2010/main" val="3989070182"/>
+      </p:ext>
+    </p:extLst>
+  </p:cSld>
+  <p:clrMapOvr>
+    <a:masterClrMapping/>
+  </p:clrMapOvr>
+</p:sld>
+</file>
+
+<file path=ppt/slides/slide12.xml><?xml version="1.0" encoding="utf-8"?>
+<p:sld xmlns:a="http://schemas.openxmlformats.org/drawingml/2006/main" xmlns:r="http://schemas.openxmlformats.org/officeDocument/2006/relationships" xmlns:p="http://schemas.openxmlformats.org/presentationml/2006/main">
+  <p:cSld>
+    <p:spTree>
+      <p:nvGrpSpPr>
+        <p:cNvPr id="1" name=""/>
+        <p:cNvGrpSpPr/>
+        <p:nvPr/>
+      </p:nvGrpSpPr>
+      <p:grpSpPr>
+        <a:xfrm>
+          <a:off x="0" y="0"/>
+          <a:ext cx="0" cy="0"/>
+          <a:chOff x="0" y="0"/>
+          <a:chExt cx="0" cy="0"/>
+        </a:xfrm>
+      </p:grpSpPr>
+      <p:pic>
+        <p:nvPicPr>
+          <p:cNvPr id="4" name="Content Placeholder 3"/>
+          <p:cNvPicPr>
+            <a:picLocks noGrp="1" noChangeAspect="1"/>
+          </p:cNvPicPr>
+          <p:nvPr>
+            <p:ph sz="half" idx="1"/>
+          </p:nvPr>
+        </p:nvPicPr>
+        <p:blipFill>
+          <a:blip r:embed="rId2"/>
+          <a:stretch>
+            <a:fillRect/>
+          </a:stretch>
+        </p:blipFill>
+        <p:spPr>
+          <a:xfrm>
+            <a:off x="839085" y="1166327"/>
+            <a:ext cx="7357830" cy="4888172"/>
+          </a:xfrm>
+        </p:spPr>
+      </p:pic>
+      <p:sp>
+        <p:nvSpPr>
+          <p:cNvPr id="3" name="Title 2"/>
+          <p:cNvSpPr>
+            <a:spLocks noGrp="1"/>
+          </p:cNvSpPr>
+          <p:nvPr>
+            <p:ph type="ctrTitle"/>
+          </p:nvPr>
+        </p:nvSpPr>
+        <p:spPr/>
+        <p:txBody>
+          <a:bodyPr/>
+          <a:lstStyle/>
+          <a:p>
+            <a:r>
+              <a:rPr lang="en-GB" dirty="0" err="1"/>
+              <a:t>Prototyp</a:t>
+            </a:r>
+            <a:endParaRPr lang="en-GB" dirty="0"/>
+          </a:p>
+        </p:txBody>
+      </p:sp>
+      <p:sp>
+        <p:nvSpPr>
+          <p:cNvPr id="5" name="TextBox 4">
+            <a:hlinkClick r:id="rId3" action="ppaction://hlinksldjump"/>
+          </p:cNvPr>
+          <p:cNvSpPr txBox="1"/>
+          <p:nvPr/>
+        </p:nvSpPr>
+        <p:spPr>
+          <a:xfrm>
+            <a:off x="6662058" y="5364926"/>
+            <a:ext cx="690466" cy="261610"/>
+          </a:xfrm>
+          <a:prstGeom prst="rect">
+            <a:avLst/>
+          </a:prstGeom>
+          <a:noFill/>
+        </p:spPr>
+        <p:txBody>
+          <a:bodyPr wrap="square" rtlCol="0">
+            <a:spAutoFit/>
+          </a:bodyPr>
+          <a:lstStyle/>
+          <a:p>
+            <a:r>
+              <a:rPr lang="en-GB" sz="1100" dirty="0" err="1"/>
+              <a:t>zurück</a:t>
+            </a:r>
+            <a:endParaRPr lang="en-GB" sz="1100" dirty="0"/>
+          </a:p>
+        </p:txBody>
+      </p:sp>
+    </p:spTree>
+    <p:extLst>
+      <p:ext uri="{BB962C8B-B14F-4D97-AF65-F5344CB8AC3E}">
+        <p14:creationId xmlns:p14="http://schemas.microsoft.com/office/powerpoint/2010/main" val="729809496"/>
+      </p:ext>
+    </p:extLst>
+  </p:cSld>
+  <p:clrMapOvr>
+    <a:masterClrMapping/>
+  </p:clrMapOvr>
+</p:sld>
+</file>
+
+<file path=ppt/slides/slide13.xml><?xml version="1.0" encoding="utf-8"?>
+<p:sld xmlns:a="http://schemas.openxmlformats.org/drawingml/2006/main" xmlns:r="http://schemas.openxmlformats.org/officeDocument/2006/relationships" xmlns:p="http://schemas.openxmlformats.org/presentationml/2006/main">
+  <p:cSld>
+    <p:spTree>
+      <p:nvGrpSpPr>
+        <p:cNvPr id="1" name=""/>
+        <p:cNvGrpSpPr/>
+        <p:nvPr/>
+      </p:nvGrpSpPr>
+      <p:grpSpPr>
+        <a:xfrm>
+          <a:off x="0" y="0"/>
+          <a:ext cx="0" cy="0"/>
+          <a:chOff x="0" y="0"/>
+          <a:chExt cx="0" cy="0"/>
+        </a:xfrm>
+      </p:grpSpPr>
+      <p:sp>
+        <p:nvSpPr>
+          <p:cNvPr id="7" name="Titel 6"/>
+          <p:cNvSpPr>
+            <a:spLocks noGrp="1"/>
+          </p:cNvSpPr>
+          <p:nvPr>
+            <p:ph type="ctrTitle"/>
+          </p:nvPr>
+        </p:nvSpPr>
+        <p:spPr/>
+        <p:txBody>
+          <a:bodyPr/>
+          <a:lstStyle/>
+          <a:p>
+            <a:r>
+              <a:rPr lang="de-DE" dirty="0"/>
+              <a:t>Danke für Ihre Aufmerksamkeit.</a:t>
+            </a:r>
+            <a:br>
+              <a:rPr lang="de-DE" dirty="0"/>
+            </a:br>
+            <a:endParaRPr lang="de-DE" dirty="0"/>
+          </a:p>
+        </p:txBody>
+      </p:sp>
+    </p:spTree>
+    <p:extLst>
+      <p:ext uri="{BB962C8B-B14F-4D97-AF65-F5344CB8AC3E}">
+        <p14:creationId xmlns:p14="http://schemas.microsoft.com/office/powerpoint/2010/main" val="1453298477"/>
+      </p:ext>
+    </p:extLst>
+  </p:cSld>
+  <p:clrMapOvr>
+    <a:masterClrMapping/>
+  </p:clrMapOvr>
+</p:sld>
+</file>
+
+<file path=ppt/slides/slide14.xml><?xml version="1.0" encoding="utf-8"?>
+<p:sld xmlns:a="http://schemas.openxmlformats.org/drawingml/2006/main" xmlns:r="http://schemas.openxmlformats.org/officeDocument/2006/relationships" xmlns:p="http://schemas.openxmlformats.org/presentationml/2006/main">
+  <p:cSld>
+    <p:spTree>
+      <p:nvGrpSpPr>
+        <p:cNvPr id="1" name=""/>
+        <p:cNvGrpSpPr/>
+        <p:nvPr/>
+      </p:nvGrpSpPr>
+      <p:grpSpPr>
+        <a:xfrm>
+          <a:off x="0" y="0"/>
+          <a:ext cx="0" cy="0"/>
+          <a:chOff x="0" y="0"/>
+          <a:chExt cx="0" cy="0"/>
+        </a:xfrm>
+      </p:grpSpPr>
+      <p:sp>
+        <p:nvSpPr>
+          <p:cNvPr id="4" name="Titel 3"/>
+          <p:cNvSpPr>
+            <a:spLocks noGrp="1"/>
+          </p:cNvSpPr>
+          <p:nvPr>
+            <p:ph type="ctrTitle"/>
+          </p:nvPr>
+        </p:nvSpPr>
+        <p:spPr>
+          <a:xfrm>
+            <a:off x="468000" y="1839808"/>
+            <a:ext cx="6528227" cy="533105"/>
+          </a:xfrm>
+          <a:prstGeom prst="rect">
+            <a:avLst/>
+          </a:prstGeom>
+        </p:spPr>
+        <p:txBody>
+          <a:bodyPr lIns="0"/>
+          <a:lstStyle/>
+          <a:p>
+            <a:r>
+              <a:rPr lang="de-DE" dirty="0"/>
+              <a:t>Dies ist eine Kapiteltrennseite</a:t>
+            </a:r>
+          </a:p>
+        </p:txBody>
+      </p:sp>
+      <p:sp>
+        <p:nvSpPr>
+          <p:cNvPr id="5" name="Untertitel 4"/>
+          <p:cNvSpPr>
+            <a:spLocks noGrp="1"/>
+          </p:cNvSpPr>
+          <p:nvPr>
+            <p:ph type="subTitle" idx="4294967295"/>
+          </p:nvPr>
+        </p:nvSpPr>
+        <p:spPr>
+          <a:xfrm>
+            <a:off x="468000" y="2372913"/>
+            <a:ext cx="6513884" cy="805526"/>
+          </a:xfrm>
+          <a:prstGeom prst="rect">
+            <a:avLst/>
+          </a:prstGeom>
+        </p:spPr>
+        <p:txBody>
+          <a:bodyPr lIns="0"/>
+          <a:lstStyle/>
+          <a:p>
+            <a:pPr marL="0" indent="0">
+              <a:buNone/>
+            </a:pPr>
+            <a:r>
+              <a:rPr lang="de-DE" sz="1600" dirty="0">
+                <a:solidFill>
+                  <a:srgbClr val="FFFFFF"/>
+                </a:solidFill>
+                <a:latin typeface="Lucida Sans"/>
+                <a:cs typeface="Lucida Sans"/>
+              </a:rPr>
+              <a:t>Hier steht ein Untertitel</a:t>
+            </a:r>
+          </a:p>
+        </p:txBody>
+      </p:sp>
+    </p:spTree>
+    <p:extLst>
+      <p:ext uri="{BB962C8B-B14F-4D97-AF65-F5344CB8AC3E}">
+        <p14:creationId xmlns:p14="http://schemas.microsoft.com/office/powerpoint/2010/main" val="617437960"/>
+      </p:ext>
+    </p:extLst>
+  </p:cSld>
+  <p:clrMapOvr>
+    <a:masterClrMapping/>
+  </p:clrMapOvr>
+</p:sld>
+</file>
+
+<file path=ppt/slides/slide15.xml><?xml version="1.0" encoding="utf-8"?>
+<p:sld xmlns:a="http://schemas.openxmlformats.org/drawingml/2006/main" xmlns:r="http://schemas.openxmlformats.org/officeDocument/2006/relationships" xmlns:p="http://schemas.openxmlformats.org/presentationml/2006/main">
+  <p:cSld>
+    <p:spTree>
+      <p:nvGrpSpPr>
+        <p:cNvPr id="1" name=""/>
+        <p:cNvGrpSpPr/>
+        <p:nvPr/>
+      </p:nvGrpSpPr>
+      <p:grpSpPr>
+        <a:xfrm>
+          <a:off x="0" y="0"/>
+          <a:ext cx="0" cy="0"/>
+          <a:chOff x="0" y="0"/>
+          <a:chExt cx="0" cy="0"/>
+        </a:xfrm>
+      </p:grpSpPr>
       <p:sp>
         <p:nvSpPr>
           <p:cNvPr id="6" name="Titel 1"/>
@@ -13140,7 +13624,7 @@
 </p:sld>
 </file>
 
-<file path=ppt/slides/slide11.xml><?xml version="1.0" encoding="utf-8"?>
+<file path=ppt/slides/slide16.xml><?xml version="1.0" encoding="utf-8"?>
 <p:sld xmlns:a="http://schemas.openxmlformats.org/drawingml/2006/main" xmlns:r="http://schemas.openxmlformats.org/officeDocument/2006/relationships" xmlns:p="http://schemas.openxmlformats.org/presentationml/2006/main">
   <p:cSld>
     <p:spTree>
@@ -13526,7 +14010,7 @@
 </p:sld>
 </file>
 
-<file path=ppt/slides/slide12.xml><?xml version="1.0" encoding="utf-8"?>
+<file path=ppt/slides/slide17.xml><?xml version="1.0" encoding="utf-8"?>
 <p:sld xmlns:a="http://schemas.openxmlformats.org/drawingml/2006/main" xmlns:r="http://schemas.openxmlformats.org/officeDocument/2006/relationships" xmlns:p="http://schemas.openxmlformats.org/presentationml/2006/main">
   <p:cSld>
     <p:spTree>
@@ -13600,7 +14084,7 @@
 </p:sld>
 </file>
 
-<file path=ppt/slides/slide13.xml><?xml version="1.0" encoding="utf-8"?>
+<file path=ppt/slides/slide18.xml><?xml version="1.0" encoding="utf-8"?>
 <p:sld xmlns:a="http://schemas.openxmlformats.org/drawingml/2006/main" xmlns:r="http://schemas.openxmlformats.org/officeDocument/2006/relationships" xmlns:p="http://schemas.openxmlformats.org/presentationml/2006/main">
   <p:cSld>
     <p:spTree>
@@ -14085,7 +14569,7 @@
 </p:sld>
 </file>
 
-<file path=ppt/slides/slide14.xml><?xml version="1.0" encoding="utf-8"?>
+<file path=ppt/slides/slide19.xml><?xml version="1.0" encoding="utf-8"?>
 <p:sld xmlns:a="http://schemas.openxmlformats.org/drawingml/2006/main" xmlns:r="http://schemas.openxmlformats.org/officeDocument/2006/relationships" xmlns:p="http://schemas.openxmlformats.org/presentationml/2006/main">
   <p:cSld>
     <p:spTree>
@@ -14584,7 +15068,198 @@
 </p:sld>
 </file>
 
-<file path=ppt/slides/slide15.xml><?xml version="1.0" encoding="utf-8"?>
+<file path=ppt/slides/slide2.xml><?xml version="1.0" encoding="utf-8"?>
+<p:sld xmlns:a="http://schemas.openxmlformats.org/drawingml/2006/main" xmlns:r="http://schemas.openxmlformats.org/officeDocument/2006/relationships" xmlns:p="http://schemas.openxmlformats.org/presentationml/2006/main">
+  <p:cSld>
+    <p:spTree>
+      <p:nvGrpSpPr>
+        <p:cNvPr id="1" name=""/>
+        <p:cNvGrpSpPr/>
+        <p:nvPr/>
+      </p:nvGrpSpPr>
+      <p:grpSpPr>
+        <a:xfrm>
+          <a:off x="0" y="0"/>
+          <a:ext cx="0" cy="0"/>
+          <a:chOff x="0" y="0"/>
+          <a:chExt cx="0" cy="0"/>
+        </a:xfrm>
+      </p:grpSpPr>
+      <p:sp>
+        <p:nvSpPr>
+          <p:cNvPr id="2" name="Inhaltsplatzhalter 1"/>
+          <p:cNvSpPr>
+            <a:spLocks noGrp="1"/>
+          </p:cNvSpPr>
+          <p:nvPr>
+            <p:ph sz="half" idx="1"/>
+          </p:nvPr>
+        </p:nvSpPr>
+        <p:spPr>
+          <a:xfrm>
+            <a:off x="468000" y="1083202"/>
+            <a:ext cx="7973882" cy="5211272"/>
+          </a:xfrm>
+        </p:spPr>
+        <p:txBody>
+          <a:bodyPr/>
+          <a:lstStyle/>
+          <a:p>
+            <a:endParaRPr lang="de-DE" dirty="0"/>
+          </a:p>
+          <a:p>
+            <a:r>
+              <a:rPr lang="de-CH" dirty="0"/>
+              <a:t>Prakt. Med. Liliane </a:t>
+            </a:r>
+            <a:r>
+              <a:rPr lang="de-CH" dirty="0" err="1"/>
+              <a:t>Weisenseel</a:t>
+            </a:r>
+            <a:endParaRPr lang="de-DE" dirty="0"/>
+          </a:p>
+          <a:p>
+            <a:r>
+              <a:rPr lang="de-DE" dirty="0"/>
+              <a:t>Privatpraxis in Münchenbuchsee</a:t>
+            </a:r>
+          </a:p>
+          <a:p>
+            <a:r>
+              <a:rPr lang="de-DE" dirty="0"/>
+              <a:t>Allgemein Medizinerin</a:t>
+            </a:r>
+          </a:p>
+          <a:p>
+            <a:endParaRPr lang="de-DE" dirty="0"/>
+          </a:p>
+          <a:p>
+            <a:endParaRPr lang="de-DE" dirty="0"/>
+          </a:p>
+          <a:p>
+            <a:endParaRPr lang="de-DE" dirty="0"/>
+          </a:p>
+          <a:p>
+            <a:r>
+              <a:rPr lang="de-DE" dirty="0"/>
+              <a:t>Task</a:t>
+            </a:r>
+          </a:p>
+          <a:p>
+            <a:pPr lvl="1"/>
+            <a:r>
+              <a:rPr lang="de-DE" dirty="0"/>
+              <a:t>Interview führen</a:t>
+            </a:r>
+          </a:p>
+          <a:p>
+            <a:pPr lvl="1"/>
+            <a:r>
+              <a:rPr lang="de-DE" dirty="0"/>
+              <a:t>Inputs für Web </a:t>
+            </a:r>
+            <a:r>
+              <a:rPr lang="de-DE" dirty="0" err="1"/>
+              <a:t>application</a:t>
+            </a:r>
+            <a:endParaRPr lang="de-DE" dirty="0"/>
+          </a:p>
+          <a:p>
+            <a:pPr lvl="1"/>
+            <a:r>
+              <a:rPr lang="de-DE" dirty="0"/>
+              <a:t>Zum Thema Sucht</a:t>
+            </a:r>
+          </a:p>
+          <a:p>
+            <a:pPr lvl="1"/>
+            <a:r>
+              <a:rPr lang="de-DE" dirty="0"/>
+              <a:t>Zielgruppe Ärzte</a:t>
+            </a:r>
+          </a:p>
+          <a:p>
+            <a:endParaRPr lang="de-DE" dirty="0"/>
+          </a:p>
+        </p:txBody>
+      </p:sp>
+      <p:pic>
+        <p:nvPicPr>
+          <p:cNvPr id="1026" name="Picture 2" descr="Liliane Weisenseel"/>
+          <p:cNvPicPr>
+            <a:picLocks noChangeAspect="1" noChangeArrowheads="1"/>
+          </p:cNvPicPr>
+          <p:nvPr/>
+        </p:nvPicPr>
+        <p:blipFill>
+          <a:blip r:embed="rId2">
+            <a:extLst>
+              <a:ext uri="{28A0092B-C50C-407E-A947-70E740481C1C}">
+                <a14:useLocalDpi xmlns:a14="http://schemas.microsoft.com/office/drawing/2010/main" val="0"/>
+              </a:ext>
+            </a:extLst>
+          </a:blip>
+          <a:srcRect/>
+          <a:stretch>
+            <a:fillRect/>
+          </a:stretch>
+        </p:blipFill>
+        <p:spPr bwMode="auto">
+          <a:xfrm>
+            <a:off x="6099175" y="630000"/>
+            <a:ext cx="2342707" cy="3514060"/>
+          </a:xfrm>
+          <a:prstGeom prst="rect">
+            <a:avLst/>
+          </a:prstGeom>
+          <a:noFill/>
+          <a:extLst>
+            <a:ext uri="{909E8E84-426E-40DD-AFC4-6F175D3DCCD1}">
+              <a14:hiddenFill xmlns:a14="http://schemas.microsoft.com/office/drawing/2010/main">
+                <a:solidFill>
+                  <a:srgbClr val="FFFFFF"/>
+                </a:solidFill>
+              </a14:hiddenFill>
+            </a:ext>
+          </a:extLst>
+        </p:spPr>
+      </p:pic>
+      <p:sp>
+        <p:nvSpPr>
+          <p:cNvPr id="3" name="Titel 2"/>
+          <p:cNvSpPr>
+            <a:spLocks noGrp="1"/>
+          </p:cNvSpPr>
+          <p:nvPr>
+            <p:ph type="ctrTitle"/>
+          </p:nvPr>
+        </p:nvSpPr>
+        <p:spPr/>
+        <p:txBody>
+          <a:bodyPr/>
+          <a:lstStyle/>
+          <a:p>
+            <a:r>
+              <a:rPr lang="de-DE" dirty="0"/>
+              <a:t>Interview</a:t>
+            </a:r>
+          </a:p>
+        </p:txBody>
+      </p:sp>
+    </p:spTree>
+    <p:extLst>
+      <p:ext uri="{BB962C8B-B14F-4D97-AF65-F5344CB8AC3E}">
+        <p14:creationId xmlns:p14="http://schemas.microsoft.com/office/powerpoint/2010/main" val="1019839237"/>
+      </p:ext>
+    </p:extLst>
+  </p:cSld>
+  <p:clrMapOvr>
+    <a:masterClrMapping/>
+  </p:clrMapOvr>
+</p:sld>
+</file>
+
+<file path=ppt/slides/slide20.xml><?xml version="1.0" encoding="utf-8"?>
 <p:sld xmlns:a="http://schemas.openxmlformats.org/drawingml/2006/main" xmlns:r="http://schemas.openxmlformats.org/officeDocument/2006/relationships" xmlns:p="http://schemas.openxmlformats.org/presentationml/2006/main">
   <p:cSld>
     <p:spTree>
@@ -14667,7 +15342,7 @@
 </p:sld>
 </file>
 
-<file path=ppt/slides/slide16.xml><?xml version="1.0" encoding="utf-8"?>
+<file path=ppt/slides/slide21.xml><?xml version="1.0" encoding="utf-8"?>
 <p:sld xmlns:a="http://schemas.openxmlformats.org/drawingml/2006/main" xmlns:r="http://schemas.openxmlformats.org/officeDocument/2006/relationships" xmlns:p="http://schemas.openxmlformats.org/presentationml/2006/main">
   <p:cSld>
     <p:spTree>
@@ -14772,7 +15447,7 @@
 </p:sld>
 </file>
 
-<file path=ppt/slides/slide17.xml><?xml version="1.0" encoding="utf-8"?>
+<file path=ppt/slides/slide22.xml><?xml version="1.0" encoding="utf-8"?>
 <p:sld xmlns:a="http://schemas.openxmlformats.org/drawingml/2006/main" xmlns:r="http://schemas.openxmlformats.org/officeDocument/2006/relationships" xmlns:p="http://schemas.openxmlformats.org/presentationml/2006/main">
   <p:cSld>
     <p:spTree>
@@ -14941,7 +15616,7 @@
 </p:sld>
 </file>
 
-<file path=ppt/slides/slide18.xml><?xml version="1.0" encoding="utf-8"?>
+<file path=ppt/slides/slide23.xml><?xml version="1.0" encoding="utf-8"?>
 <p:sld xmlns:a="http://schemas.openxmlformats.org/drawingml/2006/main" xmlns:r="http://schemas.openxmlformats.org/officeDocument/2006/relationships" xmlns:p="http://schemas.openxmlformats.org/presentationml/2006/main">
   <p:cSld>
     <p:spTree>
@@ -15155,7 +15830,7 @@
 </p:sld>
 </file>
 
-<file path=ppt/slides/slide19.xml><?xml version="1.0" encoding="utf-8"?>
+<file path=ppt/slides/slide24.xml><?xml version="1.0" encoding="utf-8"?>
 <p:sld xmlns:a="http://schemas.openxmlformats.org/drawingml/2006/main" xmlns:r="http://schemas.openxmlformats.org/officeDocument/2006/relationships" xmlns:p="http://schemas.openxmlformats.org/presentationml/2006/main">
   <p:cSld>
     <p:spTree>
@@ -15716,198 +16391,7 @@
 </p:sld>
 </file>
 
-<file path=ppt/slides/slide2.xml><?xml version="1.0" encoding="utf-8"?>
-<p:sld xmlns:a="http://schemas.openxmlformats.org/drawingml/2006/main" xmlns:r="http://schemas.openxmlformats.org/officeDocument/2006/relationships" xmlns:p="http://schemas.openxmlformats.org/presentationml/2006/main">
-  <p:cSld>
-    <p:spTree>
-      <p:nvGrpSpPr>
-        <p:cNvPr id="1" name=""/>
-        <p:cNvGrpSpPr/>
-        <p:nvPr/>
-      </p:nvGrpSpPr>
-      <p:grpSpPr>
-        <a:xfrm>
-          <a:off x="0" y="0"/>
-          <a:ext cx="0" cy="0"/>
-          <a:chOff x="0" y="0"/>
-          <a:chExt cx="0" cy="0"/>
-        </a:xfrm>
-      </p:grpSpPr>
-      <p:sp>
-        <p:nvSpPr>
-          <p:cNvPr id="2" name="Inhaltsplatzhalter 1"/>
-          <p:cNvSpPr>
-            <a:spLocks noGrp="1"/>
-          </p:cNvSpPr>
-          <p:nvPr>
-            <p:ph sz="half" idx="1"/>
-          </p:nvPr>
-        </p:nvSpPr>
-        <p:spPr>
-          <a:xfrm>
-            <a:off x="468000" y="1083202"/>
-            <a:ext cx="7973882" cy="5211272"/>
-          </a:xfrm>
-        </p:spPr>
-        <p:txBody>
-          <a:bodyPr/>
-          <a:lstStyle/>
-          <a:p>
-            <a:endParaRPr lang="de-DE" dirty="0"/>
-          </a:p>
-          <a:p>
-            <a:r>
-              <a:rPr lang="de-CH" dirty="0"/>
-              <a:t>Prakt. Med. Liliane </a:t>
-            </a:r>
-            <a:r>
-              <a:rPr lang="de-CH" dirty="0" err="1"/>
-              <a:t>Weisenseel</a:t>
-            </a:r>
-            <a:endParaRPr lang="de-DE" dirty="0"/>
-          </a:p>
-          <a:p>
-            <a:r>
-              <a:rPr lang="de-DE" dirty="0"/>
-              <a:t>Privatpraxis in Münchenbuchsee</a:t>
-            </a:r>
-          </a:p>
-          <a:p>
-            <a:r>
-              <a:rPr lang="de-DE" dirty="0"/>
-              <a:t>Allgemein Medizinerin</a:t>
-            </a:r>
-          </a:p>
-          <a:p>
-            <a:endParaRPr lang="de-DE" dirty="0"/>
-          </a:p>
-          <a:p>
-            <a:endParaRPr lang="de-DE" dirty="0"/>
-          </a:p>
-          <a:p>
-            <a:endParaRPr lang="de-DE" dirty="0"/>
-          </a:p>
-          <a:p>
-            <a:r>
-              <a:rPr lang="de-DE" dirty="0"/>
-              <a:t>Task</a:t>
-            </a:r>
-          </a:p>
-          <a:p>
-            <a:pPr lvl="1"/>
-            <a:r>
-              <a:rPr lang="de-DE" dirty="0"/>
-              <a:t>Interview führen</a:t>
-            </a:r>
-          </a:p>
-          <a:p>
-            <a:pPr lvl="1"/>
-            <a:r>
-              <a:rPr lang="de-DE" dirty="0"/>
-              <a:t>Inputs für Web </a:t>
-            </a:r>
-            <a:r>
-              <a:rPr lang="de-DE" dirty="0" err="1"/>
-              <a:t>application</a:t>
-            </a:r>
-            <a:endParaRPr lang="de-DE" dirty="0"/>
-          </a:p>
-          <a:p>
-            <a:pPr lvl="1"/>
-            <a:r>
-              <a:rPr lang="de-DE" dirty="0"/>
-              <a:t>Zum Thema Sucht</a:t>
-            </a:r>
-          </a:p>
-          <a:p>
-            <a:pPr lvl="1"/>
-            <a:r>
-              <a:rPr lang="de-DE" dirty="0"/>
-              <a:t>Zielgruppe Ärzte</a:t>
-            </a:r>
-          </a:p>
-          <a:p>
-            <a:endParaRPr lang="de-DE" dirty="0"/>
-          </a:p>
-        </p:txBody>
-      </p:sp>
-      <p:pic>
-        <p:nvPicPr>
-          <p:cNvPr id="1026" name="Picture 2" descr="Liliane Weisenseel"/>
-          <p:cNvPicPr>
-            <a:picLocks noChangeAspect="1" noChangeArrowheads="1"/>
-          </p:cNvPicPr>
-          <p:nvPr/>
-        </p:nvPicPr>
-        <p:blipFill>
-          <a:blip r:embed="rId2">
-            <a:extLst>
-              <a:ext uri="{28A0092B-C50C-407E-A947-70E740481C1C}">
-                <a14:useLocalDpi xmlns:a14="http://schemas.microsoft.com/office/drawing/2010/main" val="0"/>
-              </a:ext>
-            </a:extLst>
-          </a:blip>
-          <a:srcRect/>
-          <a:stretch>
-            <a:fillRect/>
-          </a:stretch>
-        </p:blipFill>
-        <p:spPr bwMode="auto">
-          <a:xfrm>
-            <a:off x="6099175" y="630000"/>
-            <a:ext cx="2342707" cy="3514060"/>
-          </a:xfrm>
-          <a:prstGeom prst="rect">
-            <a:avLst/>
-          </a:prstGeom>
-          <a:noFill/>
-          <a:extLst>
-            <a:ext uri="{909E8E84-426E-40DD-AFC4-6F175D3DCCD1}">
-              <a14:hiddenFill xmlns:a14="http://schemas.microsoft.com/office/drawing/2010/main">
-                <a:solidFill>
-                  <a:srgbClr val="FFFFFF"/>
-                </a:solidFill>
-              </a14:hiddenFill>
-            </a:ext>
-          </a:extLst>
-        </p:spPr>
-      </p:pic>
-      <p:sp>
-        <p:nvSpPr>
-          <p:cNvPr id="3" name="Titel 2"/>
-          <p:cNvSpPr>
-            <a:spLocks noGrp="1"/>
-          </p:cNvSpPr>
-          <p:nvPr>
-            <p:ph type="ctrTitle"/>
-          </p:nvPr>
-        </p:nvSpPr>
-        <p:spPr/>
-        <p:txBody>
-          <a:bodyPr/>
-          <a:lstStyle/>
-          <a:p>
-            <a:r>
-              <a:rPr lang="de-DE" dirty="0"/>
-              <a:t>Interview</a:t>
-            </a:r>
-          </a:p>
-        </p:txBody>
-      </p:sp>
-    </p:spTree>
-    <p:extLst>
-      <p:ext uri="{BB962C8B-B14F-4D97-AF65-F5344CB8AC3E}">
-        <p14:creationId xmlns:p14="http://schemas.microsoft.com/office/powerpoint/2010/main" val="1019839237"/>
-      </p:ext>
-    </p:extLst>
-  </p:cSld>
-  <p:clrMapOvr>
-    <a:masterClrMapping/>
-  </p:clrMapOvr>
-</p:sld>
-</file>
-
-<file path=ppt/slides/slide20.xml><?xml version="1.0" encoding="utf-8"?>
+<file path=ppt/slides/slide25.xml><?xml version="1.0" encoding="utf-8"?>
 <p:sld xmlns:a="http://schemas.openxmlformats.org/drawingml/2006/main" xmlns:r="http://schemas.openxmlformats.org/officeDocument/2006/relationships" xmlns:p="http://schemas.openxmlformats.org/presentationml/2006/main">
   <p:cSld>
     <p:spTree>
@@ -15984,7 +16468,7 @@
 </p:sld>
 </file>
 
-<file path=ppt/slides/slide21.xml><?xml version="1.0" encoding="utf-8"?>
+<file path=ppt/slides/slide26.xml><?xml version="1.0" encoding="utf-8"?>
 <p:sld xmlns:a="http://schemas.openxmlformats.org/drawingml/2006/main" xmlns:r="http://schemas.openxmlformats.org/officeDocument/2006/relationships" xmlns:p="http://schemas.openxmlformats.org/presentationml/2006/main">
   <p:cSld>
     <p:spTree>
@@ -16098,7 +16582,7 @@
 </p:sld>
 </file>
 
-<file path=ppt/slides/slide22.xml><?xml version="1.0" encoding="utf-8"?>
+<file path=ppt/slides/slide27.xml><?xml version="1.0" encoding="utf-8"?>
 <p:sld xmlns:a="http://schemas.openxmlformats.org/drawingml/2006/main" xmlns:r="http://schemas.openxmlformats.org/officeDocument/2006/relationships" xmlns:p="http://schemas.openxmlformats.org/presentationml/2006/main">
   <p:cSld>
     <p:spTree>
@@ -16212,7 +16696,7 @@
 </p:sld>
 </file>
 
-<file path=ppt/slides/slide23.xml><?xml version="1.0" encoding="utf-8"?>
+<file path=ppt/slides/slide28.xml><?xml version="1.0" encoding="utf-8"?>
 <p:sld xmlns:a="http://schemas.openxmlformats.org/drawingml/2006/main" xmlns:r="http://schemas.openxmlformats.org/officeDocument/2006/relationships" xmlns:p="http://schemas.openxmlformats.org/presentationml/2006/main">
   <p:cSld>
     <p:spTree>
@@ -16316,7 +16800,7 @@
 </p:sld>
 </file>
 
-<file path=ppt/slides/slide24.xml><?xml version="1.0" encoding="utf-8"?>
+<file path=ppt/slides/slide29.xml><?xml version="1.0" encoding="utf-8"?>
 <p:sld xmlns:a="http://schemas.openxmlformats.org/drawingml/2006/main" xmlns:r="http://schemas.openxmlformats.org/officeDocument/2006/relationships" xmlns:p="http://schemas.openxmlformats.org/presentationml/2006/main">
   <p:cSld>
     <p:spTree>
@@ -18494,7 +18978,173 @@
 </p:sld>
 </file>
 
-<file path=ppt/slides/slide25.xml><?xml version="1.0" encoding="utf-8"?>
+<file path=ppt/slides/slide3.xml><?xml version="1.0" encoding="utf-8"?>
+<p:sld xmlns:a="http://schemas.openxmlformats.org/drawingml/2006/main" xmlns:r="http://schemas.openxmlformats.org/officeDocument/2006/relationships" xmlns:p="http://schemas.openxmlformats.org/presentationml/2006/main">
+  <p:cSld>
+    <p:spTree>
+      <p:nvGrpSpPr>
+        <p:cNvPr id="1" name=""/>
+        <p:cNvGrpSpPr/>
+        <p:nvPr/>
+      </p:nvGrpSpPr>
+      <p:grpSpPr>
+        <a:xfrm>
+          <a:off x="0" y="0"/>
+          <a:ext cx="0" cy="0"/>
+          <a:chOff x="0" y="0"/>
+          <a:chExt cx="0" cy="0"/>
+        </a:xfrm>
+      </p:grpSpPr>
+      <p:sp>
+        <p:nvSpPr>
+          <p:cNvPr id="2" name="Inhaltsplatzhalter 1"/>
+          <p:cNvSpPr>
+            <a:spLocks noGrp="1"/>
+          </p:cNvSpPr>
+          <p:nvPr>
+            <p:ph sz="half" idx="1"/>
+          </p:nvPr>
+        </p:nvSpPr>
+        <p:spPr>
+          <a:xfrm>
+            <a:off x="468000" y="1118723"/>
+            <a:ext cx="8100000" cy="4680000"/>
+          </a:xfrm>
+        </p:spPr>
+        <p:txBody>
+          <a:bodyPr/>
+          <a:lstStyle/>
+          <a:p>
+            <a:r>
+              <a:rPr lang="de-CH" dirty="0"/>
+              <a:t>IT Gebrauch (heutiger Stand)</a:t>
+            </a:r>
+          </a:p>
+          <a:p>
+            <a:pPr lvl="1"/>
+            <a:r>
+              <a:rPr lang="de-CH" dirty="0" err="1"/>
+              <a:t>Vitomed</a:t>
+            </a:r>
+            <a:endParaRPr lang="de-CH" dirty="0"/>
+          </a:p>
+          <a:p>
+            <a:pPr lvl="1"/>
+            <a:r>
+              <a:rPr lang="de-CH" dirty="0"/>
+              <a:t>Während Behandlung: Papier geht schneller</a:t>
+            </a:r>
+          </a:p>
+          <a:p>
+            <a:pPr lvl="1"/>
+            <a:r>
+              <a:rPr lang="de-CH" dirty="0"/>
+              <a:t>Generell: effizienter elektronisch </a:t>
+            </a:r>
+          </a:p>
+          <a:p>
+            <a:pPr lvl="2"/>
+            <a:r>
+              <a:rPr lang="de-CH" dirty="0"/>
+              <a:t>Platzsparend</a:t>
+            </a:r>
+          </a:p>
+          <a:p>
+            <a:pPr lvl="2"/>
+            <a:r>
+              <a:rPr lang="de-CH" dirty="0"/>
+              <a:t>Wiederverwendbar</a:t>
+            </a:r>
+          </a:p>
+          <a:p>
+            <a:pPr lvl="2"/>
+            <a:r>
+              <a:rPr lang="de-CH" dirty="0"/>
+              <a:t>Dokumente müssen nicht mehrmals aufbereitet werden</a:t>
+            </a:r>
+          </a:p>
+          <a:p>
+            <a:pPr lvl="2"/>
+            <a:r>
+              <a:rPr lang="de-CH" dirty="0"/>
+              <a:t>Schnellere Suche</a:t>
+            </a:r>
+          </a:p>
+          <a:p>
+            <a:endParaRPr lang="de-CH" dirty="0"/>
+          </a:p>
+          <a:p>
+            <a:r>
+              <a:rPr lang="de-CH" dirty="0"/>
+              <a:t>Kommunikation:</a:t>
+            </a:r>
+          </a:p>
+          <a:p>
+            <a:pPr lvl="1"/>
+            <a:r>
+              <a:rPr lang="de-CH" dirty="0"/>
+              <a:t>Erwünscht Plattform für Informationsaustausch</a:t>
+            </a:r>
+          </a:p>
+          <a:p>
+            <a:pPr lvl="2"/>
+            <a:r>
+              <a:rPr lang="de-CH" dirty="0"/>
+              <a:t>Ärzte, Apotheker, Psychiater</a:t>
+            </a:r>
+          </a:p>
+          <a:p>
+            <a:pPr lvl="1"/>
+            <a:r>
+              <a:rPr lang="de-CH" dirty="0"/>
+              <a:t>Informationsübermittlung</a:t>
+            </a:r>
+          </a:p>
+          <a:p>
+            <a:pPr lvl="2"/>
+            <a:r>
+              <a:rPr lang="de-CH" dirty="0"/>
+              <a:t>Betreuer, Eltern, Partner, Sozialarbeiter</a:t>
+            </a:r>
+          </a:p>
+        </p:txBody>
+      </p:sp>
+      <p:sp>
+        <p:nvSpPr>
+          <p:cNvPr id="3" name="Titel 2"/>
+          <p:cNvSpPr>
+            <a:spLocks noGrp="1"/>
+          </p:cNvSpPr>
+          <p:nvPr>
+            <p:ph type="ctrTitle"/>
+          </p:nvPr>
+        </p:nvSpPr>
+        <p:spPr/>
+        <p:txBody>
+          <a:bodyPr/>
+          <a:lstStyle/>
+          <a:p>
+            <a:r>
+              <a:rPr lang="de-CH" dirty="0"/>
+              <a:t>Ergebnisse</a:t>
+            </a:r>
+          </a:p>
+        </p:txBody>
+      </p:sp>
+    </p:spTree>
+    <p:extLst>
+      <p:ext uri="{BB962C8B-B14F-4D97-AF65-F5344CB8AC3E}">
+        <p14:creationId xmlns:p14="http://schemas.microsoft.com/office/powerpoint/2010/main" val="1725729518"/>
+      </p:ext>
+    </p:extLst>
+  </p:cSld>
+  <p:clrMapOvr>
+    <a:masterClrMapping/>
+  </p:clrMapOvr>
+</p:sld>
+</file>
+
+<file path=ppt/slides/slide30.xml><?xml version="1.0" encoding="utf-8"?>
 <p:sld xmlns:a="http://schemas.openxmlformats.org/drawingml/2006/main" xmlns:r="http://schemas.openxmlformats.org/officeDocument/2006/relationships" xmlns:p="http://schemas.openxmlformats.org/presentationml/2006/main">
   <p:cSld>
     <p:spTree>
@@ -18571,7 +19221,7 @@
 </p:sld>
 </file>
 
-<file path=ppt/slides/slide26.xml><?xml version="1.0" encoding="utf-8"?>
+<file path=ppt/slides/slide31.xml><?xml version="1.0" encoding="utf-8"?>
 <p:sld xmlns:a="http://schemas.openxmlformats.org/drawingml/2006/main" xmlns:r="http://schemas.openxmlformats.org/officeDocument/2006/relationships" xmlns:p="http://schemas.openxmlformats.org/presentationml/2006/main">
   <p:cSld>
     <p:spTree>
@@ -18675,7 +19325,7 @@
 </p:sld>
 </file>
 
-<file path=ppt/slides/slide27.xml><?xml version="1.0" encoding="utf-8"?>
+<file path=ppt/slides/slide32.xml><?xml version="1.0" encoding="utf-8"?>
 <p:sld xmlns:a="http://schemas.openxmlformats.org/drawingml/2006/main" xmlns:r="http://schemas.openxmlformats.org/officeDocument/2006/relationships" xmlns:p="http://schemas.openxmlformats.org/presentationml/2006/main">
   <p:cSld>
     <p:spTree>
@@ -19038,7 +19688,7 @@
 </p:sld>
 </file>
 
-<file path=ppt/slides/slide28.xml><?xml version="1.0" encoding="utf-8"?>
+<file path=ppt/slides/slide33.xml><?xml version="1.0" encoding="utf-8"?>
 <p:sld xmlns:a="http://schemas.openxmlformats.org/drawingml/2006/main" xmlns:r="http://schemas.openxmlformats.org/officeDocument/2006/relationships" xmlns:p="http://schemas.openxmlformats.org/presentationml/2006/main">
   <p:cSld>
     <p:spTree>
@@ -19254,7 +19904,7 @@
 </p:sld>
 </file>
 
-<file path=ppt/slides/slide29.xml><?xml version="1.0" encoding="utf-8"?>
+<file path=ppt/slides/slide34.xml><?xml version="1.0" encoding="utf-8"?>
 <p:sld xmlns:a="http://schemas.openxmlformats.org/drawingml/2006/main" xmlns:r="http://schemas.openxmlformats.org/officeDocument/2006/relationships" xmlns:p="http://schemas.openxmlformats.org/presentationml/2006/main">
   <p:cSld>
     <p:spTree>
@@ -19465,172 +20115,6 @@
 </p:sld>
 </file>
 
-<file path=ppt/slides/slide3.xml><?xml version="1.0" encoding="utf-8"?>
-<p:sld xmlns:a="http://schemas.openxmlformats.org/drawingml/2006/main" xmlns:r="http://schemas.openxmlformats.org/officeDocument/2006/relationships" xmlns:p="http://schemas.openxmlformats.org/presentationml/2006/main">
-  <p:cSld>
-    <p:spTree>
-      <p:nvGrpSpPr>
-        <p:cNvPr id="1" name=""/>
-        <p:cNvGrpSpPr/>
-        <p:nvPr/>
-      </p:nvGrpSpPr>
-      <p:grpSpPr>
-        <a:xfrm>
-          <a:off x="0" y="0"/>
-          <a:ext cx="0" cy="0"/>
-          <a:chOff x="0" y="0"/>
-          <a:chExt cx="0" cy="0"/>
-        </a:xfrm>
-      </p:grpSpPr>
-      <p:sp>
-        <p:nvSpPr>
-          <p:cNvPr id="2" name="Inhaltsplatzhalter 1"/>
-          <p:cNvSpPr>
-            <a:spLocks noGrp="1"/>
-          </p:cNvSpPr>
-          <p:nvPr>
-            <p:ph sz="half" idx="1"/>
-          </p:nvPr>
-        </p:nvSpPr>
-        <p:spPr>
-          <a:xfrm>
-            <a:off x="468000" y="1118723"/>
-            <a:ext cx="8100000" cy="4680000"/>
-          </a:xfrm>
-        </p:spPr>
-        <p:txBody>
-          <a:bodyPr/>
-          <a:lstStyle/>
-          <a:p>
-            <a:r>
-              <a:rPr lang="de-CH" dirty="0"/>
-              <a:t>IT Gebrauch (heutiger Stand)</a:t>
-            </a:r>
-          </a:p>
-          <a:p>
-            <a:pPr lvl="1"/>
-            <a:r>
-              <a:rPr lang="de-CH" dirty="0" err="1"/>
-              <a:t>Vitomed</a:t>
-            </a:r>
-            <a:endParaRPr lang="de-CH" dirty="0"/>
-          </a:p>
-          <a:p>
-            <a:pPr lvl="1"/>
-            <a:r>
-              <a:rPr lang="de-CH" dirty="0"/>
-              <a:t>Während Behandlung: Papier geht schneller</a:t>
-            </a:r>
-          </a:p>
-          <a:p>
-            <a:pPr lvl="1"/>
-            <a:r>
-              <a:rPr lang="de-CH" dirty="0"/>
-              <a:t>Generell: effizienter elektronisch </a:t>
-            </a:r>
-          </a:p>
-          <a:p>
-            <a:pPr lvl="2"/>
-            <a:r>
-              <a:rPr lang="de-CH" dirty="0"/>
-              <a:t>Platzsparend</a:t>
-            </a:r>
-          </a:p>
-          <a:p>
-            <a:pPr lvl="2"/>
-            <a:r>
-              <a:rPr lang="de-CH" dirty="0"/>
-              <a:t>Wiederverwendbar</a:t>
-            </a:r>
-          </a:p>
-          <a:p>
-            <a:pPr lvl="2"/>
-            <a:r>
-              <a:rPr lang="de-CH" dirty="0"/>
-              <a:t>Dokumente müssen nicht mehrmals aufbereitet werden</a:t>
-            </a:r>
-          </a:p>
-          <a:p>
-            <a:pPr lvl="2"/>
-            <a:r>
-              <a:rPr lang="de-CH" dirty="0"/>
-              <a:t>Schnellere Suche</a:t>
-            </a:r>
-          </a:p>
-          <a:p>
-            <a:endParaRPr lang="de-CH" dirty="0"/>
-          </a:p>
-          <a:p>
-            <a:r>
-              <a:rPr lang="de-CH" dirty="0"/>
-              <a:t>Kommunikation:</a:t>
-            </a:r>
-          </a:p>
-          <a:p>
-            <a:pPr lvl="1"/>
-            <a:r>
-              <a:rPr lang="de-CH" dirty="0"/>
-              <a:t>Erwünscht Plattform für Informationsaustausch</a:t>
-            </a:r>
-          </a:p>
-          <a:p>
-            <a:pPr lvl="2"/>
-            <a:r>
-              <a:rPr lang="de-CH" dirty="0"/>
-              <a:t>Ärzte, Apotheker, Psychiater</a:t>
-            </a:r>
-          </a:p>
-          <a:p>
-            <a:pPr lvl="1"/>
-            <a:r>
-              <a:rPr lang="de-CH" dirty="0"/>
-              <a:t>Informationsübermittlung</a:t>
-            </a:r>
-          </a:p>
-          <a:p>
-            <a:pPr lvl="2"/>
-            <a:r>
-              <a:rPr lang="de-CH" dirty="0"/>
-              <a:t>Betreuer, Eltern, Partner, Sozialarbeiter</a:t>
-            </a:r>
-          </a:p>
-        </p:txBody>
-      </p:sp>
-      <p:sp>
-        <p:nvSpPr>
-          <p:cNvPr id="3" name="Titel 2"/>
-          <p:cNvSpPr>
-            <a:spLocks noGrp="1"/>
-          </p:cNvSpPr>
-          <p:nvPr>
-            <p:ph type="ctrTitle"/>
-          </p:nvPr>
-        </p:nvSpPr>
-        <p:spPr/>
-        <p:txBody>
-          <a:bodyPr/>
-          <a:lstStyle/>
-          <a:p>
-            <a:r>
-              <a:rPr lang="de-CH" dirty="0"/>
-              <a:t>Ergebnisse</a:t>
-            </a:r>
-          </a:p>
-        </p:txBody>
-      </p:sp>
-    </p:spTree>
-    <p:extLst>
-      <p:ext uri="{BB962C8B-B14F-4D97-AF65-F5344CB8AC3E}">
-        <p14:creationId xmlns:p14="http://schemas.microsoft.com/office/powerpoint/2010/main" val="1725729518"/>
-      </p:ext>
-    </p:extLst>
-  </p:cSld>
-  <p:clrMapOvr>
-    <a:masterClrMapping/>
-  </p:clrMapOvr>
-</p:sld>
-</file>
-
 <file path=ppt/slides/slide4.xml><?xml version="1.0" encoding="utf-8"?>
 <p:sld xmlns:a="http://schemas.openxmlformats.org/drawingml/2006/main" xmlns:r="http://schemas.openxmlformats.org/officeDocument/2006/relationships" xmlns:p="http://schemas.openxmlformats.org/presentationml/2006/main">
   <p:cSld>
@@ -20052,67 +20536,29 @@
           <a:chExt cx="0" cy="0"/>
         </a:xfrm>
       </p:grpSpPr>
-      <p:sp>
-        <p:nvSpPr>
-          <p:cNvPr id="2" name="Inhaltsplatzhalter 1"/>
-          <p:cNvSpPr>
-            <a:spLocks noGrp="1"/>
-          </p:cNvSpPr>
+      <p:pic>
+        <p:nvPicPr>
+          <p:cNvPr id="4" name="Content Placeholder 3"/>
+          <p:cNvPicPr>
+            <a:picLocks noGrp="1" noChangeAspect="1"/>
+          </p:cNvPicPr>
           <p:nvPr>
             <p:ph sz="half" idx="1"/>
           </p:nvPr>
-        </p:nvSpPr>
-        <p:spPr/>
-        <p:txBody>
-          <a:bodyPr/>
-          <a:lstStyle/>
-          <a:p>
-            <a:r>
-              <a:rPr lang="de-DE" dirty="0"/>
-              <a:t>Die </a:t>
-            </a:r>
-            <a:r>
-              <a:rPr lang="de-DE" dirty="0" err="1"/>
-              <a:t>Standardschriftgrösse</a:t>
-            </a:r>
-            <a:r>
-              <a:rPr lang="de-DE" dirty="0"/>
-              <a:t> für Text ist 18 </a:t>
-            </a:r>
-            <a:r>
-              <a:rPr lang="de-DE" dirty="0" err="1"/>
-              <a:t>pt</a:t>
-            </a:r>
-            <a:endParaRPr lang="de-DE" dirty="0"/>
-          </a:p>
-          <a:p>
-            <a:r>
-              <a:rPr lang="de-DE" dirty="0"/>
-              <a:t>Diese </a:t>
-            </a:r>
-            <a:r>
-              <a:rPr lang="de-DE" dirty="0" err="1"/>
-              <a:t>Schriftgrösse</a:t>
-            </a:r>
-            <a:r>
-              <a:rPr lang="de-DE" dirty="0"/>
-              <a:t> sollte nicht verkleinert werden, sie gewährleistet eine gute Lesbarkeit</a:t>
-            </a:r>
-          </a:p>
-          <a:p>
-            <a:r>
-              <a:rPr lang="de-DE" dirty="0"/>
-              <a:t>Hier steht ein kürzerer Text</a:t>
-            </a:r>
-          </a:p>
-          <a:p>
-            <a:r>
-              <a:rPr lang="de-DE" dirty="0"/>
-              <a:t>Hier steht ein Aufzählungspunkt, der etwas länger ist und über zwei Zeilen läuft</a:t>
-            </a:r>
-          </a:p>
-        </p:txBody>
-      </p:sp>
+        </p:nvPicPr>
+        <p:blipFill>
+          <a:blip r:embed="rId2"/>
+          <a:stretch>
+            <a:fillRect/>
+          </a:stretch>
+        </p:blipFill>
+        <p:spPr>
+          <a:xfrm>
+            <a:off x="580481" y="1146429"/>
+            <a:ext cx="7875037" cy="5122673"/>
+          </a:xfrm>
+        </p:spPr>
+      </p:pic>
       <p:sp>
         <p:nvSpPr>
           <p:cNvPr id="3" name="Titel 2"/>
@@ -20132,6 +20578,47 @@
               <a:rPr lang="de-DE" dirty="0"/>
               <a:t>Prototyp</a:t>
             </a:r>
+          </a:p>
+        </p:txBody>
+      </p:sp>
+      <p:sp>
+        <p:nvSpPr>
+          <p:cNvPr id="5" name="Rectangle 4">
+            <a:hlinkClick r:id="rId3" action="ppaction://hlinksldjump"/>
+          </p:cNvPr>
+          <p:cNvSpPr/>
+          <p:nvPr/>
+        </p:nvSpPr>
+        <p:spPr>
+          <a:xfrm>
+            <a:off x="3340359" y="4292082"/>
+            <a:ext cx="671804" cy="233265"/>
+          </a:xfrm>
+          <a:prstGeom prst="rect">
+            <a:avLst/>
+          </a:prstGeom>
+          <a:noFill/>
+        </p:spPr>
+        <p:style>
+          <a:lnRef idx="1">
+            <a:schemeClr val="accent1"/>
+          </a:lnRef>
+          <a:fillRef idx="3">
+            <a:schemeClr val="accent1"/>
+          </a:fillRef>
+          <a:effectRef idx="2">
+            <a:schemeClr val="accent1"/>
+          </a:effectRef>
+          <a:fontRef idx="minor">
+            <a:schemeClr val="lt1"/>
+          </a:fontRef>
+        </p:style>
+        <p:txBody>
+          <a:bodyPr rtlCol="0" anchor="ctr"/>
+          <a:lstStyle/>
+          <a:p>
+            <a:pPr algn="ctr"/>
+            <a:endParaRPr lang="en-GB"/>
           </a:p>
         </p:txBody>
       </p:sp>
@@ -20165,9 +20652,32 @@
           <a:chExt cx="0" cy="0"/>
         </a:xfrm>
       </p:grpSpPr>
+      <p:pic>
+        <p:nvPicPr>
+          <p:cNvPr id="4" name="Content Placeholder 3"/>
+          <p:cNvPicPr>
+            <a:picLocks noGrp="1" noChangeAspect="1"/>
+          </p:cNvPicPr>
+          <p:nvPr>
+            <p:ph sz="half" idx="1"/>
+          </p:nvPr>
+        </p:nvPicPr>
+        <p:blipFill>
+          <a:blip r:embed="rId2"/>
+          <a:stretch>
+            <a:fillRect/>
+          </a:stretch>
+        </p:blipFill>
+        <p:spPr>
+          <a:xfrm>
+            <a:off x="828560" y="1126764"/>
+            <a:ext cx="7378879" cy="4843760"/>
+          </a:xfrm>
+        </p:spPr>
+      </p:pic>
       <p:sp>
         <p:nvSpPr>
-          <p:cNvPr id="7" name="Titel 6"/>
+          <p:cNvPr id="3" name="Title 2"/>
           <p:cNvSpPr>
             <a:spLocks noGrp="1"/>
           </p:cNvSpPr>
@@ -20181,20 +20691,58 @@
           <a:lstStyle/>
           <a:p>
             <a:r>
-              <a:rPr lang="de-DE" dirty="0"/>
-              <a:t>Danke für Ihre Aufmerksamkeit.</a:t>
-            </a:r>
-            <a:br>
-              <a:rPr lang="de-DE" dirty="0"/>
-            </a:br>
-            <a:endParaRPr lang="de-DE" dirty="0"/>
+              <a:rPr lang="en-GB" dirty="0" err="1"/>
+              <a:t>Prototyp</a:t>
+            </a:r>
+            <a:endParaRPr lang="en-GB" dirty="0"/>
+          </a:p>
+        </p:txBody>
+      </p:sp>
+      <p:sp>
+        <p:nvSpPr>
+          <p:cNvPr id="5" name="Rectangle 4">
+            <a:hlinkClick r:id="rId3" action="ppaction://hlinksldjump"/>
+          </p:cNvPr>
+          <p:cNvSpPr/>
+          <p:nvPr/>
+        </p:nvSpPr>
+        <p:spPr>
+          <a:xfrm>
+            <a:off x="6438122" y="3107094"/>
+            <a:ext cx="541176" cy="223935"/>
+          </a:xfrm>
+          <a:prstGeom prst="rect">
+            <a:avLst/>
+          </a:prstGeom>
+          <a:noFill/>
+        </p:spPr>
+        <p:style>
+          <a:lnRef idx="1">
+            <a:schemeClr val="accent1"/>
+          </a:lnRef>
+          <a:fillRef idx="3">
+            <a:schemeClr val="accent1"/>
+          </a:fillRef>
+          <a:effectRef idx="2">
+            <a:schemeClr val="accent1"/>
+          </a:effectRef>
+          <a:fontRef idx="minor">
+            <a:schemeClr val="lt1"/>
+          </a:fontRef>
+        </p:style>
+        <p:txBody>
+          <a:bodyPr rtlCol="0" anchor="ctr"/>
+          <a:lstStyle/>
+          <a:p>
+            <a:pPr algn="ctr"/>
+            <a:endParaRPr lang="en-GB"/>
           </a:p>
         </p:txBody>
       </p:sp>
     </p:spTree>
     <p:extLst>
       <p:ext uri="{BB962C8B-B14F-4D97-AF65-F5344CB8AC3E}">
-        <p14:creationId xmlns:p14="http://schemas.microsoft.com/office/powerpoint/2010/main" val="1453298477"/>
+        <p14:creationId xmlns:p14="http://schemas.microsoft.com/office/powerpoint/2010/main" val="615380981"/>
       </p:ext>
     </p:extLst>
   </p:cSld>
@@ -20221,9 +20769,32 @@
           <a:chExt cx="0" cy="0"/>
         </a:xfrm>
       </p:grpSpPr>
+      <p:pic>
+        <p:nvPicPr>
+          <p:cNvPr id="4" name="Content Placeholder 3"/>
+          <p:cNvPicPr>
+            <a:picLocks noGrp="1" noChangeAspect="1"/>
+          </p:cNvPicPr>
+          <p:nvPr>
+            <p:ph sz="half" idx="1"/>
+          </p:nvPr>
+        </p:nvPicPr>
+        <p:blipFill>
+          <a:blip r:embed="rId2"/>
+          <a:stretch>
+            <a:fillRect/>
+          </a:stretch>
+        </p:blipFill>
+        <p:spPr>
+          <a:xfrm>
+            <a:off x="597371" y="1053745"/>
+            <a:ext cx="7841258" cy="5066068"/>
+          </a:xfrm>
+        </p:spPr>
+      </p:pic>
       <p:sp>
         <p:nvSpPr>
-          <p:cNvPr id="4" name="Titel 3"/>
+          <p:cNvPr id="3" name="Title 2"/>
           <p:cNvSpPr>
             <a:spLocks noGrp="1"/>
           </p:cNvSpPr>
@@ -20231,69 +20802,146 @@
             <p:ph type="ctrTitle"/>
           </p:nvPr>
         </p:nvSpPr>
+        <p:spPr/>
+        <p:txBody>
+          <a:bodyPr/>
+          <a:lstStyle/>
+          <a:p>
+            <a:r>
+              <a:rPr lang="en-GB" dirty="0" err="1"/>
+              <a:t>Prototyp</a:t>
+            </a:r>
+            <a:endParaRPr lang="en-GB" dirty="0"/>
+          </a:p>
+        </p:txBody>
+      </p:sp>
+      <p:sp>
+        <p:nvSpPr>
+          <p:cNvPr id="5" name="Rectangle 4">
+            <a:hlinkClick r:id="rId3" action="ppaction://hlinksldjump"/>
+          </p:cNvPr>
+          <p:cNvSpPr/>
+          <p:nvPr/>
+        </p:nvSpPr>
         <p:spPr>
           <a:xfrm>
-            <a:off x="468000" y="1839808"/>
-            <a:ext cx="6528227" cy="533105"/>
+            <a:off x="5598367" y="2248678"/>
+            <a:ext cx="718457" cy="186612"/>
           </a:xfrm>
           <a:prstGeom prst="rect">
             <a:avLst/>
           </a:prstGeom>
+          <a:noFill/>
         </p:spPr>
+        <p:style>
+          <a:lnRef idx="1">
+            <a:schemeClr val="accent1"/>
+          </a:lnRef>
+          <a:fillRef idx="3">
+            <a:schemeClr val="accent1"/>
+          </a:fillRef>
+          <a:effectRef idx="2">
+            <a:schemeClr val="accent1"/>
+          </a:effectRef>
+          <a:fontRef idx="minor">
+            <a:schemeClr val="lt1"/>
+          </a:fontRef>
+        </p:style>
         <p:txBody>
-          <a:bodyPr lIns="0"/>
+          <a:bodyPr rtlCol="0" anchor="ctr"/>
           <a:lstStyle/>
           <a:p>
-            <a:r>
-              <a:rPr lang="de-DE" dirty="0"/>
-              <a:t>Dies ist eine Kapiteltrennseite</a:t>
-            </a:r>
+            <a:pPr algn="ctr"/>
+            <a:endParaRPr lang="en-GB"/>
           </a:p>
         </p:txBody>
       </p:sp>
       <p:sp>
         <p:nvSpPr>
-          <p:cNvPr id="5" name="Untertitel 4"/>
-          <p:cNvSpPr>
-            <a:spLocks noGrp="1"/>
-          </p:cNvSpPr>
-          <p:nvPr>
-            <p:ph type="subTitle" idx="4294967295"/>
-          </p:nvPr>
+          <p:cNvPr id="6" name="Rectangle 5">
+            <a:hlinkClick r:id="rId4" action="ppaction://hlinksldjump"/>
+          </p:cNvPr>
+          <p:cNvSpPr/>
+          <p:nvPr/>
         </p:nvSpPr>
         <p:spPr>
           <a:xfrm>
-            <a:off x="468000" y="2372913"/>
-            <a:ext cx="6513884" cy="805526"/>
+            <a:off x="5598366" y="3400167"/>
+            <a:ext cx="718457" cy="186612"/>
           </a:xfrm>
           <a:prstGeom prst="rect">
             <a:avLst/>
           </a:prstGeom>
+          <a:noFill/>
         </p:spPr>
+        <p:style>
+          <a:lnRef idx="1">
+            <a:schemeClr val="accent1"/>
+          </a:lnRef>
+          <a:fillRef idx="3">
+            <a:schemeClr val="accent1"/>
+          </a:fillRef>
+          <a:effectRef idx="2">
+            <a:schemeClr val="accent1"/>
+          </a:effectRef>
+          <a:fontRef idx="minor">
+            <a:schemeClr val="lt1"/>
+          </a:fontRef>
+        </p:style>
         <p:txBody>
-          <a:bodyPr lIns="0"/>
+          <a:bodyPr rtlCol="0" anchor="ctr"/>
           <a:lstStyle/>
           <a:p>
-            <a:pPr marL="0" indent="0">
-              <a:buNone/>
-            </a:pPr>
-            <a:r>
-              <a:rPr lang="de-DE" sz="1600" dirty="0">
-                <a:solidFill>
-                  <a:srgbClr val="FFFFFF"/>
-                </a:solidFill>
-                <a:latin typeface="Lucida Sans"/>
-                <a:cs typeface="Lucida Sans"/>
-              </a:rPr>
-              <a:t>Hier steht ein Untertitel</a:t>
-            </a:r>
+            <a:pPr algn="ctr"/>
+            <a:endParaRPr lang="en-GB"/>
+          </a:p>
+        </p:txBody>
+      </p:sp>
+      <p:sp>
+        <p:nvSpPr>
+          <p:cNvPr id="7" name="Rectangle 6">
+            <a:hlinkClick r:id="rId5" action="ppaction://hlinksldjump"/>
+          </p:cNvPr>
+          <p:cNvSpPr/>
+          <p:nvPr/>
+        </p:nvSpPr>
+        <p:spPr>
+          <a:xfrm>
+            <a:off x="5598365" y="4551656"/>
+            <a:ext cx="718457" cy="186612"/>
+          </a:xfrm>
+          <a:prstGeom prst="rect">
+            <a:avLst/>
+          </a:prstGeom>
+          <a:noFill/>
+        </p:spPr>
+        <p:style>
+          <a:lnRef idx="1">
+            <a:schemeClr val="accent1"/>
+          </a:lnRef>
+          <a:fillRef idx="3">
+            <a:schemeClr val="accent1"/>
+          </a:fillRef>
+          <a:effectRef idx="2">
+            <a:schemeClr val="accent1"/>
+          </a:effectRef>
+          <a:fontRef idx="minor">
+            <a:schemeClr val="lt1"/>
+          </a:fontRef>
+        </p:style>
+        <p:txBody>
+          <a:bodyPr rtlCol="0" anchor="ctr"/>
+          <a:lstStyle/>
+          <a:p>
+            <a:pPr algn="ctr"/>
+            <a:endParaRPr lang="en-GB"/>
           </a:p>
         </p:txBody>
       </p:sp>
     </p:spTree>
     <p:extLst>
       <p:ext uri="{BB962C8B-B14F-4D97-AF65-F5344CB8AC3E}">
-        <p14:creationId xmlns:p14="http://schemas.microsoft.com/office/powerpoint/2010/main" val="617437960"/>
+        <p14:creationId xmlns:p14="http://schemas.microsoft.com/office/powerpoint/2010/main" val="2749553385"/>
       </p:ext>
     </p:extLst>
   </p:cSld>
@@ -21411,25 +22059,6 @@
 </file>
 
 <file path=customXml/item1.xml><?xml version="1.0" encoding="utf-8"?>
-<p:properties xmlns:p="http://schemas.microsoft.com/office/2006/metadata/properties" xmlns:xsi="http://www.w3.org/2001/XMLSchema-instance">
-  <documentManagement>
-    <Betriebsystem xmlns="238ac175-5152-443e-bf42-417a27926292">Windows/Mac</Betriebsystem>
-    <Office_x002d_Version xmlns="238ac175-5152-443e-bf42-417a27926292">Office 2010/2011</Office_x002d_Version>
-    <Kategorie xmlns="238ac175-5152-443e-bf42-417a27926292">Powerpoint</Kategorie>
-  </documentManagement>
-</p:properties>
-</file>
-
-<file path=customXml/item2.xml><?xml version="1.0" encoding="utf-8"?>
-<?mso-contentType ?>
-<FormTemplates xmlns="http://schemas.microsoft.com/sharepoint/v3/contenttype/forms">
-  <Display>DocumentLibraryForm</Display>
-  <Edit>DocumentLibraryForm</Edit>
-  <New>DocumentLibraryForm</New>
-</FormTemplates>
-</file>
-
-<file path=customXml/item3.xml><?xml version="1.0" encoding="utf-8"?>
 <ct:contentTypeSchema xmlns:ct="http://schemas.microsoft.com/office/2006/metadata/contentType" xmlns:ma="http://schemas.microsoft.com/office/2006/metadata/properties/metaAttributes" ct:_="" ma:_="" ma:contentTypeName="Dokument" ma:contentTypeID="0x0101003A4279409C3118409D418E682AEFAFB0" ma:contentTypeVersion="3" ma:contentTypeDescription="Ein neues Dokument erstellen." ma:contentTypeScope="" ma:versionID="2b39eecd042fe67817287380b00d4728">
   <xsd:schema xmlns:xsd="http://www.w3.org/2001/XMLSchema" xmlns:p="http://schemas.microsoft.com/office/2006/metadata/properties" xmlns:ns2="238ac175-5152-443e-bf42-417a27926292" targetNamespace="http://schemas.microsoft.com/office/2006/metadata/properties" ma:root="true" ma:fieldsID="3e4ac4b9de63a8d8211a46de917ff848" ns2:_="">
     <xsd:import namespace="238ac175-5152-443e-bf42-417a27926292"/>
@@ -21513,24 +22142,26 @@
 </ct:contentTypeSchema>
 </file>
 
-<file path=customXml/itemProps1.xml><?xml version="1.0" encoding="utf-8"?>
-<ds:datastoreItem xmlns:ds="http://schemas.openxmlformats.org/officeDocument/2006/customXml" ds:itemID="{F1B07C9B-62EC-4346-AB37-FD9874CBA0EB}">
-  <ds:schemaRefs>
-    <ds:schemaRef ds:uri="http://schemas.microsoft.com/office/2006/metadata/properties"/>
-    <ds:schemaRef ds:uri="238ac175-5152-443e-bf42-417a27926292"/>
-  </ds:schemaRefs>
-</ds:datastoreItem>
+<file path=customXml/item2.xml><?xml version="1.0" encoding="utf-8"?>
+<?mso-contentType ?>
+<FormTemplates xmlns="http://schemas.microsoft.com/sharepoint/v3/contenttype/forms">
+  <Display>DocumentLibraryForm</Display>
+  <Edit>DocumentLibraryForm</Edit>
+  <New>DocumentLibraryForm</New>
+</FormTemplates>
 </file>
 
-<file path=customXml/itemProps2.xml><?xml version="1.0" encoding="utf-8"?>
-<ds:datastoreItem xmlns:ds="http://schemas.openxmlformats.org/officeDocument/2006/customXml" ds:itemID="{FCD14AB6-6E58-442F-B70D-2B317664A115}">
-  <ds:schemaRefs>
-    <ds:schemaRef ds:uri="http://schemas.microsoft.com/sharepoint/v3/contenttype/forms"/>
-  </ds:schemaRefs>
-</ds:datastoreItem>
+<file path=customXml/item3.xml><?xml version="1.0" encoding="utf-8"?>
+<p:properties xmlns:p="http://schemas.microsoft.com/office/2006/metadata/properties" xmlns:xsi="http://www.w3.org/2001/XMLSchema-instance">
+  <documentManagement>
+    <Betriebsystem xmlns="238ac175-5152-443e-bf42-417a27926292">Windows/Mac</Betriebsystem>
+    <Office_x002d_Version xmlns="238ac175-5152-443e-bf42-417a27926292">Office 2010/2011</Office_x002d_Version>
+    <Kategorie xmlns="238ac175-5152-443e-bf42-417a27926292">Powerpoint</Kategorie>
+  </documentManagement>
+</p:properties>
 </file>
 
-<file path=customXml/itemProps3.xml><?xml version="1.0" encoding="utf-8"?>
+<file path=customXml/itemProps1.xml><?xml version="1.0" encoding="utf-8"?>
 <ds:datastoreItem xmlns:ds="http://schemas.openxmlformats.org/officeDocument/2006/customXml" ds:itemID="{BD8FD62B-E50E-4101-B7F8-577C2BC63D28}">
   <ds:schemaRefs>
     <ds:schemaRef ds:uri="http://schemas.microsoft.com/office/2006/metadata/contentType"/>
@@ -21545,4 +22176,21 @@
     <ds:schemaRef ds:uri="http://schemas.microsoft.com/office/internal/2005/internalDocumentation"/>
   </ds:schemaRefs>
 </ds:datastoreItem>
+</file>
+
+<file path=customXml/itemProps2.xml><?xml version="1.0" encoding="utf-8"?>
+<ds:datastoreItem xmlns:ds="http://schemas.openxmlformats.org/officeDocument/2006/customXml" ds:itemID="{FCD14AB6-6E58-442F-B70D-2B317664A115}">
+  <ds:schemaRefs>
+    <ds:schemaRef ds:uri="http://schemas.microsoft.com/sharepoint/v3/contenttype/forms"/>
+  </ds:schemaRefs>
+</ds:datastoreItem>
+</file>
+
+<file path=customXml/itemProps3.xml><?xml version="1.0" encoding="utf-8"?>
+<ds:datastoreItem xmlns:ds="http://schemas.openxmlformats.org/officeDocument/2006/customXml" ds:itemID="{F1B07C9B-62EC-4346-AB37-FD9874CBA0EB}">
+  <ds:schemaRefs>
+    <ds:schemaRef ds:uri="http://schemas.microsoft.com/office/2006/metadata/properties"/>
+    <ds:schemaRef ds:uri="238ac175-5152-443e-bf42-417a27926292"/>
+  </ds:schemaRefs>
+</ds:datastoreItem>
 </file>
--- a/doc/CS1/Präsentation_CS1_Task_3_Blau.pptx
+++ b/doc/CS1/Präsentation_CS1_Task_3_Blau.pptx
@@ -271,7 +271,7 @@
           <a:p>
             <a:fld id="{EFA0D184-D464-48E9-9CA0-A94E873F6C2C}" type="datetimeFigureOut">
               <a:rPr lang="de-CH" smtClean="0"/>
-              <a:t>26.10.2016</a:t>
+              <a:t>27.10.2016</a:t>
             </a:fld>
             <a:endParaRPr lang="de-CH"/>
           </a:p>
@@ -436,7 +436,7 @@
           <a:p>
             <a:fld id="{5AF2B663-2BA9-4D7E-8201-5DE4109E1EDD}" type="datetimeFigureOut">
               <a:rPr lang="de-CH" smtClean="0"/>
-              <a:t>26.10.2016</a:t>
+              <a:t>27.10.2016</a:t>
             </a:fld>
             <a:endParaRPr lang="de-CH"/>
           </a:p>
@@ -988,17 +988,9 @@
             <a:br>
               <a:rPr lang="de-DE" noProof="0" dirty="0"/>
             </a:br>
-            <a:r>
-              <a:rPr lang="de-DE" noProof="0" dirty="0"/>
-              <a:t/>
-            </a:r>
             <a:br>
               <a:rPr lang="de-DE" noProof="0" dirty="0"/>
             </a:br>
-            <a:r>
-              <a:rPr lang="de-DE" noProof="0" dirty="0"/>
-              <a:t/>
-            </a:r>
             <a:br>
               <a:rPr lang="de-DE" noProof="0" dirty="0"/>
             </a:br>
@@ -6998,13 +6990,6 @@
   <p:clrMapOvr>
     <a:masterClrMapping/>
   </p:clrMapOvr>
-  <p:timing>
-    <p:tnLst>
-      <p:par>
-        <p:cTn id="1" dur="indefinite" restart="never" nodeType="tmRoot"/>
-      </p:par>
-    </p:tnLst>
-  </p:timing>
 </p:sld>
 </file>
 
@@ -7816,20 +7801,12 @@
           <a:lstStyle/>
           <a:p>
             <a:r>
-              <a:rPr lang="de-CH" dirty="0" smtClean="0"/>
+              <a:rPr lang="de-CH" dirty="0"/>
               <a:t>Validation</a:t>
-            </a:r>
-            <a:r>
-              <a:rPr lang="de-CH" dirty="0"/>
-              <a:t/>
             </a:r>
             <a:br>
               <a:rPr lang="de-CH" dirty="0"/>
             </a:br>
-            <a:r>
-              <a:rPr lang="de-CH" dirty="0"/>
-              <a:t/>
-            </a:r>
             <a:br>
               <a:rPr lang="de-CH" dirty="0"/>
             </a:br>
@@ -7940,38 +7917,32 @@
           <a:p>
             <a:r>
               <a:rPr lang="de-CH" dirty="0" err="1"/>
-              <a:t>S</a:t>
-            </a:r>
-            <a:r>
-              <a:rPr lang="de-CH" dirty="0" err="1" smtClean="0"/>
-              <a:t>coping</a:t>
+              <a:t>Scoping</a:t>
             </a:r>
             <a:endParaRPr lang="de-CH" dirty="0"/>
           </a:p>
           <a:p>
             <a:r>
-              <a:rPr lang="de-CH" dirty="0" smtClean="0"/>
+              <a:rPr lang="de-CH" dirty="0"/>
               <a:t>Research</a:t>
             </a:r>
+          </a:p>
+          <a:p>
+            <a:r>
+              <a:rPr lang="de-CH" dirty="0" err="1"/>
+              <a:t>Synthesize</a:t>
+            </a:r>
             <a:endParaRPr lang="de-CH" dirty="0"/>
           </a:p>
           <a:p>
             <a:r>
-              <a:rPr lang="de-CH" dirty="0" err="1" smtClean="0"/>
-              <a:t>Synthesize</a:t>
-            </a:r>
-            <a:endParaRPr lang="de-CH" dirty="0"/>
-          </a:p>
-          <a:p>
-            <a:r>
-              <a:rPr lang="de-CH" dirty="0" smtClean="0"/>
+              <a:rPr lang="de-CH" dirty="0"/>
               <a:t>Design</a:t>
             </a:r>
-            <a:endParaRPr lang="de-CH" dirty="0"/>
-          </a:p>
-          <a:p>
-            <a:r>
-              <a:rPr lang="de-CH" dirty="0" err="1" smtClean="0"/>
+          </a:p>
+          <a:p>
+            <a:r>
+              <a:rPr lang="de-CH" dirty="0" err="1"/>
               <a:t>Prototyping</a:t>
             </a:r>
             <a:endParaRPr lang="de-CH" dirty="0"/>
@@ -7990,7 +7961,7 @@
             <a:endParaRPr lang="de-CH" dirty="0"/>
           </a:p>
           <a:p>
-            <a:endParaRPr lang="de-DE" dirty="0" smtClean="0"/>
+            <a:endParaRPr lang="de-DE" dirty="0"/>
           </a:p>
           <a:p>
             <a:endParaRPr lang="de-DE" dirty="0"/>
@@ -8013,10 +7984,9 @@
           <a:lstStyle/>
           <a:p>
             <a:r>
-              <a:rPr lang="de-DE" dirty="0" smtClean="0"/>
+              <a:rPr lang="de-DE" dirty="0"/>
               <a:t>Inhaltverzeichnis</a:t>
             </a:r>
-            <a:endParaRPr lang="de-DE" dirty="0"/>
           </a:p>
         </p:txBody>
       </p:sp>
@@ -8030,13 +8000,6 @@
   <p:clrMapOvr>
     <a:masterClrMapping/>
   </p:clrMapOvr>
-  <p:timing>
-    <p:tnLst>
-      <p:par>
-        <p:cTn id="1" dur="indefinite" restart="never" nodeType="tmRoot"/>
-      </p:par>
-    </p:tnLst>
-  </p:timing>
 </p:sld>
 </file>
 
@@ -8092,7 +8055,7 @@
           <a:lstStyle/>
           <a:p>
             <a:r>
-              <a:rPr lang="de-DE" dirty="0" err="1" smtClean="0"/>
+              <a:rPr lang="de-DE" dirty="0" err="1"/>
               <a:t>Scoping</a:t>
             </a:r>
             <a:endParaRPr lang="de-DE" dirty="0"/>
@@ -8109,13 +8072,6 @@
   <p:clrMapOvr>
     <a:masterClrMapping/>
   </p:clrMapOvr>
-  <p:timing>
-    <p:tnLst>
-      <p:par>
-        <p:cTn id="1" dur="indefinite" restart="never" nodeType="tmRoot"/>
-      </p:par>
-    </p:tnLst>
-  </p:timing>
 </p:sld>
 </file>
 
@@ -8180,6 +8136,13 @@
               <a:rPr lang="de-DE" dirty="0"/>
               <a:t>Allgemein Medizinerin</a:t>
             </a:r>
+          </a:p>
+          <a:p>
+            <a:r>
+              <a:rPr lang="de-DE" dirty="0" err="1"/>
+              <a:t>Vitomed</a:t>
+            </a:r>
+            <a:endParaRPr lang="de-DE" dirty="0"/>
           </a:p>
           <a:p>
             <a:endParaRPr lang="de-DE" dirty="0"/>
@@ -8307,6 +8270,209 @@
   <p:clrMapOvr>
     <a:masterClrMapping/>
   </p:clrMapOvr>
+  <p:timing>
+    <p:tnLst>
+      <p:par>
+        <p:cTn id="1" dur="indefinite" restart="never" nodeType="tmRoot">
+          <p:childTnLst>
+            <p:seq concurrent="1" nextAc="seek">
+              <p:cTn id="2" dur="indefinite" nodeType="mainSeq">
+                <p:childTnLst>
+                  <p:par>
+                    <p:cTn id="3" fill="hold">
+                      <p:stCondLst>
+                        <p:cond delay="indefinite"/>
+                      </p:stCondLst>
+                      <p:childTnLst>
+                        <p:par>
+                          <p:cTn id="4" fill="hold">
+                            <p:stCondLst>
+                              <p:cond delay="0"/>
+                            </p:stCondLst>
+                            <p:childTnLst>
+                              <p:par>
+                                <p:cTn id="5" presetID="1" presetClass="entr" presetSubtype="0" fill="hold" nodeType="clickEffect">
+                                  <p:stCondLst>
+                                    <p:cond delay="0"/>
+                                  </p:stCondLst>
+                                  <p:childTnLst>
+                                    <p:set>
+                                      <p:cBhvr>
+                                        <p:cTn id="6" dur="1" fill="hold">
+                                          <p:stCondLst>
+                                            <p:cond delay="0"/>
+                                          </p:stCondLst>
+                                        </p:cTn>
+                                        <p:tgtEl>
+                                          <p:spTgt spid="2">
+                                            <p:txEl>
+                                              <p:pRg st="8" end="8"/>
+                                            </p:txEl>
+                                          </p:spTgt>
+                                        </p:tgtEl>
+                                        <p:attrNameLst>
+                                          <p:attrName>style.visibility</p:attrName>
+                                        </p:attrNameLst>
+                                      </p:cBhvr>
+                                      <p:to>
+                                        <p:strVal val="visible"/>
+                                      </p:to>
+                                    </p:set>
+                                  </p:childTnLst>
+                                </p:cTn>
+                              </p:par>
+                              <p:par>
+                                <p:cTn id="7" presetID="1" presetClass="entr" presetSubtype="0" fill="hold" nodeType="withEffect">
+                                  <p:stCondLst>
+                                    <p:cond delay="0"/>
+                                  </p:stCondLst>
+                                  <p:childTnLst>
+                                    <p:set>
+                                      <p:cBhvr>
+                                        <p:cTn id="8" dur="1" fill="hold">
+                                          <p:stCondLst>
+                                            <p:cond delay="0"/>
+                                          </p:stCondLst>
+                                        </p:cTn>
+                                        <p:tgtEl>
+                                          <p:spTgt spid="2">
+                                            <p:txEl>
+                                              <p:pRg st="9" end="9"/>
+                                            </p:txEl>
+                                          </p:spTgt>
+                                        </p:tgtEl>
+                                        <p:attrNameLst>
+                                          <p:attrName>style.visibility</p:attrName>
+                                        </p:attrNameLst>
+                                      </p:cBhvr>
+                                      <p:to>
+                                        <p:strVal val="visible"/>
+                                      </p:to>
+                                    </p:set>
+                                  </p:childTnLst>
+                                </p:cTn>
+                              </p:par>
+                              <p:par>
+                                <p:cTn id="9" presetID="1" presetClass="entr" presetSubtype="0" fill="hold" nodeType="withEffect">
+                                  <p:stCondLst>
+                                    <p:cond delay="0"/>
+                                  </p:stCondLst>
+                                  <p:childTnLst>
+                                    <p:set>
+                                      <p:cBhvr>
+                                        <p:cTn id="10" dur="1" fill="hold">
+                                          <p:stCondLst>
+                                            <p:cond delay="0"/>
+                                          </p:stCondLst>
+                                        </p:cTn>
+                                        <p:tgtEl>
+                                          <p:spTgt spid="2">
+                                            <p:txEl>
+                                              <p:pRg st="10" end="10"/>
+                                            </p:txEl>
+                                          </p:spTgt>
+                                        </p:tgtEl>
+                                        <p:attrNameLst>
+                                          <p:attrName>style.visibility</p:attrName>
+                                        </p:attrNameLst>
+                                      </p:cBhvr>
+                                      <p:to>
+                                        <p:strVal val="visible"/>
+                                      </p:to>
+                                    </p:set>
+                                  </p:childTnLst>
+                                </p:cTn>
+                              </p:par>
+                              <p:par>
+                                <p:cTn id="11" presetID="1" presetClass="entr" presetSubtype="0" fill="hold" nodeType="withEffect">
+                                  <p:stCondLst>
+                                    <p:cond delay="0"/>
+                                  </p:stCondLst>
+                                  <p:childTnLst>
+                                    <p:set>
+                                      <p:cBhvr>
+                                        <p:cTn id="12" dur="1" fill="hold">
+                                          <p:stCondLst>
+                                            <p:cond delay="0"/>
+                                          </p:stCondLst>
+                                        </p:cTn>
+                                        <p:tgtEl>
+                                          <p:spTgt spid="2">
+                                            <p:txEl>
+                                              <p:pRg st="11" end="11"/>
+                                            </p:txEl>
+                                          </p:spTgt>
+                                        </p:tgtEl>
+                                        <p:attrNameLst>
+                                          <p:attrName>style.visibility</p:attrName>
+                                        </p:attrNameLst>
+                                      </p:cBhvr>
+                                      <p:to>
+                                        <p:strVal val="visible"/>
+                                      </p:to>
+                                    </p:set>
+                                  </p:childTnLst>
+                                </p:cTn>
+                              </p:par>
+                              <p:par>
+                                <p:cTn id="13" presetID="1" presetClass="entr" presetSubtype="0" fill="hold" nodeType="withEffect">
+                                  <p:stCondLst>
+                                    <p:cond delay="0"/>
+                                  </p:stCondLst>
+                                  <p:childTnLst>
+                                    <p:set>
+                                      <p:cBhvr>
+                                        <p:cTn id="14" dur="1" fill="hold">
+                                          <p:stCondLst>
+                                            <p:cond delay="0"/>
+                                          </p:stCondLst>
+                                        </p:cTn>
+                                        <p:tgtEl>
+                                          <p:spTgt spid="2">
+                                            <p:txEl>
+                                              <p:pRg st="12" end="12"/>
+                                            </p:txEl>
+                                          </p:spTgt>
+                                        </p:tgtEl>
+                                        <p:attrNameLst>
+                                          <p:attrName>style.visibility</p:attrName>
+                                        </p:attrNameLst>
+                                      </p:cBhvr>
+                                      <p:to>
+                                        <p:strVal val="visible"/>
+                                      </p:to>
+                                    </p:set>
+                                  </p:childTnLst>
+                                </p:cTn>
+                              </p:par>
+                            </p:childTnLst>
+                          </p:cTn>
+                        </p:par>
+                      </p:childTnLst>
+                    </p:cTn>
+                  </p:par>
+                </p:childTnLst>
+              </p:cTn>
+              <p:prevCondLst>
+                <p:cond evt="onPrev" delay="0">
+                  <p:tgtEl>
+                    <p:sldTgt/>
+                  </p:tgtEl>
+                </p:cond>
+              </p:prevCondLst>
+              <p:nextCondLst>
+                <p:cond evt="onNext" delay="0">
+                  <p:tgtEl>
+                    <p:sldTgt/>
+                  </p:tgtEl>
+                </p:cond>
+              </p:nextCondLst>
+            </p:seq>
+          </p:childTnLst>
+        </p:cTn>
+      </p:par>
+    </p:tnLst>
+  </p:timing>
 </p:sld>
 </file>
 
@@ -8473,6 +8639,413 @@
   <p:clrMapOvr>
     <a:masterClrMapping/>
   </p:clrMapOvr>
+  <p:timing>
+    <p:tnLst>
+      <p:par>
+        <p:cTn id="1" dur="indefinite" restart="never" nodeType="tmRoot">
+          <p:childTnLst>
+            <p:seq concurrent="1" nextAc="seek">
+              <p:cTn id="2" dur="indefinite" nodeType="mainSeq">
+                <p:childTnLst>
+                  <p:par>
+                    <p:cTn id="3" fill="hold">
+                      <p:stCondLst>
+                        <p:cond delay="indefinite"/>
+                      </p:stCondLst>
+                      <p:childTnLst>
+                        <p:par>
+                          <p:cTn id="4" fill="hold">
+                            <p:stCondLst>
+                              <p:cond delay="0"/>
+                            </p:stCondLst>
+                            <p:childTnLst>
+                              <p:par>
+                                <p:cTn id="5" presetID="1" presetClass="entr" presetSubtype="0" fill="hold" nodeType="clickEffect">
+                                  <p:stCondLst>
+                                    <p:cond delay="0"/>
+                                  </p:stCondLst>
+                                  <p:childTnLst>
+                                    <p:set>
+                                      <p:cBhvr>
+                                        <p:cTn id="6" dur="1" fill="hold">
+                                          <p:stCondLst>
+                                            <p:cond delay="0"/>
+                                          </p:stCondLst>
+                                        </p:cTn>
+                                        <p:tgtEl>
+                                          <p:spTgt spid="2">
+                                            <p:txEl>
+                                              <p:pRg st="1" end="1"/>
+                                            </p:txEl>
+                                          </p:spTgt>
+                                        </p:tgtEl>
+                                        <p:attrNameLst>
+                                          <p:attrName>style.visibility</p:attrName>
+                                        </p:attrNameLst>
+                                      </p:cBhvr>
+                                      <p:to>
+                                        <p:strVal val="visible"/>
+                                      </p:to>
+                                    </p:set>
+                                  </p:childTnLst>
+                                </p:cTn>
+                              </p:par>
+                              <p:par>
+                                <p:cTn id="7" presetID="1" presetClass="entr" presetSubtype="0" fill="hold" nodeType="withEffect">
+                                  <p:stCondLst>
+                                    <p:cond delay="0"/>
+                                  </p:stCondLst>
+                                  <p:childTnLst>
+                                    <p:set>
+                                      <p:cBhvr>
+                                        <p:cTn id="8" dur="1" fill="hold">
+                                          <p:stCondLst>
+                                            <p:cond delay="0"/>
+                                          </p:stCondLst>
+                                        </p:cTn>
+                                        <p:tgtEl>
+                                          <p:spTgt spid="2">
+                                            <p:txEl>
+                                              <p:pRg st="2" end="2"/>
+                                            </p:txEl>
+                                          </p:spTgt>
+                                        </p:tgtEl>
+                                        <p:attrNameLst>
+                                          <p:attrName>style.visibility</p:attrName>
+                                        </p:attrNameLst>
+                                      </p:cBhvr>
+                                      <p:to>
+                                        <p:strVal val="visible"/>
+                                      </p:to>
+                                    </p:set>
+                                  </p:childTnLst>
+                                </p:cTn>
+                              </p:par>
+                              <p:par>
+                                <p:cTn id="9" presetID="1" presetClass="entr" presetSubtype="0" fill="hold" nodeType="withEffect">
+                                  <p:stCondLst>
+                                    <p:cond delay="0"/>
+                                  </p:stCondLst>
+                                  <p:childTnLst>
+                                    <p:set>
+                                      <p:cBhvr>
+                                        <p:cTn id="10" dur="1" fill="hold">
+                                          <p:stCondLst>
+                                            <p:cond delay="0"/>
+                                          </p:stCondLst>
+                                        </p:cTn>
+                                        <p:tgtEl>
+                                          <p:spTgt spid="2">
+                                            <p:txEl>
+                                              <p:pRg st="3" end="3"/>
+                                            </p:txEl>
+                                          </p:spTgt>
+                                        </p:tgtEl>
+                                        <p:attrNameLst>
+                                          <p:attrName>style.visibility</p:attrName>
+                                        </p:attrNameLst>
+                                      </p:cBhvr>
+                                      <p:to>
+                                        <p:strVal val="visible"/>
+                                      </p:to>
+                                    </p:set>
+                                  </p:childTnLst>
+                                </p:cTn>
+                              </p:par>
+                              <p:par>
+                                <p:cTn id="11" presetID="1" presetClass="entr" presetSubtype="0" fill="hold" nodeType="withEffect">
+                                  <p:stCondLst>
+                                    <p:cond delay="0"/>
+                                  </p:stCondLst>
+                                  <p:childTnLst>
+                                    <p:set>
+                                      <p:cBhvr>
+                                        <p:cTn id="12" dur="1" fill="hold">
+                                          <p:stCondLst>
+                                            <p:cond delay="0"/>
+                                          </p:stCondLst>
+                                        </p:cTn>
+                                        <p:tgtEl>
+                                          <p:spTgt spid="2">
+                                            <p:txEl>
+                                              <p:pRg st="4" end="4"/>
+                                            </p:txEl>
+                                          </p:spTgt>
+                                        </p:tgtEl>
+                                        <p:attrNameLst>
+                                          <p:attrName>style.visibility</p:attrName>
+                                        </p:attrNameLst>
+                                      </p:cBhvr>
+                                      <p:to>
+                                        <p:strVal val="visible"/>
+                                      </p:to>
+                                    </p:set>
+                                  </p:childTnLst>
+                                </p:cTn>
+                              </p:par>
+                              <p:par>
+                                <p:cTn id="13" presetID="1" presetClass="entr" presetSubtype="0" fill="hold" nodeType="withEffect">
+                                  <p:stCondLst>
+                                    <p:cond delay="0"/>
+                                  </p:stCondLst>
+                                  <p:childTnLst>
+                                    <p:set>
+                                      <p:cBhvr>
+                                        <p:cTn id="14" dur="1" fill="hold">
+                                          <p:stCondLst>
+                                            <p:cond delay="0"/>
+                                          </p:stCondLst>
+                                        </p:cTn>
+                                        <p:tgtEl>
+                                          <p:spTgt spid="2">
+                                            <p:txEl>
+                                              <p:pRg st="5" end="5"/>
+                                            </p:txEl>
+                                          </p:spTgt>
+                                        </p:tgtEl>
+                                        <p:attrNameLst>
+                                          <p:attrName>style.visibility</p:attrName>
+                                        </p:attrNameLst>
+                                      </p:cBhvr>
+                                      <p:to>
+                                        <p:strVal val="visible"/>
+                                      </p:to>
+                                    </p:set>
+                                  </p:childTnLst>
+                                </p:cTn>
+                              </p:par>
+                              <p:par>
+                                <p:cTn id="15" presetID="1" presetClass="entr" presetSubtype="0" fill="hold" nodeType="withEffect">
+                                  <p:stCondLst>
+                                    <p:cond delay="0"/>
+                                  </p:stCondLst>
+                                  <p:childTnLst>
+                                    <p:set>
+                                      <p:cBhvr>
+                                        <p:cTn id="16" dur="1" fill="hold">
+                                          <p:stCondLst>
+                                            <p:cond delay="0"/>
+                                          </p:stCondLst>
+                                        </p:cTn>
+                                        <p:tgtEl>
+                                          <p:spTgt spid="2">
+                                            <p:txEl>
+                                              <p:pRg st="6" end="6"/>
+                                            </p:txEl>
+                                          </p:spTgt>
+                                        </p:tgtEl>
+                                        <p:attrNameLst>
+                                          <p:attrName>style.visibility</p:attrName>
+                                        </p:attrNameLst>
+                                      </p:cBhvr>
+                                      <p:to>
+                                        <p:strVal val="visible"/>
+                                      </p:to>
+                                    </p:set>
+                                  </p:childTnLst>
+                                </p:cTn>
+                              </p:par>
+                              <p:par>
+                                <p:cTn id="17" presetID="1" presetClass="entr" presetSubtype="0" fill="hold" nodeType="withEffect">
+                                  <p:stCondLst>
+                                    <p:cond delay="0"/>
+                                  </p:stCondLst>
+                                  <p:childTnLst>
+                                    <p:set>
+                                      <p:cBhvr>
+                                        <p:cTn id="18" dur="1" fill="hold">
+                                          <p:stCondLst>
+                                            <p:cond delay="0"/>
+                                          </p:stCondLst>
+                                        </p:cTn>
+                                        <p:tgtEl>
+                                          <p:spTgt spid="2">
+                                            <p:txEl>
+                                              <p:pRg st="7" end="7"/>
+                                            </p:txEl>
+                                          </p:spTgt>
+                                        </p:tgtEl>
+                                        <p:attrNameLst>
+                                          <p:attrName>style.visibility</p:attrName>
+                                        </p:attrNameLst>
+                                      </p:cBhvr>
+                                      <p:to>
+                                        <p:strVal val="visible"/>
+                                      </p:to>
+                                    </p:set>
+                                  </p:childTnLst>
+                                </p:cTn>
+                              </p:par>
+                            </p:childTnLst>
+                          </p:cTn>
+                        </p:par>
+                      </p:childTnLst>
+                    </p:cTn>
+                  </p:par>
+                  <p:par>
+                    <p:cTn id="19" fill="hold">
+                      <p:stCondLst>
+                        <p:cond delay="indefinite"/>
+                      </p:stCondLst>
+                      <p:childTnLst>
+                        <p:par>
+                          <p:cTn id="20" fill="hold">
+                            <p:stCondLst>
+                              <p:cond delay="0"/>
+                            </p:stCondLst>
+                            <p:childTnLst>
+                              <p:par>
+                                <p:cTn id="21" presetID="1" presetClass="entr" presetSubtype="0" fill="hold" nodeType="clickEffect">
+                                  <p:stCondLst>
+                                    <p:cond delay="0"/>
+                                  </p:stCondLst>
+                                  <p:childTnLst>
+                                    <p:set>
+                                      <p:cBhvr>
+                                        <p:cTn id="22" dur="1" fill="hold">
+                                          <p:stCondLst>
+                                            <p:cond delay="0"/>
+                                          </p:stCondLst>
+                                        </p:cTn>
+                                        <p:tgtEl>
+                                          <p:spTgt spid="2">
+                                            <p:txEl>
+                                              <p:pRg st="10" end="10"/>
+                                            </p:txEl>
+                                          </p:spTgt>
+                                        </p:tgtEl>
+                                        <p:attrNameLst>
+                                          <p:attrName>style.visibility</p:attrName>
+                                        </p:attrNameLst>
+                                      </p:cBhvr>
+                                      <p:to>
+                                        <p:strVal val="visible"/>
+                                      </p:to>
+                                    </p:set>
+                                  </p:childTnLst>
+                                </p:cTn>
+                              </p:par>
+                              <p:par>
+                                <p:cTn id="23" presetID="1" presetClass="entr" presetSubtype="0" fill="hold" nodeType="withEffect">
+                                  <p:stCondLst>
+                                    <p:cond delay="0"/>
+                                  </p:stCondLst>
+                                  <p:childTnLst>
+                                    <p:set>
+                                      <p:cBhvr>
+                                        <p:cTn id="24" dur="1" fill="hold">
+                                          <p:stCondLst>
+                                            <p:cond delay="0"/>
+                                          </p:stCondLst>
+                                        </p:cTn>
+                                        <p:tgtEl>
+                                          <p:spTgt spid="2">
+                                            <p:txEl>
+                                              <p:pRg st="11" end="11"/>
+                                            </p:txEl>
+                                          </p:spTgt>
+                                        </p:tgtEl>
+                                        <p:attrNameLst>
+                                          <p:attrName>style.visibility</p:attrName>
+                                        </p:attrNameLst>
+                                      </p:cBhvr>
+                                      <p:to>
+                                        <p:strVal val="visible"/>
+                                      </p:to>
+                                    </p:set>
+                                  </p:childTnLst>
+                                </p:cTn>
+                              </p:par>
+                              <p:par>
+                                <p:cTn id="25" presetID="1" presetClass="entr" presetSubtype="0" fill="hold" nodeType="withEffect">
+                                  <p:stCondLst>
+                                    <p:cond delay="0"/>
+                                  </p:stCondLst>
+                                  <p:childTnLst>
+                                    <p:set>
+                                      <p:cBhvr>
+                                        <p:cTn id="26" dur="1" fill="hold">
+                                          <p:stCondLst>
+                                            <p:cond delay="0"/>
+                                          </p:stCondLst>
+                                        </p:cTn>
+                                        <p:tgtEl>
+                                          <p:spTgt spid="2">
+                                            <p:txEl>
+                                              <p:pRg st="12" end="12"/>
+                                            </p:txEl>
+                                          </p:spTgt>
+                                        </p:tgtEl>
+                                        <p:attrNameLst>
+                                          <p:attrName>style.visibility</p:attrName>
+                                        </p:attrNameLst>
+                                      </p:cBhvr>
+                                      <p:to>
+                                        <p:strVal val="visible"/>
+                                      </p:to>
+                                    </p:set>
+                                  </p:childTnLst>
+                                </p:cTn>
+                              </p:par>
+                              <p:par>
+                                <p:cTn id="27" presetID="1" presetClass="entr" presetSubtype="0" fill="hold" nodeType="withEffect">
+                                  <p:stCondLst>
+                                    <p:cond delay="0"/>
+                                  </p:stCondLst>
+                                  <p:childTnLst>
+                                    <p:set>
+                                      <p:cBhvr>
+                                        <p:cTn id="28" dur="1" fill="hold">
+                                          <p:stCondLst>
+                                            <p:cond delay="0"/>
+                                          </p:stCondLst>
+                                        </p:cTn>
+                                        <p:tgtEl>
+                                          <p:spTgt spid="2">
+                                            <p:txEl>
+                                              <p:pRg st="13" end="13"/>
+                                            </p:txEl>
+                                          </p:spTgt>
+                                        </p:tgtEl>
+                                        <p:attrNameLst>
+                                          <p:attrName>style.visibility</p:attrName>
+                                        </p:attrNameLst>
+                                      </p:cBhvr>
+                                      <p:to>
+                                        <p:strVal val="visible"/>
+                                      </p:to>
+                                    </p:set>
+                                  </p:childTnLst>
+                                </p:cTn>
+                              </p:par>
+                            </p:childTnLst>
+                          </p:cTn>
+                        </p:par>
+                      </p:childTnLst>
+                    </p:cTn>
+                  </p:par>
+                </p:childTnLst>
+              </p:cTn>
+              <p:prevCondLst>
+                <p:cond evt="onPrev" delay="0">
+                  <p:tgtEl>
+                    <p:sldTgt/>
+                  </p:tgtEl>
+                </p:cond>
+              </p:prevCondLst>
+              <p:nextCondLst>
+                <p:cond evt="onNext" delay="0">
+                  <p:tgtEl>
+                    <p:sldTgt/>
+                  </p:tgtEl>
+                </p:cond>
+              </p:nextCondLst>
+            </p:seq>
+          </p:childTnLst>
+        </p:cTn>
+      </p:par>
+    </p:tnLst>
+  </p:timing>
 </p:sld>
 </file>
 
@@ -8655,6 +9228,382 @@
   <p:clrMapOvr>
     <a:masterClrMapping/>
   </p:clrMapOvr>
+  <p:timing>
+    <p:tnLst>
+      <p:par>
+        <p:cTn id="1" dur="indefinite" restart="never" nodeType="tmRoot">
+          <p:childTnLst>
+            <p:seq concurrent="1" nextAc="seek">
+              <p:cTn id="2" dur="indefinite" nodeType="mainSeq">
+                <p:childTnLst>
+                  <p:par>
+                    <p:cTn id="3" fill="hold">
+                      <p:stCondLst>
+                        <p:cond delay="indefinite"/>
+                      </p:stCondLst>
+                      <p:childTnLst>
+                        <p:par>
+                          <p:cTn id="4" fill="hold">
+                            <p:stCondLst>
+                              <p:cond delay="0"/>
+                            </p:stCondLst>
+                            <p:childTnLst>
+                              <p:par>
+                                <p:cTn id="5" presetID="1" presetClass="entr" presetSubtype="0" fill="hold" nodeType="clickEffect">
+                                  <p:stCondLst>
+                                    <p:cond delay="0"/>
+                                  </p:stCondLst>
+                                  <p:childTnLst>
+                                    <p:set>
+                                      <p:cBhvr>
+                                        <p:cTn id="6" dur="1" fill="hold">
+                                          <p:stCondLst>
+                                            <p:cond delay="0"/>
+                                          </p:stCondLst>
+                                        </p:cTn>
+                                        <p:tgtEl>
+                                          <p:spTgt spid="2">
+                                            <p:txEl>
+                                              <p:pRg st="1" end="1"/>
+                                            </p:txEl>
+                                          </p:spTgt>
+                                        </p:tgtEl>
+                                        <p:attrNameLst>
+                                          <p:attrName>style.visibility</p:attrName>
+                                        </p:attrNameLst>
+                                      </p:cBhvr>
+                                      <p:to>
+                                        <p:strVal val="visible"/>
+                                      </p:to>
+                                    </p:set>
+                                  </p:childTnLst>
+                                </p:cTn>
+                              </p:par>
+                              <p:par>
+                                <p:cTn id="7" presetID="1" presetClass="entr" presetSubtype="0" fill="hold" nodeType="withEffect">
+                                  <p:stCondLst>
+                                    <p:cond delay="0"/>
+                                  </p:stCondLst>
+                                  <p:childTnLst>
+                                    <p:set>
+                                      <p:cBhvr>
+                                        <p:cTn id="8" dur="1" fill="hold">
+                                          <p:stCondLst>
+                                            <p:cond delay="0"/>
+                                          </p:stCondLst>
+                                        </p:cTn>
+                                        <p:tgtEl>
+                                          <p:spTgt spid="2">
+                                            <p:txEl>
+                                              <p:pRg st="2" end="2"/>
+                                            </p:txEl>
+                                          </p:spTgt>
+                                        </p:tgtEl>
+                                        <p:attrNameLst>
+                                          <p:attrName>style.visibility</p:attrName>
+                                        </p:attrNameLst>
+                                      </p:cBhvr>
+                                      <p:to>
+                                        <p:strVal val="visible"/>
+                                      </p:to>
+                                    </p:set>
+                                  </p:childTnLst>
+                                </p:cTn>
+                              </p:par>
+                              <p:par>
+                                <p:cTn id="9" presetID="1" presetClass="entr" presetSubtype="0" fill="hold" nodeType="withEffect">
+                                  <p:stCondLst>
+                                    <p:cond delay="0"/>
+                                  </p:stCondLst>
+                                  <p:childTnLst>
+                                    <p:set>
+                                      <p:cBhvr>
+                                        <p:cTn id="10" dur="1" fill="hold">
+                                          <p:stCondLst>
+                                            <p:cond delay="0"/>
+                                          </p:stCondLst>
+                                        </p:cTn>
+                                        <p:tgtEl>
+                                          <p:spTgt spid="2">
+                                            <p:txEl>
+                                              <p:pRg st="3" end="3"/>
+                                            </p:txEl>
+                                          </p:spTgt>
+                                        </p:tgtEl>
+                                        <p:attrNameLst>
+                                          <p:attrName>style.visibility</p:attrName>
+                                        </p:attrNameLst>
+                                      </p:cBhvr>
+                                      <p:to>
+                                        <p:strVal val="visible"/>
+                                      </p:to>
+                                    </p:set>
+                                  </p:childTnLst>
+                                </p:cTn>
+                              </p:par>
+                              <p:par>
+                                <p:cTn id="11" presetID="1" presetClass="entr" presetSubtype="0" fill="hold" nodeType="withEffect">
+                                  <p:stCondLst>
+                                    <p:cond delay="0"/>
+                                  </p:stCondLst>
+                                  <p:childTnLst>
+                                    <p:set>
+                                      <p:cBhvr>
+                                        <p:cTn id="12" dur="1" fill="hold">
+                                          <p:stCondLst>
+                                            <p:cond delay="0"/>
+                                          </p:stCondLst>
+                                        </p:cTn>
+                                        <p:tgtEl>
+                                          <p:spTgt spid="2">
+                                            <p:txEl>
+                                              <p:pRg st="4" end="4"/>
+                                            </p:txEl>
+                                          </p:spTgt>
+                                        </p:tgtEl>
+                                        <p:attrNameLst>
+                                          <p:attrName>style.visibility</p:attrName>
+                                        </p:attrNameLst>
+                                      </p:cBhvr>
+                                      <p:to>
+                                        <p:strVal val="visible"/>
+                                      </p:to>
+                                    </p:set>
+                                  </p:childTnLst>
+                                </p:cTn>
+                              </p:par>
+                              <p:par>
+                                <p:cTn id="13" presetID="1" presetClass="entr" presetSubtype="0" fill="hold" nodeType="withEffect">
+                                  <p:stCondLst>
+                                    <p:cond delay="0"/>
+                                  </p:stCondLst>
+                                  <p:childTnLst>
+                                    <p:set>
+                                      <p:cBhvr>
+                                        <p:cTn id="14" dur="1" fill="hold">
+                                          <p:stCondLst>
+                                            <p:cond delay="0"/>
+                                          </p:stCondLst>
+                                        </p:cTn>
+                                        <p:tgtEl>
+                                          <p:spTgt spid="2">
+                                            <p:txEl>
+                                              <p:pRg st="5" end="5"/>
+                                            </p:txEl>
+                                          </p:spTgt>
+                                        </p:tgtEl>
+                                        <p:attrNameLst>
+                                          <p:attrName>style.visibility</p:attrName>
+                                        </p:attrNameLst>
+                                      </p:cBhvr>
+                                      <p:to>
+                                        <p:strVal val="visible"/>
+                                      </p:to>
+                                    </p:set>
+                                  </p:childTnLst>
+                                </p:cTn>
+                              </p:par>
+                              <p:par>
+                                <p:cTn id="15" presetID="1" presetClass="entr" presetSubtype="0" fill="hold" nodeType="withEffect">
+                                  <p:stCondLst>
+                                    <p:cond delay="0"/>
+                                  </p:stCondLst>
+                                  <p:childTnLst>
+                                    <p:set>
+                                      <p:cBhvr>
+                                        <p:cTn id="16" dur="1" fill="hold">
+                                          <p:stCondLst>
+                                            <p:cond delay="0"/>
+                                          </p:stCondLst>
+                                        </p:cTn>
+                                        <p:tgtEl>
+                                          <p:spTgt spid="2">
+                                            <p:txEl>
+                                              <p:pRg st="6" end="6"/>
+                                            </p:txEl>
+                                          </p:spTgt>
+                                        </p:tgtEl>
+                                        <p:attrNameLst>
+                                          <p:attrName>style.visibility</p:attrName>
+                                        </p:attrNameLst>
+                                      </p:cBhvr>
+                                      <p:to>
+                                        <p:strVal val="visible"/>
+                                      </p:to>
+                                    </p:set>
+                                  </p:childTnLst>
+                                </p:cTn>
+                              </p:par>
+                            </p:childTnLst>
+                          </p:cTn>
+                        </p:par>
+                      </p:childTnLst>
+                    </p:cTn>
+                  </p:par>
+                  <p:par>
+                    <p:cTn id="17" fill="hold">
+                      <p:stCondLst>
+                        <p:cond delay="indefinite"/>
+                      </p:stCondLst>
+                      <p:childTnLst>
+                        <p:par>
+                          <p:cTn id="18" fill="hold">
+                            <p:stCondLst>
+                              <p:cond delay="0"/>
+                            </p:stCondLst>
+                            <p:childTnLst>
+                              <p:par>
+                                <p:cTn id="19" presetID="1" presetClass="entr" presetSubtype="0" fill="hold" nodeType="clickEffect">
+                                  <p:stCondLst>
+                                    <p:cond delay="0"/>
+                                  </p:stCondLst>
+                                  <p:childTnLst>
+                                    <p:set>
+                                      <p:cBhvr>
+                                        <p:cTn id="20" dur="1" fill="hold">
+                                          <p:stCondLst>
+                                            <p:cond delay="0"/>
+                                          </p:stCondLst>
+                                        </p:cTn>
+                                        <p:tgtEl>
+                                          <p:spTgt spid="2">
+                                            <p:txEl>
+                                              <p:pRg st="9" end="9"/>
+                                            </p:txEl>
+                                          </p:spTgt>
+                                        </p:tgtEl>
+                                        <p:attrNameLst>
+                                          <p:attrName>style.visibility</p:attrName>
+                                        </p:attrNameLst>
+                                      </p:cBhvr>
+                                      <p:to>
+                                        <p:strVal val="visible"/>
+                                      </p:to>
+                                    </p:set>
+                                  </p:childTnLst>
+                                </p:cTn>
+                              </p:par>
+                              <p:par>
+                                <p:cTn id="21" presetID="1" presetClass="entr" presetSubtype="0" fill="hold" nodeType="withEffect">
+                                  <p:stCondLst>
+                                    <p:cond delay="0"/>
+                                  </p:stCondLst>
+                                  <p:childTnLst>
+                                    <p:set>
+                                      <p:cBhvr>
+                                        <p:cTn id="22" dur="1" fill="hold">
+                                          <p:stCondLst>
+                                            <p:cond delay="0"/>
+                                          </p:stCondLst>
+                                        </p:cTn>
+                                        <p:tgtEl>
+                                          <p:spTgt spid="2">
+                                            <p:txEl>
+                                              <p:pRg st="10" end="10"/>
+                                            </p:txEl>
+                                          </p:spTgt>
+                                        </p:tgtEl>
+                                        <p:attrNameLst>
+                                          <p:attrName>style.visibility</p:attrName>
+                                        </p:attrNameLst>
+                                      </p:cBhvr>
+                                      <p:to>
+                                        <p:strVal val="visible"/>
+                                      </p:to>
+                                    </p:set>
+                                  </p:childTnLst>
+                                </p:cTn>
+                              </p:par>
+                              <p:par>
+                                <p:cTn id="23" presetID="1" presetClass="entr" presetSubtype="0" fill="hold" nodeType="withEffect">
+                                  <p:stCondLst>
+                                    <p:cond delay="0"/>
+                                  </p:stCondLst>
+                                  <p:childTnLst>
+                                    <p:set>
+                                      <p:cBhvr>
+                                        <p:cTn id="24" dur="1" fill="hold">
+                                          <p:stCondLst>
+                                            <p:cond delay="0"/>
+                                          </p:stCondLst>
+                                        </p:cTn>
+                                        <p:tgtEl>
+                                          <p:spTgt spid="2">
+                                            <p:txEl>
+                                              <p:pRg st="11" end="11"/>
+                                            </p:txEl>
+                                          </p:spTgt>
+                                        </p:tgtEl>
+                                        <p:attrNameLst>
+                                          <p:attrName>style.visibility</p:attrName>
+                                        </p:attrNameLst>
+                                      </p:cBhvr>
+                                      <p:to>
+                                        <p:strVal val="visible"/>
+                                      </p:to>
+                                    </p:set>
+                                  </p:childTnLst>
+                                </p:cTn>
+                              </p:par>
+                              <p:par>
+                                <p:cTn id="25" presetID="1" presetClass="entr" presetSubtype="0" fill="hold" nodeType="withEffect">
+                                  <p:stCondLst>
+                                    <p:cond delay="0"/>
+                                  </p:stCondLst>
+                                  <p:childTnLst>
+                                    <p:set>
+                                      <p:cBhvr>
+                                        <p:cTn id="26" dur="1" fill="hold">
+                                          <p:stCondLst>
+                                            <p:cond delay="0"/>
+                                          </p:stCondLst>
+                                        </p:cTn>
+                                        <p:tgtEl>
+                                          <p:spTgt spid="2">
+                                            <p:txEl>
+                                              <p:pRg st="12" end="12"/>
+                                            </p:txEl>
+                                          </p:spTgt>
+                                        </p:tgtEl>
+                                        <p:attrNameLst>
+                                          <p:attrName>style.visibility</p:attrName>
+                                        </p:attrNameLst>
+                                      </p:cBhvr>
+                                      <p:to>
+                                        <p:strVal val="visible"/>
+                                      </p:to>
+                                    </p:set>
+                                  </p:childTnLst>
+                                </p:cTn>
+                              </p:par>
+                            </p:childTnLst>
+                          </p:cTn>
+                        </p:par>
+                      </p:childTnLst>
+                    </p:cTn>
+                  </p:par>
+                </p:childTnLst>
+              </p:cTn>
+              <p:prevCondLst>
+                <p:cond evt="onPrev" delay="0">
+                  <p:tgtEl>
+                    <p:sldTgt/>
+                  </p:tgtEl>
+                </p:cond>
+              </p:prevCondLst>
+              <p:nextCondLst>
+                <p:cond evt="onNext" delay="0">
+                  <p:tgtEl>
+                    <p:sldTgt/>
+                  </p:tgtEl>
+                </p:cond>
+              </p:nextCondLst>
+            </p:seq>
+          </p:childTnLst>
+        </p:cTn>
+      </p:par>
+    </p:tnLst>
+  </p:timing>
 </p:sld>
 </file>
 
@@ -8764,6 +9713,209 @@
   <p:clrMapOvr>
     <a:masterClrMapping/>
   </p:clrMapOvr>
+  <p:timing>
+    <p:tnLst>
+      <p:par>
+        <p:cTn id="1" dur="indefinite" restart="never" nodeType="tmRoot">
+          <p:childTnLst>
+            <p:seq concurrent="1" nextAc="seek">
+              <p:cTn id="2" dur="indefinite" nodeType="mainSeq">
+                <p:childTnLst>
+                  <p:par>
+                    <p:cTn id="3" fill="hold">
+                      <p:stCondLst>
+                        <p:cond delay="indefinite"/>
+                      </p:stCondLst>
+                      <p:childTnLst>
+                        <p:par>
+                          <p:cTn id="4" fill="hold">
+                            <p:stCondLst>
+                              <p:cond delay="0"/>
+                            </p:stCondLst>
+                            <p:childTnLst>
+                              <p:par>
+                                <p:cTn id="5" presetID="1" presetClass="entr" presetSubtype="0" fill="hold" nodeType="clickEffect">
+                                  <p:stCondLst>
+                                    <p:cond delay="0"/>
+                                  </p:stCondLst>
+                                  <p:childTnLst>
+                                    <p:set>
+                                      <p:cBhvr>
+                                        <p:cTn id="6" dur="1" fill="hold">
+                                          <p:stCondLst>
+                                            <p:cond delay="0"/>
+                                          </p:stCondLst>
+                                        </p:cTn>
+                                        <p:tgtEl>
+                                          <p:spTgt spid="2">
+                                            <p:txEl>
+                                              <p:pRg st="1" end="1"/>
+                                            </p:txEl>
+                                          </p:spTgt>
+                                        </p:tgtEl>
+                                        <p:attrNameLst>
+                                          <p:attrName>style.visibility</p:attrName>
+                                        </p:attrNameLst>
+                                      </p:cBhvr>
+                                      <p:to>
+                                        <p:strVal val="visible"/>
+                                      </p:to>
+                                    </p:set>
+                                  </p:childTnLst>
+                                </p:cTn>
+                              </p:par>
+                              <p:par>
+                                <p:cTn id="7" presetID="1" presetClass="entr" presetSubtype="0" fill="hold" nodeType="withEffect">
+                                  <p:stCondLst>
+                                    <p:cond delay="0"/>
+                                  </p:stCondLst>
+                                  <p:childTnLst>
+                                    <p:set>
+                                      <p:cBhvr>
+                                        <p:cTn id="8" dur="1" fill="hold">
+                                          <p:stCondLst>
+                                            <p:cond delay="0"/>
+                                          </p:stCondLst>
+                                        </p:cTn>
+                                        <p:tgtEl>
+                                          <p:spTgt spid="2">
+                                            <p:txEl>
+                                              <p:pRg st="2" end="2"/>
+                                            </p:txEl>
+                                          </p:spTgt>
+                                        </p:tgtEl>
+                                        <p:attrNameLst>
+                                          <p:attrName>style.visibility</p:attrName>
+                                        </p:attrNameLst>
+                                      </p:cBhvr>
+                                      <p:to>
+                                        <p:strVal val="visible"/>
+                                      </p:to>
+                                    </p:set>
+                                  </p:childTnLst>
+                                </p:cTn>
+                              </p:par>
+                              <p:par>
+                                <p:cTn id="9" presetID="1" presetClass="entr" presetSubtype="0" fill="hold" nodeType="withEffect">
+                                  <p:stCondLst>
+                                    <p:cond delay="0"/>
+                                  </p:stCondLst>
+                                  <p:childTnLst>
+                                    <p:set>
+                                      <p:cBhvr>
+                                        <p:cTn id="10" dur="1" fill="hold">
+                                          <p:stCondLst>
+                                            <p:cond delay="0"/>
+                                          </p:stCondLst>
+                                        </p:cTn>
+                                        <p:tgtEl>
+                                          <p:spTgt spid="2">
+                                            <p:txEl>
+                                              <p:pRg st="3" end="3"/>
+                                            </p:txEl>
+                                          </p:spTgt>
+                                        </p:tgtEl>
+                                        <p:attrNameLst>
+                                          <p:attrName>style.visibility</p:attrName>
+                                        </p:attrNameLst>
+                                      </p:cBhvr>
+                                      <p:to>
+                                        <p:strVal val="visible"/>
+                                      </p:to>
+                                    </p:set>
+                                  </p:childTnLst>
+                                </p:cTn>
+                              </p:par>
+                              <p:par>
+                                <p:cTn id="11" presetID="1" presetClass="entr" presetSubtype="0" fill="hold" nodeType="withEffect">
+                                  <p:stCondLst>
+                                    <p:cond delay="0"/>
+                                  </p:stCondLst>
+                                  <p:childTnLst>
+                                    <p:set>
+                                      <p:cBhvr>
+                                        <p:cTn id="12" dur="1" fill="hold">
+                                          <p:stCondLst>
+                                            <p:cond delay="0"/>
+                                          </p:stCondLst>
+                                        </p:cTn>
+                                        <p:tgtEl>
+                                          <p:spTgt spid="2">
+                                            <p:txEl>
+                                              <p:pRg st="4" end="4"/>
+                                            </p:txEl>
+                                          </p:spTgt>
+                                        </p:tgtEl>
+                                        <p:attrNameLst>
+                                          <p:attrName>style.visibility</p:attrName>
+                                        </p:attrNameLst>
+                                      </p:cBhvr>
+                                      <p:to>
+                                        <p:strVal val="visible"/>
+                                      </p:to>
+                                    </p:set>
+                                  </p:childTnLst>
+                                </p:cTn>
+                              </p:par>
+                              <p:par>
+                                <p:cTn id="13" presetID="1" presetClass="entr" presetSubtype="0" fill="hold" nodeType="withEffect">
+                                  <p:stCondLst>
+                                    <p:cond delay="0"/>
+                                  </p:stCondLst>
+                                  <p:childTnLst>
+                                    <p:set>
+                                      <p:cBhvr>
+                                        <p:cTn id="14" dur="1" fill="hold">
+                                          <p:stCondLst>
+                                            <p:cond delay="0"/>
+                                          </p:stCondLst>
+                                        </p:cTn>
+                                        <p:tgtEl>
+                                          <p:spTgt spid="2">
+                                            <p:txEl>
+                                              <p:pRg st="5" end="5"/>
+                                            </p:txEl>
+                                          </p:spTgt>
+                                        </p:tgtEl>
+                                        <p:attrNameLst>
+                                          <p:attrName>style.visibility</p:attrName>
+                                        </p:attrNameLst>
+                                      </p:cBhvr>
+                                      <p:to>
+                                        <p:strVal val="visible"/>
+                                      </p:to>
+                                    </p:set>
+                                  </p:childTnLst>
+                                </p:cTn>
+                              </p:par>
+                            </p:childTnLst>
+                          </p:cTn>
+                        </p:par>
+                      </p:childTnLst>
+                    </p:cTn>
+                  </p:par>
+                </p:childTnLst>
+              </p:cTn>
+              <p:prevCondLst>
+                <p:cond evt="onPrev" delay="0">
+                  <p:tgtEl>
+                    <p:sldTgt/>
+                  </p:tgtEl>
+                </p:cond>
+              </p:prevCondLst>
+              <p:nextCondLst>
+                <p:cond evt="onNext" delay="0">
+                  <p:tgtEl>
+                    <p:sldTgt/>
+                  </p:tgtEl>
+                </p:cond>
+              </p:nextCondLst>
+            </p:seq>
+          </p:childTnLst>
+        </p:cTn>
+      </p:par>
+    </p:tnLst>
+  </p:timing>
 </p:sld>
 </file>
 
@@ -8836,13 +9988,6 @@
   <p:clrMapOvr>
     <a:masterClrMapping/>
   </p:clrMapOvr>
-  <p:timing>
-    <p:tnLst>
-      <p:par>
-        <p:cTn id="1" dur="indefinite" restart="never" nodeType="tmRoot"/>
-      </p:par>
-    </p:tnLst>
-  </p:timing>
 </p:sld>
 </file>
 
@@ -8898,7 +10043,7 @@
           <a:lstStyle/>
           <a:p>
             <a:r>
-              <a:rPr lang="de-CH" dirty="0" smtClean="0"/>
+              <a:rPr lang="de-CH" dirty="0"/>
               <a:t>Design</a:t>
             </a:r>
             <a:endParaRPr lang="de-DE" dirty="0"/>
@@ -8915,13 +10060,6 @@
   <p:clrMapOvr>
     <a:masterClrMapping/>
   </p:clrMapOvr>
-  <p:timing>
-    <p:tnLst>
-      <p:par>
-        <p:cTn id="1" dur="indefinite" restart="never" nodeType="tmRoot"/>
-      </p:par>
-    </p:tnLst>
-  </p:timing>
 </p:sld>
 </file>
 
@@ -9756,6 +10894,15 @@
 </file>
 
 <file path=customXml/item1.xml><?xml version="1.0" encoding="utf-8"?>
+<?mso-contentType ?>
+<FormTemplates xmlns="http://schemas.microsoft.com/sharepoint/v3/contenttype/forms">
+  <Display>DocumentLibraryForm</Display>
+  <Edit>DocumentLibraryForm</Edit>
+  <New>DocumentLibraryForm</New>
+</FormTemplates>
+</file>
+
+<file path=customXml/item2.xml><?xml version="1.0" encoding="utf-8"?>
 <ct:contentTypeSchema xmlns:ct="http://schemas.microsoft.com/office/2006/metadata/contentType" xmlns:ma="http://schemas.microsoft.com/office/2006/metadata/properties/metaAttributes" ct:_="" ma:_="" ma:contentTypeName="Dokument" ma:contentTypeID="0x0101003A4279409C3118409D418E682AEFAFB0" ma:contentTypeVersion="3" ma:contentTypeDescription="Ein neues Dokument erstellen." ma:contentTypeScope="" ma:versionID="2b39eecd042fe67817287380b00d4728">
   <xsd:schema xmlns:xsd="http://www.w3.org/2001/XMLSchema" xmlns:p="http://schemas.microsoft.com/office/2006/metadata/properties" xmlns:ns2="238ac175-5152-443e-bf42-417a27926292" targetNamespace="http://schemas.microsoft.com/office/2006/metadata/properties" ma:root="true" ma:fieldsID="3e4ac4b9de63a8d8211a46de917ff848" ns2:_="">
     <xsd:import namespace="238ac175-5152-443e-bf42-417a27926292"/>
@@ -9839,15 +10986,6 @@
 </ct:contentTypeSchema>
 </file>
 
-<file path=customXml/item2.xml><?xml version="1.0" encoding="utf-8"?>
-<?mso-contentType ?>
-<FormTemplates xmlns="http://schemas.microsoft.com/sharepoint/v3/contenttype/forms">
-  <Display>DocumentLibraryForm</Display>
-  <Edit>DocumentLibraryForm</Edit>
-  <New>DocumentLibraryForm</New>
-</FormTemplates>
-</file>
-
 <file path=customXml/item3.xml><?xml version="1.0" encoding="utf-8"?>
 <p:properties xmlns:p="http://schemas.microsoft.com/office/2006/metadata/properties" xmlns:xsi="http://www.w3.org/2001/XMLSchema-instance">
   <documentManagement>
@@ -9859,6 +10997,14 @@
 </file>
 
 <file path=customXml/itemProps1.xml><?xml version="1.0" encoding="utf-8"?>
+<ds:datastoreItem xmlns:ds="http://schemas.openxmlformats.org/officeDocument/2006/customXml" ds:itemID="{FCD14AB6-6E58-442F-B70D-2B317664A115}">
+  <ds:schemaRefs>
+    <ds:schemaRef ds:uri="http://schemas.microsoft.com/sharepoint/v3/contenttype/forms"/>
+  </ds:schemaRefs>
+</ds:datastoreItem>
+</file>
+
+<file path=customXml/itemProps2.xml><?xml version="1.0" encoding="utf-8"?>
 <ds:datastoreItem xmlns:ds="http://schemas.openxmlformats.org/officeDocument/2006/customXml" ds:itemID="{BD8FD62B-E50E-4101-B7F8-577C2BC63D28}">
   <ds:schemaRefs>
     <ds:schemaRef ds:uri="http://schemas.microsoft.com/office/2006/metadata/contentType"/>
@@ -9871,14 +11017,6 @@
     <ds:schemaRef ds:uri="http://purl.org/dc/elements/1.1/"/>
     <ds:schemaRef ds:uri="http://purl.org/dc/terms/"/>
     <ds:schemaRef ds:uri="http://schemas.microsoft.com/office/internal/2005/internalDocumentation"/>
-  </ds:schemaRefs>
-</ds:datastoreItem>
-</file>
-
-<file path=customXml/itemProps2.xml><?xml version="1.0" encoding="utf-8"?>
-<ds:datastoreItem xmlns:ds="http://schemas.openxmlformats.org/officeDocument/2006/customXml" ds:itemID="{FCD14AB6-6E58-442F-B70D-2B317664A115}">
-  <ds:schemaRefs>
-    <ds:schemaRef ds:uri="http://schemas.microsoft.com/sharepoint/v3/contenttype/forms"/>
   </ds:schemaRefs>
 </ds:datastoreItem>
 </file>

--- a/doc/CS1/Präsentation_CS1_Task_3_Blau.pptx
+++ b/doc/CS1/Präsentation_CS1_Task_3_Blau.pptx
@@ -5,10 +5,10 @@
     <p:sldMasterId id="2147483669" r:id="rId4"/>
   </p:sldMasterIdLst>
   <p:notesMasterIdLst>
-    <p:notesMasterId r:id="rId22"/>
+    <p:notesMasterId r:id="rId35"/>
   </p:notesMasterIdLst>
   <p:handoutMasterIdLst>
-    <p:handoutMasterId r:id="rId23"/>
+    <p:handoutMasterId r:id="rId36"/>
   </p:handoutMasterIdLst>
   <p:sldIdLst>
     <p:sldId id="256" r:id="rId5"/>
@@ -20,14 +20,27 @@
     <p:sldId id="292" r:id="rId11"/>
     <p:sldId id="282" r:id="rId12"/>
     <p:sldId id="286" r:id="rId13"/>
-    <p:sldId id="293" r:id="rId14"/>
-    <p:sldId id="294" r:id="rId15"/>
-    <p:sldId id="295" r:id="rId16"/>
-    <p:sldId id="296" r:id="rId17"/>
-    <p:sldId id="297" r:id="rId18"/>
-    <p:sldId id="298" r:id="rId19"/>
-    <p:sldId id="288" r:id="rId20"/>
-    <p:sldId id="280" r:id="rId21"/>
+    <p:sldId id="299" r:id="rId14"/>
+    <p:sldId id="300" r:id="rId15"/>
+    <p:sldId id="301" r:id="rId16"/>
+    <p:sldId id="302" r:id="rId17"/>
+    <p:sldId id="303" r:id="rId18"/>
+    <p:sldId id="304" r:id="rId19"/>
+    <p:sldId id="305" r:id="rId20"/>
+    <p:sldId id="306" r:id="rId21"/>
+    <p:sldId id="307" r:id="rId22"/>
+    <p:sldId id="308" r:id="rId23"/>
+    <p:sldId id="309" r:id="rId24"/>
+    <p:sldId id="310" r:id="rId25"/>
+    <p:sldId id="311" r:id="rId26"/>
+    <p:sldId id="293" r:id="rId27"/>
+    <p:sldId id="294" r:id="rId28"/>
+    <p:sldId id="295" r:id="rId29"/>
+    <p:sldId id="296" r:id="rId30"/>
+    <p:sldId id="297" r:id="rId31"/>
+    <p:sldId id="298" r:id="rId32"/>
+    <p:sldId id="288" r:id="rId33"/>
+    <p:sldId id="280" r:id="rId34"/>
   </p:sldIdLst>
   <p:sldSz cx="9144000" cy="6858000" type="screen4x3"/>
   <p:notesSz cx="6797675" cy="9872663"/>
@@ -7010,9 +7023,32 @@
           <a:chExt cx="0" cy="0"/>
         </a:xfrm>
       </p:grpSpPr>
+      <p:sp>
+        <p:nvSpPr>
+          <p:cNvPr id="3" name="Titel 2"/>
+          <p:cNvSpPr>
+            <a:spLocks noGrp="1"/>
+          </p:cNvSpPr>
+          <p:nvPr>
+            <p:ph type="ctrTitle"/>
+          </p:nvPr>
+        </p:nvSpPr>
+        <p:spPr/>
+        <p:txBody>
+          <a:bodyPr/>
+          <a:lstStyle/>
+          <a:p>
+            <a:r>
+              <a:rPr lang="de-CH" dirty="0"/>
+              <a:t>Storyboard</a:t>
+            </a:r>
+            <a:endParaRPr lang="de-DE" dirty="0"/>
+          </a:p>
+        </p:txBody>
+      </p:sp>
       <p:pic>
         <p:nvPicPr>
-          <p:cNvPr id="4" name="Content Placeholder 3"/>
+          <p:cNvPr id="5" name="Inhaltsplatzhalter 4"/>
           <p:cNvPicPr>
             <a:picLocks noGrp="1" noChangeAspect="1"/>
           </p:cNvPicPr>
@@ -7028,78 +7064,15 @@
         </p:blipFill>
         <p:spPr>
           <a:xfrm>
-            <a:off x="580481" y="1146429"/>
-            <a:ext cx="7875037" cy="5122673"/>
+            <a:off x="1667068" y="1868557"/>
+            <a:ext cx="5917528" cy="3302807"/>
           </a:xfrm>
         </p:spPr>
       </p:pic>
-      <p:sp>
-        <p:nvSpPr>
-          <p:cNvPr id="3" name="Titel 2"/>
-          <p:cNvSpPr>
-            <a:spLocks noGrp="1"/>
-          </p:cNvSpPr>
-          <p:nvPr>
-            <p:ph type="ctrTitle"/>
-          </p:nvPr>
-        </p:nvSpPr>
-        <p:spPr/>
-        <p:txBody>
-          <a:bodyPr/>
-          <a:lstStyle/>
-          <a:p>
-            <a:r>
-              <a:rPr lang="de-DE" dirty="0"/>
-              <a:t>Prototyp</a:t>
-            </a:r>
-          </a:p>
-        </p:txBody>
-      </p:sp>
-      <p:sp>
-        <p:nvSpPr>
-          <p:cNvPr id="5" name="Rectangle 4">
-            <a:hlinkClick r:id="rId3" action="ppaction://hlinksldjump"/>
-          </p:cNvPr>
-          <p:cNvSpPr/>
-          <p:nvPr/>
-        </p:nvSpPr>
-        <p:spPr>
-          <a:xfrm>
-            <a:off x="3340359" y="4292082"/>
-            <a:ext cx="671804" cy="233265"/>
-          </a:xfrm>
-          <a:prstGeom prst="rect">
-            <a:avLst/>
-          </a:prstGeom>
-          <a:noFill/>
-        </p:spPr>
-        <p:style>
-          <a:lnRef idx="1">
-            <a:schemeClr val="accent1"/>
-          </a:lnRef>
-          <a:fillRef idx="3">
-            <a:schemeClr val="accent1"/>
-          </a:fillRef>
-          <a:effectRef idx="2">
-            <a:schemeClr val="accent1"/>
-          </a:effectRef>
-          <a:fontRef idx="minor">
-            <a:schemeClr val="lt1"/>
-          </a:fontRef>
-        </p:style>
-        <p:txBody>
-          <a:bodyPr rtlCol="0" anchor="ctr"/>
-          <a:lstStyle/>
-          <a:p>
-            <a:pPr algn="ctr"/>
-            <a:endParaRPr lang="en-GB"/>
-          </a:p>
-        </p:txBody>
-      </p:sp>
     </p:spTree>
     <p:extLst>
       <p:ext uri="{BB962C8B-B14F-4D97-AF65-F5344CB8AC3E}">
-        <p14:creationId xmlns:p14="http://schemas.microsoft.com/office/powerpoint/2010/main" val="3278257248"/>
+        <p14:creationId xmlns:p14="http://schemas.microsoft.com/office/powerpoint/2010/main" val="3302576479"/>
       </p:ext>
     </p:extLst>
   </p:cSld>
@@ -7126,9 +7099,32 @@
           <a:chExt cx="0" cy="0"/>
         </a:xfrm>
       </p:grpSpPr>
+      <p:sp>
+        <p:nvSpPr>
+          <p:cNvPr id="3" name="Titel 2"/>
+          <p:cNvSpPr>
+            <a:spLocks noGrp="1"/>
+          </p:cNvSpPr>
+          <p:nvPr>
+            <p:ph type="ctrTitle"/>
+          </p:nvPr>
+        </p:nvSpPr>
+        <p:spPr/>
+        <p:txBody>
+          <a:bodyPr/>
+          <a:lstStyle/>
+          <a:p>
+            <a:r>
+              <a:rPr lang="de-CH" dirty="0"/>
+              <a:t>Storyboard</a:t>
+            </a:r>
+            <a:endParaRPr lang="de-DE" dirty="0"/>
+          </a:p>
+        </p:txBody>
+      </p:sp>
       <p:pic>
         <p:nvPicPr>
-          <p:cNvPr id="4" name="Content Placeholder 3"/>
+          <p:cNvPr id="5" name="Inhaltsplatzhalter 4"/>
           <p:cNvPicPr>
             <a:picLocks noGrp="1" noChangeAspect="1"/>
           </p:cNvPicPr>
@@ -7144,79 +7140,15 @@
         </p:blipFill>
         <p:spPr>
           <a:xfrm>
-            <a:off x="828560" y="1126764"/>
-            <a:ext cx="7378879" cy="4843760"/>
+            <a:off x="2049831" y="1848679"/>
+            <a:ext cx="4936338" cy="3187405"/>
           </a:xfrm>
         </p:spPr>
       </p:pic>
-      <p:sp>
-        <p:nvSpPr>
-          <p:cNvPr id="3" name="Title 2"/>
-          <p:cNvSpPr>
-            <a:spLocks noGrp="1"/>
-          </p:cNvSpPr>
-          <p:nvPr>
-            <p:ph type="ctrTitle"/>
-          </p:nvPr>
-        </p:nvSpPr>
-        <p:spPr/>
-        <p:txBody>
-          <a:bodyPr/>
-          <a:lstStyle/>
-          <a:p>
-            <a:r>
-              <a:rPr lang="en-GB" dirty="0" err="1"/>
-              <a:t>Prototyp</a:t>
-            </a:r>
-            <a:endParaRPr lang="en-GB" dirty="0"/>
-          </a:p>
-        </p:txBody>
-      </p:sp>
-      <p:sp>
-        <p:nvSpPr>
-          <p:cNvPr id="5" name="Rectangle 4">
-            <a:hlinkClick r:id="rId3" action="ppaction://hlinksldjump"/>
-          </p:cNvPr>
-          <p:cNvSpPr/>
-          <p:nvPr/>
-        </p:nvSpPr>
-        <p:spPr>
-          <a:xfrm>
-            <a:off x="6438122" y="3107094"/>
-            <a:ext cx="541176" cy="223935"/>
-          </a:xfrm>
-          <a:prstGeom prst="rect">
-            <a:avLst/>
-          </a:prstGeom>
-          <a:noFill/>
-        </p:spPr>
-        <p:style>
-          <a:lnRef idx="1">
-            <a:schemeClr val="accent1"/>
-          </a:lnRef>
-          <a:fillRef idx="3">
-            <a:schemeClr val="accent1"/>
-          </a:fillRef>
-          <a:effectRef idx="2">
-            <a:schemeClr val="accent1"/>
-          </a:effectRef>
-          <a:fontRef idx="minor">
-            <a:schemeClr val="lt1"/>
-          </a:fontRef>
-        </p:style>
-        <p:txBody>
-          <a:bodyPr rtlCol="0" anchor="ctr"/>
-          <a:lstStyle/>
-          <a:p>
-            <a:pPr algn="ctr"/>
-            <a:endParaRPr lang="en-GB"/>
-          </a:p>
-        </p:txBody>
-      </p:sp>
     </p:spTree>
     <p:extLst>
       <p:ext uri="{BB962C8B-B14F-4D97-AF65-F5344CB8AC3E}">
-        <p14:creationId xmlns:p14="http://schemas.microsoft.com/office/powerpoint/2010/main" val="2022345022"/>
+        <p14:creationId xmlns:p14="http://schemas.microsoft.com/office/powerpoint/2010/main" val="4011876790"/>
       </p:ext>
     </p:extLst>
   </p:cSld>
@@ -7243,9 +7175,32 @@
           <a:chExt cx="0" cy="0"/>
         </a:xfrm>
       </p:grpSpPr>
+      <p:sp>
+        <p:nvSpPr>
+          <p:cNvPr id="3" name="Titel 2"/>
+          <p:cNvSpPr>
+            <a:spLocks noGrp="1"/>
+          </p:cNvSpPr>
+          <p:nvPr>
+            <p:ph type="ctrTitle"/>
+          </p:nvPr>
+        </p:nvSpPr>
+        <p:spPr/>
+        <p:txBody>
+          <a:bodyPr/>
+          <a:lstStyle/>
+          <a:p>
+            <a:r>
+              <a:rPr lang="de-CH" dirty="0"/>
+              <a:t>Storyboard</a:t>
+            </a:r>
+            <a:endParaRPr lang="de-DE" dirty="0"/>
+          </a:p>
+        </p:txBody>
+      </p:sp>
       <p:pic>
         <p:nvPicPr>
-          <p:cNvPr id="4" name="Content Placeholder 3"/>
+          <p:cNvPr id="5" name="Inhaltsplatzhalter 4"/>
           <p:cNvPicPr>
             <a:picLocks noGrp="1" noChangeAspect="1"/>
           </p:cNvPicPr>
@@ -7261,161 +7216,15 @@
         </p:blipFill>
         <p:spPr>
           <a:xfrm>
-            <a:off x="597371" y="1053745"/>
-            <a:ext cx="7841258" cy="5066068"/>
+            <a:off x="1284400" y="2315818"/>
+            <a:ext cx="6467199" cy="2529756"/>
           </a:xfrm>
         </p:spPr>
       </p:pic>
-      <p:sp>
-        <p:nvSpPr>
-          <p:cNvPr id="3" name="Title 2"/>
-          <p:cNvSpPr>
-            <a:spLocks noGrp="1"/>
-          </p:cNvSpPr>
-          <p:nvPr>
-            <p:ph type="ctrTitle"/>
-          </p:nvPr>
-        </p:nvSpPr>
-        <p:spPr/>
-        <p:txBody>
-          <a:bodyPr/>
-          <a:lstStyle/>
-          <a:p>
-            <a:r>
-              <a:rPr lang="en-GB" dirty="0" err="1"/>
-              <a:t>Prototyp</a:t>
-            </a:r>
-            <a:endParaRPr lang="en-GB" dirty="0"/>
-          </a:p>
-        </p:txBody>
-      </p:sp>
-      <p:sp>
-        <p:nvSpPr>
-          <p:cNvPr id="5" name="Rectangle 4">
-            <a:hlinkClick r:id="rId3" action="ppaction://hlinksldjump"/>
-          </p:cNvPr>
-          <p:cNvSpPr/>
-          <p:nvPr/>
-        </p:nvSpPr>
-        <p:spPr>
-          <a:xfrm>
-            <a:off x="5598367" y="2248678"/>
-            <a:ext cx="718457" cy="186612"/>
-          </a:xfrm>
-          <a:prstGeom prst="rect">
-            <a:avLst/>
-          </a:prstGeom>
-          <a:noFill/>
-        </p:spPr>
-        <p:style>
-          <a:lnRef idx="1">
-            <a:schemeClr val="accent1"/>
-          </a:lnRef>
-          <a:fillRef idx="3">
-            <a:schemeClr val="accent1"/>
-          </a:fillRef>
-          <a:effectRef idx="2">
-            <a:schemeClr val="accent1"/>
-          </a:effectRef>
-          <a:fontRef idx="minor">
-            <a:schemeClr val="lt1"/>
-          </a:fontRef>
-        </p:style>
-        <p:txBody>
-          <a:bodyPr rtlCol="0" anchor="ctr"/>
-          <a:lstStyle/>
-          <a:p>
-            <a:pPr algn="ctr"/>
-            <a:endParaRPr lang="en-GB"/>
-          </a:p>
-        </p:txBody>
-      </p:sp>
-      <p:sp>
-        <p:nvSpPr>
-          <p:cNvPr id="6" name="Rectangle 5">
-            <a:hlinkClick r:id="rId4" action="ppaction://hlinksldjump"/>
-          </p:cNvPr>
-          <p:cNvSpPr/>
-          <p:nvPr/>
-        </p:nvSpPr>
-        <p:spPr>
-          <a:xfrm>
-            <a:off x="5598366" y="3400167"/>
-            <a:ext cx="718457" cy="186612"/>
-          </a:xfrm>
-          <a:prstGeom prst="rect">
-            <a:avLst/>
-          </a:prstGeom>
-          <a:noFill/>
-        </p:spPr>
-        <p:style>
-          <a:lnRef idx="1">
-            <a:schemeClr val="accent1"/>
-          </a:lnRef>
-          <a:fillRef idx="3">
-            <a:schemeClr val="accent1"/>
-          </a:fillRef>
-          <a:effectRef idx="2">
-            <a:schemeClr val="accent1"/>
-          </a:effectRef>
-          <a:fontRef idx="minor">
-            <a:schemeClr val="lt1"/>
-          </a:fontRef>
-        </p:style>
-        <p:txBody>
-          <a:bodyPr rtlCol="0" anchor="ctr"/>
-          <a:lstStyle/>
-          <a:p>
-            <a:pPr algn="ctr"/>
-            <a:endParaRPr lang="en-GB"/>
-          </a:p>
-        </p:txBody>
-      </p:sp>
-      <p:sp>
-        <p:nvSpPr>
-          <p:cNvPr id="7" name="Rectangle 6">
-            <a:hlinkClick r:id="rId5" action="ppaction://hlinksldjump"/>
-          </p:cNvPr>
-          <p:cNvSpPr/>
-          <p:nvPr/>
-        </p:nvSpPr>
-        <p:spPr>
-          <a:xfrm>
-            <a:off x="5598365" y="4551656"/>
-            <a:ext cx="718457" cy="186612"/>
-          </a:xfrm>
-          <a:prstGeom prst="rect">
-            <a:avLst/>
-          </a:prstGeom>
-          <a:noFill/>
-        </p:spPr>
-        <p:style>
-          <a:lnRef idx="1">
-            <a:schemeClr val="accent1"/>
-          </a:lnRef>
-          <a:fillRef idx="3">
-            <a:schemeClr val="accent1"/>
-          </a:fillRef>
-          <a:effectRef idx="2">
-            <a:schemeClr val="accent1"/>
-          </a:effectRef>
-          <a:fontRef idx="minor">
-            <a:schemeClr val="lt1"/>
-          </a:fontRef>
-        </p:style>
-        <p:txBody>
-          <a:bodyPr rtlCol="0" anchor="ctr"/>
-          <a:lstStyle/>
-          <a:p>
-            <a:pPr algn="ctr"/>
-            <a:endParaRPr lang="en-GB"/>
-          </a:p>
-        </p:txBody>
-      </p:sp>
     </p:spTree>
     <p:extLst>
       <p:ext uri="{BB962C8B-B14F-4D97-AF65-F5344CB8AC3E}">
-        <p14:creationId xmlns:p14="http://schemas.microsoft.com/office/powerpoint/2010/main" val="1881299487"/>
+        <p14:creationId xmlns:p14="http://schemas.microsoft.com/office/powerpoint/2010/main" val="829692814"/>
       </p:ext>
     </p:extLst>
   </p:cSld>
@@ -7442,9 +7251,32 @@
           <a:chExt cx="0" cy="0"/>
         </a:xfrm>
       </p:grpSpPr>
+      <p:sp>
+        <p:nvSpPr>
+          <p:cNvPr id="3" name="Titel 2"/>
+          <p:cNvSpPr>
+            <a:spLocks noGrp="1"/>
+          </p:cNvSpPr>
+          <p:nvPr>
+            <p:ph type="ctrTitle"/>
+          </p:nvPr>
+        </p:nvSpPr>
+        <p:spPr/>
+        <p:txBody>
+          <a:bodyPr/>
+          <a:lstStyle/>
+          <a:p>
+            <a:r>
+              <a:rPr lang="de-CH" dirty="0"/>
+              <a:t>Storyboard</a:t>
+            </a:r>
+            <a:endParaRPr lang="de-DE" dirty="0"/>
+          </a:p>
+        </p:txBody>
+      </p:sp>
       <p:pic>
         <p:nvPicPr>
-          <p:cNvPr id="4" name="Content Placeholder 3"/>
+          <p:cNvPr id="5" name="Inhaltsplatzhalter 4"/>
           <p:cNvPicPr>
             <a:picLocks noGrp="1" noChangeAspect="1"/>
           </p:cNvPicPr>
@@ -7460,70 +7292,15 @@
         </p:blipFill>
         <p:spPr>
           <a:xfrm>
-            <a:off x="759542" y="1253754"/>
-            <a:ext cx="7516916" cy="4866059"/>
+            <a:off x="2597052" y="2805063"/>
+            <a:ext cx="3841947" cy="1949550"/>
           </a:xfrm>
         </p:spPr>
       </p:pic>
-      <p:sp>
-        <p:nvSpPr>
-          <p:cNvPr id="3" name="Title 2"/>
-          <p:cNvSpPr>
-            <a:spLocks noGrp="1"/>
-          </p:cNvSpPr>
-          <p:nvPr>
-            <p:ph type="ctrTitle"/>
-          </p:nvPr>
-        </p:nvSpPr>
-        <p:spPr/>
-        <p:txBody>
-          <a:bodyPr/>
-          <a:lstStyle/>
-          <a:p>
-            <a:r>
-              <a:rPr lang="en-GB" dirty="0" err="1"/>
-              <a:t>Prototyp</a:t>
-            </a:r>
-            <a:endParaRPr lang="en-GB" dirty="0"/>
-          </a:p>
-        </p:txBody>
-      </p:sp>
-      <p:sp>
-        <p:nvSpPr>
-          <p:cNvPr id="5" name="TextBox 4">
-            <a:hlinkClick r:id="rId3" action="ppaction://hlinksldjump"/>
-          </p:cNvPr>
-          <p:cNvSpPr txBox="1"/>
-          <p:nvPr/>
-        </p:nvSpPr>
-        <p:spPr>
-          <a:xfrm>
-            <a:off x="6774025" y="5495731"/>
-            <a:ext cx="690466" cy="261610"/>
-          </a:xfrm>
-          <a:prstGeom prst="rect">
-            <a:avLst/>
-          </a:prstGeom>
-          <a:noFill/>
-        </p:spPr>
-        <p:txBody>
-          <a:bodyPr wrap="square" rtlCol="0">
-            <a:spAutoFit/>
-          </a:bodyPr>
-          <a:lstStyle/>
-          <a:p>
-            <a:r>
-              <a:rPr lang="en-GB" sz="1100" dirty="0" err="1"/>
-              <a:t>zurück</a:t>
-            </a:r>
-            <a:endParaRPr lang="en-GB" sz="1100" dirty="0"/>
-          </a:p>
-        </p:txBody>
-      </p:sp>
     </p:spTree>
     <p:extLst>
       <p:ext uri="{BB962C8B-B14F-4D97-AF65-F5344CB8AC3E}">
-        <p14:creationId xmlns:p14="http://schemas.microsoft.com/office/powerpoint/2010/main" val="3685747844"/>
+        <p14:creationId xmlns:p14="http://schemas.microsoft.com/office/powerpoint/2010/main" val="4240085327"/>
       </p:ext>
     </p:extLst>
   </p:cSld>
@@ -7550,9 +7327,32 @@
           <a:chExt cx="0" cy="0"/>
         </a:xfrm>
       </p:grpSpPr>
+      <p:sp>
+        <p:nvSpPr>
+          <p:cNvPr id="3" name="Titel 2"/>
+          <p:cNvSpPr>
+            <a:spLocks noGrp="1"/>
+          </p:cNvSpPr>
+          <p:nvPr>
+            <p:ph type="ctrTitle"/>
+          </p:nvPr>
+        </p:nvSpPr>
+        <p:spPr/>
+        <p:txBody>
+          <a:bodyPr/>
+          <a:lstStyle/>
+          <a:p>
+            <a:r>
+              <a:rPr lang="de-CH" dirty="0"/>
+              <a:t>Storyboard</a:t>
+            </a:r>
+            <a:endParaRPr lang="de-DE" dirty="0"/>
+          </a:p>
+        </p:txBody>
+      </p:sp>
       <p:pic>
         <p:nvPicPr>
-          <p:cNvPr id="4" name="Content Placeholder 3"/>
+          <p:cNvPr id="5" name="Inhaltsplatzhalter 4"/>
           <p:cNvPicPr>
             <a:picLocks noGrp="1" noChangeAspect="1"/>
           </p:cNvPicPr>
@@ -7568,70 +7368,15 @@
         </p:blipFill>
         <p:spPr>
           <a:xfrm>
-            <a:off x="625931" y="1176647"/>
-            <a:ext cx="7784138" cy="5017811"/>
+            <a:off x="2892342" y="2789187"/>
+            <a:ext cx="3251367" cy="1981302"/>
           </a:xfrm>
         </p:spPr>
       </p:pic>
-      <p:sp>
-        <p:nvSpPr>
-          <p:cNvPr id="3" name="Title 2"/>
-          <p:cNvSpPr>
-            <a:spLocks noGrp="1"/>
-          </p:cNvSpPr>
-          <p:nvPr>
-            <p:ph type="ctrTitle"/>
-          </p:nvPr>
-        </p:nvSpPr>
-        <p:spPr/>
-        <p:txBody>
-          <a:bodyPr/>
-          <a:lstStyle/>
-          <a:p>
-            <a:r>
-              <a:rPr lang="en-GB" dirty="0" err="1"/>
-              <a:t>Prototyp</a:t>
-            </a:r>
-            <a:endParaRPr lang="en-GB" dirty="0"/>
-          </a:p>
-        </p:txBody>
-      </p:sp>
-      <p:sp>
-        <p:nvSpPr>
-          <p:cNvPr id="5" name="TextBox 4">
-            <a:hlinkClick r:id="rId3" action="ppaction://hlinksldjump"/>
-          </p:cNvPr>
-          <p:cNvSpPr txBox="1"/>
-          <p:nvPr/>
-        </p:nvSpPr>
-        <p:spPr>
-          <a:xfrm>
-            <a:off x="6774025" y="5495731"/>
-            <a:ext cx="690466" cy="261610"/>
-          </a:xfrm>
-          <a:prstGeom prst="rect">
-            <a:avLst/>
-          </a:prstGeom>
-          <a:noFill/>
-        </p:spPr>
-        <p:txBody>
-          <a:bodyPr wrap="square" rtlCol="0">
-            <a:spAutoFit/>
-          </a:bodyPr>
-          <a:lstStyle/>
-          <a:p>
-            <a:r>
-              <a:rPr lang="en-GB" sz="1100" dirty="0" err="1"/>
-              <a:t>zurück</a:t>
-            </a:r>
-            <a:endParaRPr lang="en-GB" sz="1100" dirty="0"/>
-          </a:p>
-        </p:txBody>
-      </p:sp>
     </p:spTree>
     <p:extLst>
       <p:ext uri="{BB962C8B-B14F-4D97-AF65-F5344CB8AC3E}">
-        <p14:creationId xmlns:p14="http://schemas.microsoft.com/office/powerpoint/2010/main" val="3596287467"/>
+        <p14:creationId xmlns:p14="http://schemas.microsoft.com/office/powerpoint/2010/main" val="3797801775"/>
       </p:ext>
     </p:extLst>
   </p:cSld>
@@ -7658,9 +7403,32 @@
           <a:chExt cx="0" cy="0"/>
         </a:xfrm>
       </p:grpSpPr>
+      <p:sp>
+        <p:nvSpPr>
+          <p:cNvPr id="3" name="Titel 2"/>
+          <p:cNvSpPr>
+            <a:spLocks noGrp="1"/>
+          </p:cNvSpPr>
+          <p:nvPr>
+            <p:ph type="ctrTitle"/>
+          </p:nvPr>
+        </p:nvSpPr>
+        <p:spPr/>
+        <p:txBody>
+          <a:bodyPr/>
+          <a:lstStyle/>
+          <a:p>
+            <a:r>
+              <a:rPr lang="de-CH" dirty="0"/>
+              <a:t>Storyboard</a:t>
+            </a:r>
+            <a:endParaRPr lang="de-DE" dirty="0"/>
+          </a:p>
+        </p:txBody>
+      </p:sp>
       <p:pic>
         <p:nvPicPr>
-          <p:cNvPr id="4" name="Content Placeholder 3"/>
+          <p:cNvPr id="4" name="Inhaltsplatzhalter 3"/>
           <p:cNvPicPr>
             <a:picLocks noGrp="1" noChangeAspect="1"/>
           </p:cNvPicPr>
@@ -7676,70 +7444,15 @@
         </p:blipFill>
         <p:spPr>
           <a:xfrm>
-            <a:off x="839085" y="1166327"/>
-            <a:ext cx="7357830" cy="4888172"/>
+            <a:off x="2543074" y="2747910"/>
+            <a:ext cx="3949903" cy="2063856"/>
           </a:xfrm>
         </p:spPr>
       </p:pic>
-      <p:sp>
-        <p:nvSpPr>
-          <p:cNvPr id="3" name="Title 2"/>
-          <p:cNvSpPr>
-            <a:spLocks noGrp="1"/>
-          </p:cNvSpPr>
-          <p:nvPr>
-            <p:ph type="ctrTitle"/>
-          </p:nvPr>
-        </p:nvSpPr>
-        <p:spPr/>
-        <p:txBody>
-          <a:bodyPr/>
-          <a:lstStyle/>
-          <a:p>
-            <a:r>
-              <a:rPr lang="en-GB" dirty="0" err="1"/>
-              <a:t>Prototyp</a:t>
-            </a:r>
-            <a:endParaRPr lang="en-GB" dirty="0"/>
-          </a:p>
-        </p:txBody>
-      </p:sp>
-      <p:sp>
-        <p:nvSpPr>
-          <p:cNvPr id="5" name="TextBox 4">
-            <a:hlinkClick r:id="rId3" action="ppaction://hlinksldjump"/>
-          </p:cNvPr>
-          <p:cNvSpPr txBox="1"/>
-          <p:nvPr/>
-        </p:nvSpPr>
-        <p:spPr>
-          <a:xfrm>
-            <a:off x="6662058" y="5364926"/>
-            <a:ext cx="690466" cy="261610"/>
-          </a:xfrm>
-          <a:prstGeom prst="rect">
-            <a:avLst/>
-          </a:prstGeom>
-          <a:noFill/>
-        </p:spPr>
-        <p:txBody>
-          <a:bodyPr wrap="square" rtlCol="0">
-            <a:spAutoFit/>
-          </a:bodyPr>
-          <a:lstStyle/>
-          <a:p>
-            <a:r>
-              <a:rPr lang="en-GB" sz="1100" dirty="0" err="1"/>
-              <a:t>zurück</a:t>
-            </a:r>
-            <a:endParaRPr lang="en-GB" sz="1100" dirty="0"/>
-          </a:p>
-        </p:txBody>
-      </p:sp>
     </p:spTree>
     <p:extLst>
       <p:ext uri="{BB962C8B-B14F-4D97-AF65-F5344CB8AC3E}">
-        <p14:creationId xmlns:p14="http://schemas.microsoft.com/office/powerpoint/2010/main" val="3652327836"/>
+        <p14:creationId xmlns:p14="http://schemas.microsoft.com/office/powerpoint/2010/main" val="1038735950"/>
       </p:ext>
     </p:extLst>
   </p:cSld>
@@ -7768,25 +7481,6 @@
       </p:grpSpPr>
       <p:sp>
         <p:nvSpPr>
-          <p:cNvPr id="2" name="Inhaltsplatzhalter 1"/>
-          <p:cNvSpPr>
-            <a:spLocks noGrp="1"/>
-          </p:cNvSpPr>
-          <p:nvPr>
-            <p:ph sz="half" idx="1"/>
-          </p:nvPr>
-        </p:nvSpPr>
-        <p:spPr/>
-        <p:txBody>
-          <a:bodyPr/>
-          <a:lstStyle/>
-          <a:p>
-            <a:endParaRPr lang="de-DE" dirty="0"/>
-          </a:p>
-        </p:txBody>
-      </p:sp>
-      <p:sp>
-        <p:nvSpPr>
           <p:cNvPr id="3" name="Titel 2"/>
           <p:cNvSpPr>
             <a:spLocks noGrp="1"/>
@@ -7802,22 +7496,39 @@
           <a:p>
             <a:r>
               <a:rPr lang="de-CH" dirty="0"/>
-              <a:t>Validation</a:t>
-            </a:r>
-            <a:br>
-              <a:rPr lang="de-CH" dirty="0"/>
-            </a:br>
-            <a:br>
-              <a:rPr lang="de-CH" dirty="0"/>
-            </a:br>
+              <a:t>Storyboard</a:t>
+            </a:r>
             <a:endParaRPr lang="de-DE" dirty="0"/>
           </a:p>
         </p:txBody>
       </p:sp>
+      <p:pic>
+        <p:nvPicPr>
+          <p:cNvPr id="4" name="Inhaltsplatzhalter 3"/>
+          <p:cNvPicPr>
+            <a:picLocks noGrp="1" noChangeAspect="1"/>
+          </p:cNvPicPr>
+          <p:nvPr>
+            <p:ph sz="half" idx="1"/>
+          </p:nvPr>
+        </p:nvPicPr>
+        <p:blipFill>
+          <a:blip r:embed="rId2"/>
+          <a:stretch>
+            <a:fillRect/>
+          </a:stretch>
+        </p:blipFill>
+        <p:spPr>
+          <a:xfrm>
+            <a:off x="2736759" y="2725684"/>
+            <a:ext cx="3562533" cy="2108308"/>
+          </a:xfrm>
+        </p:spPr>
+      </p:pic>
     </p:spTree>
     <p:extLst>
       <p:ext uri="{BB962C8B-B14F-4D97-AF65-F5344CB8AC3E}">
-        <p14:creationId xmlns:p14="http://schemas.microsoft.com/office/powerpoint/2010/main" val="904193018"/>
+        <p14:creationId xmlns:p14="http://schemas.microsoft.com/office/powerpoint/2010/main" val="915173772"/>
       </p:ext>
     </p:extLst>
   </p:cSld>
@@ -7846,7 +7557,7 @@
       </p:grpSpPr>
       <p:sp>
         <p:nvSpPr>
-          <p:cNvPr id="7" name="Titel 6"/>
+          <p:cNvPr id="3" name="Titel 2"/>
           <p:cNvSpPr>
             <a:spLocks noGrp="1"/>
           </p:cNvSpPr>
@@ -7860,20 +7571,192 @@
           <a:lstStyle/>
           <a:p>
             <a:r>
-              <a:rPr lang="de-DE" dirty="0"/>
-              <a:t>Danke für Ihre Aufmerksamkeit.</a:t>
-            </a:r>
-            <a:br>
-              <a:rPr lang="de-DE" dirty="0"/>
-            </a:br>
+              <a:rPr lang="de-CH" dirty="0"/>
+              <a:t>Storyboard</a:t>
+            </a:r>
             <a:endParaRPr lang="de-DE" dirty="0"/>
           </a:p>
         </p:txBody>
       </p:sp>
+      <p:pic>
+        <p:nvPicPr>
+          <p:cNvPr id="4" name="Inhaltsplatzhalter 3"/>
+          <p:cNvPicPr>
+            <a:picLocks noGrp="1" noChangeAspect="1"/>
+          </p:cNvPicPr>
+          <p:nvPr>
+            <p:ph sz="half" idx="1"/>
+          </p:nvPr>
+        </p:nvPicPr>
+        <p:blipFill>
+          <a:blip r:embed="rId2"/>
+          <a:stretch>
+            <a:fillRect/>
+          </a:stretch>
+        </p:blipFill>
+        <p:spPr>
+          <a:xfrm>
+            <a:off x="2876466" y="2598677"/>
+            <a:ext cx="3283119" cy="2362321"/>
+          </a:xfrm>
+        </p:spPr>
+      </p:pic>
     </p:spTree>
     <p:extLst>
       <p:ext uri="{BB962C8B-B14F-4D97-AF65-F5344CB8AC3E}">
-        <p14:creationId xmlns:p14="http://schemas.microsoft.com/office/powerpoint/2010/main" val="1453298477"/>
+        <p14:creationId xmlns:p14="http://schemas.microsoft.com/office/powerpoint/2010/main" val="1508610167"/>
+      </p:ext>
+    </p:extLst>
+  </p:cSld>
+  <p:clrMapOvr>
+    <a:masterClrMapping/>
+  </p:clrMapOvr>
+</p:sld>
+</file>
+
+<file path=ppt/slides/slide18.xml><?xml version="1.0" encoding="utf-8"?>
+<p:sld xmlns:a="http://schemas.openxmlformats.org/drawingml/2006/main" xmlns:r="http://schemas.openxmlformats.org/officeDocument/2006/relationships" xmlns:p="http://schemas.openxmlformats.org/presentationml/2006/main">
+  <p:cSld>
+    <p:spTree>
+      <p:nvGrpSpPr>
+        <p:cNvPr id="1" name=""/>
+        <p:cNvGrpSpPr/>
+        <p:nvPr/>
+      </p:nvGrpSpPr>
+      <p:grpSpPr>
+        <a:xfrm>
+          <a:off x="0" y="0"/>
+          <a:ext cx="0" cy="0"/>
+          <a:chOff x="0" y="0"/>
+          <a:chExt cx="0" cy="0"/>
+        </a:xfrm>
+      </p:grpSpPr>
+      <p:sp>
+        <p:nvSpPr>
+          <p:cNvPr id="3" name="Titel 2"/>
+          <p:cNvSpPr>
+            <a:spLocks noGrp="1"/>
+          </p:cNvSpPr>
+          <p:nvPr>
+            <p:ph type="ctrTitle"/>
+          </p:nvPr>
+        </p:nvSpPr>
+        <p:spPr/>
+        <p:txBody>
+          <a:bodyPr/>
+          <a:lstStyle/>
+          <a:p>
+            <a:r>
+              <a:rPr lang="de-CH" dirty="0"/>
+              <a:t>Storyboard</a:t>
+            </a:r>
+            <a:endParaRPr lang="de-DE" dirty="0"/>
+          </a:p>
+        </p:txBody>
+      </p:sp>
+      <p:pic>
+        <p:nvPicPr>
+          <p:cNvPr id="4" name="Inhaltsplatzhalter 3"/>
+          <p:cNvPicPr>
+            <a:picLocks noGrp="1" noChangeAspect="1"/>
+          </p:cNvPicPr>
+          <p:nvPr>
+            <p:ph sz="half" idx="1"/>
+          </p:nvPr>
+        </p:nvPicPr>
+        <p:blipFill>
+          <a:blip r:embed="rId2"/>
+          <a:stretch>
+            <a:fillRect/>
+          </a:stretch>
+        </p:blipFill>
+        <p:spPr>
+          <a:xfrm>
+            <a:off x="2816138" y="2382766"/>
+            <a:ext cx="3403775" cy="2794144"/>
+          </a:xfrm>
+        </p:spPr>
+      </p:pic>
+    </p:spTree>
+    <p:extLst>
+      <p:ext uri="{BB962C8B-B14F-4D97-AF65-F5344CB8AC3E}">
+        <p14:creationId xmlns:p14="http://schemas.microsoft.com/office/powerpoint/2010/main" val="3561160234"/>
+      </p:ext>
+    </p:extLst>
+  </p:cSld>
+  <p:clrMapOvr>
+    <a:masterClrMapping/>
+  </p:clrMapOvr>
+</p:sld>
+</file>
+
+<file path=ppt/slides/slide19.xml><?xml version="1.0" encoding="utf-8"?>
+<p:sld xmlns:a="http://schemas.openxmlformats.org/drawingml/2006/main" xmlns:r="http://schemas.openxmlformats.org/officeDocument/2006/relationships" xmlns:p="http://schemas.openxmlformats.org/presentationml/2006/main">
+  <p:cSld>
+    <p:spTree>
+      <p:nvGrpSpPr>
+        <p:cNvPr id="1" name=""/>
+        <p:cNvGrpSpPr/>
+        <p:nvPr/>
+      </p:nvGrpSpPr>
+      <p:grpSpPr>
+        <a:xfrm>
+          <a:off x="0" y="0"/>
+          <a:ext cx="0" cy="0"/>
+          <a:chOff x="0" y="0"/>
+          <a:chExt cx="0" cy="0"/>
+        </a:xfrm>
+      </p:grpSpPr>
+      <p:sp>
+        <p:nvSpPr>
+          <p:cNvPr id="3" name="Titel 2"/>
+          <p:cNvSpPr>
+            <a:spLocks noGrp="1"/>
+          </p:cNvSpPr>
+          <p:nvPr>
+            <p:ph type="ctrTitle"/>
+          </p:nvPr>
+        </p:nvSpPr>
+        <p:spPr/>
+        <p:txBody>
+          <a:bodyPr/>
+          <a:lstStyle/>
+          <a:p>
+            <a:r>
+              <a:rPr lang="de-CH" dirty="0"/>
+              <a:t>Storyboard</a:t>
+            </a:r>
+            <a:endParaRPr lang="de-DE" dirty="0"/>
+          </a:p>
+        </p:txBody>
+      </p:sp>
+      <p:pic>
+        <p:nvPicPr>
+          <p:cNvPr id="4" name="Inhaltsplatzhalter 3"/>
+          <p:cNvPicPr>
+            <a:picLocks noGrp="1" noChangeAspect="1"/>
+          </p:cNvPicPr>
+          <p:nvPr>
+            <p:ph sz="half" idx="1"/>
+          </p:nvPr>
+        </p:nvPicPr>
+        <p:blipFill>
+          <a:blip r:embed="rId2"/>
+          <a:stretch>
+            <a:fillRect/>
+          </a:stretch>
+        </p:blipFill>
+        <p:spPr>
+          <a:xfrm>
+            <a:off x="2327163" y="2525648"/>
+            <a:ext cx="4381725" cy="2508379"/>
+          </a:xfrm>
+        </p:spPr>
+      </p:pic>
+    </p:spTree>
+    <p:extLst>
+      <p:ext uri="{BB962C8B-B14F-4D97-AF65-F5344CB8AC3E}">
+        <p14:creationId xmlns:p14="http://schemas.microsoft.com/office/powerpoint/2010/main" val="318381377"/>
       </p:ext>
     </p:extLst>
   </p:cSld>
@@ -8003,6 +7886,1068 @@
 </p:sld>
 </file>
 
+<file path=ppt/slides/slide20.xml><?xml version="1.0" encoding="utf-8"?>
+<p:sld xmlns:a="http://schemas.openxmlformats.org/drawingml/2006/main" xmlns:r="http://schemas.openxmlformats.org/officeDocument/2006/relationships" xmlns:p="http://schemas.openxmlformats.org/presentationml/2006/main">
+  <p:cSld>
+    <p:spTree>
+      <p:nvGrpSpPr>
+        <p:cNvPr id="1" name=""/>
+        <p:cNvGrpSpPr/>
+        <p:nvPr/>
+      </p:nvGrpSpPr>
+      <p:grpSpPr>
+        <a:xfrm>
+          <a:off x="0" y="0"/>
+          <a:ext cx="0" cy="0"/>
+          <a:chOff x="0" y="0"/>
+          <a:chExt cx="0" cy="0"/>
+        </a:xfrm>
+      </p:grpSpPr>
+      <p:sp>
+        <p:nvSpPr>
+          <p:cNvPr id="3" name="Titel 2"/>
+          <p:cNvSpPr>
+            <a:spLocks noGrp="1"/>
+          </p:cNvSpPr>
+          <p:nvPr>
+            <p:ph type="ctrTitle"/>
+          </p:nvPr>
+        </p:nvSpPr>
+        <p:spPr/>
+        <p:txBody>
+          <a:bodyPr/>
+          <a:lstStyle/>
+          <a:p>
+            <a:r>
+              <a:rPr lang="de-CH" dirty="0"/>
+              <a:t>Storyboard</a:t>
+            </a:r>
+            <a:endParaRPr lang="de-DE" dirty="0"/>
+          </a:p>
+        </p:txBody>
+      </p:sp>
+      <p:pic>
+        <p:nvPicPr>
+          <p:cNvPr id="4" name="Inhaltsplatzhalter 3"/>
+          <p:cNvPicPr>
+            <a:picLocks noGrp="1" noChangeAspect="1"/>
+          </p:cNvPicPr>
+          <p:nvPr>
+            <p:ph sz="half" idx="1"/>
+          </p:nvPr>
+        </p:nvPicPr>
+        <p:blipFill>
+          <a:blip r:embed="rId2"/>
+          <a:stretch>
+            <a:fillRect/>
+          </a:stretch>
+        </p:blipFill>
+        <p:spPr>
+          <a:xfrm>
+            <a:off x="2162054" y="2624078"/>
+            <a:ext cx="4711942" cy="2311519"/>
+          </a:xfrm>
+        </p:spPr>
+      </p:pic>
+    </p:spTree>
+    <p:extLst>
+      <p:ext uri="{BB962C8B-B14F-4D97-AF65-F5344CB8AC3E}">
+        <p14:creationId xmlns:p14="http://schemas.microsoft.com/office/powerpoint/2010/main" val="3468731250"/>
+      </p:ext>
+    </p:extLst>
+  </p:cSld>
+  <p:clrMapOvr>
+    <a:masterClrMapping/>
+  </p:clrMapOvr>
+</p:sld>
+</file>
+
+<file path=ppt/slides/slide21.xml><?xml version="1.0" encoding="utf-8"?>
+<p:sld xmlns:a="http://schemas.openxmlformats.org/drawingml/2006/main" xmlns:r="http://schemas.openxmlformats.org/officeDocument/2006/relationships" xmlns:p="http://schemas.openxmlformats.org/presentationml/2006/main">
+  <p:cSld>
+    <p:spTree>
+      <p:nvGrpSpPr>
+        <p:cNvPr id="1" name=""/>
+        <p:cNvGrpSpPr/>
+        <p:nvPr/>
+      </p:nvGrpSpPr>
+      <p:grpSpPr>
+        <a:xfrm>
+          <a:off x="0" y="0"/>
+          <a:ext cx="0" cy="0"/>
+          <a:chOff x="0" y="0"/>
+          <a:chExt cx="0" cy="0"/>
+        </a:xfrm>
+      </p:grpSpPr>
+      <p:sp>
+        <p:nvSpPr>
+          <p:cNvPr id="3" name="Titel 2"/>
+          <p:cNvSpPr>
+            <a:spLocks noGrp="1"/>
+          </p:cNvSpPr>
+          <p:nvPr>
+            <p:ph type="ctrTitle"/>
+          </p:nvPr>
+        </p:nvSpPr>
+        <p:spPr/>
+        <p:txBody>
+          <a:bodyPr/>
+          <a:lstStyle/>
+          <a:p>
+            <a:r>
+              <a:rPr lang="de-CH" dirty="0"/>
+              <a:t>Storyboard</a:t>
+            </a:r>
+            <a:endParaRPr lang="de-DE" dirty="0"/>
+          </a:p>
+        </p:txBody>
+      </p:sp>
+      <p:pic>
+        <p:nvPicPr>
+          <p:cNvPr id="4" name="Inhaltsplatzhalter 3"/>
+          <p:cNvPicPr>
+            <a:picLocks noGrp="1" noChangeAspect="1"/>
+          </p:cNvPicPr>
+          <p:nvPr>
+            <p:ph sz="half" idx="1"/>
+          </p:nvPr>
+        </p:nvPicPr>
+        <p:blipFill>
+          <a:blip r:embed="rId2"/>
+          <a:stretch>
+            <a:fillRect/>
+          </a:stretch>
+        </p:blipFill>
+        <p:spPr>
+          <a:xfrm>
+            <a:off x="2438293" y="2646304"/>
+            <a:ext cx="4159464" cy="2267067"/>
+          </a:xfrm>
+        </p:spPr>
+      </p:pic>
+    </p:spTree>
+    <p:extLst>
+      <p:ext uri="{BB962C8B-B14F-4D97-AF65-F5344CB8AC3E}">
+        <p14:creationId xmlns:p14="http://schemas.microsoft.com/office/powerpoint/2010/main" val="1021873200"/>
+      </p:ext>
+    </p:extLst>
+  </p:cSld>
+  <p:clrMapOvr>
+    <a:masterClrMapping/>
+  </p:clrMapOvr>
+</p:sld>
+</file>
+
+<file path=ppt/slides/slide22.xml><?xml version="1.0" encoding="utf-8"?>
+<p:sld xmlns:a="http://schemas.openxmlformats.org/drawingml/2006/main" xmlns:r="http://schemas.openxmlformats.org/officeDocument/2006/relationships" xmlns:p="http://schemas.openxmlformats.org/presentationml/2006/main">
+  <p:cSld>
+    <p:spTree>
+      <p:nvGrpSpPr>
+        <p:cNvPr id="1" name=""/>
+        <p:cNvGrpSpPr/>
+        <p:nvPr/>
+      </p:nvGrpSpPr>
+      <p:grpSpPr>
+        <a:xfrm>
+          <a:off x="0" y="0"/>
+          <a:ext cx="0" cy="0"/>
+          <a:chOff x="0" y="0"/>
+          <a:chExt cx="0" cy="0"/>
+        </a:xfrm>
+      </p:grpSpPr>
+      <p:sp>
+        <p:nvSpPr>
+          <p:cNvPr id="3" name="Titel 2"/>
+          <p:cNvSpPr>
+            <a:spLocks noGrp="1"/>
+          </p:cNvSpPr>
+          <p:nvPr>
+            <p:ph type="ctrTitle"/>
+          </p:nvPr>
+        </p:nvSpPr>
+        <p:spPr/>
+        <p:txBody>
+          <a:bodyPr/>
+          <a:lstStyle/>
+          <a:p>
+            <a:r>
+              <a:rPr lang="de-CH" dirty="0"/>
+              <a:t>Storyboard</a:t>
+            </a:r>
+            <a:endParaRPr lang="de-DE" dirty="0"/>
+          </a:p>
+        </p:txBody>
+      </p:sp>
+      <p:pic>
+        <p:nvPicPr>
+          <p:cNvPr id="4" name="Inhaltsplatzhalter 3"/>
+          <p:cNvPicPr>
+            <a:picLocks noGrp="1" noChangeAspect="1"/>
+          </p:cNvPicPr>
+          <p:nvPr>
+            <p:ph sz="half" idx="1"/>
+          </p:nvPr>
+        </p:nvPicPr>
+        <p:blipFill>
+          <a:blip r:embed="rId2"/>
+          <a:stretch>
+            <a:fillRect/>
+          </a:stretch>
+        </p:blipFill>
+        <p:spPr>
+          <a:xfrm>
+            <a:off x="2098551" y="2811413"/>
+            <a:ext cx="4838949" cy="1936850"/>
+          </a:xfrm>
+        </p:spPr>
+      </p:pic>
+    </p:spTree>
+    <p:extLst>
+      <p:ext uri="{BB962C8B-B14F-4D97-AF65-F5344CB8AC3E}">
+        <p14:creationId xmlns:p14="http://schemas.microsoft.com/office/powerpoint/2010/main" val="1976818652"/>
+      </p:ext>
+    </p:extLst>
+  </p:cSld>
+  <p:clrMapOvr>
+    <a:masterClrMapping/>
+  </p:clrMapOvr>
+</p:sld>
+</file>
+
+<file path=ppt/slides/slide23.xml><?xml version="1.0" encoding="utf-8"?>
+<p:sld xmlns:a="http://schemas.openxmlformats.org/drawingml/2006/main" xmlns:r="http://schemas.openxmlformats.org/officeDocument/2006/relationships" xmlns:p="http://schemas.openxmlformats.org/presentationml/2006/main">
+  <p:cSld>
+    <p:spTree>
+      <p:nvGrpSpPr>
+        <p:cNvPr id="1" name=""/>
+        <p:cNvGrpSpPr/>
+        <p:nvPr/>
+      </p:nvGrpSpPr>
+      <p:grpSpPr>
+        <a:xfrm>
+          <a:off x="0" y="0"/>
+          <a:ext cx="0" cy="0"/>
+          <a:chOff x="0" y="0"/>
+          <a:chExt cx="0" cy="0"/>
+        </a:xfrm>
+      </p:grpSpPr>
+      <p:pic>
+        <p:nvPicPr>
+          <p:cNvPr id="4" name="Content Placeholder 3"/>
+          <p:cNvPicPr>
+            <a:picLocks noGrp="1" noChangeAspect="1"/>
+          </p:cNvPicPr>
+          <p:nvPr>
+            <p:ph sz="half" idx="1"/>
+          </p:nvPr>
+        </p:nvPicPr>
+        <p:blipFill>
+          <a:blip r:embed="rId2"/>
+          <a:stretch>
+            <a:fillRect/>
+          </a:stretch>
+        </p:blipFill>
+        <p:spPr>
+          <a:xfrm>
+            <a:off x="580481" y="1146429"/>
+            <a:ext cx="7875037" cy="5122673"/>
+          </a:xfrm>
+        </p:spPr>
+      </p:pic>
+      <p:sp>
+        <p:nvSpPr>
+          <p:cNvPr id="3" name="Titel 2"/>
+          <p:cNvSpPr>
+            <a:spLocks noGrp="1"/>
+          </p:cNvSpPr>
+          <p:nvPr>
+            <p:ph type="ctrTitle"/>
+          </p:nvPr>
+        </p:nvSpPr>
+        <p:spPr/>
+        <p:txBody>
+          <a:bodyPr/>
+          <a:lstStyle/>
+          <a:p>
+            <a:r>
+              <a:rPr lang="de-DE" dirty="0"/>
+              <a:t>Prototyp</a:t>
+            </a:r>
+          </a:p>
+        </p:txBody>
+      </p:sp>
+      <p:sp>
+        <p:nvSpPr>
+          <p:cNvPr id="5" name="Rectangle 4">
+            <a:hlinkClick r:id="rId3" action="ppaction://hlinksldjump"/>
+          </p:cNvPr>
+          <p:cNvSpPr/>
+          <p:nvPr/>
+        </p:nvSpPr>
+        <p:spPr>
+          <a:xfrm>
+            <a:off x="3340359" y="4292082"/>
+            <a:ext cx="671804" cy="233265"/>
+          </a:xfrm>
+          <a:prstGeom prst="rect">
+            <a:avLst/>
+          </a:prstGeom>
+          <a:noFill/>
+        </p:spPr>
+        <p:style>
+          <a:lnRef idx="1">
+            <a:schemeClr val="accent1"/>
+          </a:lnRef>
+          <a:fillRef idx="3">
+            <a:schemeClr val="accent1"/>
+          </a:fillRef>
+          <a:effectRef idx="2">
+            <a:schemeClr val="accent1"/>
+          </a:effectRef>
+          <a:fontRef idx="minor">
+            <a:schemeClr val="lt1"/>
+          </a:fontRef>
+        </p:style>
+        <p:txBody>
+          <a:bodyPr rtlCol="0" anchor="ctr"/>
+          <a:lstStyle/>
+          <a:p>
+            <a:pPr algn="ctr"/>
+            <a:endParaRPr lang="en-GB"/>
+          </a:p>
+        </p:txBody>
+      </p:sp>
+    </p:spTree>
+    <p:extLst>
+      <p:ext uri="{BB962C8B-B14F-4D97-AF65-F5344CB8AC3E}">
+        <p14:creationId xmlns:p14="http://schemas.microsoft.com/office/powerpoint/2010/main" val="3278257248"/>
+      </p:ext>
+    </p:extLst>
+  </p:cSld>
+  <p:clrMapOvr>
+    <a:masterClrMapping/>
+  </p:clrMapOvr>
+</p:sld>
+</file>
+
+<file path=ppt/slides/slide24.xml><?xml version="1.0" encoding="utf-8"?>
+<p:sld xmlns:a="http://schemas.openxmlformats.org/drawingml/2006/main" xmlns:r="http://schemas.openxmlformats.org/officeDocument/2006/relationships" xmlns:p="http://schemas.openxmlformats.org/presentationml/2006/main">
+  <p:cSld>
+    <p:spTree>
+      <p:nvGrpSpPr>
+        <p:cNvPr id="1" name=""/>
+        <p:cNvGrpSpPr/>
+        <p:nvPr/>
+      </p:nvGrpSpPr>
+      <p:grpSpPr>
+        <a:xfrm>
+          <a:off x="0" y="0"/>
+          <a:ext cx="0" cy="0"/>
+          <a:chOff x="0" y="0"/>
+          <a:chExt cx="0" cy="0"/>
+        </a:xfrm>
+      </p:grpSpPr>
+      <p:pic>
+        <p:nvPicPr>
+          <p:cNvPr id="4" name="Content Placeholder 3"/>
+          <p:cNvPicPr>
+            <a:picLocks noGrp="1" noChangeAspect="1"/>
+          </p:cNvPicPr>
+          <p:nvPr>
+            <p:ph sz="half" idx="1"/>
+          </p:nvPr>
+        </p:nvPicPr>
+        <p:blipFill>
+          <a:blip r:embed="rId2"/>
+          <a:stretch>
+            <a:fillRect/>
+          </a:stretch>
+        </p:blipFill>
+        <p:spPr>
+          <a:xfrm>
+            <a:off x="828560" y="1126764"/>
+            <a:ext cx="7378879" cy="4843760"/>
+          </a:xfrm>
+        </p:spPr>
+      </p:pic>
+      <p:sp>
+        <p:nvSpPr>
+          <p:cNvPr id="3" name="Title 2"/>
+          <p:cNvSpPr>
+            <a:spLocks noGrp="1"/>
+          </p:cNvSpPr>
+          <p:nvPr>
+            <p:ph type="ctrTitle"/>
+          </p:nvPr>
+        </p:nvSpPr>
+        <p:spPr/>
+        <p:txBody>
+          <a:bodyPr/>
+          <a:lstStyle/>
+          <a:p>
+            <a:r>
+              <a:rPr lang="en-GB" dirty="0" err="1"/>
+              <a:t>Prototyp</a:t>
+            </a:r>
+            <a:endParaRPr lang="en-GB" dirty="0"/>
+          </a:p>
+        </p:txBody>
+      </p:sp>
+      <p:sp>
+        <p:nvSpPr>
+          <p:cNvPr id="5" name="Rectangle 4">
+            <a:hlinkClick r:id="rId3" action="ppaction://hlinksldjump"/>
+          </p:cNvPr>
+          <p:cNvSpPr/>
+          <p:nvPr/>
+        </p:nvSpPr>
+        <p:spPr>
+          <a:xfrm>
+            <a:off x="6438122" y="3107094"/>
+            <a:ext cx="541176" cy="223935"/>
+          </a:xfrm>
+          <a:prstGeom prst="rect">
+            <a:avLst/>
+          </a:prstGeom>
+          <a:noFill/>
+        </p:spPr>
+        <p:style>
+          <a:lnRef idx="1">
+            <a:schemeClr val="accent1"/>
+          </a:lnRef>
+          <a:fillRef idx="3">
+            <a:schemeClr val="accent1"/>
+          </a:fillRef>
+          <a:effectRef idx="2">
+            <a:schemeClr val="accent1"/>
+          </a:effectRef>
+          <a:fontRef idx="minor">
+            <a:schemeClr val="lt1"/>
+          </a:fontRef>
+        </p:style>
+        <p:txBody>
+          <a:bodyPr rtlCol="0" anchor="ctr"/>
+          <a:lstStyle/>
+          <a:p>
+            <a:pPr algn="ctr"/>
+            <a:endParaRPr lang="en-GB"/>
+          </a:p>
+        </p:txBody>
+      </p:sp>
+    </p:spTree>
+    <p:extLst>
+      <p:ext uri="{BB962C8B-B14F-4D97-AF65-F5344CB8AC3E}">
+        <p14:creationId xmlns:p14="http://schemas.microsoft.com/office/powerpoint/2010/main" val="2022345022"/>
+      </p:ext>
+    </p:extLst>
+  </p:cSld>
+  <p:clrMapOvr>
+    <a:masterClrMapping/>
+  </p:clrMapOvr>
+</p:sld>
+</file>
+
+<file path=ppt/slides/slide25.xml><?xml version="1.0" encoding="utf-8"?>
+<p:sld xmlns:a="http://schemas.openxmlformats.org/drawingml/2006/main" xmlns:r="http://schemas.openxmlformats.org/officeDocument/2006/relationships" xmlns:p="http://schemas.openxmlformats.org/presentationml/2006/main">
+  <p:cSld>
+    <p:spTree>
+      <p:nvGrpSpPr>
+        <p:cNvPr id="1" name=""/>
+        <p:cNvGrpSpPr/>
+        <p:nvPr/>
+      </p:nvGrpSpPr>
+      <p:grpSpPr>
+        <a:xfrm>
+          <a:off x="0" y="0"/>
+          <a:ext cx="0" cy="0"/>
+          <a:chOff x="0" y="0"/>
+          <a:chExt cx="0" cy="0"/>
+        </a:xfrm>
+      </p:grpSpPr>
+      <p:pic>
+        <p:nvPicPr>
+          <p:cNvPr id="4" name="Content Placeholder 3"/>
+          <p:cNvPicPr>
+            <a:picLocks noGrp="1" noChangeAspect="1"/>
+          </p:cNvPicPr>
+          <p:nvPr>
+            <p:ph sz="half" idx="1"/>
+          </p:nvPr>
+        </p:nvPicPr>
+        <p:blipFill>
+          <a:blip r:embed="rId2"/>
+          <a:stretch>
+            <a:fillRect/>
+          </a:stretch>
+        </p:blipFill>
+        <p:spPr>
+          <a:xfrm>
+            <a:off x="597371" y="1053745"/>
+            <a:ext cx="7841258" cy="5066068"/>
+          </a:xfrm>
+        </p:spPr>
+      </p:pic>
+      <p:sp>
+        <p:nvSpPr>
+          <p:cNvPr id="3" name="Title 2"/>
+          <p:cNvSpPr>
+            <a:spLocks noGrp="1"/>
+          </p:cNvSpPr>
+          <p:nvPr>
+            <p:ph type="ctrTitle"/>
+          </p:nvPr>
+        </p:nvSpPr>
+        <p:spPr/>
+        <p:txBody>
+          <a:bodyPr/>
+          <a:lstStyle/>
+          <a:p>
+            <a:r>
+              <a:rPr lang="en-GB" dirty="0" err="1"/>
+              <a:t>Prototyp</a:t>
+            </a:r>
+            <a:endParaRPr lang="en-GB" dirty="0"/>
+          </a:p>
+        </p:txBody>
+      </p:sp>
+      <p:sp>
+        <p:nvSpPr>
+          <p:cNvPr id="5" name="Rectangle 4">
+            <a:hlinkClick r:id="rId3" action="ppaction://hlinksldjump"/>
+          </p:cNvPr>
+          <p:cNvSpPr/>
+          <p:nvPr/>
+        </p:nvSpPr>
+        <p:spPr>
+          <a:xfrm>
+            <a:off x="5598367" y="2248678"/>
+            <a:ext cx="718457" cy="186612"/>
+          </a:xfrm>
+          <a:prstGeom prst="rect">
+            <a:avLst/>
+          </a:prstGeom>
+          <a:noFill/>
+        </p:spPr>
+        <p:style>
+          <a:lnRef idx="1">
+            <a:schemeClr val="accent1"/>
+          </a:lnRef>
+          <a:fillRef idx="3">
+            <a:schemeClr val="accent1"/>
+          </a:fillRef>
+          <a:effectRef idx="2">
+            <a:schemeClr val="accent1"/>
+          </a:effectRef>
+          <a:fontRef idx="minor">
+            <a:schemeClr val="lt1"/>
+          </a:fontRef>
+        </p:style>
+        <p:txBody>
+          <a:bodyPr rtlCol="0" anchor="ctr"/>
+          <a:lstStyle/>
+          <a:p>
+            <a:pPr algn="ctr"/>
+            <a:endParaRPr lang="en-GB"/>
+          </a:p>
+        </p:txBody>
+      </p:sp>
+      <p:sp>
+        <p:nvSpPr>
+          <p:cNvPr id="6" name="Rectangle 5">
+            <a:hlinkClick r:id="rId4" action="ppaction://hlinksldjump"/>
+          </p:cNvPr>
+          <p:cNvSpPr/>
+          <p:nvPr/>
+        </p:nvSpPr>
+        <p:spPr>
+          <a:xfrm>
+            <a:off x="5598366" y="3400167"/>
+            <a:ext cx="718457" cy="186612"/>
+          </a:xfrm>
+          <a:prstGeom prst="rect">
+            <a:avLst/>
+          </a:prstGeom>
+          <a:noFill/>
+        </p:spPr>
+        <p:style>
+          <a:lnRef idx="1">
+            <a:schemeClr val="accent1"/>
+          </a:lnRef>
+          <a:fillRef idx="3">
+            <a:schemeClr val="accent1"/>
+          </a:fillRef>
+          <a:effectRef idx="2">
+            <a:schemeClr val="accent1"/>
+          </a:effectRef>
+          <a:fontRef idx="minor">
+            <a:schemeClr val="lt1"/>
+          </a:fontRef>
+        </p:style>
+        <p:txBody>
+          <a:bodyPr rtlCol="0" anchor="ctr"/>
+          <a:lstStyle/>
+          <a:p>
+            <a:pPr algn="ctr"/>
+            <a:endParaRPr lang="en-GB"/>
+          </a:p>
+        </p:txBody>
+      </p:sp>
+      <p:sp>
+        <p:nvSpPr>
+          <p:cNvPr id="7" name="Rectangle 6">
+            <a:hlinkClick r:id="rId5" action="ppaction://hlinksldjump"/>
+          </p:cNvPr>
+          <p:cNvSpPr/>
+          <p:nvPr/>
+        </p:nvSpPr>
+        <p:spPr>
+          <a:xfrm>
+            <a:off x="5598365" y="4551656"/>
+            <a:ext cx="718457" cy="186612"/>
+          </a:xfrm>
+          <a:prstGeom prst="rect">
+            <a:avLst/>
+          </a:prstGeom>
+          <a:noFill/>
+        </p:spPr>
+        <p:style>
+          <a:lnRef idx="1">
+            <a:schemeClr val="accent1"/>
+          </a:lnRef>
+          <a:fillRef idx="3">
+            <a:schemeClr val="accent1"/>
+          </a:fillRef>
+          <a:effectRef idx="2">
+            <a:schemeClr val="accent1"/>
+          </a:effectRef>
+          <a:fontRef idx="minor">
+            <a:schemeClr val="lt1"/>
+          </a:fontRef>
+        </p:style>
+        <p:txBody>
+          <a:bodyPr rtlCol="0" anchor="ctr"/>
+          <a:lstStyle/>
+          <a:p>
+            <a:pPr algn="ctr"/>
+            <a:endParaRPr lang="en-GB"/>
+          </a:p>
+        </p:txBody>
+      </p:sp>
+    </p:spTree>
+    <p:extLst>
+      <p:ext uri="{BB962C8B-B14F-4D97-AF65-F5344CB8AC3E}">
+        <p14:creationId xmlns:p14="http://schemas.microsoft.com/office/powerpoint/2010/main" val="1881299487"/>
+      </p:ext>
+    </p:extLst>
+  </p:cSld>
+  <p:clrMapOvr>
+    <a:masterClrMapping/>
+  </p:clrMapOvr>
+</p:sld>
+</file>
+
+<file path=ppt/slides/slide26.xml><?xml version="1.0" encoding="utf-8"?>
+<p:sld xmlns:a="http://schemas.openxmlformats.org/drawingml/2006/main" xmlns:r="http://schemas.openxmlformats.org/officeDocument/2006/relationships" xmlns:p="http://schemas.openxmlformats.org/presentationml/2006/main">
+  <p:cSld>
+    <p:spTree>
+      <p:nvGrpSpPr>
+        <p:cNvPr id="1" name=""/>
+        <p:cNvGrpSpPr/>
+        <p:nvPr/>
+      </p:nvGrpSpPr>
+      <p:grpSpPr>
+        <a:xfrm>
+          <a:off x="0" y="0"/>
+          <a:ext cx="0" cy="0"/>
+          <a:chOff x="0" y="0"/>
+          <a:chExt cx="0" cy="0"/>
+        </a:xfrm>
+      </p:grpSpPr>
+      <p:pic>
+        <p:nvPicPr>
+          <p:cNvPr id="4" name="Content Placeholder 3"/>
+          <p:cNvPicPr>
+            <a:picLocks noGrp="1" noChangeAspect="1"/>
+          </p:cNvPicPr>
+          <p:nvPr>
+            <p:ph sz="half" idx="1"/>
+          </p:nvPr>
+        </p:nvPicPr>
+        <p:blipFill>
+          <a:blip r:embed="rId2"/>
+          <a:stretch>
+            <a:fillRect/>
+          </a:stretch>
+        </p:blipFill>
+        <p:spPr>
+          <a:xfrm>
+            <a:off x="759542" y="1253754"/>
+            <a:ext cx="7516916" cy="4866059"/>
+          </a:xfrm>
+        </p:spPr>
+      </p:pic>
+      <p:sp>
+        <p:nvSpPr>
+          <p:cNvPr id="3" name="Title 2"/>
+          <p:cNvSpPr>
+            <a:spLocks noGrp="1"/>
+          </p:cNvSpPr>
+          <p:nvPr>
+            <p:ph type="ctrTitle"/>
+          </p:nvPr>
+        </p:nvSpPr>
+        <p:spPr/>
+        <p:txBody>
+          <a:bodyPr/>
+          <a:lstStyle/>
+          <a:p>
+            <a:r>
+              <a:rPr lang="en-GB" dirty="0" err="1"/>
+              <a:t>Prototyp</a:t>
+            </a:r>
+            <a:endParaRPr lang="en-GB" dirty="0"/>
+          </a:p>
+        </p:txBody>
+      </p:sp>
+      <p:sp>
+        <p:nvSpPr>
+          <p:cNvPr id="5" name="TextBox 4">
+            <a:hlinkClick r:id="rId3" action="ppaction://hlinksldjump"/>
+          </p:cNvPr>
+          <p:cNvSpPr txBox="1"/>
+          <p:nvPr/>
+        </p:nvSpPr>
+        <p:spPr>
+          <a:xfrm>
+            <a:off x="6774025" y="5495731"/>
+            <a:ext cx="690466" cy="261610"/>
+          </a:xfrm>
+          <a:prstGeom prst="rect">
+            <a:avLst/>
+          </a:prstGeom>
+          <a:noFill/>
+        </p:spPr>
+        <p:txBody>
+          <a:bodyPr wrap="square" rtlCol="0">
+            <a:spAutoFit/>
+          </a:bodyPr>
+          <a:lstStyle/>
+          <a:p>
+            <a:r>
+              <a:rPr lang="en-GB" sz="1100" dirty="0" err="1"/>
+              <a:t>zurück</a:t>
+            </a:r>
+            <a:endParaRPr lang="en-GB" sz="1100" dirty="0"/>
+          </a:p>
+        </p:txBody>
+      </p:sp>
+    </p:spTree>
+    <p:extLst>
+      <p:ext uri="{BB962C8B-B14F-4D97-AF65-F5344CB8AC3E}">
+        <p14:creationId xmlns:p14="http://schemas.microsoft.com/office/powerpoint/2010/main" val="3685747844"/>
+      </p:ext>
+    </p:extLst>
+  </p:cSld>
+  <p:clrMapOvr>
+    <a:masterClrMapping/>
+  </p:clrMapOvr>
+</p:sld>
+</file>
+
+<file path=ppt/slides/slide27.xml><?xml version="1.0" encoding="utf-8"?>
+<p:sld xmlns:a="http://schemas.openxmlformats.org/drawingml/2006/main" xmlns:r="http://schemas.openxmlformats.org/officeDocument/2006/relationships" xmlns:p="http://schemas.openxmlformats.org/presentationml/2006/main">
+  <p:cSld>
+    <p:spTree>
+      <p:nvGrpSpPr>
+        <p:cNvPr id="1" name=""/>
+        <p:cNvGrpSpPr/>
+        <p:nvPr/>
+      </p:nvGrpSpPr>
+      <p:grpSpPr>
+        <a:xfrm>
+          <a:off x="0" y="0"/>
+          <a:ext cx="0" cy="0"/>
+          <a:chOff x="0" y="0"/>
+          <a:chExt cx="0" cy="0"/>
+        </a:xfrm>
+      </p:grpSpPr>
+      <p:pic>
+        <p:nvPicPr>
+          <p:cNvPr id="4" name="Content Placeholder 3"/>
+          <p:cNvPicPr>
+            <a:picLocks noGrp="1" noChangeAspect="1"/>
+          </p:cNvPicPr>
+          <p:nvPr>
+            <p:ph sz="half" idx="1"/>
+          </p:nvPr>
+        </p:nvPicPr>
+        <p:blipFill>
+          <a:blip r:embed="rId2"/>
+          <a:stretch>
+            <a:fillRect/>
+          </a:stretch>
+        </p:blipFill>
+        <p:spPr>
+          <a:xfrm>
+            <a:off x="625931" y="1176647"/>
+            <a:ext cx="7784138" cy="5017811"/>
+          </a:xfrm>
+        </p:spPr>
+      </p:pic>
+      <p:sp>
+        <p:nvSpPr>
+          <p:cNvPr id="3" name="Title 2"/>
+          <p:cNvSpPr>
+            <a:spLocks noGrp="1"/>
+          </p:cNvSpPr>
+          <p:nvPr>
+            <p:ph type="ctrTitle"/>
+          </p:nvPr>
+        </p:nvSpPr>
+        <p:spPr/>
+        <p:txBody>
+          <a:bodyPr/>
+          <a:lstStyle/>
+          <a:p>
+            <a:r>
+              <a:rPr lang="en-GB" dirty="0" err="1"/>
+              <a:t>Prototyp</a:t>
+            </a:r>
+            <a:endParaRPr lang="en-GB" dirty="0"/>
+          </a:p>
+        </p:txBody>
+      </p:sp>
+      <p:sp>
+        <p:nvSpPr>
+          <p:cNvPr id="5" name="TextBox 4">
+            <a:hlinkClick r:id="rId3" action="ppaction://hlinksldjump"/>
+          </p:cNvPr>
+          <p:cNvSpPr txBox="1"/>
+          <p:nvPr/>
+        </p:nvSpPr>
+        <p:spPr>
+          <a:xfrm>
+            <a:off x="6774025" y="5495731"/>
+            <a:ext cx="690466" cy="261610"/>
+          </a:xfrm>
+          <a:prstGeom prst="rect">
+            <a:avLst/>
+          </a:prstGeom>
+          <a:noFill/>
+        </p:spPr>
+        <p:txBody>
+          <a:bodyPr wrap="square" rtlCol="0">
+            <a:spAutoFit/>
+          </a:bodyPr>
+          <a:lstStyle/>
+          <a:p>
+            <a:r>
+              <a:rPr lang="en-GB" sz="1100" dirty="0" err="1"/>
+              <a:t>zurück</a:t>
+            </a:r>
+            <a:endParaRPr lang="en-GB" sz="1100" dirty="0"/>
+          </a:p>
+        </p:txBody>
+      </p:sp>
+    </p:spTree>
+    <p:extLst>
+      <p:ext uri="{BB962C8B-B14F-4D97-AF65-F5344CB8AC3E}">
+        <p14:creationId xmlns:p14="http://schemas.microsoft.com/office/powerpoint/2010/main" val="3596287467"/>
+      </p:ext>
+    </p:extLst>
+  </p:cSld>
+  <p:clrMapOvr>
+    <a:masterClrMapping/>
+  </p:clrMapOvr>
+</p:sld>
+</file>
+
+<file path=ppt/slides/slide28.xml><?xml version="1.0" encoding="utf-8"?>
+<p:sld xmlns:a="http://schemas.openxmlformats.org/drawingml/2006/main" xmlns:r="http://schemas.openxmlformats.org/officeDocument/2006/relationships" xmlns:p="http://schemas.openxmlformats.org/presentationml/2006/main">
+  <p:cSld>
+    <p:spTree>
+      <p:nvGrpSpPr>
+        <p:cNvPr id="1" name=""/>
+        <p:cNvGrpSpPr/>
+        <p:nvPr/>
+      </p:nvGrpSpPr>
+      <p:grpSpPr>
+        <a:xfrm>
+          <a:off x="0" y="0"/>
+          <a:ext cx="0" cy="0"/>
+          <a:chOff x="0" y="0"/>
+          <a:chExt cx="0" cy="0"/>
+        </a:xfrm>
+      </p:grpSpPr>
+      <p:pic>
+        <p:nvPicPr>
+          <p:cNvPr id="4" name="Content Placeholder 3"/>
+          <p:cNvPicPr>
+            <a:picLocks noGrp="1" noChangeAspect="1"/>
+          </p:cNvPicPr>
+          <p:nvPr>
+            <p:ph sz="half" idx="1"/>
+          </p:nvPr>
+        </p:nvPicPr>
+        <p:blipFill>
+          <a:blip r:embed="rId2"/>
+          <a:stretch>
+            <a:fillRect/>
+          </a:stretch>
+        </p:blipFill>
+        <p:spPr>
+          <a:xfrm>
+            <a:off x="839085" y="1166327"/>
+            <a:ext cx="7357830" cy="4888172"/>
+          </a:xfrm>
+        </p:spPr>
+      </p:pic>
+      <p:sp>
+        <p:nvSpPr>
+          <p:cNvPr id="3" name="Title 2"/>
+          <p:cNvSpPr>
+            <a:spLocks noGrp="1"/>
+          </p:cNvSpPr>
+          <p:nvPr>
+            <p:ph type="ctrTitle"/>
+          </p:nvPr>
+        </p:nvSpPr>
+        <p:spPr/>
+        <p:txBody>
+          <a:bodyPr/>
+          <a:lstStyle/>
+          <a:p>
+            <a:r>
+              <a:rPr lang="en-GB" dirty="0" err="1"/>
+              <a:t>Prototyp</a:t>
+            </a:r>
+            <a:endParaRPr lang="en-GB" dirty="0"/>
+          </a:p>
+        </p:txBody>
+      </p:sp>
+      <p:sp>
+        <p:nvSpPr>
+          <p:cNvPr id="5" name="TextBox 4">
+            <a:hlinkClick r:id="rId3" action="ppaction://hlinksldjump"/>
+          </p:cNvPr>
+          <p:cNvSpPr txBox="1"/>
+          <p:nvPr/>
+        </p:nvSpPr>
+        <p:spPr>
+          <a:xfrm>
+            <a:off x="6662058" y="5364926"/>
+            <a:ext cx="690466" cy="261610"/>
+          </a:xfrm>
+          <a:prstGeom prst="rect">
+            <a:avLst/>
+          </a:prstGeom>
+          <a:noFill/>
+        </p:spPr>
+        <p:txBody>
+          <a:bodyPr wrap="square" rtlCol="0">
+            <a:spAutoFit/>
+          </a:bodyPr>
+          <a:lstStyle/>
+          <a:p>
+            <a:r>
+              <a:rPr lang="en-GB" sz="1100" dirty="0" err="1"/>
+              <a:t>zurück</a:t>
+            </a:r>
+            <a:endParaRPr lang="en-GB" sz="1100" dirty="0"/>
+          </a:p>
+        </p:txBody>
+      </p:sp>
+    </p:spTree>
+    <p:extLst>
+      <p:ext uri="{BB962C8B-B14F-4D97-AF65-F5344CB8AC3E}">
+        <p14:creationId xmlns:p14="http://schemas.microsoft.com/office/powerpoint/2010/main" val="3652327836"/>
+      </p:ext>
+    </p:extLst>
+  </p:cSld>
+  <p:clrMapOvr>
+    <a:masterClrMapping/>
+  </p:clrMapOvr>
+</p:sld>
+</file>
+
+<file path=ppt/slides/slide29.xml><?xml version="1.0" encoding="utf-8"?>
+<p:sld xmlns:a="http://schemas.openxmlformats.org/drawingml/2006/main" xmlns:r="http://schemas.openxmlformats.org/officeDocument/2006/relationships" xmlns:p="http://schemas.openxmlformats.org/presentationml/2006/main">
+  <p:cSld>
+    <p:spTree>
+      <p:nvGrpSpPr>
+        <p:cNvPr id="1" name=""/>
+        <p:cNvGrpSpPr/>
+        <p:nvPr/>
+      </p:nvGrpSpPr>
+      <p:grpSpPr>
+        <a:xfrm>
+          <a:off x="0" y="0"/>
+          <a:ext cx="0" cy="0"/>
+          <a:chOff x="0" y="0"/>
+          <a:chExt cx="0" cy="0"/>
+        </a:xfrm>
+      </p:grpSpPr>
+      <p:sp>
+        <p:nvSpPr>
+          <p:cNvPr id="2" name="Inhaltsplatzhalter 1"/>
+          <p:cNvSpPr>
+            <a:spLocks noGrp="1"/>
+          </p:cNvSpPr>
+          <p:nvPr>
+            <p:ph sz="half" idx="1"/>
+          </p:nvPr>
+        </p:nvSpPr>
+        <p:spPr/>
+        <p:txBody>
+          <a:bodyPr/>
+          <a:lstStyle/>
+          <a:p>
+            <a:endParaRPr lang="de-DE" dirty="0"/>
+          </a:p>
+        </p:txBody>
+      </p:sp>
+      <p:sp>
+        <p:nvSpPr>
+          <p:cNvPr id="3" name="Titel 2"/>
+          <p:cNvSpPr>
+            <a:spLocks noGrp="1"/>
+          </p:cNvSpPr>
+          <p:nvPr>
+            <p:ph type="ctrTitle"/>
+          </p:nvPr>
+        </p:nvSpPr>
+        <p:spPr/>
+        <p:txBody>
+          <a:bodyPr/>
+          <a:lstStyle/>
+          <a:p>
+            <a:r>
+              <a:rPr lang="de-CH" dirty="0"/>
+              <a:t>Validation</a:t>
+            </a:r>
+            <a:br>
+              <a:rPr lang="de-CH" dirty="0"/>
+            </a:br>
+            <a:br>
+              <a:rPr lang="de-CH" dirty="0"/>
+            </a:br>
+            <a:endParaRPr lang="de-DE" dirty="0"/>
+          </a:p>
+        </p:txBody>
+      </p:sp>
+    </p:spTree>
+    <p:extLst>
+      <p:ext uri="{BB962C8B-B14F-4D97-AF65-F5344CB8AC3E}">
+        <p14:creationId xmlns:p14="http://schemas.microsoft.com/office/powerpoint/2010/main" val="904193018"/>
+      </p:ext>
+    </p:extLst>
+  </p:cSld>
+  <p:clrMapOvr>
+    <a:masterClrMapping/>
+  </p:clrMapOvr>
+</p:sld>
+</file>
+
 <file path=ppt/slides/slide3.xml><?xml version="1.0" encoding="utf-8"?>
 <p:sld xmlns:a="http://schemas.openxmlformats.org/drawingml/2006/main" xmlns:r="http://schemas.openxmlformats.org/officeDocument/2006/relationships" xmlns:p="http://schemas.openxmlformats.org/presentationml/2006/main">
   <p:cSld>
@@ -8066,6 +9011,62 @@
     <p:extLst>
       <p:ext uri="{BB962C8B-B14F-4D97-AF65-F5344CB8AC3E}">
         <p14:creationId xmlns:p14="http://schemas.microsoft.com/office/powerpoint/2010/main" val="4165120890"/>
+      </p:ext>
+    </p:extLst>
+  </p:cSld>
+  <p:clrMapOvr>
+    <a:masterClrMapping/>
+  </p:clrMapOvr>
+</p:sld>
+</file>
+
+<file path=ppt/slides/slide30.xml><?xml version="1.0" encoding="utf-8"?>
+<p:sld xmlns:a="http://schemas.openxmlformats.org/drawingml/2006/main" xmlns:r="http://schemas.openxmlformats.org/officeDocument/2006/relationships" xmlns:p="http://schemas.openxmlformats.org/presentationml/2006/main">
+  <p:cSld>
+    <p:spTree>
+      <p:nvGrpSpPr>
+        <p:cNvPr id="1" name=""/>
+        <p:cNvGrpSpPr/>
+        <p:nvPr/>
+      </p:nvGrpSpPr>
+      <p:grpSpPr>
+        <a:xfrm>
+          <a:off x="0" y="0"/>
+          <a:ext cx="0" cy="0"/>
+          <a:chOff x="0" y="0"/>
+          <a:chExt cx="0" cy="0"/>
+        </a:xfrm>
+      </p:grpSpPr>
+      <p:sp>
+        <p:nvSpPr>
+          <p:cNvPr id="7" name="Titel 6"/>
+          <p:cNvSpPr>
+            <a:spLocks noGrp="1"/>
+          </p:cNvSpPr>
+          <p:nvPr>
+            <p:ph type="ctrTitle"/>
+          </p:nvPr>
+        </p:nvSpPr>
+        <p:spPr/>
+        <p:txBody>
+          <a:bodyPr/>
+          <a:lstStyle/>
+          <a:p>
+            <a:r>
+              <a:rPr lang="de-DE" dirty="0"/>
+              <a:t>Danke für Ihre Aufmerksamkeit.</a:t>
+            </a:r>
+            <a:br>
+              <a:rPr lang="de-DE" dirty="0"/>
+            </a:br>
+            <a:endParaRPr lang="de-DE" dirty="0"/>
+          </a:p>
+        </p:txBody>
+      </p:sp>
+    </p:spTree>
+    <p:extLst>
+      <p:ext uri="{BB962C8B-B14F-4D97-AF65-F5344CB8AC3E}">
+        <p14:creationId xmlns:p14="http://schemas.microsoft.com/office/powerpoint/2010/main" val="1453298477"/>
       </p:ext>
     </p:extLst>
   </p:cSld>
@@ -10008,25 +11009,44 @@
           <a:chExt cx="0" cy="0"/>
         </a:xfrm>
       </p:grpSpPr>
-      <p:sp>
-        <p:nvSpPr>
-          <p:cNvPr id="2" name="Inhaltsplatzhalter 1"/>
-          <p:cNvSpPr>
-            <a:spLocks noGrp="1"/>
-          </p:cNvSpPr>
+      <p:pic>
+        <p:nvPicPr>
+          <p:cNvPr id="4" name="Inhaltsplatzhalter 3"/>
+          <p:cNvPicPr>
+            <a:picLocks noGrp="1" noChangeAspect="1"/>
+          </p:cNvPicPr>
           <p:nvPr>
             <p:ph sz="half" idx="1"/>
           </p:nvPr>
-        </p:nvSpPr>
-        <p:spPr/>
-        <p:txBody>
-          <a:bodyPr/>
-          <a:lstStyle/>
-          <a:p>
-            <a:endParaRPr lang="de-DE" dirty="0"/>
-          </a:p>
-        </p:txBody>
-      </p:sp>
+        </p:nvPicPr>
+        <p:blipFill>
+          <a:blip r:embed="rId2">
+            <a:extLst>
+              <a:ext uri="{BEBA8EAE-BF5A-486C-A8C5-ECC9F3942E4B}">
+                <a14:imgProps xmlns:a14="http://schemas.microsoft.com/office/drawing/2010/main">
+                  <a14:imgLayer r:embed="rId3">
+                    <a14:imgEffect>
+                      <a14:sharpenSoften amount="25000"/>
+                    </a14:imgEffect>
+                    <a14:imgEffect>
+                      <a14:brightnessContrast contrast="20000"/>
+                    </a14:imgEffect>
+                  </a14:imgLayer>
+                </a14:imgProps>
+              </a:ext>
+            </a:extLst>
+          </a:blip>
+          <a:stretch>
+            <a:fillRect/>
+          </a:stretch>
+        </p:blipFill>
+        <p:spPr>
+          <a:xfrm>
+            <a:off x="1971614" y="1416835"/>
+            <a:ext cx="4915318" cy="3679845"/>
+          </a:xfrm>
+        </p:spPr>
+      </p:pic>
       <p:sp>
         <p:nvSpPr>
           <p:cNvPr id="3" name="Titel 2"/>
@@ -10044,7 +11064,7 @@
           <a:p>
             <a:r>
               <a:rPr lang="de-CH" dirty="0"/>
-              <a:t>Design</a:t>
+              <a:t>Storyboard</a:t>
             </a:r>
             <a:endParaRPr lang="de-DE" dirty="0"/>
           </a:p>
@@ -10060,6 +11080,84 @@
   <p:clrMapOvr>
     <a:masterClrMapping/>
   </p:clrMapOvr>
+  <p:timing>
+    <p:tnLst>
+      <p:par>
+        <p:cTn id="1" dur="indefinite" restart="never" nodeType="tmRoot">
+          <p:childTnLst>
+            <p:seq concurrent="1" nextAc="seek">
+              <p:cTn id="2" dur="indefinite" nodeType="mainSeq">
+                <p:childTnLst>
+                  <p:par>
+                    <p:cTn id="3" fill="hold">
+                      <p:stCondLst>
+                        <p:cond delay="indefinite"/>
+                        <p:cond evt="onBegin" delay="0">
+                          <p:tn val="2"/>
+                        </p:cond>
+                      </p:stCondLst>
+                      <p:childTnLst>
+                        <p:par>
+                          <p:cTn id="4" fill="hold">
+                            <p:stCondLst>
+                              <p:cond delay="0"/>
+                            </p:stCondLst>
+                            <p:childTnLst>
+                              <p:par>
+                                <p:cTn id="5" presetID="1" presetClass="exit" presetSubtype="0" fill="hold" nodeType="withEffect">
+                                  <p:stCondLst>
+                                    <p:cond delay="0"/>
+                                  </p:stCondLst>
+                                  <p:childTnLst>
+                                    <p:set>
+                                      <p:cBhvr>
+                                        <p:cTn id="6" dur="1" fill="hold">
+                                          <p:stCondLst>
+                                            <p:cond delay="0"/>
+                                          </p:stCondLst>
+                                        </p:cTn>
+                                        <p:tgtEl>
+                                          <p:spTgt spid="4"/>
+                                        </p:tgtEl>
+                                        <p:attrNameLst>
+                                          <p:attrName>style.visibility</p:attrName>
+                                        </p:attrNameLst>
+                                      </p:cBhvr>
+                                      <p:to>
+                                        <p:strVal val="hidden"/>
+                                      </p:to>
+                                    </p:set>
+                                  </p:childTnLst>
+                                </p:cTn>
+                              </p:par>
+                            </p:childTnLst>
+                          </p:cTn>
+                        </p:par>
+                      </p:childTnLst>
+                    </p:cTn>
+                  </p:par>
+                </p:childTnLst>
+              </p:cTn>
+              <p:prevCondLst>
+                <p:cond evt="onPrev" delay="0">
+                  <p:tgtEl>
+                    <p:sldTgt/>
+                  </p:tgtEl>
+                </p:cond>
+              </p:prevCondLst>
+              <p:nextCondLst>
+                <p:cond evt="onNext" delay="0">
+                  <p:tgtEl>
+                    <p:sldTgt/>
+                  </p:tgtEl>
+                </p:cond>
+              </p:nextCondLst>
+            </p:seq>
+          </p:childTnLst>
+        </p:cTn>
+      </p:par>
+    </p:tnLst>
+  </p:timing>
 </p:sld>
 </file>
 
@@ -10894,15 +11992,6 @@
 </file>
 
 <file path=customXml/item1.xml><?xml version="1.0" encoding="utf-8"?>
-<?mso-contentType ?>
-<FormTemplates xmlns="http://schemas.microsoft.com/sharepoint/v3/contenttype/forms">
-  <Display>DocumentLibraryForm</Display>
-  <Edit>DocumentLibraryForm</Edit>
-  <New>DocumentLibraryForm</New>
-</FormTemplates>
-</file>
-
-<file path=customXml/item2.xml><?xml version="1.0" encoding="utf-8"?>
 <ct:contentTypeSchema xmlns:ct="http://schemas.microsoft.com/office/2006/metadata/contentType" xmlns:ma="http://schemas.microsoft.com/office/2006/metadata/properties/metaAttributes" ct:_="" ma:_="" ma:contentTypeName="Dokument" ma:contentTypeID="0x0101003A4279409C3118409D418E682AEFAFB0" ma:contentTypeVersion="3" ma:contentTypeDescription="Ein neues Dokument erstellen." ma:contentTypeScope="" ma:versionID="2b39eecd042fe67817287380b00d4728">
   <xsd:schema xmlns:xsd="http://www.w3.org/2001/XMLSchema" xmlns:p="http://schemas.microsoft.com/office/2006/metadata/properties" xmlns:ns2="238ac175-5152-443e-bf42-417a27926292" targetNamespace="http://schemas.microsoft.com/office/2006/metadata/properties" ma:root="true" ma:fieldsID="3e4ac4b9de63a8d8211a46de917ff848" ns2:_="">
     <xsd:import namespace="238ac175-5152-443e-bf42-417a27926292"/>
@@ -10986,6 +12075,15 @@
 </ct:contentTypeSchema>
 </file>
 
+<file path=customXml/item2.xml><?xml version="1.0" encoding="utf-8"?>
+<?mso-contentType ?>
+<FormTemplates xmlns="http://schemas.microsoft.com/sharepoint/v3/contenttype/forms">
+  <Display>DocumentLibraryForm</Display>
+  <Edit>DocumentLibraryForm</Edit>
+  <New>DocumentLibraryForm</New>
+</FormTemplates>
+</file>
+
 <file path=customXml/item3.xml><?xml version="1.0" encoding="utf-8"?>
 <p:properties xmlns:p="http://schemas.microsoft.com/office/2006/metadata/properties" xmlns:xsi="http://www.w3.org/2001/XMLSchema-instance">
   <documentManagement>
@@ -10997,14 +12095,6 @@
 </file>
 
 <file path=customXml/itemProps1.xml><?xml version="1.0" encoding="utf-8"?>
-<ds:datastoreItem xmlns:ds="http://schemas.openxmlformats.org/officeDocument/2006/customXml" ds:itemID="{FCD14AB6-6E58-442F-B70D-2B317664A115}">
-  <ds:schemaRefs>
-    <ds:schemaRef ds:uri="http://schemas.microsoft.com/sharepoint/v3/contenttype/forms"/>
-  </ds:schemaRefs>
-</ds:datastoreItem>
-</file>
-
-<file path=customXml/itemProps2.xml><?xml version="1.0" encoding="utf-8"?>
 <ds:datastoreItem xmlns:ds="http://schemas.openxmlformats.org/officeDocument/2006/customXml" ds:itemID="{BD8FD62B-E50E-4101-B7F8-577C2BC63D28}">
   <ds:schemaRefs>
     <ds:schemaRef ds:uri="http://schemas.microsoft.com/office/2006/metadata/contentType"/>
@@ -11017,6 +12107,14 @@
     <ds:schemaRef ds:uri="http://purl.org/dc/elements/1.1/"/>
     <ds:schemaRef ds:uri="http://purl.org/dc/terms/"/>
     <ds:schemaRef ds:uri="http://schemas.microsoft.com/office/internal/2005/internalDocumentation"/>
+  </ds:schemaRefs>
+</ds:datastoreItem>
+</file>
+
+<file path=customXml/itemProps2.xml><?xml version="1.0" encoding="utf-8"?>
+<ds:datastoreItem xmlns:ds="http://schemas.openxmlformats.org/officeDocument/2006/customXml" ds:itemID="{FCD14AB6-6E58-442F-B70D-2B317664A115}">
+  <ds:schemaRefs>
+    <ds:schemaRef ds:uri="http://schemas.microsoft.com/sharepoint/v3/contenttype/forms"/>
   </ds:schemaRefs>
 </ds:datastoreItem>
 </file>

--- a/doc/CS1/Präsentation_CS1_Task_3_Blau.pptx
+++ b/doc/CS1/Präsentation_CS1_Task_3_Blau.pptx
@@ -5,42 +5,41 @@
     <p:sldMasterId id="2147483669" r:id="rId4"/>
   </p:sldMasterIdLst>
   <p:notesMasterIdLst>
-    <p:notesMasterId r:id="rId35"/>
+    <p:notesMasterId r:id="rId34"/>
   </p:notesMasterIdLst>
   <p:handoutMasterIdLst>
-    <p:handoutMasterId r:id="rId36"/>
+    <p:handoutMasterId r:id="rId35"/>
   </p:handoutMasterIdLst>
   <p:sldIdLst>
     <p:sldId id="256" r:id="rId5"/>
     <p:sldId id="283" r:id="rId6"/>
-    <p:sldId id="284" r:id="rId7"/>
-    <p:sldId id="289" r:id="rId8"/>
-    <p:sldId id="290" r:id="rId9"/>
-    <p:sldId id="291" r:id="rId10"/>
-    <p:sldId id="292" r:id="rId11"/>
-    <p:sldId id="282" r:id="rId12"/>
-    <p:sldId id="286" r:id="rId13"/>
-    <p:sldId id="299" r:id="rId14"/>
-    <p:sldId id="300" r:id="rId15"/>
-    <p:sldId id="301" r:id="rId16"/>
-    <p:sldId id="302" r:id="rId17"/>
-    <p:sldId id="303" r:id="rId18"/>
-    <p:sldId id="304" r:id="rId19"/>
-    <p:sldId id="305" r:id="rId20"/>
-    <p:sldId id="306" r:id="rId21"/>
-    <p:sldId id="307" r:id="rId22"/>
-    <p:sldId id="308" r:id="rId23"/>
-    <p:sldId id="309" r:id="rId24"/>
-    <p:sldId id="310" r:id="rId25"/>
-    <p:sldId id="311" r:id="rId26"/>
-    <p:sldId id="293" r:id="rId27"/>
-    <p:sldId id="294" r:id="rId28"/>
-    <p:sldId id="295" r:id="rId29"/>
-    <p:sldId id="296" r:id="rId30"/>
-    <p:sldId id="297" r:id="rId31"/>
-    <p:sldId id="298" r:id="rId32"/>
-    <p:sldId id="288" r:id="rId33"/>
-    <p:sldId id="280" r:id="rId34"/>
+    <p:sldId id="289" r:id="rId7"/>
+    <p:sldId id="290" r:id="rId8"/>
+    <p:sldId id="291" r:id="rId9"/>
+    <p:sldId id="292" r:id="rId10"/>
+    <p:sldId id="282" r:id="rId11"/>
+    <p:sldId id="286" r:id="rId12"/>
+    <p:sldId id="299" r:id="rId13"/>
+    <p:sldId id="300" r:id="rId14"/>
+    <p:sldId id="301" r:id="rId15"/>
+    <p:sldId id="302" r:id="rId16"/>
+    <p:sldId id="303" r:id="rId17"/>
+    <p:sldId id="304" r:id="rId18"/>
+    <p:sldId id="305" r:id="rId19"/>
+    <p:sldId id="306" r:id="rId20"/>
+    <p:sldId id="307" r:id="rId21"/>
+    <p:sldId id="308" r:id="rId22"/>
+    <p:sldId id="309" r:id="rId23"/>
+    <p:sldId id="310" r:id="rId24"/>
+    <p:sldId id="311" r:id="rId25"/>
+    <p:sldId id="293" r:id="rId26"/>
+    <p:sldId id="294" r:id="rId27"/>
+    <p:sldId id="295" r:id="rId28"/>
+    <p:sldId id="296" r:id="rId29"/>
+    <p:sldId id="297" r:id="rId30"/>
+    <p:sldId id="298" r:id="rId31"/>
+    <p:sldId id="288" r:id="rId32"/>
+    <p:sldId id="280" r:id="rId33"/>
   </p:sldIdLst>
   <p:sldSz cx="9144000" cy="6858000" type="screen4x3"/>
   <p:notesSz cx="6797675" cy="9872663"/>
@@ -7064,15 +7063,15 @@
         </p:blipFill>
         <p:spPr>
           <a:xfrm>
-            <a:off x="1667068" y="1868557"/>
-            <a:ext cx="5917528" cy="3302807"/>
+            <a:off x="2049830" y="1699591"/>
+            <a:ext cx="5167231" cy="3336493"/>
           </a:xfrm>
         </p:spPr>
       </p:pic>
     </p:spTree>
     <p:extLst>
       <p:ext uri="{BB962C8B-B14F-4D97-AF65-F5344CB8AC3E}">
-        <p14:creationId xmlns:p14="http://schemas.microsoft.com/office/powerpoint/2010/main" val="3302576479"/>
+        <p14:creationId xmlns:p14="http://schemas.microsoft.com/office/powerpoint/2010/main" val="4011876790"/>
       </p:ext>
     </p:extLst>
   </p:cSld>
@@ -7140,15 +7139,15 @@
         </p:blipFill>
         <p:spPr>
           <a:xfrm>
-            <a:off x="2049831" y="1848679"/>
-            <a:ext cx="4936338" cy="3187405"/>
+            <a:off x="1194948" y="2087217"/>
+            <a:ext cx="7051606" cy="2758357"/>
           </a:xfrm>
         </p:spPr>
       </p:pic>
     </p:spTree>
     <p:extLst>
       <p:ext uri="{BB962C8B-B14F-4D97-AF65-F5344CB8AC3E}">
-        <p14:creationId xmlns:p14="http://schemas.microsoft.com/office/powerpoint/2010/main" val="4011876790"/>
+        <p14:creationId xmlns:p14="http://schemas.microsoft.com/office/powerpoint/2010/main" val="829692814"/>
       </p:ext>
     </p:extLst>
   </p:cSld>
@@ -7216,15 +7215,15 @@
         </p:blipFill>
         <p:spPr>
           <a:xfrm>
-            <a:off x="1284400" y="2315818"/>
-            <a:ext cx="6467199" cy="2529756"/>
+            <a:off x="1090168" y="1689654"/>
+            <a:ext cx="7038999" cy="3571856"/>
           </a:xfrm>
         </p:spPr>
       </p:pic>
     </p:spTree>
     <p:extLst>
       <p:ext uri="{BB962C8B-B14F-4D97-AF65-F5344CB8AC3E}">
-        <p14:creationId xmlns:p14="http://schemas.microsoft.com/office/powerpoint/2010/main" val="829692814"/>
+        <p14:creationId xmlns:p14="http://schemas.microsoft.com/office/powerpoint/2010/main" val="4240085327"/>
       </p:ext>
     </p:extLst>
   </p:cSld>
@@ -7292,15 +7291,15 @@
         </p:blipFill>
         <p:spPr>
           <a:xfrm>
-            <a:off x="2597052" y="2805063"/>
-            <a:ext cx="3841947" cy="1949550"/>
+            <a:off x="1332536" y="1424918"/>
+            <a:ext cx="6370927" cy="3882285"/>
           </a:xfrm>
         </p:spPr>
       </p:pic>
     </p:spTree>
     <p:extLst>
       <p:ext uri="{BB962C8B-B14F-4D97-AF65-F5344CB8AC3E}">
-        <p14:creationId xmlns:p14="http://schemas.microsoft.com/office/powerpoint/2010/main" val="4240085327"/>
+        <p14:creationId xmlns:p14="http://schemas.microsoft.com/office/powerpoint/2010/main" val="3797801775"/>
       </p:ext>
     </p:extLst>
   </p:cSld>
@@ -7352,7 +7351,7 @@
       </p:sp>
       <p:pic>
         <p:nvPicPr>
-          <p:cNvPr id="5" name="Inhaltsplatzhalter 4"/>
+          <p:cNvPr id="4" name="Inhaltsplatzhalter 3"/>
           <p:cNvPicPr>
             <a:picLocks noGrp="1" noChangeAspect="1"/>
           </p:cNvPicPr>
@@ -7368,15 +7367,15 @@
         </p:blipFill>
         <p:spPr>
           <a:xfrm>
-            <a:off x="2892342" y="2789187"/>
-            <a:ext cx="3251367" cy="1981302"/>
+            <a:off x="1062144" y="1445742"/>
+            <a:ext cx="7107822" cy="3713894"/>
           </a:xfrm>
         </p:spPr>
       </p:pic>
     </p:spTree>
     <p:extLst>
       <p:ext uri="{BB962C8B-B14F-4D97-AF65-F5344CB8AC3E}">
-        <p14:creationId xmlns:p14="http://schemas.microsoft.com/office/powerpoint/2010/main" val="3797801775"/>
+        <p14:creationId xmlns:p14="http://schemas.microsoft.com/office/powerpoint/2010/main" val="1038735950"/>
       </p:ext>
     </p:extLst>
   </p:cSld>
@@ -7444,15 +7443,15 @@
         </p:blipFill>
         <p:spPr>
           <a:xfrm>
-            <a:off x="2543074" y="2747910"/>
-            <a:ext cx="3949903" cy="2063856"/>
+            <a:off x="1080575" y="1401557"/>
+            <a:ext cx="6874850" cy="4068539"/>
           </a:xfrm>
         </p:spPr>
       </p:pic>
     </p:spTree>
     <p:extLst>
       <p:ext uri="{BB962C8B-B14F-4D97-AF65-F5344CB8AC3E}">
-        <p14:creationId xmlns:p14="http://schemas.microsoft.com/office/powerpoint/2010/main" val="1038735950"/>
+        <p14:creationId xmlns:p14="http://schemas.microsoft.com/office/powerpoint/2010/main" val="915173772"/>
       </p:ext>
     </p:extLst>
   </p:cSld>
@@ -7520,15 +7519,15 @@
         </p:blipFill>
         <p:spPr>
           <a:xfrm>
-            <a:off x="2736759" y="2725684"/>
-            <a:ext cx="3562533" cy="2108308"/>
+            <a:off x="1972005" y="1490912"/>
+            <a:ext cx="5402830" cy="3887529"/>
           </a:xfrm>
         </p:spPr>
       </p:pic>
     </p:spTree>
     <p:extLst>
       <p:ext uri="{BB962C8B-B14F-4D97-AF65-F5344CB8AC3E}">
-        <p14:creationId xmlns:p14="http://schemas.microsoft.com/office/powerpoint/2010/main" val="915173772"/>
+        <p14:creationId xmlns:p14="http://schemas.microsoft.com/office/powerpoint/2010/main" val="1508610167"/>
       </p:ext>
     </p:extLst>
   </p:cSld>
@@ -7596,15 +7595,15 @@
         </p:blipFill>
         <p:spPr>
           <a:xfrm>
-            <a:off x="2876466" y="2598677"/>
-            <a:ext cx="3283119" cy="2362321"/>
+            <a:off x="1955386" y="1198234"/>
+            <a:ext cx="5125227" cy="4207276"/>
           </a:xfrm>
         </p:spPr>
       </p:pic>
     </p:spTree>
     <p:extLst>
       <p:ext uri="{BB962C8B-B14F-4D97-AF65-F5344CB8AC3E}">
-        <p14:creationId xmlns:p14="http://schemas.microsoft.com/office/powerpoint/2010/main" val="1508610167"/>
+        <p14:creationId xmlns:p14="http://schemas.microsoft.com/office/powerpoint/2010/main" val="3561160234"/>
       </p:ext>
     </p:extLst>
   </p:cSld>
@@ -7672,15 +7671,15 @@
         </p:blipFill>
         <p:spPr>
           <a:xfrm>
-            <a:off x="2816138" y="2382766"/>
-            <a:ext cx="3403775" cy="2794144"/>
+            <a:off x="1273616" y="1480932"/>
+            <a:ext cx="6935879" cy="3970540"/>
           </a:xfrm>
         </p:spPr>
       </p:pic>
     </p:spTree>
     <p:extLst>
       <p:ext uri="{BB962C8B-B14F-4D97-AF65-F5344CB8AC3E}">
-        <p14:creationId xmlns:p14="http://schemas.microsoft.com/office/powerpoint/2010/main" val="3561160234"/>
+        <p14:creationId xmlns:p14="http://schemas.microsoft.com/office/powerpoint/2010/main" val="318381377"/>
       </p:ext>
     </p:extLst>
   </p:cSld>
@@ -7748,15 +7747,15 @@
         </p:blipFill>
         <p:spPr>
           <a:xfrm>
-            <a:off x="2327163" y="2525648"/>
-            <a:ext cx="4381725" cy="2508379"/>
+            <a:off x="939541" y="1520687"/>
+            <a:ext cx="7447414" cy="3653449"/>
           </a:xfrm>
         </p:spPr>
       </p:pic>
     </p:spTree>
     <p:extLst>
       <p:ext uri="{BB962C8B-B14F-4D97-AF65-F5344CB8AC3E}">
-        <p14:creationId xmlns:p14="http://schemas.microsoft.com/office/powerpoint/2010/main" val="318381377"/>
+        <p14:creationId xmlns:p14="http://schemas.microsoft.com/office/powerpoint/2010/main" val="3468731250"/>
       </p:ext>
     </p:extLst>
   </p:cSld>
@@ -7799,15 +7798,8 @@
           <a:lstStyle/>
           <a:p>
             <a:r>
-              <a:rPr lang="de-CH" dirty="0" err="1"/>
-              <a:t>Scoping</a:t>
-            </a:r>
-            <a:endParaRPr lang="de-CH" dirty="0"/>
-          </a:p>
-          <a:p>
-            <a:r>
               <a:rPr lang="de-CH" dirty="0"/>
-              <a:t>Research</a:t>
+              <a:t>Interview (Research)</a:t>
             </a:r>
           </a:p>
           <a:p>
@@ -7820,7 +7812,7 @@
           <a:p>
             <a:r>
               <a:rPr lang="de-CH" dirty="0"/>
-              <a:t>Design</a:t>
+              <a:t>Storyboard (Design)</a:t>
             </a:r>
           </a:p>
           <a:p>
@@ -7944,15 +7936,15 @@
         </p:blipFill>
         <p:spPr>
           <a:xfrm>
-            <a:off x="2162054" y="2624078"/>
-            <a:ext cx="4711942" cy="2311519"/>
+            <a:off x="1434440" y="1719241"/>
+            <a:ext cx="6516864" cy="3551940"/>
           </a:xfrm>
         </p:spPr>
       </p:pic>
     </p:spTree>
     <p:extLst>
       <p:ext uri="{BB962C8B-B14F-4D97-AF65-F5344CB8AC3E}">
-        <p14:creationId xmlns:p14="http://schemas.microsoft.com/office/powerpoint/2010/main" val="3468731250"/>
+        <p14:creationId xmlns:p14="http://schemas.microsoft.com/office/powerpoint/2010/main" val="1021873200"/>
       </p:ext>
     </p:extLst>
   </p:cSld>
@@ -8020,15 +8012,15 @@
         </p:blipFill>
         <p:spPr>
           <a:xfrm>
-            <a:off x="2438293" y="2646304"/>
-            <a:ext cx="4159464" cy="2267067"/>
+            <a:off x="957975" y="2097157"/>
+            <a:ext cx="7120049" cy="2849889"/>
           </a:xfrm>
         </p:spPr>
       </p:pic>
     </p:spTree>
     <p:extLst>
       <p:ext uri="{BB962C8B-B14F-4D97-AF65-F5344CB8AC3E}">
-        <p14:creationId xmlns:p14="http://schemas.microsoft.com/office/powerpoint/2010/main" val="1021873200"/>
+        <p14:creationId xmlns:p14="http://schemas.microsoft.com/office/powerpoint/2010/main" val="1976818652"/>
       </p:ext>
     </p:extLst>
   </p:cSld>
@@ -8055,32 +8047,9 @@
           <a:chExt cx="0" cy="0"/>
         </a:xfrm>
       </p:grpSpPr>
-      <p:sp>
-        <p:nvSpPr>
-          <p:cNvPr id="3" name="Titel 2"/>
-          <p:cNvSpPr>
-            <a:spLocks noGrp="1"/>
-          </p:cNvSpPr>
-          <p:nvPr>
-            <p:ph type="ctrTitle"/>
-          </p:nvPr>
-        </p:nvSpPr>
-        <p:spPr/>
-        <p:txBody>
-          <a:bodyPr/>
-          <a:lstStyle/>
-          <a:p>
-            <a:r>
-              <a:rPr lang="de-CH" dirty="0"/>
-              <a:t>Storyboard</a:t>
-            </a:r>
-            <a:endParaRPr lang="de-DE" dirty="0"/>
-          </a:p>
-        </p:txBody>
-      </p:sp>
       <p:pic>
         <p:nvPicPr>
-          <p:cNvPr id="4" name="Inhaltsplatzhalter 3"/>
+          <p:cNvPr id="4" name="Content Placeholder 3"/>
           <p:cNvPicPr>
             <a:picLocks noGrp="1" noChangeAspect="1"/>
           </p:cNvPicPr>
@@ -8096,15 +8065,78 @@
         </p:blipFill>
         <p:spPr>
           <a:xfrm>
-            <a:off x="2098551" y="2811413"/>
-            <a:ext cx="4838949" cy="1936850"/>
+            <a:off x="580481" y="1146429"/>
+            <a:ext cx="7875037" cy="5122673"/>
           </a:xfrm>
         </p:spPr>
       </p:pic>
+      <p:sp>
+        <p:nvSpPr>
+          <p:cNvPr id="3" name="Titel 2"/>
+          <p:cNvSpPr>
+            <a:spLocks noGrp="1"/>
+          </p:cNvSpPr>
+          <p:nvPr>
+            <p:ph type="ctrTitle"/>
+          </p:nvPr>
+        </p:nvSpPr>
+        <p:spPr/>
+        <p:txBody>
+          <a:bodyPr/>
+          <a:lstStyle/>
+          <a:p>
+            <a:r>
+              <a:rPr lang="de-DE" dirty="0"/>
+              <a:t>Prototyp</a:t>
+            </a:r>
+          </a:p>
+        </p:txBody>
+      </p:sp>
+      <p:sp>
+        <p:nvSpPr>
+          <p:cNvPr id="5" name="Rectangle 4">
+            <a:hlinkClick r:id="rId3" action="ppaction://hlinksldjump"/>
+          </p:cNvPr>
+          <p:cNvSpPr/>
+          <p:nvPr/>
+        </p:nvSpPr>
+        <p:spPr>
+          <a:xfrm>
+            <a:off x="3340359" y="4292082"/>
+            <a:ext cx="671804" cy="233265"/>
+          </a:xfrm>
+          <a:prstGeom prst="rect">
+            <a:avLst/>
+          </a:prstGeom>
+          <a:noFill/>
+        </p:spPr>
+        <p:style>
+          <a:lnRef idx="1">
+            <a:schemeClr val="accent1"/>
+          </a:lnRef>
+          <a:fillRef idx="3">
+            <a:schemeClr val="accent1"/>
+          </a:fillRef>
+          <a:effectRef idx="2">
+            <a:schemeClr val="accent1"/>
+          </a:effectRef>
+          <a:fontRef idx="minor">
+            <a:schemeClr val="lt1"/>
+          </a:fontRef>
+        </p:style>
+        <p:txBody>
+          <a:bodyPr rtlCol="0" anchor="ctr"/>
+          <a:lstStyle/>
+          <a:p>
+            <a:pPr algn="ctr"/>
+            <a:endParaRPr lang="en-GB"/>
+          </a:p>
+        </p:txBody>
+      </p:sp>
     </p:spTree>
     <p:extLst>
       <p:ext uri="{BB962C8B-B14F-4D97-AF65-F5344CB8AC3E}">
-        <p14:creationId xmlns:p14="http://schemas.microsoft.com/office/powerpoint/2010/main" val="1976818652"/>
+        <p14:creationId xmlns:p14="http://schemas.microsoft.com/office/powerpoint/2010/main" val="3278257248"/>
       </p:ext>
     </p:extLst>
   </p:cSld>
@@ -8149,14 +8181,14 @@
         </p:blipFill>
         <p:spPr>
           <a:xfrm>
-            <a:off x="580481" y="1146429"/>
-            <a:ext cx="7875037" cy="5122673"/>
+            <a:off x="828560" y="1126764"/>
+            <a:ext cx="7378879" cy="4843760"/>
           </a:xfrm>
         </p:spPr>
       </p:pic>
       <p:sp>
         <p:nvSpPr>
-          <p:cNvPr id="3" name="Titel 2"/>
+          <p:cNvPr id="3" name="Title 2"/>
           <p:cNvSpPr>
             <a:spLocks noGrp="1"/>
           </p:cNvSpPr>
@@ -8170,9 +8202,10 @@
           <a:lstStyle/>
           <a:p>
             <a:r>
-              <a:rPr lang="de-DE" dirty="0"/>
+              <a:rPr lang="en-GB" dirty="0" err="1"/>
               <a:t>Prototyp</a:t>
             </a:r>
+            <a:endParaRPr lang="en-GB" dirty="0"/>
           </a:p>
         </p:txBody>
       </p:sp>
@@ -8186,8 +8219,8 @@
         </p:nvSpPr>
         <p:spPr>
           <a:xfrm>
-            <a:off x="3340359" y="4292082"/>
-            <a:ext cx="671804" cy="233265"/>
+            <a:off x="6438122" y="3107094"/>
+            <a:ext cx="541176" cy="223935"/>
           </a:xfrm>
           <a:prstGeom prst="rect">
             <a:avLst/>
@@ -8220,7 +8253,7 @@
     </p:spTree>
     <p:extLst>
       <p:ext uri="{BB962C8B-B14F-4D97-AF65-F5344CB8AC3E}">
-        <p14:creationId xmlns:p14="http://schemas.microsoft.com/office/powerpoint/2010/main" val="3278257248"/>
+        <p14:creationId xmlns:p14="http://schemas.microsoft.com/office/powerpoint/2010/main" val="2022345022"/>
       </p:ext>
     </p:extLst>
   </p:cSld>
@@ -8265,8 +8298,8 @@
         </p:blipFill>
         <p:spPr>
           <a:xfrm>
-            <a:off x="828560" y="1126764"/>
-            <a:ext cx="7378879" cy="4843760"/>
+            <a:off x="597371" y="1053745"/>
+            <a:ext cx="7841258" cy="5066068"/>
           </a:xfrm>
         </p:spPr>
       </p:pic>
@@ -8303,8 +8336,8 @@
         </p:nvSpPr>
         <p:spPr>
           <a:xfrm>
-            <a:off x="6438122" y="3107094"/>
-            <a:ext cx="541176" cy="223935"/>
+            <a:off x="5598367" y="2248678"/>
+            <a:ext cx="718457" cy="186612"/>
           </a:xfrm>
           <a:prstGeom prst="rect">
             <a:avLst/>
@@ -8334,10 +8367,92 @@
           </a:p>
         </p:txBody>
       </p:sp>
+      <p:sp>
+        <p:nvSpPr>
+          <p:cNvPr id="6" name="Rectangle 5">
+            <a:hlinkClick r:id="rId4" action="ppaction://hlinksldjump"/>
+          </p:cNvPr>
+          <p:cNvSpPr/>
+          <p:nvPr/>
+        </p:nvSpPr>
+        <p:spPr>
+          <a:xfrm>
+            <a:off x="5598366" y="3400167"/>
+            <a:ext cx="718457" cy="186612"/>
+          </a:xfrm>
+          <a:prstGeom prst="rect">
+            <a:avLst/>
+          </a:prstGeom>
+          <a:noFill/>
+        </p:spPr>
+        <p:style>
+          <a:lnRef idx="1">
+            <a:schemeClr val="accent1"/>
+          </a:lnRef>
+          <a:fillRef idx="3">
+            <a:schemeClr val="accent1"/>
+          </a:fillRef>
+          <a:effectRef idx="2">
+            <a:schemeClr val="accent1"/>
+          </a:effectRef>
+          <a:fontRef idx="minor">
+            <a:schemeClr val="lt1"/>
+          </a:fontRef>
+        </p:style>
+        <p:txBody>
+          <a:bodyPr rtlCol="0" anchor="ctr"/>
+          <a:lstStyle/>
+          <a:p>
+            <a:pPr algn="ctr"/>
+            <a:endParaRPr lang="en-GB"/>
+          </a:p>
+        </p:txBody>
+      </p:sp>
+      <p:sp>
+        <p:nvSpPr>
+          <p:cNvPr id="7" name="Rectangle 6">
+            <a:hlinkClick r:id="rId5" action="ppaction://hlinksldjump"/>
+          </p:cNvPr>
+          <p:cNvSpPr/>
+          <p:nvPr/>
+        </p:nvSpPr>
+        <p:spPr>
+          <a:xfrm>
+            <a:off x="5598365" y="4551656"/>
+            <a:ext cx="718457" cy="186612"/>
+          </a:xfrm>
+          <a:prstGeom prst="rect">
+            <a:avLst/>
+          </a:prstGeom>
+          <a:noFill/>
+        </p:spPr>
+        <p:style>
+          <a:lnRef idx="1">
+            <a:schemeClr val="accent1"/>
+          </a:lnRef>
+          <a:fillRef idx="3">
+            <a:schemeClr val="accent1"/>
+          </a:fillRef>
+          <a:effectRef idx="2">
+            <a:schemeClr val="accent1"/>
+          </a:effectRef>
+          <a:fontRef idx="minor">
+            <a:schemeClr val="lt1"/>
+          </a:fontRef>
+        </p:style>
+        <p:txBody>
+          <a:bodyPr rtlCol="0" anchor="ctr"/>
+          <a:lstStyle/>
+          <a:p>
+            <a:pPr algn="ctr"/>
+            <a:endParaRPr lang="en-GB"/>
+          </a:p>
+        </p:txBody>
+      </p:sp>
     </p:spTree>
     <p:extLst>
       <p:ext uri="{BB962C8B-B14F-4D97-AF65-F5344CB8AC3E}">
-        <p14:creationId xmlns:p14="http://schemas.microsoft.com/office/powerpoint/2010/main" val="2022345022"/>
+        <p14:creationId xmlns:p14="http://schemas.microsoft.com/office/powerpoint/2010/main" val="1881299487"/>
       </p:ext>
     </p:extLst>
   </p:cSld>
@@ -8382,8 +8497,8 @@
         </p:blipFill>
         <p:spPr>
           <a:xfrm>
-            <a:off x="597371" y="1053745"/>
-            <a:ext cx="7841258" cy="5066068"/>
+            <a:off x="759542" y="1253754"/>
+            <a:ext cx="7516916" cy="4866059"/>
           </a:xfrm>
         </p:spPr>
       </p:pic>
@@ -8412,131 +8527,40 @@
       </p:sp>
       <p:sp>
         <p:nvSpPr>
-          <p:cNvPr id="5" name="Rectangle 4">
+          <p:cNvPr id="5" name="TextBox 4">
             <a:hlinkClick r:id="rId3" action="ppaction://hlinksldjump"/>
           </p:cNvPr>
-          <p:cNvSpPr/>
+          <p:cNvSpPr txBox="1"/>
           <p:nvPr/>
         </p:nvSpPr>
         <p:spPr>
           <a:xfrm>
-            <a:off x="5598367" y="2248678"/>
-            <a:ext cx="718457" cy="186612"/>
+            <a:off x="6774025" y="5495731"/>
+            <a:ext cx="690466" cy="261610"/>
           </a:xfrm>
           <a:prstGeom prst="rect">
             <a:avLst/>
           </a:prstGeom>
           <a:noFill/>
         </p:spPr>
-        <p:style>
-          <a:lnRef idx="1">
-            <a:schemeClr val="accent1"/>
-          </a:lnRef>
-          <a:fillRef idx="3">
-            <a:schemeClr val="accent1"/>
-          </a:fillRef>
-          <a:effectRef idx="2">
-            <a:schemeClr val="accent1"/>
-          </a:effectRef>
-          <a:fontRef idx="minor">
-            <a:schemeClr val="lt1"/>
-          </a:fontRef>
-        </p:style>
-        <p:txBody>
-          <a:bodyPr rtlCol="0" anchor="ctr"/>
+        <p:txBody>
+          <a:bodyPr wrap="square" rtlCol="0">
+            <a:spAutoFit/>
+          </a:bodyPr>
           <a:lstStyle/>
           <a:p>
-            <a:pPr algn="ctr"/>
-            <a:endParaRPr lang="en-GB"/>
-          </a:p>
-        </p:txBody>
-      </p:sp>
-      <p:sp>
-        <p:nvSpPr>
-          <p:cNvPr id="6" name="Rectangle 5">
-            <a:hlinkClick r:id="rId4" action="ppaction://hlinksldjump"/>
-          </p:cNvPr>
-          <p:cNvSpPr/>
-          <p:nvPr/>
-        </p:nvSpPr>
-        <p:spPr>
-          <a:xfrm>
-            <a:off x="5598366" y="3400167"/>
-            <a:ext cx="718457" cy="186612"/>
-          </a:xfrm>
-          <a:prstGeom prst="rect">
-            <a:avLst/>
-          </a:prstGeom>
-          <a:noFill/>
-        </p:spPr>
-        <p:style>
-          <a:lnRef idx="1">
-            <a:schemeClr val="accent1"/>
-          </a:lnRef>
-          <a:fillRef idx="3">
-            <a:schemeClr val="accent1"/>
-          </a:fillRef>
-          <a:effectRef idx="2">
-            <a:schemeClr val="accent1"/>
-          </a:effectRef>
-          <a:fontRef idx="minor">
-            <a:schemeClr val="lt1"/>
-          </a:fontRef>
-        </p:style>
-        <p:txBody>
-          <a:bodyPr rtlCol="0" anchor="ctr"/>
-          <a:lstStyle/>
-          <a:p>
-            <a:pPr algn="ctr"/>
-            <a:endParaRPr lang="en-GB"/>
-          </a:p>
-        </p:txBody>
-      </p:sp>
-      <p:sp>
-        <p:nvSpPr>
-          <p:cNvPr id="7" name="Rectangle 6">
-            <a:hlinkClick r:id="rId5" action="ppaction://hlinksldjump"/>
-          </p:cNvPr>
-          <p:cNvSpPr/>
-          <p:nvPr/>
-        </p:nvSpPr>
-        <p:spPr>
-          <a:xfrm>
-            <a:off x="5598365" y="4551656"/>
-            <a:ext cx="718457" cy="186612"/>
-          </a:xfrm>
-          <a:prstGeom prst="rect">
-            <a:avLst/>
-          </a:prstGeom>
-          <a:noFill/>
-        </p:spPr>
-        <p:style>
-          <a:lnRef idx="1">
-            <a:schemeClr val="accent1"/>
-          </a:lnRef>
-          <a:fillRef idx="3">
-            <a:schemeClr val="accent1"/>
-          </a:fillRef>
-          <a:effectRef idx="2">
-            <a:schemeClr val="accent1"/>
-          </a:effectRef>
-          <a:fontRef idx="minor">
-            <a:schemeClr val="lt1"/>
-          </a:fontRef>
-        </p:style>
-        <p:txBody>
-          <a:bodyPr rtlCol="0" anchor="ctr"/>
-          <a:lstStyle/>
-          <a:p>
-            <a:pPr algn="ctr"/>
-            <a:endParaRPr lang="en-GB"/>
+            <a:r>
+              <a:rPr lang="en-GB" sz="1100" dirty="0" err="1"/>
+              <a:t>zurück</a:t>
+            </a:r>
+            <a:endParaRPr lang="en-GB" sz="1100" dirty="0"/>
           </a:p>
         </p:txBody>
       </p:sp>
     </p:spTree>
     <p:extLst>
       <p:ext uri="{BB962C8B-B14F-4D97-AF65-F5344CB8AC3E}">
-        <p14:creationId xmlns:p14="http://schemas.microsoft.com/office/powerpoint/2010/main" val="1881299487"/>
+        <p14:creationId xmlns:p14="http://schemas.microsoft.com/office/powerpoint/2010/main" val="3685747844"/>
       </p:ext>
     </p:extLst>
   </p:cSld>
@@ -8581,8 +8605,8 @@
         </p:blipFill>
         <p:spPr>
           <a:xfrm>
-            <a:off x="759542" y="1253754"/>
-            <a:ext cx="7516916" cy="4866059"/>
+            <a:off x="625931" y="1176647"/>
+            <a:ext cx="7784138" cy="5017811"/>
           </a:xfrm>
         </p:spPr>
       </p:pic>
@@ -8644,7 +8668,7 @@
     </p:spTree>
     <p:extLst>
       <p:ext uri="{BB962C8B-B14F-4D97-AF65-F5344CB8AC3E}">
-        <p14:creationId xmlns:p14="http://schemas.microsoft.com/office/powerpoint/2010/main" val="3685747844"/>
+        <p14:creationId xmlns:p14="http://schemas.microsoft.com/office/powerpoint/2010/main" val="3596287467"/>
       </p:ext>
     </p:extLst>
   </p:cSld>
@@ -8689,8 +8713,8 @@
         </p:blipFill>
         <p:spPr>
           <a:xfrm>
-            <a:off x="625931" y="1176647"/>
-            <a:ext cx="7784138" cy="5017811"/>
+            <a:off x="839085" y="1166327"/>
+            <a:ext cx="7357830" cy="4888172"/>
           </a:xfrm>
         </p:spPr>
       </p:pic>
@@ -8727,7 +8751,7 @@
         </p:nvSpPr>
         <p:spPr>
           <a:xfrm>
-            <a:off x="6774025" y="5495731"/>
+            <a:off x="6662058" y="5364926"/>
             <a:ext cx="690466" cy="261610"/>
           </a:xfrm>
           <a:prstGeom prst="rect">
@@ -8752,7 +8776,7 @@
     </p:spTree>
     <p:extLst>
       <p:ext uri="{BB962C8B-B14F-4D97-AF65-F5344CB8AC3E}">
-        <p14:creationId xmlns:p14="http://schemas.microsoft.com/office/powerpoint/2010/main" val="3596287467"/>
+        <p14:creationId xmlns:p14="http://schemas.microsoft.com/office/powerpoint/2010/main" val="3652327836"/>
       </p:ext>
     </p:extLst>
   </p:cSld>
@@ -8779,37 +8803,14 @@
           <a:chExt cx="0" cy="0"/>
         </a:xfrm>
       </p:grpSpPr>
-      <p:pic>
-        <p:nvPicPr>
-          <p:cNvPr id="4" name="Content Placeholder 3"/>
-          <p:cNvPicPr>
-            <a:picLocks noGrp="1" noChangeAspect="1"/>
-          </p:cNvPicPr>
-          <p:nvPr>
-            <p:ph sz="half" idx="1"/>
-          </p:nvPr>
-        </p:nvPicPr>
-        <p:blipFill>
-          <a:blip r:embed="rId2"/>
-          <a:stretch>
-            <a:fillRect/>
-          </a:stretch>
-        </p:blipFill>
-        <p:spPr>
-          <a:xfrm>
-            <a:off x="839085" y="1166327"/>
-            <a:ext cx="7357830" cy="4888172"/>
-          </a:xfrm>
-        </p:spPr>
-      </p:pic>
-      <p:sp>
-        <p:nvSpPr>
-          <p:cNvPr id="3" name="Title 2"/>
+      <p:sp>
+        <p:nvSpPr>
+          <p:cNvPr id="2" name="Inhaltsplatzhalter 1"/>
           <p:cNvSpPr>
             <a:spLocks noGrp="1"/>
           </p:cNvSpPr>
           <p:nvPr>
-            <p:ph type="ctrTitle"/>
+            <p:ph sz="half" idx="1"/>
           </p:nvPr>
         </p:nvSpPr>
         <p:spPr/>
@@ -8817,50 +8818,43 @@
           <a:bodyPr/>
           <a:lstStyle/>
           <a:p>
-            <a:r>
-              <a:rPr lang="en-GB" dirty="0" err="1"/>
-              <a:t>Prototyp</a:t>
-            </a:r>
-            <a:endParaRPr lang="en-GB" dirty="0"/>
-          </a:p>
-        </p:txBody>
-      </p:sp>
-      <p:sp>
-        <p:nvSpPr>
-          <p:cNvPr id="5" name="TextBox 4">
-            <a:hlinkClick r:id="rId3" action="ppaction://hlinksldjump"/>
-          </p:cNvPr>
-          <p:cNvSpPr txBox="1"/>
-          <p:nvPr/>
-        </p:nvSpPr>
-        <p:spPr>
-          <a:xfrm>
-            <a:off x="6662058" y="5364926"/>
-            <a:ext cx="690466" cy="261610"/>
-          </a:xfrm>
-          <a:prstGeom prst="rect">
-            <a:avLst/>
-          </a:prstGeom>
-          <a:noFill/>
-        </p:spPr>
-        <p:txBody>
-          <a:bodyPr wrap="square" rtlCol="0">
-            <a:spAutoFit/>
-          </a:bodyPr>
+            <a:endParaRPr lang="de-DE" dirty="0"/>
+          </a:p>
+        </p:txBody>
+      </p:sp>
+      <p:sp>
+        <p:nvSpPr>
+          <p:cNvPr id="3" name="Titel 2"/>
+          <p:cNvSpPr>
+            <a:spLocks noGrp="1"/>
+          </p:cNvSpPr>
+          <p:nvPr>
+            <p:ph type="ctrTitle"/>
+          </p:nvPr>
+        </p:nvSpPr>
+        <p:spPr/>
+        <p:txBody>
+          <a:bodyPr/>
           <a:lstStyle/>
           <a:p>
             <a:r>
-              <a:rPr lang="en-GB" sz="1100" dirty="0" err="1"/>
-              <a:t>zurück</a:t>
-            </a:r>
-            <a:endParaRPr lang="en-GB" sz="1100" dirty="0"/>
+              <a:rPr lang="de-CH" dirty="0"/>
+              <a:t>Validation</a:t>
+            </a:r>
+            <a:br>
+              <a:rPr lang="de-CH" dirty="0"/>
+            </a:br>
+            <a:br>
+              <a:rPr lang="de-CH" dirty="0"/>
+            </a:br>
+            <a:endParaRPr lang="de-DE" dirty="0"/>
           </a:p>
         </p:txBody>
       </p:sp>
     </p:spTree>
     <p:extLst>
       <p:ext uri="{BB962C8B-B14F-4D97-AF65-F5344CB8AC3E}">
-        <p14:creationId xmlns:p14="http://schemas.microsoft.com/office/powerpoint/2010/main" val="3652327836"/>
+        <p14:creationId xmlns:p14="http://schemas.microsoft.com/office/powerpoint/2010/main" val="904193018"/>
       </p:ext>
     </p:extLst>
   </p:cSld>
@@ -8889,156 +8883,6 @@
       </p:grpSpPr>
       <p:sp>
         <p:nvSpPr>
-          <p:cNvPr id="2" name="Inhaltsplatzhalter 1"/>
-          <p:cNvSpPr>
-            <a:spLocks noGrp="1"/>
-          </p:cNvSpPr>
-          <p:nvPr>
-            <p:ph sz="half" idx="1"/>
-          </p:nvPr>
-        </p:nvSpPr>
-        <p:spPr/>
-        <p:txBody>
-          <a:bodyPr/>
-          <a:lstStyle/>
-          <a:p>
-            <a:endParaRPr lang="de-DE" dirty="0"/>
-          </a:p>
-        </p:txBody>
-      </p:sp>
-      <p:sp>
-        <p:nvSpPr>
-          <p:cNvPr id="3" name="Titel 2"/>
-          <p:cNvSpPr>
-            <a:spLocks noGrp="1"/>
-          </p:cNvSpPr>
-          <p:nvPr>
-            <p:ph type="ctrTitle"/>
-          </p:nvPr>
-        </p:nvSpPr>
-        <p:spPr/>
-        <p:txBody>
-          <a:bodyPr/>
-          <a:lstStyle/>
-          <a:p>
-            <a:r>
-              <a:rPr lang="de-CH" dirty="0"/>
-              <a:t>Validation</a:t>
-            </a:r>
-            <a:br>
-              <a:rPr lang="de-CH" dirty="0"/>
-            </a:br>
-            <a:br>
-              <a:rPr lang="de-CH" dirty="0"/>
-            </a:br>
-            <a:endParaRPr lang="de-DE" dirty="0"/>
-          </a:p>
-        </p:txBody>
-      </p:sp>
-    </p:spTree>
-    <p:extLst>
-      <p:ext uri="{BB962C8B-B14F-4D97-AF65-F5344CB8AC3E}">
-        <p14:creationId xmlns:p14="http://schemas.microsoft.com/office/powerpoint/2010/main" val="904193018"/>
-      </p:ext>
-    </p:extLst>
-  </p:cSld>
-  <p:clrMapOvr>
-    <a:masterClrMapping/>
-  </p:clrMapOvr>
-</p:sld>
-</file>
-
-<file path=ppt/slides/slide3.xml><?xml version="1.0" encoding="utf-8"?>
-<p:sld xmlns:a="http://schemas.openxmlformats.org/drawingml/2006/main" xmlns:r="http://schemas.openxmlformats.org/officeDocument/2006/relationships" xmlns:p="http://schemas.openxmlformats.org/presentationml/2006/main">
-  <p:cSld>
-    <p:spTree>
-      <p:nvGrpSpPr>
-        <p:cNvPr id="1" name=""/>
-        <p:cNvGrpSpPr/>
-        <p:nvPr/>
-      </p:nvGrpSpPr>
-      <p:grpSpPr>
-        <a:xfrm>
-          <a:off x="0" y="0"/>
-          <a:ext cx="0" cy="0"/>
-          <a:chOff x="0" y="0"/>
-          <a:chExt cx="0" cy="0"/>
-        </a:xfrm>
-      </p:grpSpPr>
-      <p:sp>
-        <p:nvSpPr>
-          <p:cNvPr id="2" name="Inhaltsplatzhalter 1"/>
-          <p:cNvSpPr>
-            <a:spLocks noGrp="1"/>
-          </p:cNvSpPr>
-          <p:nvPr>
-            <p:ph sz="half" idx="1"/>
-          </p:nvPr>
-        </p:nvSpPr>
-        <p:spPr/>
-        <p:txBody>
-          <a:bodyPr/>
-          <a:lstStyle/>
-          <a:p>
-            <a:endParaRPr lang="de-DE" dirty="0"/>
-          </a:p>
-        </p:txBody>
-      </p:sp>
-      <p:sp>
-        <p:nvSpPr>
-          <p:cNvPr id="3" name="Titel 2"/>
-          <p:cNvSpPr>
-            <a:spLocks noGrp="1"/>
-          </p:cNvSpPr>
-          <p:nvPr>
-            <p:ph type="ctrTitle"/>
-          </p:nvPr>
-        </p:nvSpPr>
-        <p:spPr/>
-        <p:txBody>
-          <a:bodyPr/>
-          <a:lstStyle/>
-          <a:p>
-            <a:r>
-              <a:rPr lang="de-DE" dirty="0" err="1"/>
-              <a:t>Scoping</a:t>
-            </a:r>
-            <a:endParaRPr lang="de-DE" dirty="0"/>
-          </a:p>
-        </p:txBody>
-      </p:sp>
-    </p:spTree>
-    <p:extLst>
-      <p:ext uri="{BB962C8B-B14F-4D97-AF65-F5344CB8AC3E}">
-        <p14:creationId xmlns:p14="http://schemas.microsoft.com/office/powerpoint/2010/main" val="4165120890"/>
-      </p:ext>
-    </p:extLst>
-  </p:cSld>
-  <p:clrMapOvr>
-    <a:masterClrMapping/>
-  </p:clrMapOvr>
-</p:sld>
-</file>
-
-<file path=ppt/slides/slide30.xml><?xml version="1.0" encoding="utf-8"?>
-<p:sld xmlns:a="http://schemas.openxmlformats.org/drawingml/2006/main" xmlns:r="http://schemas.openxmlformats.org/officeDocument/2006/relationships" xmlns:p="http://schemas.openxmlformats.org/presentationml/2006/main">
-  <p:cSld>
-    <p:spTree>
-      <p:nvGrpSpPr>
-        <p:cNvPr id="1" name=""/>
-        <p:cNvGrpSpPr/>
-        <p:nvPr/>
-      </p:nvGrpSpPr>
-      <p:grpSpPr>
-        <a:xfrm>
-          <a:off x="0" y="0"/>
-          <a:ext cx="0" cy="0"/>
-          <a:chOff x="0" y="0"/>
-          <a:chExt cx="0" cy="0"/>
-        </a:xfrm>
-      </p:grpSpPr>
-      <p:sp>
-        <p:nvSpPr>
           <p:cNvPr id="7" name="Titel 6"/>
           <p:cNvSpPr>
             <a:spLocks noGrp="1"/>
@@ -9076,7 +8920,7 @@
 </p:sld>
 </file>
 
-<file path=ppt/slides/slide4.xml><?xml version="1.0" encoding="utf-8"?>
+<file path=ppt/slides/slide3.xml><?xml version="1.0" encoding="utf-8"?>
 <p:sld xmlns:a="http://schemas.openxmlformats.org/drawingml/2006/main" xmlns:r="http://schemas.openxmlformats.org/officeDocument/2006/relationships" xmlns:p="http://schemas.openxmlformats.org/presentationml/2006/main">
   <p:cSld>
     <p:spTree>
@@ -9477,7 +9321,7 @@
 </p:sld>
 </file>
 
-<file path=ppt/slides/slide5.xml><?xml version="1.0" encoding="utf-8"?>
+<file path=ppt/slides/slide4.xml><?xml version="1.0" encoding="utf-8"?>
 <p:sld xmlns:a="http://schemas.openxmlformats.org/drawingml/2006/main" xmlns:r="http://schemas.openxmlformats.org/officeDocument/2006/relationships" xmlns:p="http://schemas.openxmlformats.org/presentationml/2006/main">
   <p:cSld>
     <p:spTree>
@@ -10050,7 +9894,7 @@
 </p:sld>
 </file>
 
-<file path=ppt/slides/slide6.xml><?xml version="1.0" encoding="utf-8"?>
+<file path=ppt/slides/slide5.xml><?xml version="1.0" encoding="utf-8"?>
 <p:sld xmlns:a="http://schemas.openxmlformats.org/drawingml/2006/main" xmlns:r="http://schemas.openxmlformats.org/officeDocument/2006/relationships" xmlns:p="http://schemas.openxmlformats.org/presentationml/2006/main">
   <p:cSld>
     <p:spTree>
@@ -10608,7 +10452,7 @@
 </p:sld>
 </file>
 
-<file path=ppt/slides/slide7.xml><?xml version="1.0" encoding="utf-8"?>
+<file path=ppt/slides/slide6.xml><?xml version="1.0" encoding="utf-8"?>
 <p:sld xmlns:a="http://schemas.openxmlformats.org/drawingml/2006/main" xmlns:r="http://schemas.openxmlformats.org/officeDocument/2006/relationships" xmlns:p="http://schemas.openxmlformats.org/presentationml/2006/main">
   <p:cSld>
     <p:spTree>
@@ -10920,6 +10764,123 @@
 </p:sld>
 </file>
 
+<file path=ppt/slides/slide7.xml><?xml version="1.0" encoding="utf-8"?>
+<p:sld xmlns:a="http://schemas.openxmlformats.org/drawingml/2006/main" xmlns:r="http://schemas.openxmlformats.org/officeDocument/2006/relationships" xmlns:p="http://schemas.openxmlformats.org/presentationml/2006/main">
+  <p:cSld>
+    <p:spTree>
+      <p:nvGrpSpPr>
+        <p:cNvPr id="1" name=""/>
+        <p:cNvGrpSpPr/>
+        <p:nvPr/>
+      </p:nvGrpSpPr>
+      <p:grpSpPr>
+        <a:xfrm>
+          <a:off x="0" y="0"/>
+          <a:ext cx="0" cy="0"/>
+          <a:chOff x="0" y="0"/>
+          <a:chExt cx="0" cy="0"/>
+        </a:xfrm>
+      </p:grpSpPr>
+      <p:sp>
+        <p:nvSpPr>
+          <p:cNvPr id="2" name="Inhaltsplatzhalter 1"/>
+          <p:cNvSpPr>
+            <a:spLocks noGrp="1"/>
+          </p:cNvSpPr>
+          <p:nvPr>
+            <p:ph sz="half" idx="1"/>
+          </p:nvPr>
+        </p:nvSpPr>
+        <p:spPr/>
+        <p:txBody>
+          <a:bodyPr/>
+          <a:lstStyle/>
+          <a:p>
+            <a:r>
+              <a:rPr lang="de-DE" dirty="0"/>
+              <a:t>Arzt Dr. Wenger</a:t>
+            </a:r>
+          </a:p>
+          <a:p>
+            <a:r>
+              <a:rPr lang="de-DE" dirty="0"/>
+              <a:t>Med. Fachpersonal Frau Meier</a:t>
+            </a:r>
+          </a:p>
+          <a:p>
+            <a:pPr marL="0" indent="0">
+              <a:buNone/>
+            </a:pPr>
+            <a:endParaRPr lang="de-DE" dirty="0"/>
+          </a:p>
+          <a:p>
+            <a:r>
+              <a:rPr lang="de-DE" dirty="0"/>
+              <a:t>Bedarf: </a:t>
+            </a:r>
+          </a:p>
+          <a:p>
+            <a:pPr lvl="1"/>
+            <a:r>
+              <a:rPr lang="de-DE" dirty="0"/>
+              <a:t>Stammdaten</a:t>
+            </a:r>
+          </a:p>
+          <a:p>
+            <a:pPr lvl="1"/>
+            <a:r>
+              <a:rPr lang="de-DE" dirty="0"/>
+              <a:t>Patientenübersicht</a:t>
+            </a:r>
+          </a:p>
+          <a:p>
+            <a:pPr lvl="1"/>
+            <a:r>
+              <a:rPr lang="de-DE" dirty="0"/>
+              <a:t>Direktzugriff auf Dokumentation</a:t>
+            </a:r>
+          </a:p>
+          <a:p>
+            <a:endParaRPr lang="de-DE" dirty="0"/>
+          </a:p>
+        </p:txBody>
+      </p:sp>
+      <p:sp>
+        <p:nvSpPr>
+          <p:cNvPr id="3" name="Titel 2"/>
+          <p:cNvSpPr>
+            <a:spLocks noGrp="1"/>
+          </p:cNvSpPr>
+          <p:nvPr>
+            <p:ph type="ctrTitle"/>
+          </p:nvPr>
+        </p:nvSpPr>
+        <p:spPr/>
+        <p:txBody>
+          <a:bodyPr/>
+          <a:lstStyle/>
+          <a:p>
+            <a:r>
+              <a:rPr lang="de-CH" dirty="0" err="1"/>
+              <a:t>Synthesize</a:t>
+            </a:r>
+            <a:endParaRPr lang="de-DE" dirty="0"/>
+          </a:p>
+        </p:txBody>
+      </p:sp>
+    </p:spTree>
+    <p:extLst>
+      <p:ext uri="{BB962C8B-B14F-4D97-AF65-F5344CB8AC3E}">
+        <p14:creationId xmlns:p14="http://schemas.microsoft.com/office/powerpoint/2010/main" val="1019839237"/>
+      </p:ext>
+    </p:extLst>
+  </p:cSld>
+  <p:clrMapOvr>
+    <a:masterClrMapping/>
+  </p:clrMapOvr>
+</p:sld>
+</file>
+
 <file path=ppt/slides/slide8.xml><?xml version="1.0" encoding="utf-8"?>
 <p:sld xmlns:a="http://schemas.openxmlformats.org/drawingml/2006/main" xmlns:r="http://schemas.openxmlformats.org/officeDocument/2006/relationships" xmlns:p="http://schemas.openxmlformats.org/presentationml/2006/main">
   <p:cSld>
@@ -10939,25 +10900,6 @@
       </p:grpSpPr>
       <p:sp>
         <p:nvSpPr>
-          <p:cNvPr id="2" name="Inhaltsplatzhalter 1"/>
-          <p:cNvSpPr>
-            <a:spLocks noGrp="1"/>
-          </p:cNvSpPr>
-          <p:nvPr>
-            <p:ph sz="half" idx="1"/>
-          </p:nvPr>
-        </p:nvSpPr>
-        <p:spPr/>
-        <p:txBody>
-          <a:bodyPr/>
-          <a:lstStyle/>
-          <a:p>
-            <a:endParaRPr lang="de-DE" dirty="0"/>
-          </a:p>
-        </p:txBody>
-      </p:sp>
-      <p:sp>
-        <p:nvSpPr>
           <p:cNvPr id="3" name="Titel 2"/>
           <p:cNvSpPr>
             <a:spLocks noGrp="1"/>
@@ -10972,17 +10914,40 @@
           <a:lstStyle/>
           <a:p>
             <a:r>
-              <a:rPr lang="de-CH" dirty="0" err="1"/>
-              <a:t>Synthesize</a:t>
+              <a:rPr lang="de-CH" dirty="0"/>
+              <a:t>Storyboard</a:t>
             </a:r>
             <a:endParaRPr lang="de-DE" dirty="0"/>
           </a:p>
         </p:txBody>
       </p:sp>
+      <p:pic>
+        <p:nvPicPr>
+          <p:cNvPr id="5" name="Inhaltsplatzhalter 4"/>
+          <p:cNvPicPr>
+            <a:picLocks noGrp="1" noChangeAspect="1"/>
+          </p:cNvPicPr>
+          <p:nvPr>
+            <p:ph sz="half" idx="1"/>
+          </p:nvPr>
+        </p:nvPicPr>
+        <p:blipFill>
+          <a:blip r:embed="rId2"/>
+          <a:stretch>
+            <a:fillRect/>
+          </a:stretch>
+        </p:blipFill>
+        <p:spPr>
+          <a:xfrm>
+            <a:off x="2150520" y="1483327"/>
+            <a:ext cx="5224785" cy="3911527"/>
+          </a:xfrm>
+        </p:spPr>
+      </p:pic>
     </p:spTree>
     <p:extLst>
       <p:ext uri="{BB962C8B-B14F-4D97-AF65-F5344CB8AC3E}">
-        <p14:creationId xmlns:p14="http://schemas.microsoft.com/office/powerpoint/2010/main" val="1019839237"/>
+        <p14:creationId xmlns:p14="http://schemas.microsoft.com/office/powerpoint/2010/main" val="1617111469"/>
       </p:ext>
     </p:extLst>
   </p:cSld>
@@ -11009,9 +10974,32 @@
           <a:chExt cx="0" cy="0"/>
         </a:xfrm>
       </p:grpSpPr>
+      <p:sp>
+        <p:nvSpPr>
+          <p:cNvPr id="3" name="Titel 2"/>
+          <p:cNvSpPr>
+            <a:spLocks noGrp="1"/>
+          </p:cNvSpPr>
+          <p:nvPr>
+            <p:ph type="ctrTitle"/>
+          </p:nvPr>
+        </p:nvSpPr>
+        <p:spPr/>
+        <p:txBody>
+          <a:bodyPr/>
+          <a:lstStyle/>
+          <a:p>
+            <a:r>
+              <a:rPr lang="de-CH" dirty="0"/>
+              <a:t>Storyboard</a:t>
+            </a:r>
+            <a:endParaRPr lang="de-DE" dirty="0"/>
+          </a:p>
+        </p:txBody>
+      </p:sp>
       <p:pic>
         <p:nvPicPr>
-          <p:cNvPr id="4" name="Inhaltsplatzhalter 3"/>
+          <p:cNvPr id="5" name="Inhaltsplatzhalter 4"/>
           <p:cNvPicPr>
             <a:picLocks noGrp="1" noChangeAspect="1"/>
           </p:cNvPicPr>
@@ -11020,144 +11008,28 @@
           </p:nvPr>
         </p:nvPicPr>
         <p:blipFill>
-          <a:blip r:embed="rId2">
-            <a:extLst>
-              <a:ext uri="{BEBA8EAE-BF5A-486C-A8C5-ECC9F3942E4B}">
-                <a14:imgProps xmlns:a14="http://schemas.microsoft.com/office/drawing/2010/main">
-                  <a14:imgLayer r:embed="rId3">
-                    <a14:imgEffect>
-                      <a14:sharpenSoften amount="25000"/>
-                    </a14:imgEffect>
-                    <a14:imgEffect>
-                      <a14:brightnessContrast contrast="20000"/>
-                    </a14:imgEffect>
-                  </a14:imgLayer>
-                </a14:imgProps>
-              </a:ext>
-            </a:extLst>
-          </a:blip>
+          <a:blip r:embed="rId2"/>
           <a:stretch>
             <a:fillRect/>
           </a:stretch>
         </p:blipFill>
         <p:spPr>
           <a:xfrm>
-            <a:off x="1971614" y="1416835"/>
-            <a:ext cx="4915318" cy="3679845"/>
+            <a:off x="1667068" y="1868557"/>
+            <a:ext cx="5917528" cy="3302807"/>
           </a:xfrm>
         </p:spPr>
       </p:pic>
-      <p:sp>
-        <p:nvSpPr>
-          <p:cNvPr id="3" name="Titel 2"/>
-          <p:cNvSpPr>
-            <a:spLocks noGrp="1"/>
-          </p:cNvSpPr>
-          <p:nvPr>
-            <p:ph type="ctrTitle"/>
-          </p:nvPr>
-        </p:nvSpPr>
-        <p:spPr/>
-        <p:txBody>
-          <a:bodyPr/>
-          <a:lstStyle/>
-          <a:p>
-            <a:r>
-              <a:rPr lang="de-CH" dirty="0"/>
-              <a:t>Storyboard</a:t>
-            </a:r>
-            <a:endParaRPr lang="de-DE" dirty="0"/>
-          </a:p>
-        </p:txBody>
-      </p:sp>
     </p:spTree>
     <p:extLst>
       <p:ext uri="{BB962C8B-B14F-4D97-AF65-F5344CB8AC3E}">
-        <p14:creationId xmlns:p14="http://schemas.microsoft.com/office/powerpoint/2010/main" val="1617111469"/>
+        <p14:creationId xmlns:p14="http://schemas.microsoft.com/office/powerpoint/2010/main" val="3302576479"/>
       </p:ext>
     </p:extLst>
   </p:cSld>
   <p:clrMapOvr>
     <a:masterClrMapping/>
   </p:clrMapOvr>
-  <p:timing>
-    <p:tnLst>
-      <p:par>
-        <p:cTn id="1" dur="indefinite" restart="never" nodeType="tmRoot">
-          <p:childTnLst>
-            <p:seq concurrent="1" nextAc="seek">
-              <p:cTn id="2" dur="indefinite" nodeType="mainSeq">
-                <p:childTnLst>
-                  <p:par>
-                    <p:cTn id="3" fill="hold">
-                      <p:stCondLst>
-                        <p:cond delay="indefinite"/>
-                        <p:cond evt="onBegin" delay="0">
-                          <p:tn val="2"/>
-                        </p:cond>
-                      </p:stCondLst>
-                      <p:childTnLst>
-                        <p:par>
-                          <p:cTn id="4" fill="hold">
-                            <p:stCondLst>
-                              <p:cond delay="0"/>
-                            </p:stCondLst>
-                            <p:childTnLst>
-                              <p:par>
-                                <p:cTn id="5" presetID="1" presetClass="exit" presetSubtype="0" fill="hold" nodeType="withEffect">
-                                  <p:stCondLst>
-                                    <p:cond delay="0"/>
-                                  </p:stCondLst>
-                                  <p:childTnLst>
-                                    <p:set>
-                                      <p:cBhvr>
-                                        <p:cTn id="6" dur="1" fill="hold">
-                                          <p:stCondLst>
-                                            <p:cond delay="0"/>
-                                          </p:stCondLst>
-                                        </p:cTn>
-                                        <p:tgtEl>
-                                          <p:spTgt spid="4"/>
-                                        </p:tgtEl>
-                                        <p:attrNameLst>
-                                          <p:attrName>style.visibility</p:attrName>
-                                        </p:attrNameLst>
-                                      </p:cBhvr>
-                                      <p:to>
-                                        <p:strVal val="hidden"/>
-                                      </p:to>
-                                    </p:set>
-                                  </p:childTnLst>
-                                </p:cTn>
-                              </p:par>
-                            </p:childTnLst>
-                          </p:cTn>
-                        </p:par>
-                      </p:childTnLst>
-                    </p:cTn>
-                  </p:par>
-                </p:childTnLst>
-              </p:cTn>
-              <p:prevCondLst>
-                <p:cond evt="onPrev" delay="0">
-                  <p:tgtEl>
-                    <p:sldTgt/>
-                  </p:tgtEl>
-                </p:cond>
-              </p:prevCondLst>
-              <p:nextCondLst>
-                <p:cond evt="onNext" delay="0">
-                  <p:tgtEl>
-                    <p:sldTgt/>
-                  </p:tgtEl>
-                </p:cond>
-              </p:nextCondLst>
-            </p:seq>
-          </p:childTnLst>
-        </p:cTn>
-      </p:par>
-    </p:tnLst>
-  </p:timing>
 </p:sld>
 </file>
 
@@ -11992,6 +11864,15 @@
 </file>
 
 <file path=customXml/item1.xml><?xml version="1.0" encoding="utf-8"?>
+<?mso-contentType ?>
+<FormTemplates xmlns="http://schemas.microsoft.com/sharepoint/v3/contenttype/forms">
+  <Display>DocumentLibraryForm</Display>
+  <Edit>DocumentLibraryForm</Edit>
+  <New>DocumentLibraryForm</New>
+</FormTemplates>
+</file>
+
+<file path=customXml/item2.xml><?xml version="1.0" encoding="utf-8"?>
 <ct:contentTypeSchema xmlns:ct="http://schemas.microsoft.com/office/2006/metadata/contentType" xmlns:ma="http://schemas.microsoft.com/office/2006/metadata/properties/metaAttributes" ct:_="" ma:_="" ma:contentTypeName="Dokument" ma:contentTypeID="0x0101003A4279409C3118409D418E682AEFAFB0" ma:contentTypeVersion="3" ma:contentTypeDescription="Ein neues Dokument erstellen." ma:contentTypeScope="" ma:versionID="2b39eecd042fe67817287380b00d4728">
   <xsd:schema xmlns:xsd="http://www.w3.org/2001/XMLSchema" xmlns:p="http://schemas.microsoft.com/office/2006/metadata/properties" xmlns:ns2="238ac175-5152-443e-bf42-417a27926292" targetNamespace="http://schemas.microsoft.com/office/2006/metadata/properties" ma:root="true" ma:fieldsID="3e4ac4b9de63a8d8211a46de917ff848" ns2:_="">
     <xsd:import namespace="238ac175-5152-443e-bf42-417a27926292"/>
@@ -12075,15 +11956,6 @@
 </ct:contentTypeSchema>
 </file>
 
-<file path=customXml/item2.xml><?xml version="1.0" encoding="utf-8"?>
-<?mso-contentType ?>
-<FormTemplates xmlns="http://schemas.microsoft.com/sharepoint/v3/contenttype/forms">
-  <Display>DocumentLibraryForm</Display>
-  <Edit>DocumentLibraryForm</Edit>
-  <New>DocumentLibraryForm</New>
-</FormTemplates>
-</file>
-
 <file path=customXml/item3.xml><?xml version="1.0" encoding="utf-8"?>
 <p:properties xmlns:p="http://schemas.microsoft.com/office/2006/metadata/properties" xmlns:xsi="http://www.w3.org/2001/XMLSchema-instance">
   <documentManagement>
@@ -12095,6 +11967,14 @@
 </file>
 
 <file path=customXml/itemProps1.xml><?xml version="1.0" encoding="utf-8"?>
+<ds:datastoreItem xmlns:ds="http://schemas.openxmlformats.org/officeDocument/2006/customXml" ds:itemID="{FCD14AB6-6E58-442F-B70D-2B317664A115}">
+  <ds:schemaRefs>
+    <ds:schemaRef ds:uri="http://schemas.microsoft.com/sharepoint/v3/contenttype/forms"/>
+  </ds:schemaRefs>
+</ds:datastoreItem>
+</file>
+
+<file path=customXml/itemProps2.xml><?xml version="1.0" encoding="utf-8"?>
 <ds:datastoreItem xmlns:ds="http://schemas.openxmlformats.org/officeDocument/2006/customXml" ds:itemID="{BD8FD62B-E50E-4101-B7F8-577C2BC63D28}">
   <ds:schemaRefs>
     <ds:schemaRef ds:uri="http://schemas.microsoft.com/office/2006/metadata/contentType"/>
@@ -12107,14 +11987,6 @@
     <ds:schemaRef ds:uri="http://purl.org/dc/elements/1.1/"/>
     <ds:schemaRef ds:uri="http://purl.org/dc/terms/"/>
     <ds:schemaRef ds:uri="http://schemas.microsoft.com/office/internal/2005/internalDocumentation"/>
-  </ds:schemaRefs>
-</ds:datastoreItem>
-</file>
-
-<file path=customXml/itemProps2.xml><?xml version="1.0" encoding="utf-8"?>
-<ds:datastoreItem xmlns:ds="http://schemas.openxmlformats.org/officeDocument/2006/customXml" ds:itemID="{FCD14AB6-6E58-442F-B70D-2B317664A115}">
-  <ds:schemaRefs>
-    <ds:schemaRef ds:uri="http://schemas.microsoft.com/sharepoint/v3/contenttype/forms"/>
   </ds:schemaRefs>
 </ds:datastoreItem>
 </file>

--- a/doc/CS1/Präsentation_CS1_Task_3_Blau.pptx
+++ b/doc/CS1/Präsentation_CS1_Task_3_Blau.pptx
@@ -5,10 +5,10 @@
     <p:sldMasterId id="2147483669" r:id="rId4"/>
   </p:sldMasterIdLst>
   <p:notesMasterIdLst>
-    <p:notesMasterId r:id="rId34"/>
+    <p:notesMasterId r:id="rId32"/>
   </p:notesMasterIdLst>
   <p:handoutMasterIdLst>
-    <p:handoutMasterId r:id="rId35"/>
+    <p:handoutMasterId r:id="rId33"/>
   </p:handoutMasterIdLst>
   <p:sldIdLst>
     <p:sldId id="256" r:id="rId5"/>
@@ -33,13 +33,11 @@
     <p:sldId id="310" r:id="rId24"/>
     <p:sldId id="311" r:id="rId25"/>
     <p:sldId id="293" r:id="rId26"/>
-    <p:sldId id="294" r:id="rId27"/>
-    <p:sldId id="295" r:id="rId28"/>
-    <p:sldId id="296" r:id="rId29"/>
-    <p:sldId id="297" r:id="rId30"/>
-    <p:sldId id="298" r:id="rId31"/>
-    <p:sldId id="288" r:id="rId32"/>
-    <p:sldId id="280" r:id="rId33"/>
+    <p:sldId id="288" r:id="rId27"/>
+    <p:sldId id="280" r:id="rId28"/>
+    <p:sldId id="314" r:id="rId29"/>
+    <p:sldId id="312" r:id="rId30"/>
+    <p:sldId id="313" r:id="rId31"/>
   </p:sldIdLst>
   <p:sldSz cx="9144000" cy="6858000" type="screen4x3"/>
   <p:notesSz cx="6797675" cy="9872663"/>
@@ -349,7 +347,7 @@
           <a:p>
             <a:fld id="{5F377753-DB7C-4FA7-98FC-17681D88797A}" type="slidenum">
               <a:rPr lang="de-CH" smtClean="0"/>
-              <a:t>‹Nr.›</a:t>
+              <a:t>‹#›</a:t>
             </a:fld>
             <a:endParaRPr lang="de-CH"/>
           </a:p>
@@ -607,7 +605,7 @@
           <a:p>
             <a:fld id="{37E44704-8E6D-4CF2-8CFA-A0F7BC751896}" type="slidenum">
               <a:rPr lang="de-CH" smtClean="0"/>
-              <a:t>‹Nr.›</a:t>
+              <a:t>‹#›</a:t>
             </a:fld>
             <a:endParaRPr lang="de-CH"/>
           </a:p>
@@ -2048,7 +2046,7 @@
           <a:p>
             <a:fld id="{F19AE9A8-34D4-4E8C-BE9C-13C550F1BED0}" type="slidenum">
               <a:rPr lang="de-CH" smtClean="0"/>
-              <a:t>‹Nr.›</a:t>
+              <a:t>‹#›</a:t>
             </a:fld>
             <a:endParaRPr lang="de-CH" dirty="0"/>
           </a:p>
@@ -2101,7 +2099,7 @@
           <a:p>
             <a:fld id="{F19AE9A8-34D4-4E8C-BE9C-13C550F1BED0}" type="slidenum">
               <a:rPr lang="de-CH" smtClean="0"/>
-              <a:t>‹Nr.›</a:t>
+              <a:t>‹#›</a:t>
             </a:fld>
             <a:endParaRPr lang="de-CH" dirty="0"/>
           </a:p>
@@ -3342,7 +3340,7 @@
           <a:p>
             <a:fld id="{F19AE9A8-34D4-4E8C-BE9C-13C550F1BED0}" type="slidenum">
               <a:rPr lang="de-CH" smtClean="0"/>
-              <a:t>‹Nr.›</a:t>
+              <a:t>‹#›</a:t>
             </a:fld>
             <a:endParaRPr lang="de-CH" dirty="0"/>
           </a:p>
@@ -3730,7 +3728,7 @@
           <a:p>
             <a:fld id="{F19AE9A8-34D4-4E8C-BE9C-13C550F1BED0}" type="slidenum">
               <a:rPr lang="de-CH" smtClean="0"/>
-              <a:t>‹Nr.›</a:t>
+              <a:t>‹#›</a:t>
             </a:fld>
             <a:endParaRPr lang="de-CH" dirty="0"/>
           </a:p>
@@ -3956,7 +3954,7 @@
           <a:p>
             <a:fld id="{F19AE9A8-34D4-4E8C-BE9C-13C550F1BED0}" type="slidenum">
               <a:rPr lang="de-CH" smtClean="0"/>
-              <a:t>‹Nr.›</a:t>
+              <a:t>‹#›</a:t>
             </a:fld>
             <a:endParaRPr lang="de-CH" dirty="0"/>
           </a:p>
@@ -4256,7 +4254,7 @@
           <a:p>
             <a:fld id="{F19AE9A8-34D4-4E8C-BE9C-13C550F1BED0}" type="slidenum">
               <a:rPr lang="de-CH" smtClean="0"/>
-              <a:t>‹Nr.›</a:t>
+              <a:t>‹#›</a:t>
             </a:fld>
             <a:endParaRPr lang="de-CH" dirty="0"/>
           </a:p>
@@ -4778,7 +4776,7 @@
           <a:p>
             <a:fld id="{F19AE9A8-34D4-4E8C-BE9C-13C550F1BED0}" type="slidenum">
               <a:rPr lang="de-CH" smtClean="0"/>
-              <a:t>‹Nr.›</a:t>
+              <a:t>‹#›</a:t>
             </a:fld>
             <a:endParaRPr lang="de-CH" dirty="0"/>
           </a:p>
@@ -5300,7 +5298,7 @@
           <a:p>
             <a:fld id="{F19AE9A8-34D4-4E8C-BE9C-13C550F1BED0}" type="slidenum">
               <a:rPr lang="de-CH" smtClean="0"/>
-              <a:t>‹Nr.›</a:t>
+              <a:t>‹#›</a:t>
             </a:fld>
             <a:endParaRPr lang="de-CH" dirty="0"/>
           </a:p>
@@ -6026,7 +6024,7 @@
             <a:fld id="{F19AE9A8-34D4-4E8C-BE9C-13C550F1BED0}" type="slidenum">
               <a:rPr lang="de-CH" smtClean="0"/>
               <a:pPr/>
-              <a:t>‹Nr.›</a:t>
+              <a:t>‹#›</a:t>
             </a:fld>
             <a:endParaRPr lang="de-CH" dirty="0"/>
           </a:p>
@@ -6412,7 +6410,7 @@
             <a:fld id="{F19AE9A8-34D4-4E8C-BE9C-13C550F1BED0}" type="slidenum">
               <a:rPr lang="de-CH" smtClean="0"/>
               <a:pPr/>
-              <a:t>‹Nr.›</a:t>
+              <a:t>‹#›</a:t>
             </a:fld>
             <a:endParaRPr lang="de-CH" dirty="0"/>
           </a:p>
@@ -8047,15 +8045,35 @@
           <a:chExt cx="0" cy="0"/>
         </a:xfrm>
       </p:grpSpPr>
+      <p:sp>
+        <p:nvSpPr>
+          <p:cNvPr id="3" name="Titel 2"/>
+          <p:cNvSpPr>
+            <a:spLocks noGrp="1"/>
+          </p:cNvSpPr>
+          <p:nvPr>
+            <p:ph type="ctrTitle"/>
+          </p:nvPr>
+        </p:nvSpPr>
+        <p:spPr/>
+        <p:txBody>
+          <a:bodyPr/>
+          <a:lstStyle/>
+          <a:p>
+            <a:r>
+              <a:rPr lang="de-DE" dirty="0"/>
+              <a:t>Prototyp</a:t>
+            </a:r>
+          </a:p>
+        </p:txBody>
+      </p:sp>
       <p:pic>
         <p:nvPicPr>
-          <p:cNvPr id="4" name="Content Placeholder 3"/>
+          <p:cNvPr id="6" name="Picture 5"/>
           <p:cNvPicPr>
-            <a:picLocks noGrp="1" noChangeAspect="1"/>
+            <a:picLocks noChangeAspect="1"/>
           </p:cNvPicPr>
-          <p:nvPr>
-            <p:ph sz="half" idx="1"/>
-          </p:nvPr>
+          <p:nvPr/>
         </p:nvPicPr>
         <p:blipFill>
           <a:blip r:embed="rId2"/>
@@ -8065,50 +8083,92 @@
         </p:blipFill>
         <p:spPr>
           <a:xfrm>
-            <a:off x="580481" y="1146429"/>
-            <a:ext cx="7875037" cy="5122673"/>
+            <a:off x="468000" y="934611"/>
+            <a:ext cx="7925487" cy="5265876"/>
           </a:xfrm>
+          <a:prstGeom prst="rect">
+            <a:avLst/>
+          </a:prstGeom>
         </p:spPr>
       </p:pic>
       <p:sp>
         <p:nvSpPr>
-          <p:cNvPr id="3" name="Titel 2"/>
-          <p:cNvSpPr>
-            <a:spLocks noGrp="1"/>
-          </p:cNvSpPr>
-          <p:nvPr>
-            <p:ph type="ctrTitle"/>
-          </p:nvPr>
-        </p:nvSpPr>
-        <p:spPr/>
-        <p:txBody>
-          <a:bodyPr/>
-          <a:lstStyle/>
-          <a:p>
-            <a:r>
-              <a:rPr lang="de-DE" dirty="0"/>
-              <a:t>Prototyp</a:t>
-            </a:r>
-          </a:p>
-        </p:txBody>
-      </p:sp>
-      <p:sp>
-        <p:nvSpPr>
-          <p:cNvPr id="5" name="Rectangle 4">
-            <a:hlinkClick r:id="rId3" action="ppaction://hlinksldjump"/>
-          </p:cNvPr>
-          <p:cNvSpPr/>
+          <p:cNvPr id="7" name="TextBox 6"/>
+          <p:cNvSpPr txBox="1"/>
           <p:nvPr/>
         </p:nvSpPr>
         <p:spPr>
           <a:xfrm>
-            <a:off x="3340359" y="4292082"/>
-            <a:ext cx="671804" cy="233265"/>
+            <a:off x="4135582" y="3415145"/>
+            <a:ext cx="1454727" cy="307777"/>
           </a:xfrm>
           <a:prstGeom prst="rect">
             <a:avLst/>
           </a:prstGeom>
           <a:noFill/>
+        </p:spPr>
+        <p:txBody>
+          <a:bodyPr wrap="square" rtlCol="0">
+            <a:spAutoFit/>
+          </a:bodyPr>
+          <a:lstStyle/>
+          <a:p>
+            <a:r>
+              <a:rPr lang="en-GB" sz="1400" dirty="0"/>
+              <a:t>Rada456</a:t>
+            </a:r>
+          </a:p>
+        </p:txBody>
+      </p:sp>
+      <p:sp>
+        <p:nvSpPr>
+          <p:cNvPr id="8" name="TextBox 7"/>
+          <p:cNvSpPr txBox="1"/>
+          <p:nvPr/>
+        </p:nvSpPr>
+        <p:spPr>
+          <a:xfrm>
+            <a:off x="4135582" y="3657600"/>
+            <a:ext cx="1454727" cy="307777"/>
+          </a:xfrm>
+          <a:prstGeom prst="rect">
+            <a:avLst/>
+          </a:prstGeom>
+          <a:noFill/>
+        </p:spPr>
+        <p:txBody>
+          <a:bodyPr wrap="square" rtlCol="0">
+            <a:spAutoFit/>
+          </a:bodyPr>
+          <a:lstStyle/>
+          <a:p>
+            <a:r>
+              <a:rPr lang="en-GB" sz="1400" dirty="0"/>
+              <a:t>*************</a:t>
+            </a:r>
+          </a:p>
+        </p:txBody>
+      </p:sp>
+      <p:sp>
+        <p:nvSpPr>
+          <p:cNvPr id="9" name="Rectangle 8">
+            <a:hlinkClick r:id="rId3" action="ppaction://hlinksldjump"/>
+          </p:cNvPr>
+          <p:cNvSpPr/>
+          <p:nvPr/>
+        </p:nvSpPr>
+        <p:spPr>
+          <a:xfrm>
+            <a:off x="2653146" y="4225636"/>
+            <a:ext cx="1309256" cy="381000"/>
+          </a:xfrm>
+          <a:prstGeom prst="rect">
+            <a:avLst/>
+          </a:prstGeom>
+          <a:noFill/>
+          <a:ln>
+            <a:noFill/>
+          </a:ln>
         </p:spPr>
         <p:style>
           <a:lnRef idx="1">
@@ -8129,7 +8189,7 @@
           <a:lstStyle/>
           <a:p>
             <a:pPr algn="ctr"/>
-            <a:endParaRPr lang="en-GB"/>
+            <a:endParaRPr lang="en-GB" dirty="0"/>
           </a:p>
         </p:txBody>
       </p:sp>
@@ -8143,6 +8203,130 @@
   <p:clrMapOvr>
     <a:masterClrMapping/>
   </p:clrMapOvr>
+  <p:timing>
+    <p:tnLst>
+      <p:par>
+        <p:cTn id="1" dur="indefinite" restart="never" nodeType="tmRoot">
+          <p:childTnLst>
+            <p:seq concurrent="1" nextAc="seek">
+              <p:cTn id="2" dur="indefinite" nodeType="mainSeq">
+                <p:childTnLst>
+                  <p:par>
+                    <p:cTn id="3" fill="hold">
+                      <p:stCondLst>
+                        <p:cond delay="indefinite"/>
+                      </p:stCondLst>
+                      <p:childTnLst>
+                        <p:par>
+                          <p:cTn id="4" fill="hold">
+                            <p:stCondLst>
+                              <p:cond delay="0"/>
+                            </p:stCondLst>
+                            <p:childTnLst>
+                              <p:par>
+                                <p:cTn id="5" presetID="1" presetClass="entr" presetSubtype="0" fill="hold" grpId="0" nodeType="clickEffect">
+                                  <p:stCondLst>
+                                    <p:cond delay="0"/>
+                                  </p:stCondLst>
+                                  <p:childTnLst>
+                                    <p:set>
+                                      <p:cBhvr>
+                                        <p:cTn id="6" dur="1" fill="hold">
+                                          <p:stCondLst>
+                                            <p:cond delay="0"/>
+                                          </p:stCondLst>
+                                        </p:cTn>
+                                        <p:tgtEl>
+                                          <p:spTgt spid="7"/>
+                                        </p:tgtEl>
+                                        <p:attrNameLst>
+                                          <p:attrName>style.visibility</p:attrName>
+                                        </p:attrNameLst>
+                                      </p:cBhvr>
+                                      <p:to>
+                                        <p:strVal val="visible"/>
+                                      </p:to>
+                                    </p:set>
+                                  </p:childTnLst>
+                                </p:cTn>
+                              </p:par>
+                            </p:childTnLst>
+                          </p:cTn>
+                        </p:par>
+                      </p:childTnLst>
+                    </p:cTn>
+                  </p:par>
+                  <p:par>
+                    <p:cTn id="7" fill="hold">
+                      <p:stCondLst>
+                        <p:cond delay="indefinite"/>
+                      </p:stCondLst>
+                      <p:childTnLst>
+                        <p:par>
+                          <p:cTn id="8" fill="hold">
+                            <p:stCondLst>
+                              <p:cond delay="0"/>
+                            </p:stCondLst>
+                            <p:childTnLst>
+                              <p:par>
+                                <p:cTn id="9" presetID="1" presetClass="entr" presetSubtype="0" fill="hold" grpId="0" nodeType="clickEffect">
+                                  <p:stCondLst>
+                                    <p:cond delay="0"/>
+                                  </p:stCondLst>
+                                  <p:childTnLst>
+                                    <p:set>
+                                      <p:cBhvr>
+                                        <p:cTn id="10" dur="1" fill="hold">
+                                          <p:stCondLst>
+                                            <p:cond delay="0"/>
+                                          </p:stCondLst>
+                                        </p:cTn>
+                                        <p:tgtEl>
+                                          <p:spTgt spid="8"/>
+                                        </p:tgtEl>
+                                        <p:attrNameLst>
+                                          <p:attrName>style.visibility</p:attrName>
+                                        </p:attrNameLst>
+                                      </p:cBhvr>
+                                      <p:to>
+                                        <p:strVal val="visible"/>
+                                      </p:to>
+                                    </p:set>
+                                  </p:childTnLst>
+                                </p:cTn>
+                              </p:par>
+                            </p:childTnLst>
+                          </p:cTn>
+                        </p:par>
+                      </p:childTnLst>
+                    </p:cTn>
+                  </p:par>
+                </p:childTnLst>
+              </p:cTn>
+              <p:prevCondLst>
+                <p:cond evt="onPrev" delay="0">
+                  <p:tgtEl>
+                    <p:sldTgt/>
+                  </p:tgtEl>
+                </p:cond>
+              </p:prevCondLst>
+              <p:nextCondLst>
+                <p:cond evt="onNext" delay="0">
+                  <p:tgtEl>
+                    <p:sldTgt/>
+                  </p:tgtEl>
+                </p:cond>
+              </p:nextCondLst>
+            </p:seq>
+          </p:childTnLst>
+        </p:cTn>
+      </p:par>
+    </p:tnLst>
+    <p:bldLst>
+      <p:bldP spid="7" grpId="0"/>
+      <p:bldP spid="8" grpId="0"/>
+    </p:bldLst>
+  </p:timing>
 </p:sld>
 </file>
 
@@ -8163,32 +8347,28 @@
           <a:chExt cx="0" cy="0"/>
         </a:xfrm>
       </p:grpSpPr>
-      <p:pic>
-        <p:nvPicPr>
-          <p:cNvPr id="4" name="Content Placeholder 3"/>
-          <p:cNvPicPr>
-            <a:picLocks noGrp="1" noChangeAspect="1"/>
-          </p:cNvPicPr>
+      <p:sp>
+        <p:nvSpPr>
+          <p:cNvPr id="2" name="Inhaltsplatzhalter 1"/>
+          <p:cNvSpPr>
+            <a:spLocks noGrp="1"/>
+          </p:cNvSpPr>
           <p:nvPr>
             <p:ph sz="half" idx="1"/>
           </p:nvPr>
-        </p:nvPicPr>
-        <p:blipFill>
-          <a:blip r:embed="rId2"/>
-          <a:stretch>
-            <a:fillRect/>
-          </a:stretch>
-        </p:blipFill>
-        <p:spPr>
-          <a:xfrm>
-            <a:off x="828560" y="1126764"/>
-            <a:ext cx="7378879" cy="4843760"/>
-          </a:xfrm>
-        </p:spPr>
-      </p:pic>
-      <p:sp>
-        <p:nvSpPr>
-          <p:cNvPr id="3" name="Title 2"/>
+        </p:nvSpPr>
+        <p:spPr/>
+        <p:txBody>
+          <a:bodyPr/>
+          <a:lstStyle/>
+          <a:p>
+            <a:endParaRPr lang="de-DE" dirty="0"/>
+          </a:p>
+        </p:txBody>
+      </p:sp>
+      <p:sp>
+        <p:nvSpPr>
+          <p:cNvPr id="3" name="Titel 2"/>
           <p:cNvSpPr>
             <a:spLocks noGrp="1"/>
           </p:cNvSpPr>
@@ -8202,58 +8382,23 @@
           <a:lstStyle/>
           <a:p>
             <a:r>
-              <a:rPr lang="en-GB" dirty="0" err="1"/>
-              <a:t>Prototyp</a:t>
-            </a:r>
-            <a:endParaRPr lang="en-GB" dirty="0"/>
-          </a:p>
-        </p:txBody>
-      </p:sp>
-      <p:sp>
-        <p:nvSpPr>
-          <p:cNvPr id="5" name="Rectangle 4">
-            <a:hlinkClick r:id="rId3" action="ppaction://hlinksldjump"/>
-          </p:cNvPr>
-          <p:cNvSpPr/>
-          <p:nvPr/>
-        </p:nvSpPr>
-        <p:spPr>
-          <a:xfrm>
-            <a:off x="6438122" y="3107094"/>
-            <a:ext cx="541176" cy="223935"/>
-          </a:xfrm>
-          <a:prstGeom prst="rect">
-            <a:avLst/>
-          </a:prstGeom>
-          <a:noFill/>
-        </p:spPr>
-        <p:style>
-          <a:lnRef idx="1">
-            <a:schemeClr val="accent1"/>
-          </a:lnRef>
-          <a:fillRef idx="3">
-            <a:schemeClr val="accent1"/>
-          </a:fillRef>
-          <a:effectRef idx="2">
-            <a:schemeClr val="accent1"/>
-          </a:effectRef>
-          <a:fontRef idx="minor">
-            <a:schemeClr val="lt1"/>
-          </a:fontRef>
-        </p:style>
-        <p:txBody>
-          <a:bodyPr rtlCol="0" anchor="ctr"/>
-          <a:lstStyle/>
-          <a:p>
-            <a:pPr algn="ctr"/>
-            <a:endParaRPr lang="en-GB"/>
+              <a:rPr lang="de-CH" dirty="0"/>
+              <a:t>Validation</a:t>
+            </a:r>
+            <a:br>
+              <a:rPr lang="de-CH" dirty="0"/>
+            </a:br>
+            <a:br>
+              <a:rPr lang="de-CH" dirty="0"/>
+            </a:br>
+            <a:endParaRPr lang="de-DE" dirty="0"/>
           </a:p>
         </p:txBody>
       </p:sp>
     </p:spTree>
     <p:extLst>
       <p:ext uri="{BB962C8B-B14F-4D97-AF65-F5344CB8AC3E}">
-        <p14:creationId xmlns:p14="http://schemas.microsoft.com/office/powerpoint/2010/main" val="2022345022"/>
+        <p14:creationId xmlns:p14="http://schemas.microsoft.com/office/powerpoint/2010/main" val="904193018"/>
       </p:ext>
     </p:extLst>
   </p:cSld>
@@ -8280,32 +8425,9 @@
           <a:chExt cx="0" cy="0"/>
         </a:xfrm>
       </p:grpSpPr>
-      <p:pic>
-        <p:nvPicPr>
-          <p:cNvPr id="4" name="Content Placeholder 3"/>
-          <p:cNvPicPr>
-            <a:picLocks noGrp="1" noChangeAspect="1"/>
-          </p:cNvPicPr>
-          <p:nvPr>
-            <p:ph sz="half" idx="1"/>
-          </p:nvPr>
-        </p:nvPicPr>
-        <p:blipFill>
-          <a:blip r:embed="rId2"/>
-          <a:stretch>
-            <a:fillRect/>
-          </a:stretch>
-        </p:blipFill>
-        <p:spPr>
-          <a:xfrm>
-            <a:off x="597371" y="1053745"/>
-            <a:ext cx="7841258" cy="5066068"/>
-          </a:xfrm>
-        </p:spPr>
-      </p:pic>
-      <p:sp>
-        <p:nvSpPr>
-          <p:cNvPr id="3" name="Title 2"/>
+      <p:sp>
+        <p:nvSpPr>
+          <p:cNvPr id="7" name="Titel 6"/>
           <p:cNvSpPr>
             <a:spLocks noGrp="1"/>
           </p:cNvSpPr>
@@ -8319,140 +8441,20 @@
           <a:lstStyle/>
           <a:p>
             <a:r>
-              <a:rPr lang="en-GB" dirty="0" err="1"/>
-              <a:t>Prototyp</a:t>
-            </a:r>
-            <a:endParaRPr lang="en-GB" dirty="0"/>
-          </a:p>
-        </p:txBody>
-      </p:sp>
-      <p:sp>
-        <p:nvSpPr>
-          <p:cNvPr id="5" name="Rectangle 4">
-            <a:hlinkClick r:id="rId3" action="ppaction://hlinksldjump"/>
-          </p:cNvPr>
-          <p:cNvSpPr/>
-          <p:nvPr/>
-        </p:nvSpPr>
-        <p:spPr>
-          <a:xfrm>
-            <a:off x="5598367" y="2248678"/>
-            <a:ext cx="718457" cy="186612"/>
-          </a:xfrm>
-          <a:prstGeom prst="rect">
-            <a:avLst/>
-          </a:prstGeom>
-          <a:noFill/>
-        </p:spPr>
-        <p:style>
-          <a:lnRef idx="1">
-            <a:schemeClr val="accent1"/>
-          </a:lnRef>
-          <a:fillRef idx="3">
-            <a:schemeClr val="accent1"/>
-          </a:fillRef>
-          <a:effectRef idx="2">
-            <a:schemeClr val="accent1"/>
-          </a:effectRef>
-          <a:fontRef idx="minor">
-            <a:schemeClr val="lt1"/>
-          </a:fontRef>
-        </p:style>
-        <p:txBody>
-          <a:bodyPr rtlCol="0" anchor="ctr"/>
-          <a:lstStyle/>
-          <a:p>
-            <a:pPr algn="ctr"/>
-            <a:endParaRPr lang="en-GB"/>
-          </a:p>
-        </p:txBody>
-      </p:sp>
-      <p:sp>
-        <p:nvSpPr>
-          <p:cNvPr id="6" name="Rectangle 5">
-            <a:hlinkClick r:id="rId4" action="ppaction://hlinksldjump"/>
-          </p:cNvPr>
-          <p:cNvSpPr/>
-          <p:nvPr/>
-        </p:nvSpPr>
-        <p:spPr>
-          <a:xfrm>
-            <a:off x="5598366" y="3400167"/>
-            <a:ext cx="718457" cy="186612"/>
-          </a:xfrm>
-          <a:prstGeom prst="rect">
-            <a:avLst/>
-          </a:prstGeom>
-          <a:noFill/>
-        </p:spPr>
-        <p:style>
-          <a:lnRef idx="1">
-            <a:schemeClr val="accent1"/>
-          </a:lnRef>
-          <a:fillRef idx="3">
-            <a:schemeClr val="accent1"/>
-          </a:fillRef>
-          <a:effectRef idx="2">
-            <a:schemeClr val="accent1"/>
-          </a:effectRef>
-          <a:fontRef idx="minor">
-            <a:schemeClr val="lt1"/>
-          </a:fontRef>
-        </p:style>
-        <p:txBody>
-          <a:bodyPr rtlCol="0" anchor="ctr"/>
-          <a:lstStyle/>
-          <a:p>
-            <a:pPr algn="ctr"/>
-            <a:endParaRPr lang="en-GB"/>
-          </a:p>
-        </p:txBody>
-      </p:sp>
-      <p:sp>
-        <p:nvSpPr>
-          <p:cNvPr id="7" name="Rectangle 6">
-            <a:hlinkClick r:id="rId5" action="ppaction://hlinksldjump"/>
-          </p:cNvPr>
-          <p:cNvSpPr/>
-          <p:nvPr/>
-        </p:nvSpPr>
-        <p:spPr>
-          <a:xfrm>
-            <a:off x="5598365" y="4551656"/>
-            <a:ext cx="718457" cy="186612"/>
-          </a:xfrm>
-          <a:prstGeom prst="rect">
-            <a:avLst/>
-          </a:prstGeom>
-          <a:noFill/>
-        </p:spPr>
-        <p:style>
-          <a:lnRef idx="1">
-            <a:schemeClr val="accent1"/>
-          </a:lnRef>
-          <a:fillRef idx="3">
-            <a:schemeClr val="accent1"/>
-          </a:fillRef>
-          <a:effectRef idx="2">
-            <a:schemeClr val="accent1"/>
-          </a:effectRef>
-          <a:fontRef idx="minor">
-            <a:schemeClr val="lt1"/>
-          </a:fontRef>
-        </p:style>
-        <p:txBody>
-          <a:bodyPr rtlCol="0" anchor="ctr"/>
-          <a:lstStyle/>
-          <a:p>
-            <a:pPr algn="ctr"/>
-            <a:endParaRPr lang="en-GB"/>
+              <a:rPr lang="de-DE" dirty="0"/>
+              <a:t>Danke für Ihre Aufmerksamkeit.</a:t>
+            </a:r>
+            <a:br>
+              <a:rPr lang="de-DE" dirty="0"/>
+            </a:br>
+            <a:endParaRPr lang="de-DE" dirty="0"/>
           </a:p>
         </p:txBody>
       </p:sp>
     </p:spTree>
     <p:extLst>
       <p:ext uri="{BB962C8B-B14F-4D97-AF65-F5344CB8AC3E}">
-        <p14:creationId xmlns:p14="http://schemas.microsoft.com/office/powerpoint/2010/main" val="1881299487"/>
+        <p14:creationId xmlns:p14="http://schemas.microsoft.com/office/powerpoint/2010/main" val="1453298477"/>
       </p:ext>
     </p:extLst>
   </p:cSld>
@@ -8479,32 +8481,28 @@
           <a:chExt cx="0" cy="0"/>
         </a:xfrm>
       </p:grpSpPr>
-      <p:pic>
-        <p:nvPicPr>
-          <p:cNvPr id="4" name="Content Placeholder 3"/>
-          <p:cNvPicPr>
-            <a:picLocks noGrp="1" noChangeAspect="1"/>
-          </p:cNvPicPr>
+      <p:sp>
+        <p:nvSpPr>
+          <p:cNvPr id="5" name="Content Placeholder 4"/>
+          <p:cNvSpPr>
+            <a:spLocks noGrp="1"/>
+          </p:cNvSpPr>
           <p:nvPr>
             <p:ph sz="half" idx="1"/>
           </p:nvPr>
-        </p:nvPicPr>
-        <p:blipFill>
-          <a:blip r:embed="rId2"/>
-          <a:stretch>
-            <a:fillRect/>
-          </a:stretch>
-        </p:blipFill>
-        <p:spPr>
-          <a:xfrm>
-            <a:off x="759542" y="1253754"/>
-            <a:ext cx="7516916" cy="4866059"/>
-          </a:xfrm>
-        </p:spPr>
-      </p:pic>
-      <p:sp>
-        <p:nvSpPr>
-          <p:cNvPr id="3" name="Title 2"/>
+        </p:nvSpPr>
+        <p:spPr/>
+        <p:txBody>
+          <a:bodyPr/>
+          <a:lstStyle/>
+          <a:p>
+            <a:endParaRPr lang="en-GB"/>
+          </a:p>
+        </p:txBody>
+      </p:sp>
+      <p:sp>
+        <p:nvSpPr>
+          <p:cNvPr id="4" name="Title 3"/>
           <p:cNvSpPr>
             <a:spLocks noGrp="1"/>
           </p:cNvSpPr>
@@ -8518,49 +8516,16 @@
           <a:lstStyle/>
           <a:p>
             <a:r>
-              <a:rPr lang="en-GB" dirty="0" err="1"/>
-              <a:t>Prototyp</a:t>
-            </a:r>
-            <a:endParaRPr lang="en-GB" dirty="0"/>
-          </a:p>
-        </p:txBody>
-      </p:sp>
-      <p:sp>
-        <p:nvSpPr>
-          <p:cNvPr id="5" name="TextBox 4">
-            <a:hlinkClick r:id="rId3" action="ppaction://hlinksldjump"/>
-          </p:cNvPr>
-          <p:cNvSpPr txBox="1"/>
-          <p:nvPr/>
-        </p:nvSpPr>
-        <p:spPr>
-          <a:xfrm>
-            <a:off x="6774025" y="5495731"/>
-            <a:ext cx="690466" cy="261610"/>
-          </a:xfrm>
-          <a:prstGeom prst="rect">
-            <a:avLst/>
-          </a:prstGeom>
-          <a:noFill/>
-        </p:spPr>
-        <p:txBody>
-          <a:bodyPr wrap="square" rtlCol="0">
-            <a:spAutoFit/>
-          </a:bodyPr>
-          <a:lstStyle/>
-          <a:p>
-            <a:r>
-              <a:rPr lang="en-GB" sz="1100" dirty="0" err="1"/>
-              <a:t>zurück</a:t>
-            </a:r>
-            <a:endParaRPr lang="en-GB" sz="1100" dirty="0"/>
+              <a:rPr lang="en-GB" dirty="0"/>
+              <a:t>Spare Slide</a:t>
+            </a:r>
           </a:p>
         </p:txBody>
       </p:sp>
     </p:spTree>
     <p:extLst>
       <p:ext uri="{BB962C8B-B14F-4D97-AF65-F5344CB8AC3E}">
-        <p14:creationId xmlns:p14="http://schemas.microsoft.com/office/powerpoint/2010/main" val="3685747844"/>
+        <p14:creationId xmlns:p14="http://schemas.microsoft.com/office/powerpoint/2010/main" val="1082891075"/>
       </p:ext>
     </p:extLst>
   </p:cSld>
@@ -8587,15 +8552,35 @@
           <a:chExt cx="0" cy="0"/>
         </a:xfrm>
       </p:grpSpPr>
+      <p:sp>
+        <p:nvSpPr>
+          <p:cNvPr id="3" name="Titel 2"/>
+          <p:cNvSpPr>
+            <a:spLocks noGrp="1"/>
+          </p:cNvSpPr>
+          <p:nvPr>
+            <p:ph type="ctrTitle"/>
+          </p:nvPr>
+        </p:nvSpPr>
+        <p:spPr/>
+        <p:txBody>
+          <a:bodyPr/>
+          <a:lstStyle/>
+          <a:p>
+            <a:r>
+              <a:rPr lang="de-DE" dirty="0"/>
+              <a:t>Prototyp</a:t>
+            </a:r>
+          </a:p>
+        </p:txBody>
+      </p:sp>
       <p:pic>
         <p:nvPicPr>
-          <p:cNvPr id="4" name="Content Placeholder 3"/>
+          <p:cNvPr id="2" name="Picture 1"/>
           <p:cNvPicPr>
-            <a:picLocks noGrp="1" noChangeAspect="1"/>
+            <a:picLocks noChangeAspect="1"/>
           </p:cNvPicPr>
-          <p:nvPr>
-            <p:ph sz="half" idx="1"/>
-          </p:nvPr>
+          <p:nvPr/>
         </p:nvPicPr>
         <p:blipFill>
           <a:blip r:embed="rId2"/>
@@ -8605,70 +8590,106 @@
         </p:blipFill>
         <p:spPr>
           <a:xfrm>
-            <a:off x="625931" y="1176647"/>
-            <a:ext cx="7784138" cy="5017811"/>
+            <a:off x="468000" y="916246"/>
+            <a:ext cx="7849280" cy="5288738"/>
           </a:xfrm>
+          <a:prstGeom prst="rect">
+            <a:avLst/>
+          </a:prstGeom>
         </p:spPr>
       </p:pic>
       <p:sp>
         <p:nvSpPr>
-          <p:cNvPr id="3" name="Title 2"/>
-          <p:cNvSpPr>
-            <a:spLocks noGrp="1"/>
-          </p:cNvSpPr>
-          <p:nvPr>
-            <p:ph type="ctrTitle"/>
-          </p:nvPr>
-        </p:nvSpPr>
-        <p:spPr/>
-        <p:txBody>
-          <a:bodyPr/>
-          <a:lstStyle/>
-          <a:p>
-            <a:r>
-              <a:rPr lang="en-GB" dirty="0" err="1"/>
-              <a:t>Prototyp</a:t>
-            </a:r>
-            <a:endParaRPr lang="en-GB" dirty="0"/>
-          </a:p>
-        </p:txBody>
-      </p:sp>
-      <p:sp>
-        <p:nvSpPr>
-          <p:cNvPr id="5" name="TextBox 4">
+          <p:cNvPr id="4" name="Rectangle 3">
             <a:hlinkClick r:id="rId3" action="ppaction://hlinksldjump"/>
           </p:cNvPr>
-          <p:cNvSpPr txBox="1"/>
+          <p:cNvSpPr/>
           <p:nvPr/>
         </p:nvSpPr>
         <p:spPr>
           <a:xfrm>
-            <a:off x="6774025" y="5495731"/>
-            <a:ext cx="690466" cy="261610"/>
+            <a:off x="6276109" y="2999509"/>
+            <a:ext cx="1219202" cy="381000"/>
           </a:xfrm>
           <a:prstGeom prst="rect">
             <a:avLst/>
           </a:prstGeom>
           <a:noFill/>
+          <a:ln>
+            <a:noFill/>
+          </a:ln>
         </p:spPr>
-        <p:txBody>
-          <a:bodyPr wrap="square" rtlCol="0">
-            <a:spAutoFit/>
-          </a:bodyPr>
+        <p:style>
+          <a:lnRef idx="1">
+            <a:schemeClr val="accent1"/>
+          </a:lnRef>
+          <a:fillRef idx="3">
+            <a:schemeClr val="accent1"/>
+          </a:fillRef>
+          <a:effectRef idx="2">
+            <a:schemeClr val="accent1"/>
+          </a:effectRef>
+          <a:fontRef idx="minor">
+            <a:schemeClr val="lt1"/>
+          </a:fontRef>
+        </p:style>
+        <p:txBody>
+          <a:bodyPr rtlCol="0" anchor="ctr"/>
           <a:lstStyle/>
           <a:p>
-            <a:r>
-              <a:rPr lang="en-GB" sz="1100" dirty="0" err="1"/>
-              <a:t>zurück</a:t>
-            </a:r>
-            <a:endParaRPr lang="en-GB" sz="1100" dirty="0"/>
+            <a:pPr algn="ctr"/>
+            <a:endParaRPr lang="en-GB" dirty="0"/>
+          </a:p>
+        </p:txBody>
+      </p:sp>
+      <p:sp>
+        <p:nvSpPr>
+          <p:cNvPr id="5" name="Rectangle 4">
+            <a:hlinkClick r:id="rId4" action="ppaction://hlinksldjump"/>
+          </p:cNvPr>
+          <p:cNvSpPr/>
+          <p:nvPr/>
+        </p:nvSpPr>
+        <p:spPr>
+          <a:xfrm>
+            <a:off x="6733309" y="1420090"/>
+            <a:ext cx="699653" cy="256309"/>
+          </a:xfrm>
+          <a:prstGeom prst="rect">
+            <a:avLst/>
+          </a:prstGeom>
+          <a:noFill/>
+          <a:ln>
+            <a:noFill/>
+          </a:ln>
+        </p:spPr>
+        <p:style>
+          <a:lnRef idx="1">
+            <a:schemeClr val="accent1"/>
+          </a:lnRef>
+          <a:fillRef idx="3">
+            <a:schemeClr val="accent1"/>
+          </a:fillRef>
+          <a:effectRef idx="2">
+            <a:schemeClr val="accent1"/>
+          </a:effectRef>
+          <a:fontRef idx="minor">
+            <a:schemeClr val="lt1"/>
+          </a:fontRef>
+        </p:style>
+        <p:txBody>
+          <a:bodyPr rtlCol="0" anchor="ctr"/>
+          <a:lstStyle/>
+          <a:p>
+            <a:pPr algn="ctr"/>
+            <a:endParaRPr lang="en-GB" dirty="0"/>
           </a:p>
         </p:txBody>
       </p:sp>
     </p:spTree>
     <p:extLst>
       <p:ext uri="{BB962C8B-B14F-4D97-AF65-F5344CB8AC3E}">
-        <p14:creationId xmlns:p14="http://schemas.microsoft.com/office/powerpoint/2010/main" val="3596287467"/>
+        <p14:creationId xmlns:p14="http://schemas.microsoft.com/office/powerpoint/2010/main" val="1571725951"/>
       </p:ext>
     </p:extLst>
   </p:cSld>
@@ -8695,15 +8716,35 @@
           <a:chExt cx="0" cy="0"/>
         </a:xfrm>
       </p:grpSpPr>
+      <p:sp>
+        <p:nvSpPr>
+          <p:cNvPr id="3" name="Titel 2"/>
+          <p:cNvSpPr>
+            <a:spLocks noGrp="1"/>
+          </p:cNvSpPr>
+          <p:nvPr>
+            <p:ph type="ctrTitle"/>
+          </p:nvPr>
+        </p:nvSpPr>
+        <p:spPr/>
+        <p:txBody>
+          <a:bodyPr/>
+          <a:lstStyle/>
+          <a:p>
+            <a:r>
+              <a:rPr lang="de-DE" dirty="0"/>
+              <a:t>Prototyp</a:t>
+            </a:r>
+          </a:p>
+        </p:txBody>
+      </p:sp>
       <p:pic>
         <p:nvPicPr>
-          <p:cNvPr id="4" name="Content Placeholder 3"/>
+          <p:cNvPr id="2" name="Picture 1"/>
           <p:cNvPicPr>
-            <a:picLocks noGrp="1" noChangeAspect="1"/>
+            <a:picLocks noChangeAspect="1"/>
           </p:cNvPicPr>
-          <p:nvPr>
-            <p:ph sz="half" idx="1"/>
-          </p:nvPr>
+          <p:nvPr/>
         </p:nvPicPr>
         <p:blipFill>
           <a:blip r:embed="rId2"/>
@@ -8713,204 +8754,62 @@
         </p:blipFill>
         <p:spPr>
           <a:xfrm>
-            <a:off x="839085" y="1166327"/>
-            <a:ext cx="7357830" cy="4888172"/>
+            <a:off x="468000" y="913854"/>
+            <a:ext cx="7902625" cy="5273497"/>
           </a:xfrm>
+          <a:prstGeom prst="rect">
+            <a:avLst/>
+          </a:prstGeom>
         </p:spPr>
       </p:pic>
       <p:sp>
         <p:nvSpPr>
-          <p:cNvPr id="3" name="Title 2"/>
-          <p:cNvSpPr>
-            <a:spLocks noGrp="1"/>
-          </p:cNvSpPr>
-          <p:nvPr>
-            <p:ph type="ctrTitle"/>
-          </p:nvPr>
-        </p:nvSpPr>
-        <p:spPr/>
-        <p:txBody>
-          <a:bodyPr/>
-          <a:lstStyle/>
-          <a:p>
-            <a:r>
-              <a:rPr lang="en-GB" dirty="0" err="1"/>
-              <a:t>Prototyp</a:t>
-            </a:r>
-            <a:endParaRPr lang="en-GB" dirty="0"/>
-          </a:p>
-        </p:txBody>
-      </p:sp>
-      <p:sp>
-        <p:nvSpPr>
-          <p:cNvPr id="5" name="TextBox 4">
+          <p:cNvPr id="4" name="Rectangle 3">
             <a:hlinkClick r:id="rId3" action="ppaction://hlinksldjump"/>
           </p:cNvPr>
-          <p:cNvSpPr txBox="1"/>
+          <p:cNvSpPr/>
           <p:nvPr/>
         </p:nvSpPr>
         <p:spPr>
           <a:xfrm>
-            <a:off x="6662058" y="5364926"/>
-            <a:ext cx="690466" cy="261610"/>
+            <a:off x="5763490" y="1295400"/>
+            <a:ext cx="1530927" cy="381000"/>
           </a:xfrm>
           <a:prstGeom prst="rect">
             <a:avLst/>
           </a:prstGeom>
           <a:noFill/>
+          <a:ln>
+            <a:noFill/>
+          </a:ln>
         </p:spPr>
-        <p:txBody>
-          <a:bodyPr wrap="square" rtlCol="0">
-            <a:spAutoFit/>
-          </a:bodyPr>
+        <p:style>
+          <a:lnRef idx="1">
+            <a:schemeClr val="accent1"/>
+          </a:lnRef>
+          <a:fillRef idx="3">
+            <a:schemeClr val="accent1"/>
+          </a:fillRef>
+          <a:effectRef idx="2">
+            <a:schemeClr val="accent1"/>
+          </a:effectRef>
+          <a:fontRef idx="minor">
+            <a:schemeClr val="lt1"/>
+          </a:fontRef>
+        </p:style>
+        <p:txBody>
+          <a:bodyPr rtlCol="0" anchor="ctr"/>
           <a:lstStyle/>
           <a:p>
-            <a:r>
-              <a:rPr lang="en-GB" sz="1100" dirty="0" err="1"/>
-              <a:t>zurück</a:t>
-            </a:r>
-            <a:endParaRPr lang="en-GB" sz="1100" dirty="0"/>
+            <a:pPr algn="ctr"/>
+            <a:endParaRPr lang="en-GB" dirty="0"/>
           </a:p>
         </p:txBody>
       </p:sp>
     </p:spTree>
     <p:extLst>
       <p:ext uri="{BB962C8B-B14F-4D97-AF65-F5344CB8AC3E}">
-        <p14:creationId xmlns:p14="http://schemas.microsoft.com/office/powerpoint/2010/main" val="3652327836"/>
-      </p:ext>
-    </p:extLst>
-  </p:cSld>
-  <p:clrMapOvr>
-    <a:masterClrMapping/>
-  </p:clrMapOvr>
-</p:sld>
-</file>
-
-<file path=ppt/slides/slide28.xml><?xml version="1.0" encoding="utf-8"?>
-<p:sld xmlns:a="http://schemas.openxmlformats.org/drawingml/2006/main" xmlns:r="http://schemas.openxmlformats.org/officeDocument/2006/relationships" xmlns:p="http://schemas.openxmlformats.org/presentationml/2006/main">
-  <p:cSld>
-    <p:spTree>
-      <p:nvGrpSpPr>
-        <p:cNvPr id="1" name=""/>
-        <p:cNvGrpSpPr/>
-        <p:nvPr/>
-      </p:nvGrpSpPr>
-      <p:grpSpPr>
-        <a:xfrm>
-          <a:off x="0" y="0"/>
-          <a:ext cx="0" cy="0"/>
-          <a:chOff x="0" y="0"/>
-          <a:chExt cx="0" cy="0"/>
-        </a:xfrm>
-      </p:grpSpPr>
-      <p:sp>
-        <p:nvSpPr>
-          <p:cNvPr id="2" name="Inhaltsplatzhalter 1"/>
-          <p:cNvSpPr>
-            <a:spLocks noGrp="1"/>
-          </p:cNvSpPr>
-          <p:nvPr>
-            <p:ph sz="half" idx="1"/>
-          </p:nvPr>
-        </p:nvSpPr>
-        <p:spPr/>
-        <p:txBody>
-          <a:bodyPr/>
-          <a:lstStyle/>
-          <a:p>
-            <a:endParaRPr lang="de-DE" dirty="0"/>
-          </a:p>
-        </p:txBody>
-      </p:sp>
-      <p:sp>
-        <p:nvSpPr>
-          <p:cNvPr id="3" name="Titel 2"/>
-          <p:cNvSpPr>
-            <a:spLocks noGrp="1"/>
-          </p:cNvSpPr>
-          <p:nvPr>
-            <p:ph type="ctrTitle"/>
-          </p:nvPr>
-        </p:nvSpPr>
-        <p:spPr/>
-        <p:txBody>
-          <a:bodyPr/>
-          <a:lstStyle/>
-          <a:p>
-            <a:r>
-              <a:rPr lang="de-CH" dirty="0"/>
-              <a:t>Validation</a:t>
-            </a:r>
-            <a:br>
-              <a:rPr lang="de-CH" dirty="0"/>
-            </a:br>
-            <a:br>
-              <a:rPr lang="de-CH" dirty="0"/>
-            </a:br>
-            <a:endParaRPr lang="de-DE" dirty="0"/>
-          </a:p>
-        </p:txBody>
-      </p:sp>
-    </p:spTree>
-    <p:extLst>
-      <p:ext uri="{BB962C8B-B14F-4D97-AF65-F5344CB8AC3E}">
-        <p14:creationId xmlns:p14="http://schemas.microsoft.com/office/powerpoint/2010/main" val="904193018"/>
-      </p:ext>
-    </p:extLst>
-  </p:cSld>
-  <p:clrMapOvr>
-    <a:masterClrMapping/>
-  </p:clrMapOvr>
-</p:sld>
-</file>
-
-<file path=ppt/slides/slide29.xml><?xml version="1.0" encoding="utf-8"?>
-<p:sld xmlns:a="http://schemas.openxmlformats.org/drawingml/2006/main" xmlns:r="http://schemas.openxmlformats.org/officeDocument/2006/relationships" xmlns:p="http://schemas.openxmlformats.org/presentationml/2006/main">
-  <p:cSld>
-    <p:spTree>
-      <p:nvGrpSpPr>
-        <p:cNvPr id="1" name=""/>
-        <p:cNvGrpSpPr/>
-        <p:nvPr/>
-      </p:nvGrpSpPr>
-      <p:grpSpPr>
-        <a:xfrm>
-          <a:off x="0" y="0"/>
-          <a:ext cx="0" cy="0"/>
-          <a:chOff x="0" y="0"/>
-          <a:chExt cx="0" cy="0"/>
-        </a:xfrm>
-      </p:grpSpPr>
-      <p:sp>
-        <p:nvSpPr>
-          <p:cNvPr id="7" name="Titel 6"/>
-          <p:cNvSpPr>
-            <a:spLocks noGrp="1"/>
-          </p:cNvSpPr>
-          <p:nvPr>
-            <p:ph type="ctrTitle"/>
-          </p:nvPr>
-        </p:nvSpPr>
-        <p:spPr/>
-        <p:txBody>
-          <a:bodyPr/>
-          <a:lstStyle/>
-          <a:p>
-            <a:r>
-              <a:rPr lang="de-DE" dirty="0"/>
-              <a:t>Danke für Ihre Aufmerksamkeit.</a:t>
-            </a:r>
-            <a:br>
-              <a:rPr lang="de-DE" dirty="0"/>
-            </a:br>
-            <a:endParaRPr lang="de-DE" dirty="0"/>
-          </a:p>
-        </p:txBody>
-      </p:sp>
-    </p:spTree>
-    <p:extLst>
-      <p:ext uri="{BB962C8B-B14F-4D97-AF65-F5344CB8AC3E}">
-        <p14:creationId xmlns:p14="http://schemas.microsoft.com/office/powerpoint/2010/main" val="1453298477"/>
+        <p14:creationId xmlns:p14="http://schemas.microsoft.com/office/powerpoint/2010/main" val="3273785582"/>
       </p:ext>
     </p:extLst>
   </p:cSld>
@@ -11864,12 +11763,13 @@
 </file>
 
 <file path=customXml/item1.xml><?xml version="1.0" encoding="utf-8"?>
-<?mso-contentType ?>
-<FormTemplates xmlns="http://schemas.microsoft.com/sharepoint/v3/contenttype/forms">
-  <Display>DocumentLibraryForm</Display>
-  <Edit>DocumentLibraryForm</Edit>
-  <New>DocumentLibraryForm</New>
-</FormTemplates>
+<p:properties xmlns:p="http://schemas.microsoft.com/office/2006/metadata/properties" xmlns:xsi="http://www.w3.org/2001/XMLSchema-instance">
+  <documentManagement>
+    <Betriebsystem xmlns="238ac175-5152-443e-bf42-417a27926292">Windows/Mac</Betriebsystem>
+    <Office_x002d_Version xmlns="238ac175-5152-443e-bf42-417a27926292">Office 2010/2011</Office_x002d_Version>
+    <Kategorie xmlns="238ac175-5152-443e-bf42-417a27926292">Powerpoint</Kategorie>
+  </documentManagement>
+</p:properties>
 </file>
 
 <file path=customXml/item2.xml><?xml version="1.0" encoding="utf-8"?>
@@ -11957,19 +11857,25 @@
 </file>
 
 <file path=customXml/item3.xml><?xml version="1.0" encoding="utf-8"?>
-<p:properties xmlns:p="http://schemas.microsoft.com/office/2006/metadata/properties" xmlns:xsi="http://www.w3.org/2001/XMLSchema-instance">
-  <documentManagement>
-    <Betriebsystem xmlns="238ac175-5152-443e-bf42-417a27926292">Windows/Mac</Betriebsystem>
-    <Office_x002d_Version xmlns="238ac175-5152-443e-bf42-417a27926292">Office 2010/2011</Office_x002d_Version>
-    <Kategorie xmlns="238ac175-5152-443e-bf42-417a27926292">Powerpoint</Kategorie>
-  </documentManagement>
-</p:properties>
+<?mso-contentType ?>
+<FormTemplates xmlns="http://schemas.microsoft.com/sharepoint/v3/contenttype/forms">
+  <Display>DocumentLibraryForm</Display>
+  <Edit>DocumentLibraryForm</Edit>
+  <New>DocumentLibraryForm</New>
+</FormTemplates>
 </file>
 
 <file path=customXml/itemProps1.xml><?xml version="1.0" encoding="utf-8"?>
-<ds:datastoreItem xmlns:ds="http://schemas.openxmlformats.org/officeDocument/2006/customXml" ds:itemID="{FCD14AB6-6E58-442F-B70D-2B317664A115}">
+<ds:datastoreItem xmlns:ds="http://schemas.openxmlformats.org/officeDocument/2006/customXml" ds:itemID="{F1B07C9B-62EC-4346-AB37-FD9874CBA0EB}">
   <ds:schemaRefs>
-    <ds:schemaRef ds:uri="http://schemas.microsoft.com/sharepoint/v3/contenttype/forms"/>
+    <ds:schemaRef ds:uri="http://schemas.microsoft.com/office/2006/documentManagement/types"/>
+    <ds:schemaRef ds:uri="http://purl.org/dc/elements/1.1/"/>
+    <ds:schemaRef ds:uri="http://schemas.microsoft.com/office/2006/metadata/properties"/>
+    <ds:schemaRef ds:uri="http://purl.org/dc/terms/"/>
+    <ds:schemaRef ds:uri="238ac175-5152-443e-bf42-417a27926292"/>
+    <ds:schemaRef ds:uri="http://schemas.openxmlformats.org/package/2006/metadata/core-properties"/>
+    <ds:schemaRef ds:uri="http://www.w3.org/XML/1998/namespace"/>
+    <ds:schemaRef ds:uri="http://purl.org/dc/dcmitype/"/>
   </ds:schemaRefs>
 </ds:datastoreItem>
 </file>
@@ -11992,16 +11898,9 @@
 </file>
 
 <file path=customXml/itemProps3.xml><?xml version="1.0" encoding="utf-8"?>
-<ds:datastoreItem xmlns:ds="http://schemas.openxmlformats.org/officeDocument/2006/customXml" ds:itemID="{F1B07C9B-62EC-4346-AB37-FD9874CBA0EB}">
+<ds:datastoreItem xmlns:ds="http://schemas.openxmlformats.org/officeDocument/2006/customXml" ds:itemID="{FCD14AB6-6E58-442F-B70D-2B317664A115}">
   <ds:schemaRefs>
-    <ds:schemaRef ds:uri="http://schemas.microsoft.com/office/2006/documentManagement/types"/>
-    <ds:schemaRef ds:uri="http://purl.org/dc/elements/1.1/"/>
-    <ds:schemaRef ds:uri="http://schemas.microsoft.com/office/2006/metadata/properties"/>
-    <ds:schemaRef ds:uri="http://purl.org/dc/terms/"/>
-    <ds:schemaRef ds:uri="238ac175-5152-443e-bf42-417a27926292"/>
-    <ds:schemaRef ds:uri="http://schemas.openxmlformats.org/package/2006/metadata/core-properties"/>
-    <ds:schemaRef ds:uri="http://www.w3.org/XML/1998/namespace"/>
-    <ds:schemaRef ds:uri="http://purl.org/dc/dcmitype/"/>
+    <ds:schemaRef ds:uri="http://schemas.microsoft.com/sharepoint/v3/contenttype/forms"/>
   </ds:schemaRefs>
 </ds:datastoreItem>
 </file>
--- a/doc/CS1/Präsentation_CS1_Task_3_Blau.pptx
+++ b/doc/CS1/Präsentation_CS1_Task_3_Blau.pptx
@@ -281,7 +281,7 @@
           <a:p>
             <a:fld id="{EFA0D184-D464-48E9-9CA0-A94E873F6C2C}" type="datetimeFigureOut">
               <a:rPr lang="de-CH" smtClean="0"/>
-              <a:t>27.10.2016</a:t>
+              <a:t>28.10.2016</a:t>
             </a:fld>
             <a:endParaRPr lang="de-CH"/>
           </a:p>
@@ -347,7 +347,7 @@
           <a:p>
             <a:fld id="{5F377753-DB7C-4FA7-98FC-17681D88797A}" type="slidenum">
               <a:rPr lang="de-CH" smtClean="0"/>
-              <a:t>‹#›</a:t>
+              <a:t>‹Nr.›</a:t>
             </a:fld>
             <a:endParaRPr lang="de-CH"/>
           </a:p>
@@ -446,7 +446,7 @@
           <a:p>
             <a:fld id="{5AF2B663-2BA9-4D7E-8201-5DE4109E1EDD}" type="datetimeFigureOut">
               <a:rPr lang="de-CH" smtClean="0"/>
-              <a:t>27.10.2016</a:t>
+              <a:t>28.10.2016</a:t>
             </a:fld>
             <a:endParaRPr lang="de-CH"/>
           </a:p>
@@ -605,7 +605,7 @@
           <a:p>
             <a:fld id="{37E44704-8E6D-4CF2-8CFA-A0F7BC751896}" type="slidenum">
               <a:rPr lang="de-CH" smtClean="0"/>
-              <a:t>‹#›</a:t>
+              <a:t>‹Nr.›</a:t>
             </a:fld>
             <a:endParaRPr lang="de-CH"/>
           </a:p>
@@ -2046,7 +2046,7 @@
           <a:p>
             <a:fld id="{F19AE9A8-34D4-4E8C-BE9C-13C550F1BED0}" type="slidenum">
               <a:rPr lang="de-CH" smtClean="0"/>
-              <a:t>‹#›</a:t>
+              <a:t>‹Nr.›</a:t>
             </a:fld>
             <a:endParaRPr lang="de-CH" dirty="0"/>
           </a:p>
@@ -2099,7 +2099,7 @@
           <a:p>
             <a:fld id="{F19AE9A8-34D4-4E8C-BE9C-13C550F1BED0}" type="slidenum">
               <a:rPr lang="de-CH" smtClean="0"/>
-              <a:t>‹#›</a:t>
+              <a:t>‹Nr.›</a:t>
             </a:fld>
             <a:endParaRPr lang="de-CH" dirty="0"/>
           </a:p>
@@ -3340,7 +3340,7 @@
           <a:p>
             <a:fld id="{F19AE9A8-34D4-4E8C-BE9C-13C550F1BED0}" type="slidenum">
               <a:rPr lang="de-CH" smtClean="0"/>
-              <a:t>‹#›</a:t>
+              <a:t>‹Nr.›</a:t>
             </a:fld>
             <a:endParaRPr lang="de-CH" dirty="0"/>
           </a:p>
@@ -3728,7 +3728,7 @@
           <a:p>
             <a:fld id="{F19AE9A8-34D4-4E8C-BE9C-13C550F1BED0}" type="slidenum">
               <a:rPr lang="de-CH" smtClean="0"/>
-              <a:t>‹#›</a:t>
+              <a:t>‹Nr.›</a:t>
             </a:fld>
             <a:endParaRPr lang="de-CH" dirty="0"/>
           </a:p>
@@ -3954,7 +3954,7 @@
           <a:p>
             <a:fld id="{F19AE9A8-34D4-4E8C-BE9C-13C550F1BED0}" type="slidenum">
               <a:rPr lang="de-CH" smtClean="0"/>
-              <a:t>‹#›</a:t>
+              <a:t>‹Nr.›</a:t>
             </a:fld>
             <a:endParaRPr lang="de-CH" dirty="0"/>
           </a:p>
@@ -4254,7 +4254,7 @@
           <a:p>
             <a:fld id="{F19AE9A8-34D4-4E8C-BE9C-13C550F1BED0}" type="slidenum">
               <a:rPr lang="de-CH" smtClean="0"/>
-              <a:t>‹#›</a:t>
+              <a:t>‹Nr.›</a:t>
             </a:fld>
             <a:endParaRPr lang="de-CH" dirty="0"/>
           </a:p>
@@ -4776,7 +4776,7 @@
           <a:p>
             <a:fld id="{F19AE9A8-34D4-4E8C-BE9C-13C550F1BED0}" type="slidenum">
               <a:rPr lang="de-CH" smtClean="0"/>
-              <a:t>‹#›</a:t>
+              <a:t>‹Nr.›</a:t>
             </a:fld>
             <a:endParaRPr lang="de-CH" dirty="0"/>
           </a:p>
@@ -5298,7 +5298,7 @@
           <a:p>
             <a:fld id="{F19AE9A8-34D4-4E8C-BE9C-13C550F1BED0}" type="slidenum">
               <a:rPr lang="de-CH" smtClean="0"/>
-              <a:t>‹#›</a:t>
+              <a:t>‹Nr.›</a:t>
             </a:fld>
             <a:endParaRPr lang="de-CH" dirty="0"/>
           </a:p>
@@ -6024,7 +6024,7 @@
             <a:fld id="{F19AE9A8-34D4-4E8C-BE9C-13C550F1BED0}" type="slidenum">
               <a:rPr lang="de-CH" smtClean="0"/>
               <a:pPr/>
-              <a:t>‹#›</a:t>
+              <a:t>‹Nr.›</a:t>
             </a:fld>
             <a:endParaRPr lang="de-CH" dirty="0"/>
           </a:p>
@@ -6410,7 +6410,7 @@
             <a:fld id="{F19AE9A8-34D4-4E8C-BE9C-13C550F1BED0}" type="slidenum">
               <a:rPr lang="de-CH" smtClean="0"/>
               <a:pPr/>
-              <a:t>‹#›</a:t>
+              <a:t>‹Nr.›</a:t>
             </a:fld>
             <a:endParaRPr lang="de-CH" dirty="0"/>
           </a:p>
@@ -8964,7 +8964,7 @@
         </p:blipFill>
         <p:spPr bwMode="auto">
           <a:xfrm>
-            <a:off x="6099175" y="630000"/>
+            <a:off x="5471854" y="1083202"/>
             <a:ext cx="2342707" cy="3514060"/>
           </a:xfrm>
           <a:prstGeom prst="rect">
@@ -9249,7 +9249,7 @@
         </p:nvSpPr>
         <p:spPr>
           <a:xfrm>
-            <a:off x="468000" y="1118723"/>
+            <a:off x="468000" y="1416435"/>
             <a:ext cx="8100000" cy="4680000"/>
           </a:xfrm>
         </p:spPr>
@@ -11763,13 +11763,12 @@
 </file>
 
 <file path=customXml/item1.xml><?xml version="1.0" encoding="utf-8"?>
-<p:properties xmlns:p="http://schemas.microsoft.com/office/2006/metadata/properties" xmlns:xsi="http://www.w3.org/2001/XMLSchema-instance">
-  <documentManagement>
-    <Betriebsystem xmlns="238ac175-5152-443e-bf42-417a27926292">Windows/Mac</Betriebsystem>
-    <Office_x002d_Version xmlns="238ac175-5152-443e-bf42-417a27926292">Office 2010/2011</Office_x002d_Version>
-    <Kategorie xmlns="238ac175-5152-443e-bf42-417a27926292">Powerpoint</Kategorie>
-  </documentManagement>
-</p:properties>
+<?mso-contentType ?>
+<FormTemplates xmlns="http://schemas.microsoft.com/sharepoint/v3/contenttype/forms">
+  <Display>DocumentLibraryForm</Display>
+  <Edit>DocumentLibraryForm</Edit>
+  <New>DocumentLibraryForm</New>
+</FormTemplates>
 </file>
 
 <file path=customXml/item2.xml><?xml version="1.0" encoding="utf-8"?>
@@ -11857,25 +11856,19 @@
 </file>
 
 <file path=customXml/item3.xml><?xml version="1.0" encoding="utf-8"?>
-<?mso-contentType ?>
-<FormTemplates xmlns="http://schemas.microsoft.com/sharepoint/v3/contenttype/forms">
-  <Display>DocumentLibraryForm</Display>
-  <Edit>DocumentLibraryForm</Edit>
-  <New>DocumentLibraryForm</New>
-</FormTemplates>
+<p:properties xmlns:p="http://schemas.microsoft.com/office/2006/metadata/properties" xmlns:xsi="http://www.w3.org/2001/XMLSchema-instance">
+  <documentManagement>
+    <Betriebsystem xmlns="238ac175-5152-443e-bf42-417a27926292">Windows/Mac</Betriebsystem>
+    <Office_x002d_Version xmlns="238ac175-5152-443e-bf42-417a27926292">Office 2010/2011</Office_x002d_Version>
+    <Kategorie xmlns="238ac175-5152-443e-bf42-417a27926292">Powerpoint</Kategorie>
+  </documentManagement>
+</p:properties>
 </file>
 
 <file path=customXml/itemProps1.xml><?xml version="1.0" encoding="utf-8"?>
-<ds:datastoreItem xmlns:ds="http://schemas.openxmlformats.org/officeDocument/2006/customXml" ds:itemID="{F1B07C9B-62EC-4346-AB37-FD9874CBA0EB}">
+<ds:datastoreItem xmlns:ds="http://schemas.openxmlformats.org/officeDocument/2006/customXml" ds:itemID="{FCD14AB6-6E58-442F-B70D-2B317664A115}">
   <ds:schemaRefs>
-    <ds:schemaRef ds:uri="http://schemas.microsoft.com/office/2006/documentManagement/types"/>
-    <ds:schemaRef ds:uri="http://purl.org/dc/elements/1.1/"/>
-    <ds:schemaRef ds:uri="http://schemas.microsoft.com/office/2006/metadata/properties"/>
-    <ds:schemaRef ds:uri="http://purl.org/dc/terms/"/>
-    <ds:schemaRef ds:uri="238ac175-5152-443e-bf42-417a27926292"/>
-    <ds:schemaRef ds:uri="http://schemas.openxmlformats.org/package/2006/metadata/core-properties"/>
-    <ds:schemaRef ds:uri="http://www.w3.org/XML/1998/namespace"/>
-    <ds:schemaRef ds:uri="http://purl.org/dc/dcmitype/"/>
+    <ds:schemaRef ds:uri="http://schemas.microsoft.com/sharepoint/v3/contenttype/forms"/>
   </ds:schemaRefs>
 </ds:datastoreItem>
 </file>
@@ -11898,9 +11891,16 @@
 </file>
 
 <file path=customXml/itemProps3.xml><?xml version="1.0" encoding="utf-8"?>
-<ds:datastoreItem xmlns:ds="http://schemas.openxmlformats.org/officeDocument/2006/customXml" ds:itemID="{FCD14AB6-6E58-442F-B70D-2B317664A115}">
+<ds:datastoreItem xmlns:ds="http://schemas.openxmlformats.org/officeDocument/2006/customXml" ds:itemID="{F1B07C9B-62EC-4346-AB37-FD9874CBA0EB}">
   <ds:schemaRefs>
-    <ds:schemaRef ds:uri="http://schemas.microsoft.com/sharepoint/v3/contenttype/forms"/>
+    <ds:schemaRef ds:uri="http://schemas.microsoft.com/office/2006/documentManagement/types"/>
+    <ds:schemaRef ds:uri="http://purl.org/dc/elements/1.1/"/>
+    <ds:schemaRef ds:uri="http://schemas.microsoft.com/office/2006/metadata/properties"/>
+    <ds:schemaRef ds:uri="http://purl.org/dc/terms/"/>
+    <ds:schemaRef ds:uri="238ac175-5152-443e-bf42-417a27926292"/>
+    <ds:schemaRef ds:uri="http://schemas.openxmlformats.org/package/2006/metadata/core-properties"/>
+    <ds:schemaRef ds:uri="http://www.w3.org/XML/1998/namespace"/>
+    <ds:schemaRef ds:uri="http://purl.org/dc/dcmitype/"/>
   </ds:schemaRefs>
 </ds:datastoreItem>
 </file>
--- a/doc/CS1/Präsentation_CS1_Task_3_Blau.pptx
+++ b/doc/CS1/Präsentation_CS1_Task_3_Blau.pptx
@@ -5,10 +5,10 @@
     <p:sldMasterId id="2147483669" r:id="rId4"/>
   </p:sldMasterIdLst>
   <p:notesMasterIdLst>
-    <p:notesMasterId r:id="rId32"/>
+    <p:notesMasterId r:id="rId31"/>
   </p:notesMasterIdLst>
   <p:handoutMasterIdLst>
-    <p:handoutMasterId r:id="rId33"/>
+    <p:handoutMasterId r:id="rId32"/>
   </p:handoutMasterIdLst>
   <p:sldIdLst>
     <p:sldId id="256" r:id="rId5"/>
@@ -33,11 +33,10 @@
     <p:sldId id="310" r:id="rId24"/>
     <p:sldId id="311" r:id="rId25"/>
     <p:sldId id="293" r:id="rId26"/>
-    <p:sldId id="288" r:id="rId27"/>
-    <p:sldId id="280" r:id="rId28"/>
-    <p:sldId id="314" r:id="rId29"/>
-    <p:sldId id="312" r:id="rId30"/>
-    <p:sldId id="313" r:id="rId31"/>
+    <p:sldId id="280" r:id="rId27"/>
+    <p:sldId id="314" r:id="rId28"/>
+    <p:sldId id="312" r:id="rId29"/>
+    <p:sldId id="313" r:id="rId30"/>
   </p:sldIdLst>
   <p:sldSz cx="9144000" cy="6858000" type="screen4x3"/>
   <p:notesSz cx="6797675" cy="9872663"/>
@@ -168,7 +167,7 @@
   </p:defaultTextStyle>
   <p:extLst>
     <p:ext uri="{EFAFB233-063F-42B5-8137-9DF3F51BA10A}">
-      <p15:sldGuideLst xmlns:p15="http://schemas.microsoft.com/office/powerpoint/2012/main">
+      <p15:sldGuideLst xmlns:p15="http://schemas.microsoft.com/office/powerpoint/2012/main" xmlns="">
         <p15:guide id="1" orient="horz" pos="2160">
           <p15:clr>
             <a:srgbClr val="A4A3A4"/>
@@ -182,7 +181,7 @@
       </p15:sldGuideLst>
     </p:ext>
     <p:ext uri="{2D200454-40CA-4A62-9FC3-DE9A4176ACB9}">
-      <p15:notesGuideLst xmlns:p15="http://schemas.microsoft.com/office/powerpoint/2012/main">
+      <p15:notesGuideLst xmlns:p15="http://schemas.microsoft.com/office/powerpoint/2012/main" xmlns="">
         <p15:guide id="1" orient="horz" pos="3110">
           <p15:clr>
             <a:srgbClr val="A4A3A4"/>
@@ -998,9 +997,17 @@
             <a:br>
               <a:rPr lang="de-DE" noProof="0" dirty="0"/>
             </a:br>
+            <a:r>
+              <a:rPr lang="de-DE" noProof="0" dirty="0"/>
+              <a:t/>
+            </a:r>
             <a:br>
               <a:rPr lang="de-DE" noProof="0" dirty="0"/>
             </a:br>
+            <a:r>
+              <a:rPr lang="de-DE" noProof="0" dirty="0"/>
+              <a:t/>
+            </a:r>
             <a:br>
               <a:rPr lang="de-DE" noProof="0" dirty="0"/>
             </a:br>
@@ -8349,26 +8356,7 @@
       </p:grpSpPr>
       <p:sp>
         <p:nvSpPr>
-          <p:cNvPr id="2" name="Inhaltsplatzhalter 1"/>
-          <p:cNvSpPr>
-            <a:spLocks noGrp="1"/>
-          </p:cNvSpPr>
-          <p:nvPr>
-            <p:ph sz="half" idx="1"/>
-          </p:nvPr>
-        </p:nvSpPr>
-        <p:spPr/>
-        <p:txBody>
-          <a:bodyPr/>
-          <a:lstStyle/>
-          <a:p>
-            <a:endParaRPr lang="de-DE" dirty="0"/>
-          </a:p>
-        </p:txBody>
-      </p:sp>
-      <p:sp>
-        <p:nvSpPr>
-          <p:cNvPr id="3" name="Titel 2"/>
+          <p:cNvPr id="7" name="Titel 6"/>
           <p:cNvSpPr>
             <a:spLocks noGrp="1"/>
           </p:cNvSpPr>
@@ -8382,14 +8370,11 @@
           <a:lstStyle/>
           <a:p>
             <a:r>
-              <a:rPr lang="de-CH" dirty="0"/>
-              <a:t>Validation</a:t>
+              <a:rPr lang="de-DE" dirty="0"/>
+              <a:t>Danke für Ihre Aufmerksamkeit.</a:t>
             </a:r>
             <a:br>
-              <a:rPr lang="de-CH" dirty="0"/>
-            </a:br>
-            <a:br>
-              <a:rPr lang="de-CH" dirty="0"/>
+              <a:rPr lang="de-DE" dirty="0"/>
             </a:br>
             <a:endParaRPr lang="de-DE" dirty="0"/>
           </a:p>
@@ -8398,7 +8383,7 @@
     </p:spTree>
     <p:extLst>
       <p:ext uri="{BB962C8B-B14F-4D97-AF65-F5344CB8AC3E}">
-        <p14:creationId xmlns:p14="http://schemas.microsoft.com/office/powerpoint/2010/main" val="904193018"/>
+        <p14:creationId xmlns:p14="http://schemas.microsoft.com/office/powerpoint/2010/main" val="1453298477"/>
       </p:ext>
     </p:extLst>
   </p:cSld>
@@ -8427,62 +8412,6 @@
       </p:grpSpPr>
       <p:sp>
         <p:nvSpPr>
-          <p:cNvPr id="7" name="Titel 6"/>
-          <p:cNvSpPr>
-            <a:spLocks noGrp="1"/>
-          </p:cNvSpPr>
-          <p:nvPr>
-            <p:ph type="ctrTitle"/>
-          </p:nvPr>
-        </p:nvSpPr>
-        <p:spPr/>
-        <p:txBody>
-          <a:bodyPr/>
-          <a:lstStyle/>
-          <a:p>
-            <a:r>
-              <a:rPr lang="de-DE" dirty="0"/>
-              <a:t>Danke für Ihre Aufmerksamkeit.</a:t>
-            </a:r>
-            <a:br>
-              <a:rPr lang="de-DE" dirty="0"/>
-            </a:br>
-            <a:endParaRPr lang="de-DE" dirty="0"/>
-          </a:p>
-        </p:txBody>
-      </p:sp>
-    </p:spTree>
-    <p:extLst>
-      <p:ext uri="{BB962C8B-B14F-4D97-AF65-F5344CB8AC3E}">
-        <p14:creationId xmlns:p14="http://schemas.microsoft.com/office/powerpoint/2010/main" val="1453298477"/>
-      </p:ext>
-    </p:extLst>
-  </p:cSld>
-  <p:clrMapOvr>
-    <a:masterClrMapping/>
-  </p:clrMapOvr>
-</p:sld>
-</file>
-
-<file path=ppt/slides/slide25.xml><?xml version="1.0" encoding="utf-8"?>
-<p:sld xmlns:a="http://schemas.openxmlformats.org/drawingml/2006/main" xmlns:r="http://schemas.openxmlformats.org/officeDocument/2006/relationships" xmlns:p="http://schemas.openxmlformats.org/presentationml/2006/main">
-  <p:cSld>
-    <p:spTree>
-      <p:nvGrpSpPr>
-        <p:cNvPr id="1" name=""/>
-        <p:cNvGrpSpPr/>
-        <p:nvPr/>
-      </p:nvGrpSpPr>
-      <p:grpSpPr>
-        <a:xfrm>
-          <a:off x="0" y="0"/>
-          <a:ext cx="0" cy="0"/>
-          <a:chOff x="0" y="0"/>
-          <a:chExt cx="0" cy="0"/>
-        </a:xfrm>
-      </p:grpSpPr>
-      <p:sp>
-        <p:nvSpPr>
           <p:cNvPr id="5" name="Content Placeholder 4"/>
           <p:cNvSpPr>
             <a:spLocks noGrp="1"/>
@@ -8535,7 +8464,7 @@
 </p:sld>
 </file>
 
-<file path=ppt/slides/slide26.xml><?xml version="1.0" encoding="utf-8"?>
+<file path=ppt/slides/slide25.xml><?xml version="1.0" encoding="utf-8"?>
 <p:sld xmlns:a="http://schemas.openxmlformats.org/drawingml/2006/main" xmlns:r="http://schemas.openxmlformats.org/officeDocument/2006/relationships" xmlns:p="http://schemas.openxmlformats.org/presentationml/2006/main">
   <p:cSld>
     <p:spTree>
@@ -8699,7 +8628,7 @@
 </p:sld>
 </file>
 
-<file path=ppt/slides/slide27.xml><?xml version="1.0" encoding="utf-8"?>
+<file path=ppt/slides/slide26.xml><?xml version="1.0" encoding="utf-8"?>
 <p:sld xmlns:a="http://schemas.openxmlformats.org/drawingml/2006/main" xmlns:r="http://schemas.openxmlformats.org/officeDocument/2006/relationships" xmlns:p="http://schemas.openxmlformats.org/presentationml/2006/main">
   <p:cSld>
     <p:spTree>
@@ -11763,15 +11692,6 @@
 </file>
 
 <file path=customXml/item1.xml><?xml version="1.0" encoding="utf-8"?>
-<?mso-contentType ?>
-<FormTemplates xmlns="http://schemas.microsoft.com/sharepoint/v3/contenttype/forms">
-  <Display>DocumentLibraryForm</Display>
-  <Edit>DocumentLibraryForm</Edit>
-  <New>DocumentLibraryForm</New>
-</FormTemplates>
-</file>
-
-<file path=customXml/item2.xml><?xml version="1.0" encoding="utf-8"?>
 <ct:contentTypeSchema xmlns:ct="http://schemas.microsoft.com/office/2006/metadata/contentType" xmlns:ma="http://schemas.microsoft.com/office/2006/metadata/properties/metaAttributes" ct:_="" ma:_="" ma:contentTypeName="Dokument" ma:contentTypeID="0x0101003A4279409C3118409D418E682AEFAFB0" ma:contentTypeVersion="3" ma:contentTypeDescription="Ein neues Dokument erstellen." ma:contentTypeScope="" ma:versionID="2b39eecd042fe67817287380b00d4728">
   <xsd:schema xmlns:xsd="http://www.w3.org/2001/XMLSchema" xmlns:p="http://schemas.microsoft.com/office/2006/metadata/properties" xmlns:ns2="238ac175-5152-443e-bf42-417a27926292" targetNamespace="http://schemas.microsoft.com/office/2006/metadata/properties" ma:root="true" ma:fieldsID="3e4ac4b9de63a8d8211a46de917ff848" ns2:_="">
     <xsd:import namespace="238ac175-5152-443e-bf42-417a27926292"/>
@@ -11855,6 +11775,15 @@
 </ct:contentTypeSchema>
 </file>
 
+<file path=customXml/item2.xml><?xml version="1.0" encoding="utf-8"?>
+<?mso-contentType ?>
+<FormTemplates xmlns="http://schemas.microsoft.com/sharepoint/v3/contenttype/forms">
+  <Display>DocumentLibraryForm</Display>
+  <Edit>DocumentLibraryForm</Edit>
+  <New>DocumentLibraryForm</New>
+</FormTemplates>
+</file>
+
 <file path=customXml/item3.xml><?xml version="1.0" encoding="utf-8"?>
 <p:properties xmlns:p="http://schemas.microsoft.com/office/2006/metadata/properties" xmlns:xsi="http://www.w3.org/2001/XMLSchema-instance">
   <documentManagement>
@@ -11866,14 +11795,6 @@
 </file>
 
 <file path=customXml/itemProps1.xml><?xml version="1.0" encoding="utf-8"?>
-<ds:datastoreItem xmlns:ds="http://schemas.openxmlformats.org/officeDocument/2006/customXml" ds:itemID="{FCD14AB6-6E58-442F-B70D-2B317664A115}">
-  <ds:schemaRefs>
-    <ds:schemaRef ds:uri="http://schemas.microsoft.com/sharepoint/v3/contenttype/forms"/>
-  </ds:schemaRefs>
-</ds:datastoreItem>
-</file>
-
-<file path=customXml/itemProps2.xml><?xml version="1.0" encoding="utf-8"?>
 <ds:datastoreItem xmlns:ds="http://schemas.openxmlformats.org/officeDocument/2006/customXml" ds:itemID="{BD8FD62B-E50E-4101-B7F8-577C2BC63D28}">
   <ds:schemaRefs>
     <ds:schemaRef ds:uri="http://schemas.microsoft.com/office/2006/metadata/contentType"/>
@@ -11886,6 +11807,14 @@
     <ds:schemaRef ds:uri="http://purl.org/dc/elements/1.1/"/>
     <ds:schemaRef ds:uri="http://purl.org/dc/terms/"/>
     <ds:schemaRef ds:uri="http://schemas.microsoft.com/office/internal/2005/internalDocumentation"/>
+  </ds:schemaRefs>
+</ds:datastoreItem>
+</file>
+
+<file path=customXml/itemProps2.xml><?xml version="1.0" encoding="utf-8"?>
+<ds:datastoreItem xmlns:ds="http://schemas.openxmlformats.org/officeDocument/2006/customXml" ds:itemID="{FCD14AB6-6E58-442F-B70D-2B317664A115}">
+  <ds:schemaRefs>
+    <ds:schemaRef ds:uri="http://schemas.microsoft.com/sharepoint/v3/contenttype/forms"/>
   </ds:schemaRefs>
 </ds:datastoreItem>
 </file>

--- a/doc/CS1/Präsentation_CS1_Task_3_Blau.pptx
+++ b/doc/CS1/Präsentation_CS1_Task_3_Blau.pptx
@@ -5,10 +5,10 @@
     <p:sldMasterId id="2147483669" r:id="rId4"/>
   </p:sldMasterIdLst>
   <p:notesMasterIdLst>
-    <p:notesMasterId r:id="rId31"/>
+    <p:notesMasterId r:id="rId32"/>
   </p:notesMasterIdLst>
   <p:handoutMasterIdLst>
-    <p:handoutMasterId r:id="rId32"/>
+    <p:handoutMasterId r:id="rId33"/>
   </p:handoutMasterIdLst>
   <p:sldIdLst>
     <p:sldId id="256" r:id="rId5"/>
@@ -33,10 +33,11 @@
     <p:sldId id="310" r:id="rId24"/>
     <p:sldId id="311" r:id="rId25"/>
     <p:sldId id="293" r:id="rId26"/>
-    <p:sldId id="280" r:id="rId27"/>
-    <p:sldId id="314" r:id="rId28"/>
-    <p:sldId id="312" r:id="rId29"/>
-    <p:sldId id="313" r:id="rId30"/>
+    <p:sldId id="315" r:id="rId27"/>
+    <p:sldId id="280" r:id="rId28"/>
+    <p:sldId id="314" r:id="rId29"/>
+    <p:sldId id="312" r:id="rId30"/>
+    <p:sldId id="313" r:id="rId31"/>
   </p:sldIdLst>
   <p:sldSz cx="9144000" cy="6858000" type="screen4x3"/>
   <p:notesSz cx="6797675" cy="9872663"/>
@@ -167,7 +168,7 @@
   </p:defaultTextStyle>
   <p:extLst>
     <p:ext uri="{EFAFB233-063F-42B5-8137-9DF3F51BA10A}">
-      <p15:sldGuideLst xmlns:p15="http://schemas.microsoft.com/office/powerpoint/2012/main" xmlns="">
+      <p15:sldGuideLst xmlns:p15="http://schemas.microsoft.com/office/powerpoint/2012/main">
         <p15:guide id="1" orient="horz" pos="2160">
           <p15:clr>
             <a:srgbClr val="A4A3A4"/>
@@ -181,7 +182,7 @@
       </p15:sldGuideLst>
     </p:ext>
     <p:ext uri="{2D200454-40CA-4A62-9FC3-DE9A4176ACB9}">
-      <p15:notesGuideLst xmlns:p15="http://schemas.microsoft.com/office/powerpoint/2012/main" xmlns="">
+      <p15:notesGuideLst xmlns:p15="http://schemas.microsoft.com/office/powerpoint/2012/main">
         <p15:guide id="1" orient="horz" pos="3110">
           <p15:clr>
             <a:srgbClr val="A4A3A4"/>
@@ -997,17 +998,9 @@
             <a:br>
               <a:rPr lang="de-DE" noProof="0" dirty="0"/>
             </a:br>
-            <a:r>
-              <a:rPr lang="de-DE" noProof="0" dirty="0"/>
-              <a:t/>
-            </a:r>
             <a:br>
               <a:rPr lang="de-DE" noProof="0" dirty="0"/>
             </a:br>
-            <a:r>
-              <a:rPr lang="de-DE" noProof="0" dirty="0"/>
-              <a:t/>
-            </a:r>
             <a:br>
               <a:rPr lang="de-DE" noProof="0" dirty="0"/>
             </a:br>
@@ -8356,7 +8349,45 @@
       </p:grpSpPr>
       <p:sp>
         <p:nvSpPr>
-          <p:cNvPr id="7" name="Titel 6"/>
+          <p:cNvPr id="5" name="Content Placeholder 4"/>
+          <p:cNvSpPr>
+            <a:spLocks noGrp="1"/>
+          </p:cNvSpPr>
+          <p:nvPr>
+            <p:ph sz="half" idx="1"/>
+          </p:nvPr>
+        </p:nvSpPr>
+        <p:spPr/>
+        <p:txBody>
+          <a:bodyPr/>
+          <a:lstStyle/>
+          <a:p>
+            <a:r>
+              <a:rPr lang="de-DE" dirty="0" err="1"/>
+              <a:t>Grössere</a:t>
+            </a:r>
+            <a:r>
+              <a:rPr lang="de-DE" dirty="0"/>
+              <a:t> Schriftart</a:t>
+            </a:r>
+          </a:p>
+          <a:p>
+            <a:r>
+              <a:rPr lang="de-DE" dirty="0"/>
+              <a:t>Anstelle der AHV-Nummer die Versichertennummer</a:t>
+            </a:r>
+          </a:p>
+          <a:p>
+            <a:r>
+              <a:rPr lang="de-DE" dirty="0"/>
+              <a:t>Entnahmezeit</a:t>
+            </a:r>
+          </a:p>
+        </p:txBody>
+      </p:sp>
+      <p:sp>
+        <p:nvSpPr>
+          <p:cNvPr id="4" name="Title 3"/>
           <p:cNvSpPr>
             <a:spLocks noGrp="1"/>
           </p:cNvSpPr>
@@ -8370,20 +8401,16 @@
           <a:lstStyle/>
           <a:p>
             <a:r>
-              <a:rPr lang="de-DE" dirty="0"/>
-              <a:t>Danke für Ihre Aufmerksamkeit.</a:t>
-            </a:r>
-            <a:br>
-              <a:rPr lang="de-DE" dirty="0"/>
-            </a:br>
-            <a:endParaRPr lang="de-DE" dirty="0"/>
+              <a:rPr lang="en-GB" dirty="0"/>
+              <a:t>Validation</a:t>
+            </a:r>
           </a:p>
         </p:txBody>
       </p:sp>
     </p:spTree>
     <p:extLst>
       <p:ext uri="{BB962C8B-B14F-4D97-AF65-F5344CB8AC3E}">
-        <p14:creationId xmlns:p14="http://schemas.microsoft.com/office/powerpoint/2010/main" val="1453298477"/>
+        <p14:creationId xmlns:p14="http://schemas.microsoft.com/office/powerpoint/2010/main" val="4256110298"/>
       </p:ext>
     </p:extLst>
   </p:cSld>
@@ -8412,6 +8439,62 @@
       </p:grpSpPr>
       <p:sp>
         <p:nvSpPr>
+          <p:cNvPr id="7" name="Titel 6"/>
+          <p:cNvSpPr>
+            <a:spLocks noGrp="1"/>
+          </p:cNvSpPr>
+          <p:nvPr>
+            <p:ph type="ctrTitle"/>
+          </p:nvPr>
+        </p:nvSpPr>
+        <p:spPr/>
+        <p:txBody>
+          <a:bodyPr/>
+          <a:lstStyle/>
+          <a:p>
+            <a:r>
+              <a:rPr lang="de-DE" dirty="0"/>
+              <a:t>Danke für Ihre Aufmerksamkeit.</a:t>
+            </a:r>
+            <a:br>
+              <a:rPr lang="de-DE" dirty="0"/>
+            </a:br>
+            <a:endParaRPr lang="de-DE" dirty="0"/>
+          </a:p>
+        </p:txBody>
+      </p:sp>
+    </p:spTree>
+    <p:extLst>
+      <p:ext uri="{BB962C8B-B14F-4D97-AF65-F5344CB8AC3E}">
+        <p14:creationId xmlns:p14="http://schemas.microsoft.com/office/powerpoint/2010/main" val="1453298477"/>
+      </p:ext>
+    </p:extLst>
+  </p:cSld>
+  <p:clrMapOvr>
+    <a:masterClrMapping/>
+  </p:clrMapOvr>
+</p:sld>
+</file>
+
+<file path=ppt/slides/slide25.xml><?xml version="1.0" encoding="utf-8"?>
+<p:sld xmlns:a="http://schemas.openxmlformats.org/drawingml/2006/main" xmlns:r="http://schemas.openxmlformats.org/officeDocument/2006/relationships" xmlns:p="http://schemas.openxmlformats.org/presentationml/2006/main">
+  <p:cSld>
+    <p:spTree>
+      <p:nvGrpSpPr>
+        <p:cNvPr id="1" name=""/>
+        <p:cNvGrpSpPr/>
+        <p:nvPr/>
+      </p:nvGrpSpPr>
+      <p:grpSpPr>
+        <a:xfrm>
+          <a:off x="0" y="0"/>
+          <a:ext cx="0" cy="0"/>
+          <a:chOff x="0" y="0"/>
+          <a:chExt cx="0" cy="0"/>
+        </a:xfrm>
+      </p:grpSpPr>
+      <p:sp>
+        <p:nvSpPr>
           <p:cNvPr id="5" name="Content Placeholder 4"/>
           <p:cNvSpPr>
             <a:spLocks noGrp="1"/>
@@ -8464,7 +8547,7 @@
 </p:sld>
 </file>
 
-<file path=ppt/slides/slide25.xml><?xml version="1.0" encoding="utf-8"?>
+<file path=ppt/slides/slide26.xml><?xml version="1.0" encoding="utf-8"?>
 <p:sld xmlns:a="http://schemas.openxmlformats.org/drawingml/2006/main" xmlns:r="http://schemas.openxmlformats.org/officeDocument/2006/relationships" xmlns:p="http://schemas.openxmlformats.org/presentationml/2006/main">
   <p:cSld>
     <p:spTree>
@@ -8628,7 +8711,7 @@
 </p:sld>
 </file>
 
-<file path=ppt/slides/slide26.xml><?xml version="1.0" encoding="utf-8"?>
+<file path=ppt/slides/slide27.xml><?xml version="1.0" encoding="utf-8"?>
 <p:sld xmlns:a="http://schemas.openxmlformats.org/drawingml/2006/main" xmlns:r="http://schemas.openxmlformats.org/officeDocument/2006/relationships" xmlns:p="http://schemas.openxmlformats.org/presentationml/2006/main">
   <p:cSld>
     <p:spTree>
@@ -11692,6 +11775,15 @@
 </file>
 
 <file path=customXml/item1.xml><?xml version="1.0" encoding="utf-8"?>
+<?mso-contentType ?>
+<FormTemplates xmlns="http://schemas.microsoft.com/sharepoint/v3/contenttype/forms">
+  <Display>DocumentLibraryForm</Display>
+  <Edit>DocumentLibraryForm</Edit>
+  <New>DocumentLibraryForm</New>
+</FormTemplates>
+</file>
+
+<file path=customXml/item2.xml><?xml version="1.0" encoding="utf-8"?>
 <ct:contentTypeSchema xmlns:ct="http://schemas.microsoft.com/office/2006/metadata/contentType" xmlns:ma="http://schemas.microsoft.com/office/2006/metadata/properties/metaAttributes" ct:_="" ma:_="" ma:contentTypeName="Dokument" ma:contentTypeID="0x0101003A4279409C3118409D418E682AEFAFB0" ma:contentTypeVersion="3" ma:contentTypeDescription="Ein neues Dokument erstellen." ma:contentTypeScope="" ma:versionID="2b39eecd042fe67817287380b00d4728">
   <xsd:schema xmlns:xsd="http://www.w3.org/2001/XMLSchema" xmlns:p="http://schemas.microsoft.com/office/2006/metadata/properties" xmlns:ns2="238ac175-5152-443e-bf42-417a27926292" targetNamespace="http://schemas.microsoft.com/office/2006/metadata/properties" ma:root="true" ma:fieldsID="3e4ac4b9de63a8d8211a46de917ff848" ns2:_="">
     <xsd:import namespace="238ac175-5152-443e-bf42-417a27926292"/>
@@ -11775,15 +11867,6 @@
 </ct:contentTypeSchema>
 </file>
 
-<file path=customXml/item2.xml><?xml version="1.0" encoding="utf-8"?>
-<?mso-contentType ?>
-<FormTemplates xmlns="http://schemas.microsoft.com/sharepoint/v3/contenttype/forms">
-  <Display>DocumentLibraryForm</Display>
-  <Edit>DocumentLibraryForm</Edit>
-  <New>DocumentLibraryForm</New>
-</FormTemplates>
-</file>
-
 <file path=customXml/item3.xml><?xml version="1.0" encoding="utf-8"?>
 <p:properties xmlns:p="http://schemas.microsoft.com/office/2006/metadata/properties" xmlns:xsi="http://www.w3.org/2001/XMLSchema-instance">
   <documentManagement>
@@ -11795,6 +11878,14 @@
 </file>
 
 <file path=customXml/itemProps1.xml><?xml version="1.0" encoding="utf-8"?>
+<ds:datastoreItem xmlns:ds="http://schemas.openxmlformats.org/officeDocument/2006/customXml" ds:itemID="{FCD14AB6-6E58-442F-B70D-2B317664A115}">
+  <ds:schemaRefs>
+    <ds:schemaRef ds:uri="http://schemas.microsoft.com/sharepoint/v3/contenttype/forms"/>
+  </ds:schemaRefs>
+</ds:datastoreItem>
+</file>
+
+<file path=customXml/itemProps2.xml><?xml version="1.0" encoding="utf-8"?>
 <ds:datastoreItem xmlns:ds="http://schemas.openxmlformats.org/officeDocument/2006/customXml" ds:itemID="{BD8FD62B-E50E-4101-B7F8-577C2BC63D28}">
   <ds:schemaRefs>
     <ds:schemaRef ds:uri="http://schemas.microsoft.com/office/2006/metadata/contentType"/>
@@ -11807,14 +11898,6 @@
     <ds:schemaRef ds:uri="http://purl.org/dc/elements/1.1/"/>
     <ds:schemaRef ds:uri="http://purl.org/dc/terms/"/>
     <ds:schemaRef ds:uri="http://schemas.microsoft.com/office/internal/2005/internalDocumentation"/>
-  </ds:schemaRefs>
-</ds:datastoreItem>
-</file>
-
-<file path=customXml/itemProps2.xml><?xml version="1.0" encoding="utf-8"?>
-<ds:datastoreItem xmlns:ds="http://schemas.openxmlformats.org/officeDocument/2006/customXml" ds:itemID="{FCD14AB6-6E58-442F-B70D-2B317664A115}">
-  <ds:schemaRefs>
-    <ds:schemaRef ds:uri="http://schemas.microsoft.com/sharepoint/v3/contenttype/forms"/>
   </ds:schemaRefs>
 </ds:datastoreItem>
 </file>
